--- a/Slides/Principle/9 碰撞检测/9 碰撞检测.pptx
+++ b/Slides/Principle/9 碰撞检测/9 碰撞检测.pptx
@@ -67,6 +67,7 @@
     <p:sldId id="312" r:id="rId61"/>
     <p:sldId id="313" r:id="rId62"/>
     <p:sldId id="314" r:id="rId63"/>
+    <p:sldId id="318" r:id="rId64"/>
   </p:sldIdLst>
   <p:sldSz cx="9144000" cy="5143500" type="screen16x9"/>
   <p:notesSz cx="6858000" cy="9144000"/>
@@ -388,7 +389,7 @@
           <a:p>
             <a:fld id="{530820CF-B880-4189-942D-D702A7CBA730}" type="datetimeFigureOut">
               <a:rPr lang="zh-CN" altLang="en-US" smtClean="0"/>
-              <a:t>2018/4/1</a:t>
+              <a:t>2018/4/2</a:t>
             </a:fld>
             <a:endParaRPr lang="zh-CN" altLang="en-US"/>
           </a:p>
@@ -610,7 +611,7 @@
           <a:p>
             <a:fld id="{530820CF-B880-4189-942D-D702A7CBA730}" type="datetimeFigureOut">
               <a:rPr lang="zh-CN" altLang="en-US" smtClean="0"/>
-              <a:t>2018/4/1</a:t>
+              <a:t>2018/4/2</a:t>
             </a:fld>
             <a:endParaRPr lang="zh-CN" altLang="en-US"/>
           </a:p>
@@ -878,7 +879,7 @@
           <a:p>
             <a:fld id="{530820CF-B880-4189-942D-D702A7CBA730}" type="datetimeFigureOut">
               <a:rPr lang="zh-CN" altLang="en-US" smtClean="0"/>
-              <a:t>2018/4/1</a:t>
+              <a:t>2018/4/2</a:t>
             </a:fld>
             <a:endParaRPr lang="zh-CN" altLang="en-US"/>
           </a:p>
@@ -1128,7 +1129,7 @@
           <a:p>
             <a:fld id="{530820CF-B880-4189-942D-D702A7CBA730}" type="datetimeFigureOut">
               <a:rPr lang="zh-CN" altLang="en-US" smtClean="0"/>
-              <a:t>2018/4/1</a:t>
+              <a:t>2018/4/2</a:t>
             </a:fld>
             <a:endParaRPr lang="zh-CN" altLang="en-US"/>
           </a:p>
@@ -1387,7 +1388,7 @@
           <a:p>
             <a:fld id="{530820CF-B880-4189-942D-D702A7CBA730}" type="datetimeFigureOut">
               <a:rPr lang="zh-CN" altLang="en-US" smtClean="0"/>
-              <a:t>2018/4/1</a:t>
+              <a:t>2018/4/2</a:t>
             </a:fld>
             <a:endParaRPr lang="zh-CN" altLang="en-US"/>
           </a:p>
@@ -1752,7 +1753,7 @@
           <a:p>
             <a:fld id="{530820CF-B880-4189-942D-D702A7CBA730}" type="datetimeFigureOut">
               <a:rPr lang="zh-CN" altLang="en-US" smtClean="0"/>
-              <a:t>2018/4/1</a:t>
+              <a:t>2018/4/2</a:t>
             </a:fld>
             <a:endParaRPr lang="zh-CN" altLang="en-US"/>
           </a:p>
@@ -2250,7 +2251,7 @@
           <a:p>
             <a:fld id="{530820CF-B880-4189-942D-D702A7CBA730}" type="datetimeFigureOut">
               <a:rPr lang="zh-CN" altLang="en-US" smtClean="0"/>
-              <a:t>2018/4/1</a:t>
+              <a:t>2018/4/2</a:t>
             </a:fld>
             <a:endParaRPr lang="zh-CN" altLang="en-US"/>
           </a:p>
@@ -2444,7 +2445,7 @@
           <a:p>
             <a:fld id="{530820CF-B880-4189-942D-D702A7CBA730}" type="datetimeFigureOut">
               <a:rPr lang="zh-CN" altLang="en-US" smtClean="0"/>
-              <a:t>2018/4/1</a:t>
+              <a:t>2018/4/2</a:t>
             </a:fld>
             <a:endParaRPr lang="zh-CN" altLang="en-US"/>
           </a:p>
@@ -2615,7 +2616,7 @@
           <a:p>
             <a:fld id="{530820CF-B880-4189-942D-D702A7CBA730}" type="datetimeFigureOut">
               <a:rPr lang="zh-CN" altLang="en-US" smtClean="0"/>
-              <a:t>2018/4/1</a:t>
+              <a:t>2018/4/2</a:t>
             </a:fld>
             <a:endParaRPr lang="zh-CN" altLang="en-US"/>
           </a:p>
@@ -3015,7 +3016,7 @@
           <a:p>
             <a:fld id="{530820CF-B880-4189-942D-D702A7CBA730}" type="datetimeFigureOut">
               <a:rPr lang="zh-CN" altLang="en-US" smtClean="0"/>
-              <a:t>2018/4/1</a:t>
+              <a:t>2018/4/2</a:t>
             </a:fld>
             <a:endParaRPr lang="zh-CN" altLang="en-US"/>
           </a:p>
@@ -3395,7 +3396,7 @@
           <a:p>
             <a:fld id="{530820CF-B880-4189-942D-D702A7CBA730}" type="datetimeFigureOut">
               <a:rPr lang="zh-CN" altLang="en-US" smtClean="0"/>
-              <a:t>2018/4/1</a:t>
+              <a:t>2018/4/2</a:t>
             </a:fld>
             <a:endParaRPr lang="zh-CN" altLang="en-US"/>
           </a:p>
@@ -3669,7 +3670,7 @@
           <a:p>
             <a:fld id="{530820CF-B880-4189-942D-D702A7CBA730}" type="datetimeFigureOut">
               <a:rPr lang="zh-CN" altLang="en-US" smtClean="0"/>
-              <a:t>2018/4/1</a:t>
+              <a:t>2018/4/2</a:t>
             </a:fld>
             <a:endParaRPr lang="zh-CN" altLang="en-US"/>
           </a:p>
@@ -4238,8 +4239,8 @@
           </a:p>
         </p:txBody>
       </p:sp>
-      <mc:AlternateContent xmlns:mc="http://schemas.openxmlformats.org/markup-compatibility/2006">
-        <mc:Choice xmlns:a14="http://schemas.microsoft.com/office/drawing/2010/main" Requires="a14">
+      <mc:AlternateContent xmlns:mc="http://schemas.openxmlformats.org/markup-compatibility/2006" xmlns:a14="http://schemas.microsoft.com/office/drawing/2010/main">
+        <mc:Choice Requires="a14">
           <p:sp>
             <p:nvSpPr>
               <p:cNvPr id="3" name="内容占位符 2"/>
@@ -4293,14 +4294,18 @@
                     <m:d>
                       <m:dPr>
                         <m:ctrlPr>
-                          <a:rPr lang="zh-CN" altLang="zh-CN" i="1"/>
+                          <a:rPr lang="zh-CN" altLang="zh-CN" i="1">
+                            <a:latin typeface="Cambria Math"/>
+                          </a:rPr>
                         </m:ctrlPr>
                       </m:dPr>
                       <m:e>
                         <m:sSub>
                           <m:sSubPr>
                             <m:ctrlPr>
-                              <a:rPr lang="zh-CN" altLang="zh-CN" i="1"/>
+                              <a:rPr lang="zh-CN" altLang="zh-CN" i="1">
+                                <a:latin typeface="Cambria Math"/>
+                              </a:rPr>
                             </m:ctrlPr>
                           </m:sSubPr>
                           <m:e>
@@ -4308,7 +4313,9 @@
                               <m:rPr>
                                 <m:sty m:val="p"/>
                               </m:rPr>
-                              <a:rPr lang="en-US" altLang="zh-CN"/>
+                              <a:rPr lang="en-US" altLang="zh-CN">
+                                <a:latin typeface="Cambria Math"/>
+                              </a:rPr>
                               <m:t>x</m:t>
                             </m:r>
                           </m:e>
@@ -4317,19 +4324,25 @@
                               <m:rPr>
                                 <m:sty m:val="p"/>
                               </m:rPr>
-                              <a:rPr lang="en-US" altLang="zh-CN"/>
+                              <a:rPr lang="en-US" altLang="zh-CN">
+                                <a:latin typeface="Cambria Math"/>
+                              </a:rPr>
                               <m:t>min</m:t>
                             </m:r>
                           </m:sub>
                         </m:sSub>
                         <m:r>
-                          <a:rPr lang="en-US" altLang="zh-CN"/>
+                          <a:rPr lang="en-US" altLang="zh-CN">
+                            <a:latin typeface="Cambria Math"/>
+                          </a:rPr>
                           <m:t> ,</m:t>
                         </m:r>
                         <m:sSub>
                           <m:sSubPr>
                             <m:ctrlPr>
-                              <a:rPr lang="zh-CN" altLang="zh-CN" i="1"/>
+                              <a:rPr lang="zh-CN" altLang="zh-CN" i="1">
+                                <a:latin typeface="Cambria Math"/>
+                              </a:rPr>
                             </m:ctrlPr>
                           </m:sSubPr>
                           <m:e>
@@ -4337,7 +4350,9 @@
                               <m:rPr>
                                 <m:sty m:val="p"/>
                               </m:rPr>
-                              <a:rPr lang="en-US" altLang="zh-CN"/>
+                              <a:rPr lang="en-US" altLang="zh-CN">
+                                <a:latin typeface="Cambria Math"/>
+                              </a:rPr>
                               <m:t>y</m:t>
                             </m:r>
                           </m:e>
@@ -4346,23 +4361,31 @@
                               <m:rPr>
                                 <m:sty m:val="p"/>
                               </m:rPr>
-                              <a:rPr lang="en-US" altLang="zh-CN"/>
+                              <a:rPr lang="en-US" altLang="zh-CN">
+                                <a:latin typeface="Cambria Math"/>
+                              </a:rPr>
                               <m:t>min</m:t>
                             </m:r>
                             <m:r>
-                              <a:rPr lang="en-US" altLang="zh-CN"/>
+                              <a:rPr lang="en-US" altLang="zh-CN">
+                                <a:latin typeface="Cambria Math"/>
+                              </a:rPr>
                               <m:t> </m:t>
                             </m:r>
                           </m:sub>
                         </m:sSub>
                         <m:r>
-                          <a:rPr lang="en-US" altLang="zh-CN"/>
+                          <a:rPr lang="en-US" altLang="zh-CN">
+                            <a:latin typeface="Cambria Math"/>
+                          </a:rPr>
                           <m:t>,</m:t>
                         </m:r>
                         <m:sSub>
                           <m:sSubPr>
                             <m:ctrlPr>
-                              <a:rPr lang="zh-CN" altLang="zh-CN" i="1"/>
+                              <a:rPr lang="zh-CN" altLang="zh-CN" i="1">
+                                <a:latin typeface="Cambria Math"/>
+                              </a:rPr>
                             </m:ctrlPr>
                           </m:sSubPr>
                           <m:e>
@@ -4370,7 +4393,9 @@
                               <m:rPr>
                                 <m:sty m:val="p"/>
                               </m:rPr>
-                              <a:rPr lang="en-US" altLang="zh-CN"/>
+                              <a:rPr lang="en-US" altLang="zh-CN">
+                                <a:latin typeface="Cambria Math"/>
+                              </a:rPr>
                               <m:t>z</m:t>
                             </m:r>
                           </m:e>
@@ -4379,7 +4404,9 @@
                               <m:rPr>
                                 <m:sty m:val="p"/>
                               </m:rPr>
-                              <a:rPr lang="en-US" altLang="zh-CN"/>
+                              <a:rPr lang="en-US" altLang="zh-CN">
+                                <a:latin typeface="Cambria Math"/>
+                              </a:rPr>
                               <m:t>min</m:t>
                             </m:r>
                           </m:sub>
@@ -4387,7 +4414,9 @@
                       </m:e>
                     </m:d>
                     <m:r>
-                      <a:rPr lang="zh-CN" altLang="zh-CN"/>
+                      <a:rPr lang="zh-CN" altLang="zh-CN">
+                        <a:latin typeface="Cambria Math"/>
+                      </a:rPr>
                       <m:t>、</m:t>
                     </m:r>
                   </m:oMath>
@@ -4399,13 +4428,17 @@
                 <a14:m>
                   <m:oMath xmlns:m="http://schemas.openxmlformats.org/officeDocument/2006/math">
                     <m:r>
-                      <a:rPr lang="en-US" altLang="zh-CN"/>
+                      <a:rPr lang="en-US" altLang="zh-CN">
+                        <a:latin typeface="Cambria Math"/>
+                      </a:rPr>
                       <m:t>(</m:t>
                     </m:r>
                     <m:sSub>
                       <m:sSubPr>
                         <m:ctrlPr>
-                          <a:rPr lang="zh-CN" altLang="zh-CN" i="1"/>
+                          <a:rPr lang="zh-CN" altLang="zh-CN" i="1">
+                            <a:latin typeface="Cambria Math"/>
+                          </a:rPr>
                         </m:ctrlPr>
                       </m:sSubPr>
                       <m:e>
@@ -4413,7 +4446,9 @@
                           <m:rPr>
                             <m:sty m:val="p"/>
                           </m:rPr>
-                          <a:rPr lang="en-US" altLang="zh-CN"/>
+                          <a:rPr lang="en-US" altLang="zh-CN">
+                            <a:latin typeface="Cambria Math"/>
+                          </a:rPr>
                           <m:t>x</m:t>
                         </m:r>
                       </m:e>
@@ -4422,19 +4457,25 @@
                           <m:rPr>
                             <m:sty m:val="p"/>
                           </m:rPr>
-                          <a:rPr lang="en-US" altLang="zh-CN"/>
+                          <a:rPr lang="en-US" altLang="zh-CN">
+                            <a:latin typeface="Cambria Math"/>
+                          </a:rPr>
                           <m:t>max</m:t>
                         </m:r>
                       </m:sub>
                     </m:sSub>
                     <m:r>
-                      <a:rPr lang="en-US" altLang="zh-CN"/>
+                      <a:rPr lang="en-US" altLang="zh-CN">
+                        <a:latin typeface="Cambria Math"/>
+                      </a:rPr>
                       <m:t> ,</m:t>
                     </m:r>
                     <m:sSub>
                       <m:sSubPr>
                         <m:ctrlPr>
-                          <a:rPr lang="zh-CN" altLang="zh-CN" i="1"/>
+                          <a:rPr lang="zh-CN" altLang="zh-CN" i="1">
+                            <a:latin typeface="Cambria Math"/>
+                          </a:rPr>
                         </m:ctrlPr>
                       </m:sSubPr>
                       <m:e>
@@ -4442,7 +4483,9 @@
                           <m:rPr>
                             <m:sty m:val="p"/>
                           </m:rPr>
-                          <a:rPr lang="en-US" altLang="zh-CN"/>
+                          <a:rPr lang="en-US" altLang="zh-CN">
+                            <a:latin typeface="Cambria Math"/>
+                          </a:rPr>
                           <m:t>y</m:t>
                         </m:r>
                       </m:e>
@@ -4451,19 +4494,25 @@
                           <m:rPr>
                             <m:sty m:val="p"/>
                           </m:rPr>
-                          <a:rPr lang="en-US" altLang="zh-CN"/>
+                          <a:rPr lang="en-US" altLang="zh-CN">
+                            <a:latin typeface="Cambria Math"/>
+                          </a:rPr>
                           <m:t>max</m:t>
                         </m:r>
                       </m:sub>
                     </m:sSub>
                     <m:r>
-                      <a:rPr lang="en-US" altLang="zh-CN"/>
+                      <a:rPr lang="en-US" altLang="zh-CN">
+                        <a:latin typeface="Cambria Math"/>
+                      </a:rPr>
                       <m:t> ,</m:t>
                     </m:r>
                     <m:sSub>
                       <m:sSubPr>
                         <m:ctrlPr>
-                          <a:rPr lang="zh-CN" altLang="zh-CN" i="1"/>
+                          <a:rPr lang="zh-CN" altLang="zh-CN" i="1">
+                            <a:latin typeface="Cambria Math"/>
+                          </a:rPr>
                         </m:ctrlPr>
                       </m:sSubPr>
                       <m:e>
@@ -4471,7 +4520,9 @@
                           <m:rPr>
                             <m:sty m:val="p"/>
                           </m:rPr>
-                          <a:rPr lang="en-US" altLang="zh-CN"/>
+                          <a:rPr lang="en-US" altLang="zh-CN">
+                            <a:latin typeface="Cambria Math"/>
+                          </a:rPr>
                           <m:t>z</m:t>
                         </m:r>
                       </m:e>
@@ -4480,13 +4531,17 @@
                           <m:rPr>
                             <m:sty m:val="p"/>
                           </m:rPr>
-                          <a:rPr lang="en-US" altLang="zh-CN"/>
+                          <a:rPr lang="en-US" altLang="zh-CN">
+                            <a:latin typeface="Cambria Math"/>
+                          </a:rPr>
                           <m:t>min</m:t>
                         </m:r>
                       </m:sub>
                     </m:sSub>
                     <m:r>
-                      <a:rPr lang="en-US" altLang="zh-CN"/>
+                      <a:rPr lang="en-US" altLang="zh-CN">
+                        <a:latin typeface="Cambria Math"/>
+                      </a:rPr>
                       <m:t>)</m:t>
                     </m:r>
                   </m:oMath>
@@ -4510,7 +4565,7 @@
             </p:txBody>
           </p:sp>
         </mc:Choice>
-        <mc:Fallback>
+        <mc:Fallback xmlns="">
           <p:sp>
             <p:nvSpPr>
               <p:cNvPr id="3" name="内容占位符 2"/>
@@ -4671,34 +4726,7 @@
               <a:srgbClr val="FFFFFF"/>
             </a:contourClr>
           </a:sp3d>
-          <a:extLst>
-            <a:ext uri="{909E8E84-426E-40DD-AFC4-6F175D3DCCD1}">
-              <a14:hiddenFill xmlns:a14="http://schemas.microsoft.com/office/drawing/2010/main">
-                <a:solidFill>
-                  <a:schemeClr val="accent1"/>
-                </a:solidFill>
-              </a14:hiddenFill>
-            </a:ext>
-            <a:ext uri="{91240B29-F687-4F45-9708-019B960494DF}">
-              <a14:hiddenLine xmlns:a14="http://schemas.microsoft.com/office/drawing/2010/main" w="9525">
-                <a:solidFill>
-                  <a:schemeClr val="tx1"/>
-                </a:solidFill>
-                <a:miter lim="800000"/>
-                <a:headEnd/>
-                <a:tailEnd/>
-              </a14:hiddenLine>
-            </a:ext>
-            <a:ext uri="{AF507438-7753-43E0-B8FC-AC1667EBCBE1}">
-              <a14:hiddenEffects xmlns:a14="http://schemas.microsoft.com/office/drawing/2010/main">
-                <a:effectLst>
-                  <a:outerShdw dist="35921" dir="2700000" algn="ctr" rotWithShape="0">
-                    <a:schemeClr val="bg2"/>
-                  </a:outerShdw>
-                </a:effectLst>
-              </a14:hiddenEffects>
-            </a:ext>
-          </a:extLst>
+          <a:extLst/>
         </p:spPr>
       </p:pic>
     </p:spTree>
@@ -5012,8 +5040,8 @@
           </a:p>
         </p:txBody>
       </p:sp>
-      <mc:AlternateContent xmlns:mc="http://schemas.openxmlformats.org/markup-compatibility/2006">
-        <mc:Choice xmlns:a14="http://schemas.microsoft.com/office/drawing/2010/main" Requires="a14">
+      <mc:AlternateContent xmlns:mc="http://schemas.openxmlformats.org/markup-compatibility/2006" xmlns:a14="http://schemas.microsoft.com/office/drawing/2010/main">
+        <mc:Choice Requires="a14">
           <p:sp>
             <p:nvSpPr>
               <p:cNvPr id="3" name="内容占位符 2"/>
@@ -5057,13 +5085,17 @@
                 <a14:m>
                   <m:oMath xmlns:m="http://schemas.openxmlformats.org/officeDocument/2006/math">
                     <m:r>
-                      <a:rPr lang="en-US" altLang="zh-CN"/>
+                      <a:rPr lang="en-US" altLang="zh-CN">
+                        <a:latin typeface="Cambria Math"/>
+                      </a:rPr>
                       <m:t>(</m:t>
                     </m:r>
                     <m:sSub>
                       <m:sSubPr>
                         <m:ctrlPr>
-                          <a:rPr lang="zh-CN" altLang="zh-CN" i="1"/>
+                          <a:rPr lang="zh-CN" altLang="zh-CN" i="1">
+                            <a:latin typeface="Cambria Math"/>
+                          </a:rPr>
                         </m:ctrlPr>
                       </m:sSubPr>
                       <m:e>
@@ -5071,25 +5103,33 @@
                           <m:rPr>
                             <m:sty m:val="p"/>
                           </m:rPr>
-                          <a:rPr lang="en-US" altLang="zh-CN"/>
+                          <a:rPr lang="en-US" altLang="zh-CN">
+                            <a:latin typeface="Cambria Math"/>
+                          </a:rPr>
                           <m:t>c</m:t>
                         </m:r>
                       </m:e>
                       <m:sub>
                         <m:r>
-                          <a:rPr lang="en-US" altLang="zh-CN"/>
+                          <a:rPr lang="en-US" altLang="zh-CN">
+                            <a:latin typeface="Cambria Math"/>
+                          </a:rPr>
                           <m:t>1</m:t>
                         </m:r>
                       </m:sub>
                     </m:sSub>
                     <m:r>
-                      <a:rPr lang="en-US" altLang="zh-CN"/>
+                      <a:rPr lang="en-US" altLang="zh-CN">
+                        <a:latin typeface="Cambria Math"/>
+                      </a:rPr>
                       <m:t> ,</m:t>
                     </m:r>
                     <m:sSub>
                       <m:sSubPr>
                         <m:ctrlPr>
-                          <a:rPr lang="zh-CN" altLang="zh-CN" i="1"/>
+                          <a:rPr lang="zh-CN" altLang="zh-CN" i="1">
+                            <a:latin typeface="Cambria Math"/>
+                          </a:rPr>
                         </m:ctrlPr>
                       </m:sSubPr>
                       <m:e>
@@ -5097,19 +5137,25 @@
                           <m:rPr>
                             <m:sty m:val="p"/>
                           </m:rPr>
-                          <a:rPr lang="en-US" altLang="zh-CN"/>
+                          <a:rPr lang="en-US" altLang="zh-CN">
+                            <a:latin typeface="Cambria Math"/>
+                          </a:rPr>
                           <m:t>r</m:t>
                         </m:r>
                       </m:e>
                       <m:sub>
                         <m:r>
-                          <a:rPr lang="en-US" altLang="zh-CN"/>
+                          <a:rPr lang="en-US" altLang="zh-CN">
+                            <a:latin typeface="Cambria Math"/>
+                          </a:rPr>
                           <m:t>1</m:t>
                         </m:r>
                       </m:sub>
                     </m:sSub>
                     <m:r>
-                      <a:rPr lang="en-US" altLang="zh-CN"/>
+                      <a:rPr lang="en-US" altLang="zh-CN">
+                        <a:latin typeface="Cambria Math"/>
+                      </a:rPr>
                       <m:t>)</m:t>
                     </m:r>
                   </m:oMath>
@@ -5121,13 +5167,17 @@
                 <a14:m>
                   <m:oMath xmlns:m="http://schemas.openxmlformats.org/officeDocument/2006/math">
                     <m:r>
-                      <a:rPr lang="en-US" altLang="zh-CN"/>
+                      <a:rPr lang="en-US" altLang="zh-CN">
+                        <a:latin typeface="Cambria Math"/>
+                      </a:rPr>
                       <m:t>(</m:t>
                     </m:r>
                     <m:sSub>
                       <m:sSubPr>
                         <m:ctrlPr>
-                          <a:rPr lang="zh-CN" altLang="zh-CN" i="1"/>
+                          <a:rPr lang="zh-CN" altLang="zh-CN" i="1">
+                            <a:latin typeface="Cambria Math"/>
+                          </a:rPr>
                         </m:ctrlPr>
                       </m:sSubPr>
                       <m:e>
@@ -5135,25 +5185,33 @@
                           <m:rPr>
                             <m:sty m:val="p"/>
                           </m:rPr>
-                          <a:rPr lang="en-US" altLang="zh-CN"/>
+                          <a:rPr lang="en-US" altLang="zh-CN">
+                            <a:latin typeface="Cambria Math"/>
+                          </a:rPr>
                           <m:t>c</m:t>
                         </m:r>
                       </m:e>
                       <m:sub>
                         <m:r>
-                          <a:rPr lang="en-US" altLang="zh-CN"/>
+                          <a:rPr lang="en-US" altLang="zh-CN">
+                            <a:latin typeface="Cambria Math"/>
+                          </a:rPr>
                           <m:t>2</m:t>
                         </m:r>
                       </m:sub>
                     </m:sSub>
                     <m:r>
-                      <a:rPr lang="en-US" altLang="zh-CN"/>
+                      <a:rPr lang="en-US" altLang="zh-CN">
+                        <a:latin typeface="Cambria Math"/>
+                      </a:rPr>
                       <m:t> ,</m:t>
                     </m:r>
                     <m:sSub>
                       <m:sSubPr>
                         <m:ctrlPr>
-                          <a:rPr lang="zh-CN" altLang="zh-CN" i="1"/>
+                          <a:rPr lang="zh-CN" altLang="zh-CN" i="1">
+                            <a:latin typeface="Cambria Math"/>
+                          </a:rPr>
                         </m:ctrlPr>
                       </m:sSubPr>
                       <m:e>
@@ -5161,19 +5219,25 @@
                           <m:rPr>
                             <m:sty m:val="p"/>
                           </m:rPr>
-                          <a:rPr lang="en-US" altLang="zh-CN"/>
+                          <a:rPr lang="en-US" altLang="zh-CN">
+                            <a:latin typeface="Cambria Math"/>
+                          </a:rPr>
                           <m:t>r</m:t>
                         </m:r>
                       </m:e>
                       <m:sub>
                         <m:r>
-                          <a:rPr lang="en-US" altLang="zh-CN"/>
+                          <a:rPr lang="en-US" altLang="zh-CN">
+                            <a:latin typeface="Cambria Math"/>
+                          </a:rPr>
                           <m:t>2</m:t>
                         </m:r>
                       </m:sub>
                     </m:sSub>
                     <m:r>
-                      <a:rPr lang="en-US" altLang="zh-CN"/>
+                      <a:rPr lang="en-US" altLang="zh-CN">
+                        <a:latin typeface="Cambria Math"/>
+                      </a:rPr>
                       <m:t>)</m:t>
                     </m:r>
                   </m:oMath>
@@ -5189,14 +5253,18 @@
                         <m:begChr m:val="|"/>
                         <m:endChr m:val="|"/>
                         <m:ctrlPr>
-                          <a:rPr lang="zh-CN" altLang="zh-CN" i="1"/>
+                          <a:rPr lang="zh-CN" altLang="zh-CN" i="1">
+                            <a:latin typeface="Cambria Math"/>
+                          </a:rPr>
                         </m:ctrlPr>
                       </m:dPr>
                       <m:e>
                         <m:sSub>
                           <m:sSubPr>
                             <m:ctrlPr>
-                              <a:rPr lang="zh-CN" altLang="zh-CN" i="1"/>
+                              <a:rPr lang="zh-CN" altLang="zh-CN" i="1">
+                                <a:latin typeface="Cambria Math"/>
+                              </a:rPr>
                             </m:ctrlPr>
                           </m:sSubPr>
                           <m:e>
@@ -5204,25 +5272,33 @@
                               <m:rPr>
                                 <m:sty m:val="p"/>
                               </m:rPr>
-                              <a:rPr lang="en-US" altLang="zh-CN"/>
+                              <a:rPr lang="en-US" altLang="zh-CN">
+                                <a:latin typeface="Cambria Math"/>
+                              </a:rPr>
                               <m:t>c</m:t>
                             </m:r>
                           </m:e>
                           <m:sub>
                             <m:r>
-                              <a:rPr lang="en-US" altLang="zh-CN"/>
+                              <a:rPr lang="en-US" altLang="zh-CN">
+                                <a:latin typeface="Cambria Math"/>
+                              </a:rPr>
                               <m:t>1</m:t>
                             </m:r>
                           </m:sub>
                         </m:sSub>
                         <m:r>
-                          <a:rPr lang="en-US" altLang="zh-CN" i="1"/>
+                          <a:rPr lang="en-US" altLang="zh-CN" i="1">
+                            <a:latin typeface="Cambria Math"/>
+                          </a:rPr>
                           <m:t>−</m:t>
                         </m:r>
                         <m:sSub>
                           <m:sSubPr>
                             <m:ctrlPr>
-                              <a:rPr lang="zh-CN" altLang="zh-CN" i="1"/>
+                              <a:rPr lang="zh-CN" altLang="zh-CN" i="1">
+                                <a:latin typeface="Cambria Math"/>
+                              </a:rPr>
                             </m:ctrlPr>
                           </m:sSubPr>
                           <m:e>
@@ -5230,13 +5306,17 @@
                               <m:rPr>
                                 <m:sty m:val="p"/>
                               </m:rPr>
-                              <a:rPr lang="en-US" altLang="zh-CN"/>
+                              <a:rPr lang="en-US" altLang="zh-CN">
+                                <a:latin typeface="Cambria Math"/>
+                              </a:rPr>
                               <m:t>c</m:t>
                             </m:r>
                           </m:e>
                           <m:sub>
                             <m:r>
-                              <a:rPr lang="en-US" altLang="zh-CN"/>
+                              <a:rPr lang="en-US" altLang="zh-CN">
+                                <a:latin typeface="Cambria Math"/>
+                              </a:rPr>
                               <m:t>2</m:t>
                             </m:r>
                           </m:sub>
@@ -5244,13 +5324,17 @@
                       </m:e>
                     </m:d>
                     <m:r>
-                      <a:rPr lang="zh-CN" altLang="zh-CN"/>
+                      <a:rPr lang="zh-CN" altLang="zh-CN">
+                        <a:latin typeface="Cambria Math"/>
+                      </a:rPr>
                       <m:t>≤</m:t>
                     </m:r>
                     <m:sSub>
                       <m:sSubPr>
                         <m:ctrlPr>
-                          <a:rPr lang="zh-CN" altLang="zh-CN" i="1"/>
+                          <a:rPr lang="zh-CN" altLang="zh-CN" i="1">
+                            <a:latin typeface="Cambria Math"/>
+                          </a:rPr>
                         </m:ctrlPr>
                       </m:sSubPr>
                       <m:e>
@@ -5258,25 +5342,33 @@
                           <m:rPr>
                             <m:sty m:val="p"/>
                           </m:rPr>
-                          <a:rPr lang="en-US" altLang="zh-CN"/>
+                          <a:rPr lang="en-US" altLang="zh-CN">
+                            <a:latin typeface="Cambria Math"/>
+                          </a:rPr>
                           <m:t>r</m:t>
                         </m:r>
                       </m:e>
                       <m:sub>
                         <m:r>
-                          <a:rPr lang="en-US" altLang="zh-CN"/>
+                          <a:rPr lang="en-US" altLang="zh-CN">
+                            <a:latin typeface="Cambria Math"/>
+                          </a:rPr>
                           <m:t>1</m:t>
                         </m:r>
                       </m:sub>
                     </m:sSub>
                     <m:r>
-                      <a:rPr lang="en-US" altLang="zh-CN"/>
+                      <a:rPr lang="en-US" altLang="zh-CN">
+                        <a:latin typeface="Cambria Math"/>
+                      </a:rPr>
                       <m:t>+</m:t>
                     </m:r>
                     <m:sSub>
                       <m:sSubPr>
                         <m:ctrlPr>
-                          <a:rPr lang="zh-CN" altLang="zh-CN" i="1"/>
+                          <a:rPr lang="zh-CN" altLang="zh-CN" i="1">
+                            <a:latin typeface="Cambria Math"/>
+                          </a:rPr>
                         </m:ctrlPr>
                       </m:sSubPr>
                       <m:e>
@@ -5284,13 +5376,17 @@
                           <m:rPr>
                             <m:sty m:val="p"/>
                           </m:rPr>
-                          <a:rPr lang="en-US" altLang="zh-CN"/>
+                          <a:rPr lang="en-US" altLang="zh-CN">
+                            <a:latin typeface="Cambria Math"/>
+                          </a:rPr>
                           <m:t>r</m:t>
                         </m:r>
                       </m:e>
                       <m:sub>
                         <m:r>
-                          <a:rPr lang="en-US" altLang="zh-CN"/>
+                          <a:rPr lang="en-US" altLang="zh-CN">
+                            <a:latin typeface="Cambria Math"/>
+                          </a:rPr>
                           <m:t>2</m:t>
                         </m:r>
                       </m:sub>
@@ -5308,7 +5404,7 @@
             </p:txBody>
           </p:sp>
         </mc:Choice>
-        <mc:Fallback>
+        <mc:Fallback xmlns="">
           <p:sp>
             <p:nvSpPr>
               <p:cNvPr id="3" name="内容占位符 2"/>
@@ -6035,8 +6131,8 @@
           </a:p>
         </p:txBody>
       </p:sp>
-      <mc:AlternateContent xmlns:mc="http://schemas.openxmlformats.org/markup-compatibility/2006">
-        <mc:Choice xmlns:a14="http://schemas.microsoft.com/office/drawing/2010/main" Requires="a14">
+      <mc:AlternateContent xmlns:mc="http://schemas.openxmlformats.org/markup-compatibility/2006" xmlns:a14="http://schemas.microsoft.com/office/drawing/2010/main">
+        <mc:Choice Requires="a14">
           <p:sp>
             <p:nvSpPr>
               <p:cNvPr id="3" name="内容占位符 2"/>
@@ -6084,62 +6180,84 @@
                       <m:rPr>
                         <m:sty m:val="p"/>
                       </m:rPr>
-                      <a:rPr lang="en-US" altLang="zh-CN"/>
+                      <a:rPr lang="en-US" altLang="zh-CN">
+                        <a:latin typeface="Cambria Math"/>
+                      </a:rPr>
                       <m:t>min</m:t>
                     </m:r>
                     <m:r>
-                      <a:rPr lang="en-US" altLang="zh-CN"/>
+                      <a:rPr lang="en-US" altLang="zh-CN">
+                        <a:latin typeface="Cambria Math"/>
+                      </a:rPr>
                       <m:t>.</m:t>
                     </m:r>
                     <m:r>
                       <m:rPr>
                         <m:sty m:val="p"/>
                       </m:rPr>
-                      <a:rPr lang="en-US" altLang="zh-CN"/>
+                      <a:rPr lang="en-US" altLang="zh-CN">
+                        <a:latin typeface="Cambria Math"/>
+                      </a:rPr>
                       <m:t>x</m:t>
                     </m:r>
                     <m:r>
-                      <a:rPr lang="zh-CN" altLang="zh-CN"/>
+                      <a:rPr lang="zh-CN" altLang="zh-CN">
+                        <a:latin typeface="Cambria Math"/>
+                      </a:rPr>
                       <m:t>≤</m:t>
                     </m:r>
                     <m:r>
                       <m:rPr>
                         <m:sty m:val="p"/>
                       </m:rPr>
-                      <a:rPr lang="en-US" altLang="zh-CN"/>
+                      <a:rPr lang="en-US" altLang="zh-CN">
+                        <a:latin typeface="Cambria Math"/>
+                      </a:rPr>
                       <m:t>p</m:t>
                     </m:r>
                     <m:r>
-                      <a:rPr lang="en-US" altLang="zh-CN"/>
+                      <a:rPr lang="en-US" altLang="zh-CN">
+                        <a:latin typeface="Cambria Math"/>
+                      </a:rPr>
                       <m:t>.</m:t>
                     </m:r>
                     <m:r>
                       <m:rPr>
                         <m:sty m:val="p"/>
                       </m:rPr>
-                      <a:rPr lang="en-US" altLang="zh-CN"/>
+                      <a:rPr lang="en-US" altLang="zh-CN">
+                        <a:latin typeface="Cambria Math"/>
+                      </a:rPr>
                       <m:t>x</m:t>
                     </m:r>
                     <m:r>
-                      <a:rPr lang="zh-CN" altLang="zh-CN"/>
+                      <a:rPr lang="zh-CN" altLang="zh-CN">
+                        <a:latin typeface="Cambria Math"/>
+                      </a:rPr>
                       <m:t>≤</m:t>
                     </m:r>
                     <m:r>
                       <m:rPr>
                         <m:sty m:val="p"/>
                       </m:rPr>
-                      <a:rPr lang="en-US" altLang="zh-CN"/>
+                      <a:rPr lang="en-US" altLang="zh-CN">
+                        <a:latin typeface="Cambria Math"/>
+                      </a:rPr>
                       <m:t>max</m:t>
                     </m:r>
                     <m:r>
-                      <a:rPr lang="en-US" altLang="zh-CN"/>
+                      <a:rPr lang="en-US" altLang="zh-CN">
+                        <a:latin typeface="Cambria Math"/>
+                      </a:rPr>
                       <m:t>.</m:t>
                     </m:r>
                     <m:r>
                       <m:rPr>
                         <m:sty m:val="p"/>
                       </m:rPr>
-                      <a:rPr lang="en-US" altLang="zh-CN"/>
+                      <a:rPr lang="en-US" altLang="zh-CN">
+                        <a:latin typeface="Cambria Math"/>
+                      </a:rPr>
                       <m:t>x</m:t>
                     </m:r>
                   </m:oMath>
@@ -6154,62 +6272,84 @@
                       <m:rPr>
                         <m:sty m:val="p"/>
                       </m:rPr>
-                      <a:rPr lang="en-US" altLang="zh-CN"/>
+                      <a:rPr lang="en-US" altLang="zh-CN">
+                        <a:latin typeface="Cambria Math"/>
+                      </a:rPr>
                       <m:t>min</m:t>
                     </m:r>
                     <m:r>
-                      <a:rPr lang="en-US" altLang="zh-CN"/>
+                      <a:rPr lang="en-US" altLang="zh-CN">
+                        <a:latin typeface="Cambria Math"/>
+                      </a:rPr>
                       <m:t>.</m:t>
                     </m:r>
                     <m:r>
                       <m:rPr>
                         <m:sty m:val="p"/>
                       </m:rPr>
-                      <a:rPr lang="en-US" altLang="zh-CN"/>
+                      <a:rPr lang="en-US" altLang="zh-CN">
+                        <a:latin typeface="Cambria Math"/>
+                      </a:rPr>
                       <m:t>y</m:t>
                     </m:r>
                     <m:r>
-                      <a:rPr lang="zh-CN" altLang="zh-CN"/>
+                      <a:rPr lang="zh-CN" altLang="zh-CN">
+                        <a:latin typeface="Cambria Math"/>
+                      </a:rPr>
                       <m:t>≤</m:t>
                     </m:r>
                     <m:r>
                       <m:rPr>
                         <m:sty m:val="p"/>
                       </m:rPr>
-                      <a:rPr lang="en-US" altLang="zh-CN"/>
+                      <a:rPr lang="en-US" altLang="zh-CN">
+                        <a:latin typeface="Cambria Math"/>
+                      </a:rPr>
                       <m:t>p</m:t>
                     </m:r>
                     <m:r>
-                      <a:rPr lang="en-US" altLang="zh-CN"/>
+                      <a:rPr lang="en-US" altLang="zh-CN">
+                        <a:latin typeface="Cambria Math"/>
+                      </a:rPr>
                       <m:t>.</m:t>
                     </m:r>
                     <m:r>
                       <m:rPr>
                         <m:sty m:val="p"/>
                       </m:rPr>
-                      <a:rPr lang="en-US" altLang="zh-CN"/>
+                      <a:rPr lang="en-US" altLang="zh-CN">
+                        <a:latin typeface="Cambria Math"/>
+                      </a:rPr>
                       <m:t>y</m:t>
                     </m:r>
                     <m:r>
-                      <a:rPr lang="zh-CN" altLang="zh-CN"/>
+                      <a:rPr lang="zh-CN" altLang="zh-CN">
+                        <a:latin typeface="Cambria Math"/>
+                      </a:rPr>
                       <m:t>≤</m:t>
                     </m:r>
                     <m:r>
                       <m:rPr>
                         <m:sty m:val="p"/>
                       </m:rPr>
-                      <a:rPr lang="en-US" altLang="zh-CN"/>
+                      <a:rPr lang="en-US" altLang="zh-CN">
+                        <a:latin typeface="Cambria Math"/>
+                      </a:rPr>
                       <m:t>max</m:t>
                     </m:r>
                     <m:r>
-                      <a:rPr lang="en-US" altLang="zh-CN"/>
+                      <a:rPr lang="en-US" altLang="zh-CN">
+                        <a:latin typeface="Cambria Math"/>
+                      </a:rPr>
                       <m:t>.</m:t>
                     </m:r>
                     <m:r>
                       <m:rPr>
                         <m:sty m:val="p"/>
                       </m:rPr>
-                      <a:rPr lang="en-US" altLang="zh-CN"/>
+                      <a:rPr lang="en-US" altLang="zh-CN">
+                        <a:latin typeface="Cambria Math"/>
+                      </a:rPr>
                       <m:t>y</m:t>
                     </m:r>
                   </m:oMath>
@@ -6224,62 +6364,84 @@
                       <m:rPr>
                         <m:sty m:val="p"/>
                       </m:rPr>
-                      <a:rPr lang="en-US" altLang="zh-CN"/>
+                      <a:rPr lang="en-US" altLang="zh-CN">
+                        <a:latin typeface="Cambria Math"/>
+                      </a:rPr>
                       <m:t>min</m:t>
                     </m:r>
                     <m:r>
-                      <a:rPr lang="en-US" altLang="zh-CN"/>
+                      <a:rPr lang="en-US" altLang="zh-CN">
+                        <a:latin typeface="Cambria Math"/>
+                      </a:rPr>
                       <m:t>.</m:t>
                     </m:r>
                     <m:r>
                       <m:rPr>
                         <m:sty m:val="p"/>
                       </m:rPr>
-                      <a:rPr lang="en-US" altLang="zh-CN"/>
+                      <a:rPr lang="en-US" altLang="zh-CN">
+                        <a:latin typeface="Cambria Math"/>
+                      </a:rPr>
                       <m:t>z</m:t>
                     </m:r>
                     <m:r>
-                      <a:rPr lang="zh-CN" altLang="zh-CN"/>
+                      <a:rPr lang="zh-CN" altLang="zh-CN">
+                        <a:latin typeface="Cambria Math"/>
+                      </a:rPr>
                       <m:t>≤</m:t>
                     </m:r>
                     <m:r>
                       <m:rPr>
                         <m:sty m:val="p"/>
                       </m:rPr>
-                      <a:rPr lang="en-US" altLang="zh-CN"/>
+                      <a:rPr lang="en-US" altLang="zh-CN">
+                        <a:latin typeface="Cambria Math"/>
+                      </a:rPr>
                       <m:t>p</m:t>
                     </m:r>
                     <m:r>
-                      <a:rPr lang="en-US" altLang="zh-CN"/>
+                      <a:rPr lang="en-US" altLang="zh-CN">
+                        <a:latin typeface="Cambria Math"/>
+                      </a:rPr>
                       <m:t>.</m:t>
                     </m:r>
                     <m:r>
                       <m:rPr>
                         <m:sty m:val="p"/>
                       </m:rPr>
-                      <a:rPr lang="en-US" altLang="zh-CN"/>
+                      <a:rPr lang="en-US" altLang="zh-CN">
+                        <a:latin typeface="Cambria Math"/>
+                      </a:rPr>
                       <m:t>z</m:t>
                     </m:r>
                     <m:r>
-                      <a:rPr lang="zh-CN" altLang="zh-CN"/>
+                      <a:rPr lang="zh-CN" altLang="zh-CN">
+                        <a:latin typeface="Cambria Math"/>
+                      </a:rPr>
                       <m:t>≤</m:t>
                     </m:r>
                     <m:r>
                       <m:rPr>
                         <m:sty m:val="p"/>
                       </m:rPr>
-                      <a:rPr lang="en-US" altLang="zh-CN"/>
+                      <a:rPr lang="en-US" altLang="zh-CN">
+                        <a:latin typeface="Cambria Math"/>
+                      </a:rPr>
                       <m:t>max</m:t>
                     </m:r>
                     <m:r>
-                      <a:rPr lang="en-US" altLang="zh-CN"/>
+                      <a:rPr lang="en-US" altLang="zh-CN">
+                        <a:latin typeface="Cambria Math"/>
+                      </a:rPr>
                       <m:t>.</m:t>
                     </m:r>
                     <m:r>
                       <m:rPr>
                         <m:sty m:val="p"/>
                       </m:rPr>
-                      <a:rPr lang="en-US" altLang="zh-CN"/>
+                      <a:rPr lang="en-US" altLang="zh-CN">
+                        <a:latin typeface="Cambria Math"/>
+                      </a:rPr>
                       <m:t>z</m:t>
                     </m:r>
                   </m:oMath>
@@ -6298,7 +6460,9 @@
                       <m:rPr>
                         <m:sty m:val="p"/>
                       </m:rPr>
-                      <a:rPr lang="en-US" altLang="zh-CN"/>
+                      <a:rPr lang="en-US" altLang="zh-CN">
+                        <a:latin typeface="Cambria Math"/>
+                      </a:rPr>
                       <m:t>min</m:t>
                     </m:r>
                   </m:oMath>
@@ -6313,7 +6477,9 @@
                       <m:rPr>
                         <m:sty m:val="p"/>
                       </m:rPr>
-                      <a:rPr lang="en-US" altLang="zh-CN"/>
+                      <a:rPr lang="en-US" altLang="zh-CN">
+                        <a:latin typeface="Cambria Math"/>
+                      </a:rPr>
                       <m:t>max</m:t>
                     </m:r>
                   </m:oMath>
@@ -6328,7 +6494,9 @@
                       <m:rPr>
                         <m:sty m:val="p"/>
                       </m:rPr>
-                      <a:rPr lang="en-US" altLang="zh-CN"/>
+                      <a:rPr lang="en-US" altLang="zh-CN">
+                        <a:latin typeface="Cambria Math"/>
+                      </a:rPr>
                       <m:t>min</m:t>
                     </m:r>
                   </m:oMath>
@@ -6343,7 +6511,9 @@
                       <m:rPr>
                         <m:sty m:val="p"/>
                       </m:rPr>
-                      <a:rPr lang="en-US" altLang="zh-CN"/>
+                      <a:rPr lang="en-US" altLang="zh-CN">
+                        <a:latin typeface="Cambria Math"/>
+                      </a:rPr>
                       <m:t>max</m:t>
                     </m:r>
                   </m:oMath>
@@ -6359,7 +6529,7 @@
             </p:txBody>
           </p:sp>
         </mc:Choice>
-        <mc:Fallback>
+        <mc:Fallback xmlns="">
           <p:sp>
             <p:nvSpPr>
               <p:cNvPr id="3" name="内容占位符 2"/>
@@ -6758,8 +6928,8 @@
           </a:p>
         </p:txBody>
       </p:sp>
-      <mc:AlternateContent xmlns:mc="http://schemas.openxmlformats.org/markup-compatibility/2006">
-        <mc:Choice xmlns:a14="http://schemas.microsoft.com/office/drawing/2010/main" Requires="a14">
+      <mc:AlternateContent xmlns:mc="http://schemas.openxmlformats.org/markup-compatibility/2006" xmlns:a14="http://schemas.microsoft.com/office/drawing/2010/main">
+        <mc:Choice Requires="a14">
           <p:sp>
             <p:nvSpPr>
               <p:cNvPr id="3" name="内容占位符 2"/>
@@ -6785,7 +6955,9 @@
                       <m:rPr>
                         <m:sty m:val="p"/>
                       </m:rPr>
-                      <a:rPr lang="en-US" altLang="zh-CN"/>
+                      <a:rPr lang="en-US" altLang="zh-CN">
+                        <a:latin typeface="Cambria Math"/>
+                      </a:rPr>
                       <m:t>dx</m:t>
                     </m:r>
                   </m:oMath>
@@ -6800,7 +6972,9 @@
                       <m:rPr>
                         <m:sty m:val="p"/>
                       </m:rPr>
-                      <a:rPr lang="en-US" altLang="zh-CN"/>
+                      <a:rPr lang="en-US" altLang="zh-CN">
+                        <a:latin typeface="Cambria Math"/>
+                      </a:rPr>
                       <m:t>dy</m:t>
                     </m:r>
                   </m:oMath>
@@ -6815,7 +6989,9 @@
                       <m:rPr>
                         <m:sty m:val="p"/>
                       </m:rPr>
-                      <a:rPr lang="en-US" altLang="zh-CN"/>
+                      <a:rPr lang="en-US" altLang="zh-CN">
+                        <a:latin typeface="Cambria Math"/>
+                      </a:rPr>
                       <m:t>dz</m:t>
                     </m:r>
                   </m:oMath>
@@ -6846,73 +7022,99 @@
                       <m:rPr>
                         <m:sty m:val="p"/>
                       </m:rPr>
-                      <a:rPr lang="en-US" altLang="zh-CN"/>
+                      <a:rPr lang="en-US" altLang="zh-CN">
+                        <a:latin typeface="Cambria Math"/>
+                      </a:rPr>
                       <m:t>min</m:t>
                     </m:r>
                     <m:r>
-                      <a:rPr lang="en-US" altLang="zh-CN"/>
+                      <a:rPr lang="en-US" altLang="zh-CN">
+                        <a:latin typeface="Cambria Math"/>
+                      </a:rPr>
                       <m:t>.</m:t>
                     </m:r>
                     <m:r>
                       <m:rPr>
                         <m:sty m:val="p"/>
                       </m:rPr>
-                      <a:rPr lang="en-US" altLang="zh-CN"/>
+                      <a:rPr lang="en-US" altLang="zh-CN">
+                        <a:latin typeface="Cambria Math"/>
+                      </a:rPr>
                       <m:t>x</m:t>
                     </m:r>
                     <m:r>
-                      <a:rPr lang="zh-CN" altLang="zh-CN"/>
+                      <a:rPr lang="zh-CN" altLang="zh-CN">
+                        <a:latin typeface="Cambria Math"/>
+                      </a:rPr>
                       <m:t>≤</m:t>
                     </m:r>
                     <m:r>
                       <m:rPr>
                         <m:sty m:val="p"/>
                       </m:rPr>
-                      <a:rPr lang="en-US" altLang="zh-CN"/>
+                      <a:rPr lang="en-US" altLang="zh-CN">
+                        <a:latin typeface="Cambria Math"/>
+                      </a:rPr>
                       <m:t>p</m:t>
                     </m:r>
                     <m:r>
-                      <a:rPr lang="en-US" altLang="zh-CN"/>
+                      <a:rPr lang="en-US" altLang="zh-CN">
+                        <a:latin typeface="Cambria Math"/>
+                      </a:rPr>
                       <m:t>.</m:t>
                     </m:r>
                     <m:r>
                       <m:rPr>
                         <m:sty m:val="p"/>
                       </m:rPr>
-                      <a:rPr lang="en-US" altLang="zh-CN"/>
+                      <a:rPr lang="en-US" altLang="zh-CN">
+                        <a:latin typeface="Cambria Math"/>
+                      </a:rPr>
                       <m:t>x</m:t>
                     </m:r>
                     <m:r>
-                      <a:rPr lang="zh-CN" altLang="zh-CN"/>
+                      <a:rPr lang="zh-CN" altLang="zh-CN">
+                        <a:latin typeface="Cambria Math"/>
+                      </a:rPr>
                       <m:t>≤</m:t>
                     </m:r>
                     <m:r>
                       <m:rPr>
                         <m:sty m:val="p"/>
                       </m:rPr>
-                      <a:rPr lang="en-US" altLang="zh-CN"/>
+                      <a:rPr lang="en-US" altLang="zh-CN">
+                        <a:latin typeface="Cambria Math"/>
+                      </a:rPr>
                       <m:t>min</m:t>
                     </m:r>
                     <m:r>
-                      <a:rPr lang="en-US" altLang="zh-CN"/>
+                      <a:rPr lang="en-US" altLang="zh-CN">
+                        <a:latin typeface="Cambria Math"/>
+                      </a:rPr>
                       <m:t>.</m:t>
                     </m:r>
                     <m:r>
                       <m:rPr>
                         <m:sty m:val="p"/>
                       </m:rPr>
-                      <a:rPr lang="en-US" altLang="zh-CN"/>
+                      <a:rPr lang="en-US" altLang="zh-CN">
+                        <a:latin typeface="Cambria Math"/>
+                      </a:rPr>
                       <m:t>x</m:t>
                     </m:r>
                     <m:r>
-                      <a:rPr lang="en-US" altLang="zh-CN"/>
+                      <a:rPr lang="en-US" altLang="zh-CN">
+                        <a:latin typeface="Cambria Math"/>
+                      </a:rPr>
                       <m:t>+</m:t>
                     </m:r>
                     <m:r>
                       <m:rPr>
                         <m:sty m:val="p"/>
                       </m:rPr>
-                      <a:rPr lang="en-US" altLang="zh-CN"/>
+                      <a:rPr lang="en-US" altLang="zh-CN">
+                        <a:latin typeface="Cambria Math"/>
+                      </a:rPr>
                       <m:t>dx</m:t>
                     </m:r>
                   </m:oMath>
@@ -6927,73 +7129,99 @@
                       <m:rPr>
                         <m:sty m:val="p"/>
                       </m:rPr>
-                      <a:rPr lang="en-US" altLang="zh-CN"/>
+                      <a:rPr lang="en-US" altLang="zh-CN">
+                        <a:latin typeface="Cambria Math"/>
+                      </a:rPr>
                       <m:t>min</m:t>
                     </m:r>
                     <m:r>
-                      <a:rPr lang="en-US" altLang="zh-CN"/>
+                      <a:rPr lang="en-US" altLang="zh-CN">
+                        <a:latin typeface="Cambria Math"/>
+                      </a:rPr>
                       <m:t>.</m:t>
                     </m:r>
                     <m:r>
                       <m:rPr>
                         <m:sty m:val="p"/>
                       </m:rPr>
-                      <a:rPr lang="en-US" altLang="zh-CN"/>
+                      <a:rPr lang="en-US" altLang="zh-CN">
+                        <a:latin typeface="Cambria Math"/>
+                      </a:rPr>
                       <m:t>y</m:t>
                     </m:r>
                     <m:r>
-                      <a:rPr lang="zh-CN" altLang="zh-CN"/>
+                      <a:rPr lang="zh-CN" altLang="zh-CN">
+                        <a:latin typeface="Cambria Math"/>
+                      </a:rPr>
                       <m:t>≤</m:t>
                     </m:r>
                     <m:r>
                       <m:rPr>
                         <m:sty m:val="p"/>
                       </m:rPr>
-                      <a:rPr lang="en-US" altLang="zh-CN"/>
+                      <a:rPr lang="en-US" altLang="zh-CN">
+                        <a:latin typeface="Cambria Math"/>
+                      </a:rPr>
                       <m:t>p</m:t>
                     </m:r>
                     <m:r>
-                      <a:rPr lang="en-US" altLang="zh-CN"/>
+                      <a:rPr lang="en-US" altLang="zh-CN">
+                        <a:latin typeface="Cambria Math"/>
+                      </a:rPr>
                       <m:t>.</m:t>
                     </m:r>
                     <m:r>
                       <m:rPr>
                         <m:sty m:val="p"/>
                       </m:rPr>
-                      <a:rPr lang="en-US" altLang="zh-CN"/>
+                      <a:rPr lang="en-US" altLang="zh-CN">
+                        <a:latin typeface="Cambria Math"/>
+                      </a:rPr>
                       <m:t>y</m:t>
                     </m:r>
                     <m:r>
-                      <a:rPr lang="zh-CN" altLang="zh-CN"/>
+                      <a:rPr lang="zh-CN" altLang="zh-CN">
+                        <a:latin typeface="Cambria Math"/>
+                      </a:rPr>
                       <m:t>≤</m:t>
                     </m:r>
                     <m:r>
                       <m:rPr>
                         <m:sty m:val="p"/>
                       </m:rPr>
-                      <a:rPr lang="en-US" altLang="zh-CN"/>
+                      <a:rPr lang="en-US" altLang="zh-CN">
+                        <a:latin typeface="Cambria Math"/>
+                      </a:rPr>
                       <m:t>min</m:t>
                     </m:r>
                     <m:r>
-                      <a:rPr lang="en-US" altLang="zh-CN"/>
+                      <a:rPr lang="en-US" altLang="zh-CN">
+                        <a:latin typeface="Cambria Math"/>
+                      </a:rPr>
                       <m:t>.</m:t>
                     </m:r>
                     <m:r>
                       <m:rPr>
                         <m:sty m:val="p"/>
                       </m:rPr>
-                      <a:rPr lang="en-US" altLang="zh-CN"/>
+                      <a:rPr lang="en-US" altLang="zh-CN">
+                        <a:latin typeface="Cambria Math"/>
+                      </a:rPr>
                       <m:t>y</m:t>
                     </m:r>
                     <m:r>
-                      <a:rPr lang="en-US" altLang="zh-CN"/>
+                      <a:rPr lang="en-US" altLang="zh-CN">
+                        <a:latin typeface="Cambria Math"/>
+                      </a:rPr>
                       <m:t>+</m:t>
                     </m:r>
                     <m:r>
                       <m:rPr>
                         <m:sty m:val="p"/>
                       </m:rPr>
-                      <a:rPr lang="en-US" altLang="zh-CN"/>
+                      <a:rPr lang="en-US" altLang="zh-CN">
+                        <a:latin typeface="Cambria Math"/>
+                      </a:rPr>
                       <m:t>dy</m:t>
                     </m:r>
                   </m:oMath>
@@ -7008,73 +7236,99 @@
                       <m:rPr>
                         <m:sty m:val="p"/>
                       </m:rPr>
-                      <a:rPr lang="en-US" altLang="zh-CN"/>
+                      <a:rPr lang="en-US" altLang="zh-CN">
+                        <a:latin typeface="Cambria Math"/>
+                      </a:rPr>
                       <m:t>min</m:t>
                     </m:r>
                     <m:r>
-                      <a:rPr lang="en-US" altLang="zh-CN"/>
+                      <a:rPr lang="en-US" altLang="zh-CN">
+                        <a:latin typeface="Cambria Math"/>
+                      </a:rPr>
                       <m:t>.</m:t>
                     </m:r>
                     <m:r>
                       <m:rPr>
                         <m:sty m:val="p"/>
                       </m:rPr>
-                      <a:rPr lang="en-US" altLang="zh-CN"/>
+                      <a:rPr lang="en-US" altLang="zh-CN">
+                        <a:latin typeface="Cambria Math"/>
+                      </a:rPr>
                       <m:t>z</m:t>
                     </m:r>
                     <m:r>
-                      <a:rPr lang="zh-CN" altLang="zh-CN"/>
+                      <a:rPr lang="zh-CN" altLang="zh-CN">
+                        <a:latin typeface="Cambria Math"/>
+                      </a:rPr>
                       <m:t>≤</m:t>
                     </m:r>
                     <m:r>
                       <m:rPr>
                         <m:sty m:val="p"/>
                       </m:rPr>
-                      <a:rPr lang="en-US" altLang="zh-CN"/>
+                      <a:rPr lang="en-US" altLang="zh-CN">
+                        <a:latin typeface="Cambria Math"/>
+                      </a:rPr>
                       <m:t>p</m:t>
                     </m:r>
                     <m:r>
-                      <a:rPr lang="en-US" altLang="zh-CN"/>
+                      <a:rPr lang="en-US" altLang="zh-CN">
+                        <a:latin typeface="Cambria Math"/>
+                      </a:rPr>
                       <m:t>.</m:t>
                     </m:r>
                     <m:r>
                       <m:rPr>
                         <m:sty m:val="p"/>
                       </m:rPr>
-                      <a:rPr lang="en-US" altLang="zh-CN"/>
+                      <a:rPr lang="en-US" altLang="zh-CN">
+                        <a:latin typeface="Cambria Math"/>
+                      </a:rPr>
                       <m:t>z</m:t>
                     </m:r>
                     <m:r>
-                      <a:rPr lang="zh-CN" altLang="zh-CN"/>
+                      <a:rPr lang="zh-CN" altLang="zh-CN">
+                        <a:latin typeface="Cambria Math"/>
+                      </a:rPr>
                       <m:t>≤</m:t>
                     </m:r>
                     <m:r>
                       <m:rPr>
                         <m:sty m:val="p"/>
                       </m:rPr>
-                      <a:rPr lang="en-US" altLang="zh-CN"/>
+                      <a:rPr lang="en-US" altLang="zh-CN">
+                        <a:latin typeface="Cambria Math"/>
+                      </a:rPr>
                       <m:t>min</m:t>
                     </m:r>
                     <m:r>
-                      <a:rPr lang="en-US" altLang="zh-CN"/>
+                      <a:rPr lang="en-US" altLang="zh-CN">
+                        <a:latin typeface="Cambria Math"/>
+                      </a:rPr>
                       <m:t>.</m:t>
                     </m:r>
                     <m:r>
                       <m:rPr>
                         <m:sty m:val="p"/>
                       </m:rPr>
-                      <a:rPr lang="en-US" altLang="zh-CN"/>
+                      <a:rPr lang="en-US" altLang="zh-CN">
+                        <a:latin typeface="Cambria Math"/>
+                      </a:rPr>
                       <m:t>z</m:t>
                     </m:r>
                     <m:r>
-                      <a:rPr lang="en-US" altLang="zh-CN"/>
+                      <a:rPr lang="en-US" altLang="zh-CN">
+                        <a:latin typeface="Cambria Math"/>
+                      </a:rPr>
                       <m:t>+</m:t>
                     </m:r>
                     <m:r>
                       <m:rPr>
                         <m:sty m:val="p"/>
                       </m:rPr>
-                      <a:rPr lang="en-US" altLang="zh-CN"/>
+                      <a:rPr lang="en-US" altLang="zh-CN">
+                        <a:latin typeface="Cambria Math"/>
+                      </a:rPr>
                       <m:t>dz</m:t>
                     </m:r>
                   </m:oMath>
@@ -7090,7 +7344,7 @@
             </p:txBody>
           </p:sp>
         </mc:Choice>
-        <mc:Fallback>
+        <mc:Fallback xmlns="">
           <p:sp>
             <p:nvSpPr>
               <p:cNvPr id="3" name="内容占位符 2"/>
@@ -7305,8 +7559,8 @@
           </a:p>
         </p:txBody>
       </p:sp>
-      <mc:AlternateContent xmlns:mc="http://schemas.openxmlformats.org/markup-compatibility/2006">
-        <mc:Choice xmlns:a14="http://schemas.microsoft.com/office/drawing/2010/main" Requires="a14">
+      <mc:AlternateContent xmlns:mc="http://schemas.openxmlformats.org/markup-compatibility/2006" xmlns:a14="http://schemas.microsoft.com/office/drawing/2010/main">
+        <mc:Choice Requires="a14">
           <p:sp>
             <p:nvSpPr>
               <p:cNvPr id="3" name="内容占位符 2"/>
@@ -7348,7 +7602,9 @@
                       <m:rPr>
                         <m:sty m:val="p"/>
                       </m:rPr>
-                      <a:rPr lang="en-US" altLang="zh-CN"/>
+                      <a:rPr lang="en-US" altLang="zh-CN">
+                        <a:latin typeface="Cambria Math"/>
+                      </a:rPr>
                       <m:t>rx</m:t>
                     </m:r>
                   </m:oMath>
@@ -7363,7 +7619,9 @@
                       <m:rPr>
                         <m:sty m:val="p"/>
                       </m:rPr>
-                      <a:rPr lang="en-US" altLang="zh-CN"/>
+                      <a:rPr lang="en-US" altLang="zh-CN">
+                        <a:latin typeface="Cambria Math"/>
+                      </a:rPr>
                       <m:t>ry</m:t>
                     </m:r>
                   </m:oMath>
@@ -7378,7 +7636,9 @@
                       <m:rPr>
                         <m:sty m:val="p"/>
                       </m:rPr>
-                      <a:rPr lang="en-US" altLang="zh-CN"/>
+                      <a:rPr lang="en-US" altLang="zh-CN">
+                        <a:latin typeface="Cambria Math"/>
+                      </a:rPr>
                       <m:t>rz</m:t>
                     </m:r>
                   </m:oMath>
@@ -7402,7 +7662,9 @@
                         <m:begChr m:val="|"/>
                         <m:endChr m:val="|"/>
                         <m:ctrlPr>
-                          <a:rPr lang="zh-CN" altLang="zh-CN" i="1"/>
+                          <a:rPr lang="zh-CN" altLang="zh-CN" i="1">
+                            <a:latin typeface="Cambria Math"/>
+                          </a:rPr>
                         </m:ctrlPr>
                       </m:dPr>
                       <m:e>
@@ -7410,53 +7672,71 @@
                           <m:rPr>
                             <m:sty m:val="p"/>
                           </m:rPr>
-                          <a:rPr lang="en-US" altLang="zh-CN"/>
+                          <a:rPr lang="en-US" altLang="zh-CN">
+                            <a:latin typeface="Cambria Math"/>
+                          </a:rPr>
                           <m:t>c</m:t>
                         </m:r>
                         <m:r>
-                          <a:rPr lang="en-US" altLang="zh-CN"/>
+                          <a:rPr lang="en-US" altLang="zh-CN">
+                            <a:latin typeface="Cambria Math"/>
+                          </a:rPr>
                           <m:t>.</m:t>
                         </m:r>
                         <m:r>
                           <m:rPr>
                             <m:sty m:val="p"/>
                           </m:rPr>
-                          <a:rPr lang="en-US" altLang="zh-CN"/>
+                          <a:rPr lang="en-US" altLang="zh-CN">
+                            <a:latin typeface="Cambria Math"/>
+                          </a:rPr>
                           <m:t>x</m:t>
                         </m:r>
                         <m:r>
-                          <a:rPr lang="en-US" altLang="zh-CN" i="1"/>
+                          <a:rPr lang="en-US" altLang="zh-CN" i="1">
+                            <a:latin typeface="Cambria Math"/>
+                          </a:rPr>
                           <m:t>−</m:t>
                         </m:r>
                         <m:r>
                           <m:rPr>
                             <m:sty m:val="p"/>
                           </m:rPr>
-                          <a:rPr lang="en-US" altLang="zh-CN"/>
+                          <a:rPr lang="en-US" altLang="zh-CN">
+                            <a:latin typeface="Cambria Math"/>
+                          </a:rPr>
                           <m:t>p</m:t>
                         </m:r>
                         <m:r>
-                          <a:rPr lang="en-US" altLang="zh-CN"/>
+                          <a:rPr lang="en-US" altLang="zh-CN">
+                            <a:latin typeface="Cambria Math"/>
+                          </a:rPr>
                           <m:t>.</m:t>
                         </m:r>
                         <m:r>
                           <m:rPr>
                             <m:sty m:val="p"/>
                           </m:rPr>
-                          <a:rPr lang="en-US" altLang="zh-CN"/>
+                          <a:rPr lang="en-US" altLang="zh-CN">
+                            <a:latin typeface="Cambria Math"/>
+                          </a:rPr>
                           <m:t>x</m:t>
                         </m:r>
                       </m:e>
                     </m:d>
                     <m:r>
-                      <a:rPr lang="zh-CN" altLang="zh-CN"/>
+                      <a:rPr lang="zh-CN" altLang="zh-CN">
+                        <a:latin typeface="Cambria Math"/>
+                      </a:rPr>
                       <m:t>≤</m:t>
                     </m:r>
                     <m:r>
                       <m:rPr>
                         <m:sty m:val="p"/>
                       </m:rPr>
-                      <a:rPr lang="en-US" altLang="zh-CN"/>
+                      <a:rPr lang="en-US" altLang="zh-CN">
+                        <a:latin typeface="Cambria Math"/>
+                      </a:rPr>
                       <m:t>rx</m:t>
                     </m:r>
                   </m:oMath>
@@ -7472,7 +7752,9 @@
                         <m:begChr m:val="|"/>
                         <m:endChr m:val="|"/>
                         <m:ctrlPr>
-                          <a:rPr lang="zh-CN" altLang="zh-CN" i="1"/>
+                          <a:rPr lang="zh-CN" altLang="zh-CN" i="1">
+                            <a:latin typeface="Cambria Math"/>
+                          </a:rPr>
                         </m:ctrlPr>
                       </m:dPr>
                       <m:e>
@@ -7480,53 +7762,71 @@
                           <m:rPr>
                             <m:sty m:val="p"/>
                           </m:rPr>
-                          <a:rPr lang="en-US" altLang="zh-CN"/>
+                          <a:rPr lang="en-US" altLang="zh-CN">
+                            <a:latin typeface="Cambria Math"/>
+                          </a:rPr>
                           <m:t>c</m:t>
                         </m:r>
                         <m:r>
-                          <a:rPr lang="en-US" altLang="zh-CN"/>
+                          <a:rPr lang="en-US" altLang="zh-CN">
+                            <a:latin typeface="Cambria Math"/>
+                          </a:rPr>
                           <m:t>.</m:t>
                         </m:r>
                         <m:r>
                           <m:rPr>
                             <m:sty m:val="p"/>
                           </m:rPr>
-                          <a:rPr lang="en-US" altLang="zh-CN"/>
+                          <a:rPr lang="en-US" altLang="zh-CN">
+                            <a:latin typeface="Cambria Math"/>
+                          </a:rPr>
                           <m:t>y</m:t>
                         </m:r>
                         <m:r>
-                          <a:rPr lang="en-US" altLang="zh-CN" i="1"/>
+                          <a:rPr lang="en-US" altLang="zh-CN" i="1">
+                            <a:latin typeface="Cambria Math"/>
+                          </a:rPr>
                           <m:t>−</m:t>
                         </m:r>
                         <m:r>
                           <m:rPr>
                             <m:sty m:val="p"/>
                           </m:rPr>
-                          <a:rPr lang="en-US" altLang="zh-CN"/>
+                          <a:rPr lang="en-US" altLang="zh-CN">
+                            <a:latin typeface="Cambria Math"/>
+                          </a:rPr>
                           <m:t>p</m:t>
                         </m:r>
                         <m:r>
-                          <a:rPr lang="en-US" altLang="zh-CN"/>
+                          <a:rPr lang="en-US" altLang="zh-CN">
+                            <a:latin typeface="Cambria Math"/>
+                          </a:rPr>
                           <m:t>.</m:t>
                         </m:r>
                         <m:r>
                           <m:rPr>
                             <m:sty m:val="p"/>
                           </m:rPr>
-                          <a:rPr lang="en-US" altLang="zh-CN"/>
+                          <a:rPr lang="en-US" altLang="zh-CN">
+                            <a:latin typeface="Cambria Math"/>
+                          </a:rPr>
                           <m:t>y</m:t>
                         </m:r>
                       </m:e>
                     </m:d>
                     <m:r>
-                      <a:rPr lang="zh-CN" altLang="zh-CN"/>
+                      <a:rPr lang="zh-CN" altLang="zh-CN">
+                        <a:latin typeface="Cambria Math"/>
+                      </a:rPr>
                       <m:t>≤</m:t>
                     </m:r>
                     <m:r>
                       <m:rPr>
                         <m:sty m:val="p"/>
                       </m:rPr>
-                      <a:rPr lang="en-US" altLang="zh-CN"/>
+                      <a:rPr lang="en-US" altLang="zh-CN">
+                        <a:latin typeface="Cambria Math"/>
+                      </a:rPr>
                       <m:t>ry</m:t>
                     </m:r>
                   </m:oMath>
@@ -7542,7 +7842,9 @@
                         <m:begChr m:val="|"/>
                         <m:endChr m:val="|"/>
                         <m:ctrlPr>
-                          <a:rPr lang="zh-CN" altLang="zh-CN" i="1"/>
+                          <a:rPr lang="zh-CN" altLang="zh-CN" i="1">
+                            <a:latin typeface="Cambria Math"/>
+                          </a:rPr>
                         </m:ctrlPr>
                       </m:dPr>
                       <m:e>
@@ -7550,53 +7852,71 @@
                           <m:rPr>
                             <m:sty m:val="p"/>
                           </m:rPr>
-                          <a:rPr lang="en-US" altLang="zh-CN"/>
+                          <a:rPr lang="en-US" altLang="zh-CN">
+                            <a:latin typeface="Cambria Math"/>
+                          </a:rPr>
                           <m:t>c</m:t>
                         </m:r>
                         <m:r>
-                          <a:rPr lang="en-US" altLang="zh-CN"/>
+                          <a:rPr lang="en-US" altLang="zh-CN">
+                            <a:latin typeface="Cambria Math"/>
+                          </a:rPr>
                           <m:t>.</m:t>
                         </m:r>
                         <m:r>
                           <m:rPr>
                             <m:sty m:val="p"/>
                           </m:rPr>
-                          <a:rPr lang="en-US" altLang="zh-CN"/>
+                          <a:rPr lang="en-US" altLang="zh-CN">
+                            <a:latin typeface="Cambria Math"/>
+                          </a:rPr>
                           <m:t>z</m:t>
                         </m:r>
                         <m:r>
-                          <a:rPr lang="en-US" altLang="zh-CN" i="1"/>
+                          <a:rPr lang="en-US" altLang="zh-CN" i="1">
+                            <a:latin typeface="Cambria Math"/>
+                          </a:rPr>
                           <m:t>−</m:t>
                         </m:r>
                         <m:r>
                           <m:rPr>
                             <m:sty m:val="p"/>
                           </m:rPr>
-                          <a:rPr lang="en-US" altLang="zh-CN"/>
+                          <a:rPr lang="en-US" altLang="zh-CN">
+                            <a:latin typeface="Cambria Math"/>
+                          </a:rPr>
                           <m:t>p</m:t>
                         </m:r>
                         <m:r>
-                          <a:rPr lang="en-US" altLang="zh-CN"/>
+                          <a:rPr lang="en-US" altLang="zh-CN">
+                            <a:latin typeface="Cambria Math"/>
+                          </a:rPr>
                           <m:t>.</m:t>
                         </m:r>
                         <m:r>
                           <m:rPr>
                             <m:sty m:val="p"/>
                           </m:rPr>
-                          <a:rPr lang="en-US" altLang="zh-CN"/>
+                          <a:rPr lang="en-US" altLang="zh-CN">
+                            <a:latin typeface="Cambria Math"/>
+                          </a:rPr>
                           <m:t>z</m:t>
                         </m:r>
                       </m:e>
                     </m:d>
                     <m:r>
-                      <a:rPr lang="zh-CN" altLang="zh-CN"/>
+                      <a:rPr lang="zh-CN" altLang="zh-CN">
+                        <a:latin typeface="Cambria Math"/>
+                      </a:rPr>
                       <m:t>≤</m:t>
                     </m:r>
                     <m:r>
                       <m:rPr>
                         <m:sty m:val="p"/>
                       </m:rPr>
-                      <a:rPr lang="en-US" altLang="zh-CN"/>
+                      <a:rPr lang="en-US" altLang="zh-CN">
+                        <a:latin typeface="Cambria Math"/>
+                      </a:rPr>
                       <m:t>rz</m:t>
                     </m:r>
                   </m:oMath>
@@ -7612,7 +7932,7 @@
             </p:txBody>
           </p:sp>
         </mc:Choice>
-        <mc:Fallback>
+        <mc:Fallback xmlns="">
           <p:sp>
             <p:nvSpPr>
               <p:cNvPr id="3" name="内容占位符 2"/>
@@ -8774,8 +9094,8 @@
           </a:p>
         </p:txBody>
       </p:sp>
-      <mc:AlternateContent xmlns:mc="http://schemas.openxmlformats.org/markup-compatibility/2006">
-        <mc:Choice xmlns:a14="http://schemas.microsoft.com/office/drawing/2010/main" Requires="a14">
+      <mc:AlternateContent xmlns:mc="http://schemas.openxmlformats.org/markup-compatibility/2006" xmlns:a14="http://schemas.microsoft.com/office/drawing/2010/main">
+        <mc:Choice Requires="a14">
           <p:sp>
             <p:nvSpPr>
               <p:cNvPr id="3" name="内容占位符 2"/>
@@ -8847,18 +9167,24 @@
                       <m:fPr>
                         <m:type m:val="lin"/>
                         <m:ctrlPr>
-                          <a:rPr lang="zh-CN" altLang="zh-CN" i="1"/>
+                          <a:rPr lang="zh-CN" altLang="zh-CN" i="1">
+                            <a:latin typeface="Cambria Math"/>
+                          </a:rPr>
                         </m:ctrlPr>
                       </m:fPr>
                       <m:num>
                         <m:r>
-                          <a:rPr lang="en-US" altLang="zh-CN"/>
+                          <a:rPr lang="en-US" altLang="zh-CN">
+                            <a:latin typeface="Cambria Math"/>
+                          </a:rPr>
                           <m:t>1</m:t>
                         </m:r>
                       </m:num>
                       <m:den>
                         <m:r>
-                          <a:rPr lang="en-US" altLang="zh-CN"/>
+                          <a:rPr lang="en-US" altLang="zh-CN">
+                            <a:latin typeface="Cambria Math"/>
+                          </a:rPr>
                           <m:t>2</m:t>
                         </m:r>
                       </m:den>
@@ -8874,7 +9200,7 @@
             </p:txBody>
           </p:sp>
         </mc:Choice>
-        <mc:Fallback>
+        <mc:Fallback xmlns="">
           <p:sp>
             <p:nvSpPr>
               <p:cNvPr id="3" name="内容占位符 2"/>
@@ -9089,8 +9415,8 @@
           </a:p>
         </p:txBody>
       </p:sp>
-      <mc:AlternateContent xmlns:mc="http://schemas.openxmlformats.org/markup-compatibility/2006">
-        <mc:Choice xmlns:a14="http://schemas.microsoft.com/office/drawing/2010/main" Requires="a14">
+      <mc:AlternateContent xmlns:mc="http://schemas.openxmlformats.org/markup-compatibility/2006" xmlns:a14="http://schemas.microsoft.com/office/drawing/2010/main">
+        <mc:Choice Requires="a14">
           <p:sp>
             <p:nvSpPr>
               <p:cNvPr id="3" name="内容占位符 2"/>
@@ -9290,7 +9616,9 @@
                         <m:begChr m:val="|"/>
                         <m:endChr m:val="|"/>
                         <m:ctrlPr>
-                          <a:rPr lang="zh-CN" altLang="zh-CN" i="1"/>
+                          <a:rPr lang="zh-CN" altLang="zh-CN" i="1">
+                            <a:latin typeface="Cambria Math"/>
+                          </a:rPr>
                         </m:ctrlPr>
                       </m:dPr>
                       <m:e>
@@ -9298,30 +9626,40 @@
                           <m:rPr>
                             <m:sty m:val="p"/>
                           </m:rPr>
-                          <a:rPr lang="en-US" altLang="zh-CN"/>
+                          <a:rPr lang="en-US" altLang="zh-CN">
+                            <a:latin typeface="Cambria Math"/>
+                          </a:rPr>
                           <m:t>T</m:t>
                         </m:r>
                         <m:r>
-                          <a:rPr lang="en-US" altLang="zh-CN"/>
+                          <a:rPr lang="en-US" altLang="zh-CN">
+                            <a:latin typeface="Cambria Math"/>
+                          </a:rPr>
                           <m:t>∙</m:t>
                         </m:r>
                         <m:r>
                           <m:rPr>
                             <m:sty m:val="p"/>
                           </m:rPr>
-                          <a:rPr lang="en-US" altLang="zh-CN"/>
+                          <a:rPr lang="en-US" altLang="zh-CN">
+                            <a:latin typeface="Cambria Math"/>
+                          </a:rPr>
                           <m:t>L</m:t>
                         </m:r>
                       </m:e>
                     </m:d>
                     <m:r>
-                      <a:rPr lang="en-US" altLang="zh-CN"/>
+                      <a:rPr lang="en-US" altLang="zh-CN">
+                        <a:latin typeface="Cambria Math"/>
+                      </a:rPr>
                       <m:t>&gt;</m:t>
                     </m:r>
                     <m:sSub>
                       <m:sSubPr>
                         <m:ctrlPr>
-                          <a:rPr lang="zh-CN" altLang="zh-CN" i="1"/>
+                          <a:rPr lang="zh-CN" altLang="zh-CN" i="1">
+                            <a:latin typeface="Cambria Math"/>
+                          </a:rPr>
                         </m:ctrlPr>
                       </m:sSubPr>
                       <m:e>
@@ -9329,7 +9667,9 @@
                           <m:rPr>
                             <m:sty m:val="p"/>
                           </m:rPr>
-                          <a:rPr lang="en-US" altLang="zh-CN"/>
+                          <a:rPr lang="en-US" altLang="zh-CN">
+                            <a:latin typeface="Cambria Math"/>
+                          </a:rPr>
                           <m:t>r</m:t>
                         </m:r>
                       </m:e>
@@ -9338,19 +9678,25 @@
                           <m:rPr>
                             <m:sty m:val="p"/>
                           </m:rPr>
-                          <a:rPr lang="en-US" altLang="zh-CN"/>
+                          <a:rPr lang="en-US" altLang="zh-CN">
+                            <a:latin typeface="Cambria Math"/>
+                          </a:rPr>
                           <m:t>A</m:t>
                         </m:r>
                       </m:sub>
                     </m:sSub>
                     <m:r>
-                      <a:rPr lang="en-US" altLang="zh-CN"/>
+                      <a:rPr lang="en-US" altLang="zh-CN">
+                        <a:latin typeface="Cambria Math"/>
+                      </a:rPr>
                       <m:t>+</m:t>
                     </m:r>
                     <m:sSub>
                       <m:sSubPr>
                         <m:ctrlPr>
-                          <a:rPr lang="zh-CN" altLang="zh-CN" i="1"/>
+                          <a:rPr lang="zh-CN" altLang="zh-CN" i="1">
+                            <a:latin typeface="Cambria Math"/>
+                          </a:rPr>
                         </m:ctrlPr>
                       </m:sSubPr>
                       <m:e>
@@ -9358,7 +9704,9 @@
                           <m:rPr>
                             <m:sty m:val="p"/>
                           </m:rPr>
-                          <a:rPr lang="en-US" altLang="zh-CN"/>
+                          <a:rPr lang="en-US" altLang="zh-CN">
+                            <a:latin typeface="Cambria Math"/>
+                          </a:rPr>
                           <m:t>r</m:t>
                         </m:r>
                       </m:e>
@@ -9367,7 +9715,9 @@
                           <m:rPr>
                             <m:sty m:val="p"/>
                           </m:rPr>
-                          <a:rPr lang="en-US" altLang="zh-CN"/>
+                          <a:rPr lang="en-US" altLang="zh-CN">
+                            <a:latin typeface="Cambria Math"/>
+                          </a:rPr>
                           <m:t>B</m:t>
                         </m:r>
                       </m:sub>
@@ -9388,7 +9738,9 @@
                         <m:begChr m:val="|"/>
                         <m:endChr m:val="|"/>
                         <m:ctrlPr>
-                          <a:rPr lang="zh-CN" altLang="zh-CN" i="1"/>
+                          <a:rPr lang="zh-CN" altLang="zh-CN" i="1">
+                            <a:latin typeface="Cambria Math"/>
+                          </a:rPr>
                         </m:ctrlPr>
                       </m:dPr>
                       <m:e>
@@ -9396,18 +9748,24 @@
                           <m:rPr>
                             <m:sty m:val="p"/>
                           </m:rPr>
-                          <a:rPr lang="en-US" altLang="zh-CN"/>
+                          <a:rPr lang="en-US" altLang="zh-CN">
+                            <a:latin typeface="Cambria Math"/>
+                          </a:rPr>
                           <m:t>T</m:t>
                         </m:r>
                         <m:r>
-                          <a:rPr lang="en-US" altLang="zh-CN"/>
+                          <a:rPr lang="en-US" altLang="zh-CN">
+                            <a:latin typeface="Cambria Math"/>
+                          </a:rPr>
                           <m:t>∙</m:t>
                         </m:r>
                         <m:r>
                           <m:rPr>
                             <m:sty m:val="p"/>
                           </m:rPr>
-                          <a:rPr lang="en-US" altLang="zh-CN"/>
+                          <a:rPr lang="en-US" altLang="zh-CN">
+                            <a:latin typeface="Cambria Math"/>
+                          </a:rPr>
                           <m:t>L</m:t>
                         </m:r>
                       </m:e>
@@ -9441,7 +9799,7 @@
             </p:txBody>
           </p:sp>
         </mc:Choice>
-        <mc:Fallback>
+        <mc:Fallback xmlns="">
           <p:sp>
             <p:nvSpPr>
               <p:cNvPr id="3" name="内容占位符 2"/>
@@ -9656,8 +10014,8 @@
           </a:p>
         </p:txBody>
       </p:sp>
-      <mc:AlternateContent xmlns:mc="http://schemas.openxmlformats.org/markup-compatibility/2006">
-        <mc:Choice xmlns:a14="http://schemas.microsoft.com/office/drawing/2010/main" Requires="a14">
+      <mc:AlternateContent xmlns:mc="http://schemas.openxmlformats.org/markup-compatibility/2006" xmlns:a14="http://schemas.microsoft.com/office/drawing/2010/main">
+        <mc:Choice Requires="a14">
           <p:sp>
             <p:nvSpPr>
               <p:cNvPr id="3" name="内容占位符 2"/>
@@ -9705,15 +10063,21 @@
                 <a14:m>
                   <m:oMath xmlns:m="http://schemas.openxmlformats.org/officeDocument/2006/math">
                     <m:r>
-                      <a:rPr lang="en-US" altLang="zh-CN"/>
+                      <a:rPr lang="en-US" altLang="zh-CN">
+                        <a:latin typeface="Cambria Math"/>
+                      </a:rPr>
                       <m:t>3</m:t>
                     </m:r>
                     <m:r>
-                      <a:rPr lang="zh-CN" altLang="zh-CN"/>
+                      <a:rPr lang="zh-CN" altLang="zh-CN">
+                        <a:latin typeface="Cambria Math"/>
+                      </a:rPr>
                       <m:t>×</m:t>
                     </m:r>
                     <m:r>
-                      <a:rPr lang="en-US" altLang="zh-CN"/>
+                      <a:rPr lang="en-US" altLang="zh-CN">
+                        <a:latin typeface="Cambria Math"/>
+                      </a:rPr>
                       <m:t>2=6</m:t>
                     </m:r>
                   </m:oMath>
@@ -9732,15 +10096,21 @@
                 <a14:m>
                   <m:oMath xmlns:m="http://schemas.openxmlformats.org/officeDocument/2006/math">
                     <m:r>
-                      <a:rPr lang="en-US" altLang="zh-CN"/>
+                      <a:rPr lang="en-US" altLang="zh-CN">
+                        <a:latin typeface="Cambria Math"/>
+                      </a:rPr>
                       <m:t>3</m:t>
                     </m:r>
                     <m:r>
-                      <a:rPr lang="zh-CN" altLang="zh-CN"/>
+                      <a:rPr lang="zh-CN" altLang="zh-CN">
+                        <a:latin typeface="Cambria Math"/>
+                      </a:rPr>
                       <m:t>×</m:t>
                     </m:r>
                     <m:r>
-                      <a:rPr lang="en-US" altLang="zh-CN"/>
+                      <a:rPr lang="en-US" altLang="zh-CN">
+                        <a:latin typeface="Cambria Math"/>
+                      </a:rPr>
                       <m:t>3=9</m:t>
                     </m:r>
                   </m:oMath>
@@ -9756,7 +10126,7 @@
             </p:txBody>
           </p:sp>
         </mc:Choice>
-        <mc:Fallback>
+        <mc:Fallback xmlns="">
           <p:sp>
             <p:nvSpPr>
               <p:cNvPr id="3" name="内容占位符 2"/>
@@ -9839,8 +10209,8 @@
           </a:p>
         </p:txBody>
       </p:sp>
-      <mc:AlternateContent xmlns:mc="http://schemas.openxmlformats.org/markup-compatibility/2006">
-        <mc:Choice xmlns:a14="http://schemas.microsoft.com/office/drawing/2010/main" Requires="a14">
+      <mc:AlternateContent xmlns:mc="http://schemas.openxmlformats.org/markup-compatibility/2006" xmlns:a14="http://schemas.microsoft.com/office/drawing/2010/main">
+        <mc:Choice Requires="a14">
           <p:sp>
             <p:nvSpPr>
               <p:cNvPr id="3" name="内容占位符 2"/>
@@ -9931,14 +10301,18 @@
                         <m:begChr m:val="["/>
                         <m:endChr m:val="]"/>
                         <m:ctrlPr>
-                          <a:rPr lang="zh-CN" altLang="zh-CN" i="1"/>
+                          <a:rPr lang="zh-CN" altLang="zh-CN" i="1">
+                            <a:latin typeface="Cambria Math"/>
+                          </a:rPr>
                         </m:ctrlPr>
                       </m:dPr>
                       <m:e>
                         <m:sSub>
                           <m:sSubPr>
                             <m:ctrlPr>
-                              <a:rPr lang="zh-CN" altLang="zh-CN" i="1"/>
+                              <a:rPr lang="zh-CN" altLang="zh-CN" i="1">
+                                <a:latin typeface="Cambria Math"/>
+                              </a:rPr>
                             </m:ctrlPr>
                           </m:sSubPr>
                           <m:e>
@@ -9946,7 +10320,9 @@
                               <m:rPr>
                                 <m:sty m:val="p"/>
                               </m:rPr>
-                              <a:rPr lang="en-US" altLang="zh-CN"/>
+                              <a:rPr lang="en-US" altLang="zh-CN">
+                                <a:latin typeface="Cambria Math"/>
+                              </a:rPr>
                               <m:t>r</m:t>
                             </m:r>
                           </m:e>
@@ -9955,7 +10331,9 @@
                               <m:rPr>
                                 <m:sty m:val="p"/>
                               </m:rPr>
-                              <a:rPr lang="en-US" altLang="zh-CN"/>
+                              <a:rPr lang="en-US" altLang="zh-CN">
+                                <a:latin typeface="Cambria Math"/>
+                              </a:rPr>
                               <m:t>ij</m:t>
                             </m:r>
                           </m:sub>
@@ -10009,7 +10387,7 @@
             </p:txBody>
           </p:sp>
         </mc:Choice>
-        <mc:Fallback>
+        <mc:Fallback xmlns="">
           <p:sp>
             <p:nvSpPr>
               <p:cNvPr id="3" name="内容占位符 2"/>
@@ -10190,34 +10568,7 @@
               <a:srgbClr val="FFFFFF"/>
             </a:contourClr>
           </a:sp3d>
-          <a:extLst>
-            <a:ext uri="{909E8E84-426E-40DD-AFC4-6F175D3DCCD1}">
-              <a14:hiddenFill xmlns:a14="http://schemas.microsoft.com/office/drawing/2010/main">
-                <a:solidFill>
-                  <a:schemeClr val="accent1"/>
-                </a:solidFill>
-              </a14:hiddenFill>
-            </a:ext>
-            <a:ext uri="{91240B29-F687-4F45-9708-019B960494DF}">
-              <a14:hiddenLine xmlns:a14="http://schemas.microsoft.com/office/drawing/2010/main" w="9525">
-                <a:solidFill>
-                  <a:schemeClr val="tx1"/>
-                </a:solidFill>
-                <a:miter lim="800000"/>
-                <a:headEnd/>
-                <a:tailEnd/>
-              </a14:hiddenLine>
-            </a:ext>
-            <a:ext uri="{AF507438-7753-43E0-B8FC-AC1667EBCBE1}">
-              <a14:hiddenEffects xmlns:a14="http://schemas.microsoft.com/office/drawing/2010/main">
-                <a:effectLst>
-                  <a:outerShdw dist="35921" dir="2700000" algn="ctr" rotWithShape="0">
-                    <a:schemeClr val="bg2"/>
-                  </a:outerShdw>
-                </a:effectLst>
-              </a14:hiddenEffects>
-            </a:ext>
-          </a:extLst>
+          <a:extLst/>
         </p:spPr>
       </p:pic>
     </p:spTree>
@@ -10415,8 +10766,8 @@
           </a:p>
         </p:txBody>
       </p:sp>
-      <mc:AlternateContent xmlns:mc="http://schemas.openxmlformats.org/markup-compatibility/2006">
-        <mc:Choice xmlns:a14="http://schemas.microsoft.com/office/drawing/2010/main" Requires="a14">
+      <mc:AlternateContent xmlns:mc="http://schemas.openxmlformats.org/markup-compatibility/2006" xmlns:a14="http://schemas.microsoft.com/office/drawing/2010/main">
+        <mc:Choice Requires="a14">
           <p:sp>
             <p:nvSpPr>
               <p:cNvPr id="3" name="内容占位符 2"/>
@@ -10450,35 +10801,47 @@
                       <m:rPr>
                         <m:sty m:val="p"/>
                       </m:rPr>
-                      <a:rPr lang="en-US" altLang="zh-CN"/>
+                      <a:rPr lang="en-US" altLang="zh-CN">
+                        <a:latin typeface="Cambria Math"/>
+                      </a:rPr>
                       <m:t>C</m:t>
                     </m:r>
                     <m:r>
-                      <a:rPr lang="en-US" altLang="zh-CN"/>
+                      <a:rPr lang="en-US" altLang="zh-CN">
+                        <a:latin typeface="Cambria Math"/>
+                      </a:rPr>
                       <m:t>=</m:t>
                     </m:r>
                     <m:f>
                       <m:fPr>
                         <m:ctrlPr>
-                          <a:rPr lang="zh-CN" altLang="zh-CN" i="1"/>
+                          <a:rPr lang="zh-CN" altLang="zh-CN" i="1">
+                            <a:latin typeface="Cambria Math"/>
+                          </a:rPr>
                         </m:ctrlPr>
                       </m:fPr>
                       <m:num>
                         <m:r>
-                          <a:rPr lang="en-US" altLang="zh-CN"/>
+                          <a:rPr lang="en-US" altLang="zh-CN">
+                            <a:latin typeface="Cambria Math"/>
+                          </a:rPr>
                           <m:t>1</m:t>
                         </m:r>
                       </m:num>
                       <m:den>
                         <m:r>
-                          <a:rPr lang="en-US" altLang="zh-CN"/>
+                          <a:rPr lang="en-US" altLang="zh-CN">
+                            <a:latin typeface="Cambria Math"/>
+                          </a:rPr>
                           <m:t>3</m:t>
                         </m:r>
                         <m:r>
                           <m:rPr>
                             <m:sty m:val="p"/>
                           </m:rPr>
-                          <a:rPr lang="en-US" altLang="zh-CN"/>
+                          <a:rPr lang="en-US" altLang="zh-CN">
+                            <a:latin typeface="Cambria Math"/>
+                          </a:rPr>
                           <m:t>n</m:t>
                         </m:r>
                       </m:den>
@@ -10488,7 +10851,9 @@
                         <m:chr m:val="∑"/>
                         <m:limLoc m:val="undOvr"/>
                         <m:ctrlPr>
-                          <a:rPr lang="zh-CN" altLang="zh-CN" i="1"/>
+                          <a:rPr lang="zh-CN" altLang="zh-CN" i="1">
+                            <a:latin typeface="Cambria Math"/>
+                          </a:rPr>
                         </m:ctrlPr>
                       </m:naryPr>
                       <m:sub>
@@ -10496,11 +10861,15 @@
                           <m:rPr>
                             <m:sty m:val="p"/>
                           </m:rPr>
-                          <a:rPr lang="en-US" altLang="zh-CN"/>
+                          <a:rPr lang="en-US" altLang="zh-CN">
+                            <a:latin typeface="Cambria Math"/>
+                          </a:rPr>
                           <m:t>i</m:t>
                         </m:r>
                         <m:r>
-                          <a:rPr lang="en-US" altLang="zh-CN"/>
+                          <a:rPr lang="en-US" altLang="zh-CN">
+                            <a:latin typeface="Cambria Math"/>
+                          </a:rPr>
                           <m:t>=1</m:t>
                         </m:r>
                       </m:sub>
@@ -10509,24 +10878,32 @@
                           <m:rPr>
                             <m:sty m:val="p"/>
                           </m:rPr>
-                          <a:rPr lang="en-US" altLang="zh-CN"/>
+                          <a:rPr lang="en-US" altLang="zh-CN">
+                            <a:latin typeface="Cambria Math"/>
+                          </a:rPr>
                           <m:t>n</m:t>
                         </m:r>
                       </m:sup>
                       <m:e>
                         <m:r>
-                          <a:rPr lang="en-US" altLang="zh-CN"/>
+                          <a:rPr lang="en-US" altLang="zh-CN">
+                            <a:latin typeface="Cambria Math"/>
+                          </a:rPr>
                           <m:t>(</m:t>
                         </m:r>
                         <m:sSup>
                           <m:sSupPr>
                             <m:ctrlPr>
-                              <a:rPr lang="zh-CN" altLang="zh-CN" i="1"/>
+                              <a:rPr lang="zh-CN" altLang="zh-CN" i="1">
+                                <a:latin typeface="Cambria Math"/>
+                              </a:rPr>
                             </m:ctrlPr>
                           </m:sSupPr>
                           <m:e>
                             <m:r>
-                              <a:rPr lang="en-US" altLang="zh-CN" b="1" i="1"/>
+                              <a:rPr lang="en-US" altLang="zh-CN" b="1" i="1">
+                                <a:latin typeface="Cambria Math"/>
+                              </a:rPr>
                               <m:t>𝐩</m:t>
                             </m:r>
                           </m:e>
@@ -10535,24 +10912,32 @@
                               <m:rPr>
                                 <m:sty m:val="p"/>
                               </m:rPr>
-                              <a:rPr lang="en-US" altLang="zh-CN"/>
+                              <a:rPr lang="en-US" altLang="zh-CN">
+                                <a:latin typeface="Cambria Math"/>
+                              </a:rPr>
                               <m:t>i</m:t>
                             </m:r>
                           </m:sup>
                         </m:sSup>
                         <m:r>
-                          <a:rPr lang="en-US" altLang="zh-CN"/>
+                          <a:rPr lang="en-US" altLang="zh-CN">
+                            <a:latin typeface="Cambria Math"/>
+                          </a:rPr>
                           <m:t>+</m:t>
                         </m:r>
                         <m:sSup>
                           <m:sSupPr>
                             <m:ctrlPr>
-                              <a:rPr lang="zh-CN" altLang="zh-CN" i="1"/>
+                              <a:rPr lang="zh-CN" altLang="zh-CN" i="1">
+                                <a:latin typeface="Cambria Math"/>
+                              </a:rPr>
                             </m:ctrlPr>
                           </m:sSupPr>
                           <m:e>
                             <m:r>
-                              <a:rPr lang="en-US" altLang="zh-CN" b="1" i="1"/>
+                              <a:rPr lang="en-US" altLang="zh-CN" b="1" i="1">
+                                <a:latin typeface="Cambria Math"/>
+                              </a:rPr>
                               <m:t>𝐪</m:t>
                             </m:r>
                           </m:e>
@@ -10561,24 +10946,32 @@
                               <m:rPr>
                                 <m:sty m:val="p"/>
                               </m:rPr>
-                              <a:rPr lang="en-US" altLang="zh-CN"/>
+                              <a:rPr lang="en-US" altLang="zh-CN">
+                                <a:latin typeface="Cambria Math"/>
+                              </a:rPr>
                               <m:t>i</m:t>
                             </m:r>
                           </m:sup>
                         </m:sSup>
                         <m:r>
-                          <a:rPr lang="en-US" altLang="zh-CN"/>
+                          <a:rPr lang="en-US" altLang="zh-CN">
+                            <a:latin typeface="Cambria Math"/>
+                          </a:rPr>
                           <m:t>+</m:t>
                         </m:r>
                         <m:sSup>
                           <m:sSupPr>
                             <m:ctrlPr>
-                              <a:rPr lang="zh-CN" altLang="zh-CN" i="1"/>
+                              <a:rPr lang="zh-CN" altLang="zh-CN" i="1">
+                                <a:latin typeface="Cambria Math"/>
+                              </a:rPr>
                             </m:ctrlPr>
                           </m:sSupPr>
                           <m:e>
                             <m:r>
-                              <a:rPr lang="en-US" altLang="zh-CN" b="1" i="1"/>
+                              <a:rPr lang="en-US" altLang="zh-CN" b="1" i="1">
+                                <a:latin typeface="Cambria Math"/>
+                              </a:rPr>
                               <m:t>𝐫</m:t>
                             </m:r>
                           </m:e>
@@ -10587,13 +10980,17 @@
                               <m:rPr>
                                 <m:sty m:val="p"/>
                               </m:rPr>
-                              <a:rPr lang="en-US" altLang="zh-CN"/>
+                              <a:rPr lang="en-US" altLang="zh-CN">
+                                <a:latin typeface="Cambria Math"/>
+                              </a:rPr>
                               <m:t>i</m:t>
                             </m:r>
                           </m:sup>
                         </m:sSup>
                         <m:r>
-                          <a:rPr lang="en-US" altLang="zh-CN"/>
+                          <a:rPr lang="en-US" altLang="zh-CN">
+                            <a:latin typeface="Cambria Math"/>
+                          </a:rPr>
                           <m:t>)</m:t>
                         </m:r>
                       </m:e>
@@ -10622,7 +11019,9 @@
                     <m:sSub>
                       <m:sSubPr>
                         <m:ctrlPr>
-                          <a:rPr lang="zh-CN" altLang="zh-CN" i="1"/>
+                          <a:rPr lang="zh-CN" altLang="zh-CN" i="1">
+                            <a:latin typeface="Cambria Math"/>
+                          </a:rPr>
                         </m:ctrlPr>
                       </m:sSubPr>
                       <m:e>
@@ -10630,7 +11029,9 @@
                           <m:rPr>
                             <m:sty m:val="p"/>
                           </m:rPr>
-                          <a:rPr lang="en-US" altLang="zh-CN"/>
+                          <a:rPr lang="en-US" altLang="zh-CN">
+                            <a:latin typeface="Cambria Math"/>
+                          </a:rPr>
                           <m:t>D</m:t>
                         </m:r>
                       </m:e>
@@ -10639,37 +11040,49 @@
                           <m:rPr>
                             <m:sty m:val="p"/>
                           </m:rPr>
-                          <a:rPr lang="en-US" altLang="zh-CN"/>
+                          <a:rPr lang="en-US" altLang="zh-CN">
+                            <a:latin typeface="Cambria Math"/>
+                          </a:rPr>
                           <m:t>jk</m:t>
                         </m:r>
                       </m:sub>
                     </m:sSub>
                     <m:r>
-                      <a:rPr lang="en-US" altLang="zh-CN"/>
+                      <a:rPr lang="en-US" altLang="zh-CN">
+                        <a:latin typeface="Cambria Math"/>
+                      </a:rPr>
                       <m:t>=</m:t>
                     </m:r>
                     <m:f>
                       <m:fPr>
                         <m:ctrlPr>
-                          <a:rPr lang="zh-CN" altLang="zh-CN" i="1"/>
+                          <a:rPr lang="zh-CN" altLang="zh-CN" i="1">
+                            <a:latin typeface="Cambria Math"/>
+                          </a:rPr>
                         </m:ctrlPr>
                       </m:fPr>
                       <m:num>
                         <m:r>
-                          <a:rPr lang="en-US" altLang="zh-CN"/>
+                          <a:rPr lang="en-US" altLang="zh-CN">
+                            <a:latin typeface="Cambria Math"/>
+                          </a:rPr>
                           <m:t>1</m:t>
                         </m:r>
                       </m:num>
                       <m:den>
                         <m:r>
-                          <a:rPr lang="en-US" altLang="zh-CN"/>
+                          <a:rPr lang="en-US" altLang="zh-CN">
+                            <a:latin typeface="Cambria Math"/>
+                          </a:rPr>
                           <m:t>3</m:t>
                         </m:r>
                         <m:r>
                           <m:rPr>
                             <m:sty m:val="p"/>
                           </m:rPr>
-                          <a:rPr lang="en-US" altLang="zh-CN"/>
+                          <a:rPr lang="en-US" altLang="zh-CN">
+                            <a:latin typeface="Cambria Math"/>
+                          </a:rPr>
                           <m:t>n</m:t>
                         </m:r>
                       </m:den>
@@ -10679,7 +11092,9 @@
                         <m:chr m:val="∑"/>
                         <m:limLoc m:val="undOvr"/>
                         <m:ctrlPr>
-                          <a:rPr lang="zh-CN" altLang="zh-CN" i="1"/>
+                          <a:rPr lang="zh-CN" altLang="zh-CN" i="1">
+                            <a:latin typeface="Cambria Math"/>
+                          </a:rPr>
                         </m:ctrlPr>
                       </m:naryPr>
                       <m:sub>
@@ -10687,11 +11102,15 @@
                           <m:rPr>
                             <m:sty m:val="p"/>
                           </m:rPr>
-                          <a:rPr lang="en-US" altLang="zh-CN"/>
+                          <a:rPr lang="en-US" altLang="zh-CN">
+                            <a:latin typeface="Cambria Math"/>
+                          </a:rPr>
                           <m:t>i</m:t>
                         </m:r>
                         <m:r>
-                          <a:rPr lang="en-US" altLang="zh-CN"/>
+                          <a:rPr lang="en-US" altLang="zh-CN">
+                            <a:latin typeface="Cambria Math"/>
+                          </a:rPr>
                           <m:t>=1</m:t>
                         </m:r>
                       </m:sub>
@@ -10700,32 +11119,42 @@
                           <m:rPr>
                             <m:sty m:val="p"/>
                           </m:rPr>
-                          <a:rPr lang="en-US" altLang="zh-CN"/>
+                          <a:rPr lang="en-US" altLang="zh-CN">
+                            <a:latin typeface="Cambria Math"/>
+                          </a:rPr>
                           <m:t>n</m:t>
                         </m:r>
                       </m:sup>
                       <m:e>
                         <m:r>
-                          <a:rPr lang="en-US" altLang="zh-CN"/>
+                          <a:rPr lang="en-US" altLang="zh-CN">
+                            <a:latin typeface="Cambria Math"/>
+                          </a:rPr>
                           <m:t>(</m:t>
                         </m:r>
                         <m:acc>
                           <m:accPr>
                             <m:chr m:val="̅"/>
                             <m:ctrlPr>
-                              <a:rPr lang="zh-CN" altLang="zh-CN" i="1"/>
+                              <a:rPr lang="zh-CN" altLang="zh-CN" i="1">
+                                <a:latin typeface="Cambria Math"/>
+                              </a:rPr>
                             </m:ctrlPr>
                           </m:accPr>
                           <m:e>
                             <m:sSubSup>
                               <m:sSubSupPr>
                                 <m:ctrlPr>
-                                  <a:rPr lang="zh-CN" altLang="zh-CN" i="1"/>
+                                  <a:rPr lang="zh-CN" altLang="zh-CN" i="1">
+                                    <a:latin typeface="Cambria Math"/>
+                                  </a:rPr>
                                 </m:ctrlPr>
                               </m:sSubSupPr>
                               <m:e>
                                 <m:r>
-                                  <a:rPr lang="en-US" altLang="zh-CN" b="1" i="1"/>
+                                  <a:rPr lang="en-US" altLang="zh-CN" b="1" i="1">
+                                    <a:latin typeface="Cambria Math"/>
+                                  </a:rPr>
                                   <m:t>𝐩</m:t>
                                 </m:r>
                               </m:e>
@@ -10734,7 +11163,9 @@
                                   <m:rPr>
                                     <m:sty m:val="p"/>
                                   </m:rPr>
-                                  <a:rPr lang="en-US" altLang="zh-CN"/>
+                                  <a:rPr lang="en-US" altLang="zh-CN">
+                                    <a:latin typeface="Cambria Math"/>
+                                  </a:rPr>
                                   <m:t>j</m:t>
                                 </m:r>
                               </m:sub>
@@ -10743,7 +11174,9 @@
                                   <m:rPr>
                                     <m:sty m:val="p"/>
                                   </m:rPr>
-                                  <a:rPr lang="en-US" altLang="zh-CN"/>
+                                  <a:rPr lang="en-US" altLang="zh-CN">
+                                    <a:latin typeface="Cambria Math"/>
+                                  </a:rPr>
                                   <m:t>i</m:t>
                                 </m:r>
                               </m:sup>
@@ -10754,19 +11187,25 @@
                           <m:accPr>
                             <m:chr m:val="̅"/>
                             <m:ctrlPr>
-                              <a:rPr lang="zh-CN" altLang="zh-CN" i="1"/>
+                              <a:rPr lang="zh-CN" altLang="zh-CN" i="1">
+                                <a:latin typeface="Cambria Math"/>
+                              </a:rPr>
                             </m:ctrlPr>
                           </m:accPr>
                           <m:e>
                             <m:sSubSup>
                               <m:sSubSupPr>
                                 <m:ctrlPr>
-                                  <a:rPr lang="zh-CN" altLang="zh-CN" i="1"/>
+                                  <a:rPr lang="zh-CN" altLang="zh-CN" i="1">
+                                    <a:latin typeface="Cambria Math"/>
+                                  </a:rPr>
                                 </m:ctrlPr>
                               </m:sSubSupPr>
                               <m:e>
                                 <m:r>
-                                  <a:rPr lang="en-US" altLang="zh-CN" b="1" i="1"/>
+                                  <a:rPr lang="en-US" altLang="zh-CN" b="1" i="1">
+                                    <a:latin typeface="Cambria Math"/>
+                                  </a:rPr>
                                   <m:t>𝐩</m:t>
                                 </m:r>
                               </m:e>
@@ -10775,7 +11214,9 @@
                                   <m:rPr>
                                     <m:sty m:val="p"/>
                                   </m:rPr>
-                                  <a:rPr lang="en-US" altLang="zh-CN"/>
+                                  <a:rPr lang="en-US" altLang="zh-CN">
+                                    <a:latin typeface="Cambria Math"/>
+                                  </a:rPr>
                                   <m:t>k</m:t>
                                 </m:r>
                               </m:sub>
@@ -10784,7 +11225,9 @@
                                   <m:rPr>
                                     <m:sty m:val="p"/>
                                   </m:rPr>
-                                  <a:rPr lang="en-US" altLang="zh-CN"/>
+                                  <a:rPr lang="en-US" altLang="zh-CN">
+                                    <a:latin typeface="Cambria Math"/>
+                                  </a:rPr>
                                   <m:t>i</m:t>
                                 </m:r>
                               </m:sup>
@@ -10792,26 +11235,34 @@
                           </m:e>
                         </m:acc>
                         <m:r>
-                          <a:rPr lang="en-US" altLang="zh-CN"/>
+                          <a:rPr lang="en-US" altLang="zh-CN">
+                            <a:latin typeface="Cambria Math"/>
+                          </a:rPr>
                           <m:t>+</m:t>
                         </m:r>
                         <m:acc>
                           <m:accPr>
                             <m:chr m:val="̅"/>
                             <m:ctrlPr>
-                              <a:rPr lang="zh-CN" altLang="zh-CN" i="1"/>
+                              <a:rPr lang="zh-CN" altLang="zh-CN" i="1">
+                                <a:latin typeface="Cambria Math"/>
+                              </a:rPr>
                             </m:ctrlPr>
                           </m:accPr>
                           <m:e>
                             <m:sSubSup>
                               <m:sSubSupPr>
                                 <m:ctrlPr>
-                                  <a:rPr lang="zh-CN" altLang="zh-CN" i="1"/>
+                                  <a:rPr lang="zh-CN" altLang="zh-CN" i="1">
+                                    <a:latin typeface="Cambria Math"/>
+                                  </a:rPr>
                                 </m:ctrlPr>
                               </m:sSubSupPr>
                               <m:e>
                                 <m:r>
-                                  <a:rPr lang="en-US" altLang="zh-CN" b="1" i="1"/>
+                                  <a:rPr lang="en-US" altLang="zh-CN" b="1" i="1">
+                                    <a:latin typeface="Cambria Math"/>
+                                  </a:rPr>
                                   <m:t>𝐪</m:t>
                                 </m:r>
                               </m:e>
@@ -10820,7 +11271,9 @@
                                   <m:rPr>
                                     <m:sty m:val="p"/>
                                   </m:rPr>
-                                  <a:rPr lang="en-US" altLang="zh-CN"/>
+                                  <a:rPr lang="en-US" altLang="zh-CN">
+                                    <a:latin typeface="Cambria Math"/>
+                                  </a:rPr>
                                   <m:t>j</m:t>
                                 </m:r>
                               </m:sub>
@@ -10829,7 +11282,9 @@
                                   <m:rPr>
                                     <m:sty m:val="p"/>
                                   </m:rPr>
-                                  <a:rPr lang="en-US" altLang="zh-CN"/>
+                                  <a:rPr lang="en-US" altLang="zh-CN">
+                                    <a:latin typeface="Cambria Math"/>
+                                  </a:rPr>
                                   <m:t>i</m:t>
                                 </m:r>
                               </m:sup>
@@ -10840,19 +11295,25 @@
                           <m:accPr>
                             <m:chr m:val="̅"/>
                             <m:ctrlPr>
-                              <a:rPr lang="zh-CN" altLang="zh-CN" i="1"/>
+                              <a:rPr lang="zh-CN" altLang="zh-CN" i="1">
+                                <a:latin typeface="Cambria Math"/>
+                              </a:rPr>
                             </m:ctrlPr>
                           </m:accPr>
                           <m:e>
                             <m:sSubSup>
                               <m:sSubSupPr>
                                 <m:ctrlPr>
-                                  <a:rPr lang="zh-CN" altLang="zh-CN" i="1"/>
+                                  <a:rPr lang="zh-CN" altLang="zh-CN" i="1">
+                                    <a:latin typeface="Cambria Math"/>
+                                  </a:rPr>
                                 </m:ctrlPr>
                               </m:sSubSupPr>
                               <m:e>
                                 <m:r>
-                                  <a:rPr lang="en-US" altLang="zh-CN" b="1" i="1"/>
+                                  <a:rPr lang="en-US" altLang="zh-CN" b="1" i="1">
+                                    <a:latin typeface="Cambria Math"/>
+                                  </a:rPr>
                                   <m:t>𝐪</m:t>
                                 </m:r>
                               </m:e>
@@ -10861,7 +11322,9 @@
                                   <m:rPr>
                                     <m:sty m:val="p"/>
                                   </m:rPr>
-                                  <a:rPr lang="en-US" altLang="zh-CN"/>
+                                  <a:rPr lang="en-US" altLang="zh-CN">
+                                    <a:latin typeface="Cambria Math"/>
+                                  </a:rPr>
                                   <m:t>k</m:t>
                                 </m:r>
                               </m:sub>
@@ -10870,7 +11333,9 @@
                                   <m:rPr>
                                     <m:sty m:val="p"/>
                                   </m:rPr>
-                                  <a:rPr lang="en-US" altLang="zh-CN"/>
+                                  <a:rPr lang="en-US" altLang="zh-CN">
+                                    <a:latin typeface="Cambria Math"/>
+                                  </a:rPr>
                                   <m:t>i</m:t>
                                 </m:r>
                               </m:sup>
@@ -10878,26 +11343,34 @@
                           </m:e>
                         </m:acc>
                         <m:r>
-                          <a:rPr lang="en-US" altLang="zh-CN"/>
+                          <a:rPr lang="en-US" altLang="zh-CN">
+                            <a:latin typeface="Cambria Math"/>
+                          </a:rPr>
                           <m:t>+</m:t>
                         </m:r>
                         <m:acc>
                           <m:accPr>
                             <m:chr m:val="̅"/>
                             <m:ctrlPr>
-                              <a:rPr lang="zh-CN" altLang="zh-CN" i="1"/>
+                              <a:rPr lang="zh-CN" altLang="zh-CN" i="1">
+                                <a:latin typeface="Cambria Math"/>
+                              </a:rPr>
                             </m:ctrlPr>
                           </m:accPr>
                           <m:e>
                             <m:sSubSup>
                               <m:sSubSupPr>
                                 <m:ctrlPr>
-                                  <a:rPr lang="zh-CN" altLang="zh-CN" i="1"/>
+                                  <a:rPr lang="zh-CN" altLang="zh-CN" i="1">
+                                    <a:latin typeface="Cambria Math"/>
+                                  </a:rPr>
                                 </m:ctrlPr>
                               </m:sSubSupPr>
                               <m:e>
                                 <m:r>
-                                  <a:rPr lang="en-US" altLang="zh-CN" b="1" i="1"/>
+                                  <a:rPr lang="en-US" altLang="zh-CN" b="1" i="1">
+                                    <a:latin typeface="Cambria Math"/>
+                                  </a:rPr>
                                   <m:t>𝐫</m:t>
                                 </m:r>
                               </m:e>
@@ -10906,7 +11379,9 @@
                                   <m:rPr>
                                     <m:sty m:val="p"/>
                                   </m:rPr>
-                                  <a:rPr lang="en-US" altLang="zh-CN"/>
+                                  <a:rPr lang="en-US" altLang="zh-CN">
+                                    <a:latin typeface="Cambria Math"/>
+                                  </a:rPr>
                                   <m:t>j</m:t>
                                 </m:r>
                               </m:sub>
@@ -10915,7 +11390,9 @@
                                   <m:rPr>
                                     <m:sty m:val="p"/>
                                   </m:rPr>
-                                  <a:rPr lang="en-US" altLang="zh-CN"/>
+                                  <a:rPr lang="en-US" altLang="zh-CN">
+                                    <a:latin typeface="Cambria Math"/>
+                                  </a:rPr>
                                   <m:t>i</m:t>
                                 </m:r>
                               </m:sup>
@@ -10926,19 +11403,25 @@
                           <m:accPr>
                             <m:chr m:val="̅"/>
                             <m:ctrlPr>
-                              <a:rPr lang="zh-CN" altLang="zh-CN" i="1"/>
+                              <a:rPr lang="zh-CN" altLang="zh-CN" i="1">
+                                <a:latin typeface="Cambria Math"/>
+                              </a:rPr>
                             </m:ctrlPr>
                           </m:accPr>
                           <m:e>
                             <m:sSubSup>
                               <m:sSubSupPr>
                                 <m:ctrlPr>
-                                  <a:rPr lang="zh-CN" altLang="zh-CN" i="1"/>
+                                  <a:rPr lang="zh-CN" altLang="zh-CN" i="1">
+                                    <a:latin typeface="Cambria Math"/>
+                                  </a:rPr>
                                 </m:ctrlPr>
                               </m:sSubSupPr>
                               <m:e>
                                 <m:r>
-                                  <a:rPr lang="en-US" altLang="zh-CN" b="1" i="1"/>
+                                  <a:rPr lang="en-US" altLang="zh-CN" b="1" i="1">
+                                    <a:latin typeface="Cambria Math"/>
+                                  </a:rPr>
                                   <m:t>𝐫</m:t>
                                 </m:r>
                               </m:e>
@@ -10947,7 +11430,9 @@
                                   <m:rPr>
                                     <m:sty m:val="p"/>
                                   </m:rPr>
-                                  <a:rPr lang="en-US" altLang="zh-CN"/>
+                                  <a:rPr lang="en-US" altLang="zh-CN">
+                                    <a:latin typeface="Cambria Math"/>
+                                  </a:rPr>
                                   <m:t>k</m:t>
                                 </m:r>
                               </m:sub>
@@ -10956,7 +11441,9 @@
                                   <m:rPr>
                                     <m:sty m:val="p"/>
                                   </m:rPr>
-                                  <a:rPr lang="en-US" altLang="zh-CN"/>
+                                  <a:rPr lang="en-US" altLang="zh-CN">
+                                    <a:latin typeface="Cambria Math"/>
+                                  </a:rPr>
                                   <m:t>i</m:t>
                                 </m:r>
                               </m:sup>
@@ -10964,35 +11451,47 @@
                           </m:e>
                         </m:acc>
                         <m:r>
-                          <a:rPr lang="en-US" altLang="zh-CN"/>
+                          <a:rPr lang="en-US" altLang="zh-CN">
+                            <a:latin typeface="Cambria Math"/>
+                          </a:rPr>
                           <m:t>)</m:t>
                         </m:r>
                       </m:e>
                     </m:nary>
                     <m:r>
-                      <a:rPr lang="en-US" altLang="zh-CN"/>
+                      <a:rPr lang="en-US" altLang="zh-CN">
+                        <a:latin typeface="Cambria Math"/>
+                      </a:rPr>
                       <m:t> ,   1≤</m:t>
                     </m:r>
                     <m:r>
                       <m:rPr>
                         <m:sty m:val="p"/>
                       </m:rPr>
-                      <a:rPr lang="en-US" altLang="zh-CN"/>
+                      <a:rPr lang="en-US" altLang="zh-CN">
+                        <a:latin typeface="Cambria Math"/>
+                      </a:rPr>
                       <m:t>j</m:t>
                     </m:r>
                     <m:r>
-                      <a:rPr lang="en-US" altLang="zh-CN"/>
+                      <a:rPr lang="en-US" altLang="zh-CN">
+                        <a:latin typeface="Cambria Math"/>
+                      </a:rPr>
                       <m:t> , </m:t>
                     </m:r>
                     <m:r>
                       <m:rPr>
                         <m:sty m:val="p"/>
                       </m:rPr>
-                      <a:rPr lang="en-US" altLang="zh-CN"/>
+                      <a:rPr lang="en-US" altLang="zh-CN">
+                        <a:latin typeface="Cambria Math"/>
+                      </a:rPr>
                       <m:t>k</m:t>
                     </m:r>
                     <m:r>
-                      <a:rPr lang="en-US" altLang="zh-CN"/>
+                      <a:rPr lang="en-US" altLang="zh-CN">
+                        <a:latin typeface="Cambria Math"/>
+                      </a:rPr>
                       <m:t>≤3</m:t>
                     </m:r>
                   </m:oMath>
@@ -11021,12 +11520,16 @@
                     <m:sSup>
                       <m:sSupPr>
                         <m:ctrlPr>
-                          <a:rPr lang="zh-CN" altLang="zh-CN" i="1"/>
+                          <a:rPr lang="zh-CN" altLang="zh-CN" i="1">
+                            <a:latin typeface="Cambria Math"/>
+                          </a:rPr>
                         </m:ctrlPr>
                       </m:sSupPr>
                       <m:e>
                         <m:r>
-                          <a:rPr lang="en-US" altLang="zh-CN" b="1" i="1"/>
+                          <a:rPr lang="en-US" altLang="zh-CN" b="1" i="1">
+                            <a:latin typeface="Cambria Math"/>
+                          </a:rPr>
                           <m:t>𝐩</m:t>
                         </m:r>
                       </m:e>
@@ -11035,7 +11538,9 @@
                           <m:rPr>
                             <m:sty m:val="p"/>
                           </m:rPr>
-                          <a:rPr lang="en-US" altLang="zh-CN"/>
+                          <a:rPr lang="en-US" altLang="zh-CN">
+                            <a:latin typeface="Cambria Math"/>
+                          </a:rPr>
                           <m:t>i</m:t>
                         </m:r>
                       </m:sup>
@@ -11051,12 +11556,16 @@
                     <m:sSup>
                       <m:sSupPr>
                         <m:ctrlPr>
-                          <a:rPr lang="zh-CN" altLang="zh-CN" i="1"/>
+                          <a:rPr lang="zh-CN" altLang="zh-CN" i="1">
+                            <a:latin typeface="Cambria Math"/>
+                          </a:rPr>
                         </m:ctrlPr>
                       </m:sSupPr>
                       <m:e>
                         <m:r>
-                          <a:rPr lang="en-US" altLang="zh-CN" b="1" i="1"/>
+                          <a:rPr lang="en-US" altLang="zh-CN" b="1" i="1">
+                            <a:latin typeface="Cambria Math"/>
+                          </a:rPr>
                           <m:t>𝐪</m:t>
                         </m:r>
                       </m:e>
@@ -11065,7 +11574,9 @@
                           <m:rPr>
                             <m:sty m:val="p"/>
                           </m:rPr>
-                          <a:rPr lang="en-US" altLang="zh-CN"/>
+                          <a:rPr lang="en-US" altLang="zh-CN">
+                            <a:latin typeface="Cambria Math"/>
+                          </a:rPr>
                           <m:t>i</m:t>
                         </m:r>
                       </m:sup>
@@ -11081,12 +11592,16 @@
                     <m:sSup>
                       <m:sSupPr>
                         <m:ctrlPr>
-                          <a:rPr lang="zh-CN" altLang="zh-CN" i="1"/>
+                          <a:rPr lang="zh-CN" altLang="zh-CN" i="1">
+                            <a:latin typeface="Cambria Math"/>
+                          </a:rPr>
                         </m:ctrlPr>
                       </m:sSupPr>
                       <m:e>
                         <m:r>
-                          <a:rPr lang="en-US" altLang="zh-CN" b="1" i="1"/>
+                          <a:rPr lang="en-US" altLang="zh-CN" b="1" i="1">
+                            <a:latin typeface="Cambria Math"/>
+                          </a:rPr>
                           <m:t>𝐫</m:t>
                         </m:r>
                       </m:e>
@@ -11095,7 +11610,9 @@
                           <m:rPr>
                             <m:sty m:val="p"/>
                           </m:rPr>
-                          <a:rPr lang="en-US" altLang="zh-CN"/>
+                          <a:rPr lang="en-US" altLang="zh-CN">
+                            <a:latin typeface="Cambria Math"/>
+                          </a:rPr>
                           <m:t>i</m:t>
                         </m:r>
                       </m:sup>
@@ -11144,19 +11661,25 @@
                       <m:accPr>
                         <m:chr m:val="̅"/>
                         <m:ctrlPr>
-                          <a:rPr lang="zh-CN" altLang="zh-CN" i="1"/>
+                          <a:rPr lang="zh-CN" altLang="zh-CN" i="1">
+                            <a:latin typeface="Cambria Math"/>
+                          </a:rPr>
                         </m:ctrlPr>
                       </m:accPr>
                       <m:e>
                         <m:sSup>
                           <m:sSupPr>
                             <m:ctrlPr>
-                              <a:rPr lang="zh-CN" altLang="zh-CN" i="1"/>
+                              <a:rPr lang="zh-CN" altLang="zh-CN" i="1">
+                                <a:latin typeface="Cambria Math"/>
+                              </a:rPr>
                             </m:ctrlPr>
                           </m:sSupPr>
                           <m:e>
                             <m:r>
-                              <a:rPr lang="en-US" altLang="zh-CN" b="1" i="1"/>
+                              <a:rPr lang="en-US" altLang="zh-CN" b="1" i="1">
+                                <a:latin typeface="Cambria Math"/>
+                              </a:rPr>
                               <m:t>𝐩</m:t>
                             </m:r>
                           </m:e>
@@ -11165,7 +11688,9 @@
                               <m:rPr>
                                 <m:sty m:val="p"/>
                               </m:rPr>
-                              <a:rPr lang="en-US" altLang="zh-CN"/>
+                              <a:rPr lang="en-US" altLang="zh-CN">
+                                <a:latin typeface="Cambria Math"/>
+                              </a:rPr>
                               <m:t>i</m:t>
                             </m:r>
                           </m:sup>
@@ -11173,18 +11698,24 @@
                       </m:e>
                     </m:acc>
                     <m:r>
-                      <a:rPr lang="en-US" altLang="zh-CN"/>
+                      <a:rPr lang="en-US" altLang="zh-CN">
+                        <a:latin typeface="Cambria Math"/>
+                      </a:rPr>
                       <m:t>=</m:t>
                     </m:r>
                     <m:sSup>
                       <m:sSupPr>
                         <m:ctrlPr>
-                          <a:rPr lang="zh-CN" altLang="zh-CN" i="1"/>
+                          <a:rPr lang="zh-CN" altLang="zh-CN" i="1">
+                            <a:latin typeface="Cambria Math"/>
+                          </a:rPr>
                         </m:ctrlPr>
                       </m:sSupPr>
                       <m:e>
                         <m:r>
-                          <a:rPr lang="en-US" altLang="zh-CN" b="1" i="1"/>
+                          <a:rPr lang="en-US" altLang="zh-CN" b="1" i="1">
+                            <a:latin typeface="Cambria Math"/>
+                          </a:rPr>
                           <m:t>𝐩</m:t>
                         </m:r>
                       </m:e>
@@ -11193,20 +11724,26 @@
                           <m:rPr>
                             <m:sty m:val="p"/>
                           </m:rPr>
-                          <a:rPr lang="en-US" altLang="zh-CN"/>
+                          <a:rPr lang="en-US" altLang="zh-CN">
+                            <a:latin typeface="Cambria Math"/>
+                          </a:rPr>
                           <m:t>i</m:t>
                         </m:r>
                       </m:sup>
                     </m:sSup>
                     <m:r>
-                      <a:rPr lang="en-US" altLang="zh-CN" i="1"/>
+                      <a:rPr lang="en-US" altLang="zh-CN" i="1">
+                        <a:latin typeface="Cambria Math"/>
+                      </a:rPr>
                       <m:t>−</m:t>
                     </m:r>
                     <m:r>
                       <m:rPr>
                         <m:sty m:val="p"/>
                       </m:rPr>
-                      <a:rPr lang="en-US" altLang="zh-CN"/>
+                      <a:rPr lang="en-US" altLang="zh-CN">
+                        <a:latin typeface="Cambria Math"/>
+                      </a:rPr>
                       <m:t>m</m:t>
                     </m:r>
                   </m:oMath>
@@ -11225,19 +11762,25 @@
                       <m:accPr>
                         <m:chr m:val="̅"/>
                         <m:ctrlPr>
-                          <a:rPr lang="zh-CN" altLang="zh-CN" i="1"/>
+                          <a:rPr lang="zh-CN" altLang="zh-CN" i="1">
+                            <a:latin typeface="Cambria Math"/>
+                          </a:rPr>
                         </m:ctrlPr>
                       </m:accPr>
                       <m:e>
                         <m:sSup>
                           <m:sSupPr>
                             <m:ctrlPr>
-                              <a:rPr lang="zh-CN" altLang="zh-CN" i="1"/>
+                              <a:rPr lang="zh-CN" altLang="zh-CN" i="1">
+                                <a:latin typeface="Cambria Math"/>
+                              </a:rPr>
                             </m:ctrlPr>
                           </m:sSupPr>
                           <m:e>
                             <m:r>
-                              <a:rPr lang="en-US" altLang="zh-CN" b="1" i="1"/>
+                              <a:rPr lang="en-US" altLang="zh-CN" b="1" i="1">
+                                <a:latin typeface="Cambria Math"/>
+                              </a:rPr>
                               <m:t>𝐪</m:t>
                             </m:r>
                           </m:e>
@@ -11246,7 +11789,9 @@
                               <m:rPr>
                                 <m:sty m:val="p"/>
                               </m:rPr>
-                              <a:rPr lang="en-US" altLang="zh-CN"/>
+                              <a:rPr lang="en-US" altLang="zh-CN">
+                                <a:latin typeface="Cambria Math"/>
+                              </a:rPr>
                               <m:t>i</m:t>
                             </m:r>
                           </m:sup>
@@ -11254,18 +11799,24 @@
                       </m:e>
                     </m:acc>
                     <m:r>
-                      <a:rPr lang="en-US" altLang="zh-CN"/>
+                      <a:rPr lang="en-US" altLang="zh-CN">
+                        <a:latin typeface="Cambria Math"/>
+                      </a:rPr>
                       <m:t>=</m:t>
                     </m:r>
                     <m:sSup>
                       <m:sSupPr>
                         <m:ctrlPr>
-                          <a:rPr lang="zh-CN" altLang="zh-CN" i="1"/>
+                          <a:rPr lang="zh-CN" altLang="zh-CN" i="1">
+                            <a:latin typeface="Cambria Math"/>
+                          </a:rPr>
                         </m:ctrlPr>
                       </m:sSupPr>
                       <m:e>
                         <m:r>
-                          <a:rPr lang="en-US" altLang="zh-CN" b="1" i="1"/>
+                          <a:rPr lang="en-US" altLang="zh-CN" b="1" i="1">
+                            <a:latin typeface="Cambria Math"/>
+                          </a:rPr>
                           <m:t>𝐪</m:t>
                         </m:r>
                       </m:e>
@@ -11274,20 +11825,26 @@
                           <m:rPr>
                             <m:sty m:val="p"/>
                           </m:rPr>
-                          <a:rPr lang="en-US" altLang="zh-CN"/>
+                          <a:rPr lang="en-US" altLang="zh-CN">
+                            <a:latin typeface="Cambria Math"/>
+                          </a:rPr>
                           <m:t>i</m:t>
                         </m:r>
                       </m:sup>
                     </m:sSup>
                     <m:r>
-                      <a:rPr lang="en-US" altLang="zh-CN" i="1"/>
+                      <a:rPr lang="en-US" altLang="zh-CN" i="1">
+                        <a:latin typeface="Cambria Math"/>
+                      </a:rPr>
                       <m:t>−</m:t>
                     </m:r>
                     <m:r>
                       <m:rPr>
                         <m:sty m:val="p"/>
                       </m:rPr>
-                      <a:rPr lang="en-US" altLang="zh-CN"/>
+                      <a:rPr lang="en-US" altLang="zh-CN">
+                        <a:latin typeface="Cambria Math"/>
+                      </a:rPr>
                       <m:t>m</m:t>
                     </m:r>
                   </m:oMath>
@@ -11306,19 +11863,25 @@
                       <m:accPr>
                         <m:chr m:val="̅"/>
                         <m:ctrlPr>
-                          <a:rPr lang="zh-CN" altLang="zh-CN" i="1"/>
+                          <a:rPr lang="zh-CN" altLang="zh-CN" i="1">
+                            <a:latin typeface="Cambria Math"/>
+                          </a:rPr>
                         </m:ctrlPr>
                       </m:accPr>
                       <m:e>
                         <m:sSup>
                           <m:sSupPr>
                             <m:ctrlPr>
-                              <a:rPr lang="zh-CN" altLang="zh-CN" i="1"/>
+                              <a:rPr lang="zh-CN" altLang="zh-CN" i="1">
+                                <a:latin typeface="Cambria Math"/>
+                              </a:rPr>
                             </m:ctrlPr>
                           </m:sSupPr>
                           <m:e>
                             <m:r>
-                              <a:rPr lang="en-US" altLang="zh-CN" b="1" i="1"/>
+                              <a:rPr lang="en-US" altLang="zh-CN" b="1" i="1">
+                                <a:latin typeface="Cambria Math"/>
+                              </a:rPr>
                               <m:t>𝐫</m:t>
                             </m:r>
                           </m:e>
@@ -11327,7 +11890,9 @@
                               <m:rPr>
                                 <m:sty m:val="p"/>
                               </m:rPr>
-                              <a:rPr lang="en-US" altLang="zh-CN"/>
+                              <a:rPr lang="en-US" altLang="zh-CN">
+                                <a:latin typeface="Cambria Math"/>
+                              </a:rPr>
                               <m:t>i</m:t>
                             </m:r>
                           </m:sup>
@@ -11335,18 +11900,24 @@
                       </m:e>
                     </m:acc>
                     <m:r>
-                      <a:rPr lang="en-US" altLang="zh-CN"/>
+                      <a:rPr lang="en-US" altLang="zh-CN">
+                        <a:latin typeface="Cambria Math"/>
+                      </a:rPr>
                       <m:t>=</m:t>
                     </m:r>
                     <m:sSup>
                       <m:sSupPr>
                         <m:ctrlPr>
-                          <a:rPr lang="zh-CN" altLang="zh-CN" i="1"/>
+                          <a:rPr lang="zh-CN" altLang="zh-CN" i="1">
+                            <a:latin typeface="Cambria Math"/>
+                          </a:rPr>
                         </m:ctrlPr>
                       </m:sSupPr>
                       <m:e>
                         <m:r>
-                          <a:rPr lang="en-US" altLang="zh-CN" b="1" i="1"/>
+                          <a:rPr lang="en-US" altLang="zh-CN" b="1" i="1">
+                            <a:latin typeface="Cambria Math"/>
+                          </a:rPr>
                           <m:t>𝐫</m:t>
                         </m:r>
                       </m:e>
@@ -11355,20 +11926,26 @@
                           <m:rPr>
                             <m:sty m:val="p"/>
                           </m:rPr>
-                          <a:rPr lang="en-US" altLang="zh-CN"/>
+                          <a:rPr lang="en-US" altLang="zh-CN">
+                            <a:latin typeface="Cambria Math"/>
+                          </a:rPr>
                           <m:t>i</m:t>
                         </m:r>
                       </m:sup>
                     </m:sSup>
                     <m:r>
-                      <a:rPr lang="en-US" altLang="zh-CN" i="1"/>
+                      <a:rPr lang="en-US" altLang="zh-CN" i="1">
+                        <a:latin typeface="Cambria Math"/>
+                      </a:rPr>
                       <m:t>−</m:t>
                     </m:r>
                     <m:r>
                       <m:rPr>
                         <m:sty m:val="p"/>
                       </m:rPr>
-                      <a:rPr lang="en-US" altLang="zh-CN"/>
+                      <a:rPr lang="en-US" altLang="zh-CN">
+                        <a:latin typeface="Cambria Math"/>
+                      </a:rPr>
                       <m:t>m</m:t>
                     </m:r>
                   </m:oMath>
@@ -11403,19 +11980,25 @@
                       <m:accPr>
                         <m:chr m:val="̅"/>
                         <m:ctrlPr>
-                          <a:rPr lang="zh-CN" altLang="zh-CN" i="1"/>
+                          <a:rPr lang="zh-CN" altLang="zh-CN" i="1">
+                            <a:latin typeface="Cambria Math"/>
+                          </a:rPr>
                         </m:ctrlPr>
                       </m:accPr>
                       <m:e>
                         <m:sSup>
                           <m:sSupPr>
                             <m:ctrlPr>
-                              <a:rPr lang="zh-CN" altLang="zh-CN" i="1"/>
+                              <a:rPr lang="zh-CN" altLang="zh-CN" i="1">
+                                <a:latin typeface="Cambria Math"/>
+                              </a:rPr>
                             </m:ctrlPr>
                           </m:sSupPr>
                           <m:e>
                             <m:r>
-                              <a:rPr lang="en-US" altLang="zh-CN" b="1" i="1"/>
+                              <a:rPr lang="en-US" altLang="zh-CN" b="1" i="1">
+                                <a:latin typeface="Cambria Math"/>
+                              </a:rPr>
                               <m:t>𝐩</m:t>
                             </m:r>
                           </m:e>
@@ -11424,7 +12007,9 @@
                               <m:rPr>
                                 <m:sty m:val="p"/>
                               </m:rPr>
-                              <a:rPr lang="en-US" altLang="zh-CN"/>
+                              <a:rPr lang="en-US" altLang="zh-CN">
+                                <a:latin typeface="Cambria Math"/>
+                              </a:rPr>
                               <m:t>i</m:t>
                             </m:r>
                           </m:sup>
@@ -11432,26 +12017,34 @@
                       </m:e>
                     </m:acc>
                     <m:r>
-                      <a:rPr lang="en-US" altLang="zh-CN"/>
+                      <a:rPr lang="en-US" altLang="zh-CN">
+                        <a:latin typeface="Cambria Math"/>
+                      </a:rPr>
                       <m:t>={</m:t>
                     </m:r>
                     <m:acc>
                       <m:accPr>
                         <m:chr m:val="̅"/>
                         <m:ctrlPr>
-                          <a:rPr lang="zh-CN" altLang="zh-CN" i="1"/>
+                          <a:rPr lang="zh-CN" altLang="zh-CN" i="1">
+                            <a:latin typeface="Cambria Math"/>
+                          </a:rPr>
                         </m:ctrlPr>
                       </m:accPr>
                       <m:e>
                         <m:sSubSup>
                           <m:sSubSupPr>
                             <m:ctrlPr>
-                              <a:rPr lang="zh-CN" altLang="zh-CN" i="1"/>
+                              <a:rPr lang="zh-CN" altLang="zh-CN" i="1">
+                                <a:latin typeface="Cambria Math"/>
+                              </a:rPr>
                             </m:ctrlPr>
                           </m:sSubSupPr>
                           <m:e>
                             <m:r>
-                              <a:rPr lang="en-US" altLang="zh-CN" b="1" i="1"/>
+                              <a:rPr lang="en-US" altLang="zh-CN" b="1" i="1">
+                                <a:latin typeface="Cambria Math"/>
+                              </a:rPr>
                               <m:t>𝐩</m:t>
                             </m:r>
                           </m:e>
@@ -11460,7 +12053,9 @@
                               <m:rPr>
                                 <m:sty m:val="p"/>
                               </m:rPr>
-                              <a:rPr lang="en-US" altLang="zh-CN"/>
+                              <a:rPr lang="en-US" altLang="zh-CN">
+                                <a:latin typeface="Cambria Math"/>
+                              </a:rPr>
                               <m:t>x</m:t>
                             </m:r>
                           </m:sub>
@@ -11469,7 +12064,9 @@
                               <m:rPr>
                                 <m:sty m:val="p"/>
                               </m:rPr>
-                              <a:rPr lang="en-US" altLang="zh-CN"/>
+                              <a:rPr lang="en-US" altLang="zh-CN">
+                                <a:latin typeface="Cambria Math"/>
+                              </a:rPr>
                               <m:t>i</m:t>
                             </m:r>
                           </m:sup>
@@ -11477,30 +12074,40 @@
                       </m:e>
                     </m:acc>
                     <m:r>
-                      <a:rPr lang="en-US" altLang="zh-CN"/>
+                      <a:rPr lang="en-US" altLang="zh-CN">
+                        <a:latin typeface="Cambria Math"/>
+                      </a:rPr>
                       <m:t>,</m:t>
                     </m:r>
                     <m:acc>
                       <m:accPr>
                         <m:chr m:val="̅"/>
                         <m:ctrlPr>
-                          <a:rPr lang="zh-CN" altLang="zh-CN" i="1"/>
+                          <a:rPr lang="zh-CN" altLang="zh-CN" i="1">
+                            <a:latin typeface="Cambria Math"/>
+                          </a:rPr>
                         </m:ctrlPr>
                       </m:accPr>
                       <m:e>
                         <m:sSubSup>
                           <m:sSubSupPr>
                             <m:ctrlPr>
-                              <a:rPr lang="zh-CN" altLang="zh-CN" i="1"/>
+                              <a:rPr lang="zh-CN" altLang="zh-CN" i="1">
+                                <a:latin typeface="Cambria Math"/>
+                              </a:rPr>
                             </m:ctrlPr>
                           </m:sSubSupPr>
                           <m:e>
                             <m:r>
-                              <a:rPr lang="en-US" altLang="zh-CN" b="1"/>
+                              <a:rPr lang="en-US" altLang="zh-CN" b="1">
+                                <a:latin typeface="Cambria Math"/>
+                              </a:rPr>
                               <m:t> </m:t>
                             </m:r>
                             <m:r>
-                              <a:rPr lang="en-US" altLang="zh-CN" b="1" i="1"/>
+                              <a:rPr lang="en-US" altLang="zh-CN" b="1" i="1">
+                                <a:latin typeface="Cambria Math"/>
+                              </a:rPr>
                               <m:t>𝐩</m:t>
                             </m:r>
                           </m:e>
@@ -11509,7 +12116,9 @@
                               <m:rPr>
                                 <m:sty m:val="p"/>
                               </m:rPr>
-                              <a:rPr lang="en-US" altLang="zh-CN"/>
+                              <a:rPr lang="en-US" altLang="zh-CN">
+                                <a:latin typeface="Cambria Math"/>
+                              </a:rPr>
                               <m:t>y</m:t>
                             </m:r>
                           </m:sub>
@@ -11518,7 +12127,9 @@
                               <m:rPr>
                                 <m:sty m:val="p"/>
                               </m:rPr>
-                              <a:rPr lang="en-US" altLang="zh-CN"/>
+                              <a:rPr lang="en-US" altLang="zh-CN">
+                                <a:latin typeface="Cambria Math"/>
+                              </a:rPr>
                               <m:t>i</m:t>
                             </m:r>
                           </m:sup>
@@ -11526,30 +12137,40 @@
                       </m:e>
                     </m:acc>
                     <m:r>
-                      <a:rPr lang="en-US" altLang="zh-CN"/>
+                      <a:rPr lang="en-US" altLang="zh-CN">
+                        <a:latin typeface="Cambria Math"/>
+                      </a:rPr>
                       <m:t>,</m:t>
                     </m:r>
                     <m:acc>
                       <m:accPr>
                         <m:chr m:val="̅"/>
                         <m:ctrlPr>
-                          <a:rPr lang="zh-CN" altLang="zh-CN" i="1"/>
+                          <a:rPr lang="zh-CN" altLang="zh-CN" i="1">
+                            <a:latin typeface="Cambria Math"/>
+                          </a:rPr>
                         </m:ctrlPr>
                       </m:accPr>
                       <m:e>
                         <m:r>
-                          <a:rPr lang="en-US" altLang="zh-CN"/>
+                          <a:rPr lang="en-US" altLang="zh-CN">
+                            <a:latin typeface="Cambria Math"/>
+                          </a:rPr>
                           <m:t> </m:t>
                         </m:r>
                         <m:sSubSup>
                           <m:sSubSupPr>
                             <m:ctrlPr>
-                              <a:rPr lang="zh-CN" altLang="zh-CN" i="1"/>
+                              <a:rPr lang="zh-CN" altLang="zh-CN" i="1">
+                                <a:latin typeface="Cambria Math"/>
+                              </a:rPr>
                             </m:ctrlPr>
                           </m:sSubSupPr>
                           <m:e>
                             <m:r>
-                              <a:rPr lang="en-US" altLang="zh-CN" b="1" i="1"/>
+                              <a:rPr lang="en-US" altLang="zh-CN" b="1" i="1">
+                                <a:latin typeface="Cambria Math"/>
+                              </a:rPr>
                               <m:t>𝐩</m:t>
                             </m:r>
                           </m:e>
@@ -11558,7 +12179,9 @@
                               <m:rPr>
                                 <m:sty m:val="p"/>
                               </m:rPr>
-                              <a:rPr lang="en-US" altLang="zh-CN"/>
+                              <a:rPr lang="en-US" altLang="zh-CN">
+                                <a:latin typeface="Cambria Math"/>
+                              </a:rPr>
                               <m:t>z</m:t>
                             </m:r>
                           </m:sub>
@@ -11567,7 +12190,9 @@
                               <m:rPr>
                                 <m:sty m:val="p"/>
                               </m:rPr>
-                              <a:rPr lang="en-US" altLang="zh-CN"/>
+                              <a:rPr lang="en-US" altLang="zh-CN">
+                                <a:latin typeface="Cambria Math"/>
+                              </a:rPr>
                               <m:t>i</m:t>
                             </m:r>
                           </m:sup>
@@ -11575,7 +12200,9 @@
                       </m:e>
                     </m:acc>
                     <m:r>
-                      <a:rPr lang="en-US" altLang="zh-CN"/>
+                      <a:rPr lang="en-US" altLang="zh-CN">
+                        <a:latin typeface="Cambria Math"/>
+                      </a:rPr>
                       <m:t>}</m:t>
                     </m:r>
                   </m:oMath>
@@ -11591,7 +12218,7 @@
             </p:txBody>
           </p:sp>
         </mc:Choice>
-        <mc:Fallback>
+        <mc:Fallback xmlns="">
           <p:sp>
             <p:nvSpPr>
               <p:cNvPr id="3" name="内容占位符 2"/>
@@ -12470,8 +13097,8 @@
           </a:p>
         </p:txBody>
       </p:sp>
-      <mc:AlternateContent xmlns:mc="http://schemas.openxmlformats.org/markup-compatibility/2006">
-        <mc:Choice xmlns:a14="http://schemas.microsoft.com/office/drawing/2010/main" Requires="a14">
+      <mc:AlternateContent xmlns:mc="http://schemas.openxmlformats.org/markup-compatibility/2006" xmlns:a14="http://schemas.microsoft.com/office/drawing/2010/main">
+        <mc:Choice Requires="a14">
           <p:sp>
             <p:nvSpPr>
               <p:cNvPr id="3" name="内容占位符 2"/>
@@ -12558,16 +13185,22 @@
                     <m:d>
                       <m:dPr>
                         <m:ctrlPr>
-                          <a:rPr lang="zh-CN" altLang="zh-CN" i="1"/>
+                          <a:rPr lang="zh-CN" altLang="zh-CN" i="1">
+                            <a:latin typeface="Cambria Math"/>
+                          </a:rPr>
                         </m:ctrlPr>
                       </m:dPr>
                       <m:e>
                         <m:r>
-                          <a:rPr lang="zh-CN" altLang="zh-CN"/>
+                          <a:rPr lang="zh-CN" altLang="zh-CN">
+                            <a:latin typeface="Cambria Math"/>
+                          </a:rPr>
                           <m:t>±</m:t>
                         </m:r>
                         <m:r>
-                          <a:rPr lang="en-US" altLang="zh-CN"/>
+                          <a:rPr lang="en-US" altLang="zh-CN">
+                            <a:latin typeface="Cambria Math"/>
+                          </a:rPr>
                           <m:t>1,0,0</m:t>
                         </m:r>
                       </m:e>
@@ -12583,20 +13216,28 @@
                     <m:d>
                       <m:dPr>
                         <m:ctrlPr>
-                          <a:rPr lang="zh-CN" altLang="zh-CN" i="1"/>
+                          <a:rPr lang="zh-CN" altLang="zh-CN" i="1">
+                            <a:latin typeface="Cambria Math"/>
+                          </a:rPr>
                         </m:ctrlPr>
                       </m:dPr>
                       <m:e>
                         <m:r>
-                          <a:rPr lang="en-US" altLang="zh-CN"/>
+                          <a:rPr lang="en-US" altLang="zh-CN">
+                            <a:latin typeface="Cambria Math"/>
+                          </a:rPr>
                           <m:t>0,</m:t>
                         </m:r>
                         <m:r>
-                          <a:rPr lang="zh-CN" altLang="zh-CN"/>
+                          <a:rPr lang="zh-CN" altLang="zh-CN">
+                            <a:latin typeface="Cambria Math"/>
+                          </a:rPr>
                           <m:t>±</m:t>
                         </m:r>
                         <m:r>
-                          <a:rPr lang="en-US" altLang="zh-CN"/>
+                          <a:rPr lang="en-US" altLang="zh-CN">
+                            <a:latin typeface="Cambria Math"/>
+                          </a:rPr>
                           <m:t>1,0</m:t>
                         </m:r>
                       </m:e>
@@ -12612,20 +13253,28 @@
                     <m:d>
                       <m:dPr>
                         <m:ctrlPr>
-                          <a:rPr lang="zh-CN" altLang="zh-CN" i="1"/>
+                          <a:rPr lang="zh-CN" altLang="zh-CN" i="1">
+                            <a:latin typeface="Cambria Math"/>
+                          </a:rPr>
                         </m:ctrlPr>
                       </m:dPr>
                       <m:e>
                         <m:r>
-                          <a:rPr lang="en-US" altLang="zh-CN"/>
+                          <a:rPr lang="en-US" altLang="zh-CN">
+                            <a:latin typeface="Cambria Math"/>
+                          </a:rPr>
                           <m:t>0,0,</m:t>
                         </m:r>
                         <m:r>
-                          <a:rPr lang="zh-CN" altLang="zh-CN"/>
+                          <a:rPr lang="zh-CN" altLang="zh-CN">
+                            <a:latin typeface="Cambria Math"/>
+                          </a:rPr>
                           <m:t>±</m:t>
                         </m:r>
                         <m:r>
-                          <a:rPr lang="en-US" altLang="zh-CN"/>
+                          <a:rPr lang="en-US" altLang="zh-CN">
+                            <a:latin typeface="Cambria Math"/>
+                          </a:rPr>
                           <m:t>1</m:t>
                         </m:r>
                       </m:e>
@@ -12855,7 +13504,7 @@
             </p:txBody>
           </p:sp>
         </mc:Choice>
-        <mc:Fallback>
+        <mc:Fallback xmlns="">
           <p:sp>
             <p:nvSpPr>
               <p:cNvPr id="3" name="内容占位符 2"/>
@@ -12938,8 +13587,8 @@
           </a:p>
         </p:txBody>
       </p:sp>
-      <mc:AlternateContent xmlns:mc="http://schemas.openxmlformats.org/markup-compatibility/2006">
-        <mc:Choice xmlns:a14="http://schemas.microsoft.com/office/drawing/2010/main" Requires="a14">
+      <mc:AlternateContent xmlns:mc="http://schemas.openxmlformats.org/markup-compatibility/2006" xmlns:a14="http://schemas.microsoft.com/office/drawing/2010/main">
+        <mc:Choice Requires="a14">
           <p:sp>
             <p:nvSpPr>
               <p:cNvPr id="3" name="内容占位符 2"/>
@@ -12985,18 +13634,24 @@
                       <m:rPr>
                         <m:sty m:val="p"/>
                       </m:rPr>
-                      <a:rPr lang="en-US" altLang="zh-CN"/>
+                      <a:rPr lang="en-US" altLang="zh-CN">
+                        <a:latin typeface="Cambria Math"/>
+                      </a:rPr>
                       <m:t>min</m:t>
                     </m:r>
                     <m:r>
-                      <a:rPr lang="en-US" altLang="zh-CN" i="1"/>
+                      <a:rPr lang="en-US" altLang="zh-CN" i="1">
+                        <a:latin typeface="Cambria Math"/>
+                      </a:rPr>
                       <m:t>−</m:t>
                     </m:r>
                     <m:r>
                       <m:rPr>
                         <m:sty m:val="p"/>
                       </m:rPr>
-                      <a:rPr lang="en-US" altLang="zh-CN"/>
+                      <a:rPr lang="en-US" altLang="zh-CN">
+                        <a:latin typeface="Cambria Math"/>
+                      </a:rPr>
                       <m:t>max</m:t>
                     </m:r>
                   </m:oMath>
@@ -13020,7 +13675,7 @@
             </p:txBody>
           </p:sp>
         </mc:Choice>
-        <mc:Fallback>
+        <mc:Fallback xmlns="">
           <p:sp>
             <p:nvSpPr>
               <p:cNvPr id="3" name="内容占位符 2"/>
@@ -13235,8 +13890,8 @@
           </a:p>
         </p:txBody>
       </p:sp>
-      <mc:AlternateContent xmlns:mc="http://schemas.openxmlformats.org/markup-compatibility/2006">
-        <mc:Choice xmlns:a14="http://schemas.microsoft.com/office/drawing/2010/main" Requires="a14">
+      <mc:AlternateContent xmlns:mc="http://schemas.openxmlformats.org/markup-compatibility/2006" xmlns:a14="http://schemas.microsoft.com/office/drawing/2010/main">
+        <mc:Choice Requires="a14">
           <p:sp>
             <p:nvSpPr>
               <p:cNvPr id="3" name="内容占位符 2"/>
@@ -13267,12 +13922,16 @@
                     <m:d>
                       <m:dPr>
                         <m:ctrlPr>
-                          <a:rPr lang="zh-CN" altLang="zh-CN" i="1"/>
+                          <a:rPr lang="zh-CN" altLang="zh-CN" i="1">
+                            <a:latin typeface="Cambria Math"/>
+                          </a:rPr>
                         </m:ctrlPr>
                       </m:dPr>
                       <m:e>
                         <m:r>
-                          <a:rPr lang="en-US" altLang="zh-CN"/>
+                          <a:rPr lang="en-US" altLang="zh-CN">
+                            <a:latin typeface="Cambria Math"/>
+                          </a:rPr>
                           <m:t>0,0</m:t>
                         </m:r>
                       </m:e>
@@ -13288,12 +13947,16 @@
                     <m:d>
                       <m:dPr>
                         <m:ctrlPr>
-                          <a:rPr lang="zh-CN" altLang="zh-CN" i="1"/>
+                          <a:rPr lang="zh-CN" altLang="zh-CN" i="1">
+                            <a:latin typeface="Cambria Math"/>
+                          </a:rPr>
                         </m:ctrlPr>
                       </m:dPr>
                       <m:e>
                         <m:r>
-                          <a:rPr lang="en-US" altLang="zh-CN"/>
+                          <a:rPr lang="en-US" altLang="zh-CN">
+                            <a:latin typeface="Cambria Math"/>
+                          </a:rPr>
                           <m:t>1,0</m:t>
                         </m:r>
                       </m:e>
@@ -13309,12 +13972,16 @@
                     <m:d>
                       <m:dPr>
                         <m:ctrlPr>
-                          <a:rPr lang="zh-CN" altLang="zh-CN" i="1"/>
+                          <a:rPr lang="zh-CN" altLang="zh-CN" i="1">
+                            <a:latin typeface="Cambria Math"/>
+                          </a:rPr>
                         </m:ctrlPr>
                       </m:dPr>
                       <m:e>
                         <m:r>
-                          <a:rPr lang="en-US" altLang="zh-CN"/>
+                          <a:rPr lang="en-US" altLang="zh-CN">
+                            <a:latin typeface="Cambria Math"/>
+                          </a:rPr>
                           <m:t>0,1</m:t>
                         </m:r>
                       </m:e>
@@ -13385,7 +14052,9 @@
                       <m:fPr>
                         <m:type m:val="lin"/>
                         <m:ctrlPr>
-                          <a:rPr lang="zh-CN" altLang="zh-CN" i="1"/>
+                          <a:rPr lang="zh-CN" altLang="zh-CN" i="1">
+                            <a:latin typeface="Cambria Math"/>
+                          </a:rPr>
                         </m:ctrlPr>
                       </m:fPr>
                       <m:num>
@@ -13393,13 +14062,17 @@
                           <m:rPr>
                             <m:sty m:val="p"/>
                           </m:rPr>
-                          <a:rPr lang="en-US" altLang="zh-CN"/>
+                          <a:rPr lang="en-US" altLang="zh-CN">
+                            <a:latin typeface="Cambria Math"/>
+                          </a:rPr>
                           <m:t>k</m:t>
                         </m:r>
                       </m:num>
                       <m:den>
                         <m:r>
-                          <a:rPr lang="en-US" altLang="zh-CN"/>
+                          <a:rPr lang="en-US" altLang="zh-CN">
+                            <a:latin typeface="Cambria Math"/>
+                          </a:rPr>
                           <m:t>2</m:t>
                         </m:r>
                       </m:den>
@@ -13433,7 +14106,7 @@
             </p:txBody>
           </p:sp>
         </mc:Choice>
-        <mc:Fallback>
+        <mc:Fallback xmlns="">
           <p:sp>
             <p:nvSpPr>
               <p:cNvPr id="3" name="内容占位符 2"/>
@@ -13901,8 +14574,8 @@
           </a:p>
         </p:txBody>
       </p:sp>
-      <mc:AlternateContent xmlns:mc="http://schemas.openxmlformats.org/markup-compatibility/2006">
-        <mc:Choice xmlns:a14="http://schemas.microsoft.com/office/drawing/2010/main" Requires="a14">
+      <mc:AlternateContent xmlns:mc="http://schemas.openxmlformats.org/markup-compatibility/2006" xmlns:a14="http://schemas.microsoft.com/office/drawing/2010/main">
+        <mc:Choice Requires="a14">
           <p:sp>
             <p:nvSpPr>
               <p:cNvPr id="3" name="内容占位符 2"/>
@@ -13943,36 +14616,48 @@
                     <m:d>
                       <m:dPr>
                         <m:ctrlPr>
-                          <a:rPr lang="zh-CN" altLang="zh-CN" i="1"/>
+                          <a:rPr lang="zh-CN" altLang="zh-CN" i="1">
+                            <a:latin typeface="Cambria Math"/>
+                          </a:rPr>
                         </m:ctrlPr>
                       </m:dPr>
                       <m:e>
                         <m:r>
-                          <a:rPr lang="en-US" altLang="zh-CN" b="1" i="1"/>
+                          <a:rPr lang="en-US" altLang="zh-CN" b="1" i="1">
+                            <a:latin typeface="Cambria Math"/>
+                          </a:rPr>
                           <m:t>𝐧</m:t>
                         </m:r>
                         <m:r>
-                          <a:rPr lang="en-US" altLang="zh-CN"/>
+                          <a:rPr lang="en-US" altLang="zh-CN">
+                            <a:latin typeface="Cambria Math"/>
+                          </a:rPr>
                           <m:t>∙</m:t>
                         </m:r>
                         <m:r>
                           <m:rPr>
                             <m:sty m:val="p"/>
                           </m:rPr>
-                          <a:rPr lang="en-US" altLang="zh-CN"/>
+                          <a:rPr lang="en-US" altLang="zh-CN">
+                            <a:latin typeface="Cambria Math"/>
+                          </a:rPr>
                           <m:t>X</m:t>
                         </m:r>
                       </m:e>
                     </m:d>
                     <m:r>
-                      <a:rPr lang="en-US" altLang="zh-CN"/>
+                      <a:rPr lang="en-US" altLang="zh-CN">
+                        <a:latin typeface="Cambria Math"/>
+                      </a:rPr>
                       <m:t>=</m:t>
                     </m:r>
                     <m:r>
                       <m:rPr>
                         <m:sty m:val="p"/>
                       </m:rPr>
-                      <a:rPr lang="en-US" altLang="zh-CN"/>
+                      <a:rPr lang="en-US" altLang="zh-CN">
+                        <a:latin typeface="Cambria Math"/>
+                      </a:rPr>
                       <m:t>d</m:t>
                     </m:r>
                   </m:oMath>
@@ -13987,13 +14672,17 @@
                       <m:rPr>
                         <m:sty m:val="p"/>
                       </m:rPr>
-                      <a:rPr lang="en-US" altLang="zh-CN"/>
+                      <a:rPr lang="en-US" altLang="zh-CN">
+                        <a:latin typeface="Cambria Math"/>
+                      </a:rPr>
                       <m:t>S</m:t>
                     </m:r>
                     <m:d>
                       <m:dPr>
                         <m:ctrlPr>
-                          <a:rPr lang="zh-CN" altLang="zh-CN" i="1"/>
+                          <a:rPr lang="zh-CN" altLang="zh-CN" i="1">
+                            <a:latin typeface="Cambria Math"/>
+                          </a:rPr>
                         </m:ctrlPr>
                       </m:dPr>
                       <m:e>
@@ -14001,57 +14690,77 @@
                           <m:rPr>
                             <m:sty m:val="p"/>
                           </m:rPr>
-                          <a:rPr lang="en-US" altLang="zh-CN"/>
+                          <a:rPr lang="en-US" altLang="zh-CN">
+                            <a:latin typeface="Cambria Math"/>
+                          </a:rPr>
                           <m:t>t</m:t>
                         </m:r>
                       </m:e>
                     </m:d>
                     <m:r>
-                      <a:rPr lang="en-US" altLang="zh-CN"/>
+                      <a:rPr lang="en-US" altLang="zh-CN">
+                        <a:latin typeface="Cambria Math"/>
+                      </a:rPr>
                       <m:t>=</m:t>
                     </m:r>
                     <m:r>
                       <m:rPr>
                         <m:sty m:val="p"/>
                       </m:rPr>
-                      <a:rPr lang="en-US" altLang="zh-CN"/>
+                      <a:rPr lang="en-US" altLang="zh-CN">
+                        <a:latin typeface="Cambria Math"/>
+                      </a:rPr>
                       <m:t>A</m:t>
                     </m:r>
                     <m:r>
-                      <a:rPr lang="en-US" altLang="zh-CN"/>
+                      <a:rPr lang="en-US" altLang="zh-CN">
+                        <a:latin typeface="Cambria Math"/>
+                      </a:rPr>
                       <m:t>+</m:t>
                     </m:r>
                     <m:r>
                       <m:rPr>
                         <m:sty m:val="p"/>
                       </m:rPr>
-                      <a:rPr lang="en-US" altLang="zh-CN"/>
+                      <a:rPr lang="en-US" altLang="zh-CN">
+                        <a:latin typeface="Cambria Math"/>
+                      </a:rPr>
                       <m:t>t</m:t>
                     </m:r>
                     <m:r>
-                      <a:rPr lang="en-US" altLang="zh-CN"/>
+                      <a:rPr lang="en-US" altLang="zh-CN">
+                        <a:latin typeface="Cambria Math"/>
+                      </a:rPr>
                       <m:t>(</m:t>
                     </m:r>
                     <m:r>
                       <m:rPr>
                         <m:sty m:val="p"/>
                       </m:rPr>
-                      <a:rPr lang="en-US" altLang="zh-CN"/>
+                      <a:rPr lang="en-US" altLang="zh-CN">
+                        <a:latin typeface="Cambria Math"/>
+                      </a:rPr>
                       <m:t>B</m:t>
                     </m:r>
                     <m:r>
-                      <a:rPr lang="en-US" altLang="zh-CN" i="1"/>
+                      <a:rPr lang="en-US" altLang="zh-CN" i="1">
+                        <a:latin typeface="Cambria Math"/>
+                      </a:rPr>
                       <m:t>−</m:t>
                     </m:r>
                     <m:r>
                       <m:rPr>
                         <m:sty m:val="p"/>
                       </m:rPr>
-                      <a:rPr lang="en-US" altLang="zh-CN"/>
+                      <a:rPr lang="en-US" altLang="zh-CN">
+                        <a:latin typeface="Cambria Math"/>
+                      </a:rPr>
                       <m:t>A</m:t>
                     </m:r>
                     <m:r>
-                      <a:rPr lang="en-US" altLang="zh-CN"/>
+                      <a:rPr lang="en-US" altLang="zh-CN">
+                        <a:latin typeface="Cambria Math"/>
+                      </a:rPr>
                       <m:t>)</m:t>
                     </m:r>
                   </m:oMath>
@@ -14067,18 +14776,24 @@
                 <a14:m>
                   <m:oMath xmlns:m="http://schemas.openxmlformats.org/officeDocument/2006/math">
                     <m:r>
-                      <a:rPr lang="en-US" altLang="zh-CN"/>
+                      <a:rPr lang="en-US" altLang="zh-CN">
+                        <a:latin typeface="Cambria Math"/>
+                      </a:rPr>
                       <m:t>0≤</m:t>
                     </m:r>
                     <m:r>
                       <m:rPr>
                         <m:sty m:val="p"/>
                       </m:rPr>
-                      <a:rPr lang="en-US" altLang="zh-CN"/>
+                      <a:rPr lang="en-US" altLang="zh-CN">
+                        <a:latin typeface="Cambria Math"/>
+                      </a:rPr>
                       <m:t>t</m:t>
                     </m:r>
                     <m:r>
-                      <a:rPr lang="en-US" altLang="zh-CN"/>
+                      <a:rPr lang="en-US" altLang="zh-CN">
+                        <a:latin typeface="Cambria Math"/>
+                      </a:rPr>
                       <m:t>≤1</m:t>
                     </m:r>
                   </m:oMath>
@@ -14094,7 +14809,7 @@
             </p:txBody>
           </p:sp>
         </mc:Choice>
-        <mc:Fallback>
+        <mc:Fallback xmlns="">
           <p:sp>
             <p:nvSpPr>
               <p:cNvPr id="3" name="内容占位符 2"/>
@@ -14377,8 +15092,8 @@
           </a:p>
         </p:txBody>
       </p:sp>
-      <mc:AlternateContent xmlns:mc="http://schemas.openxmlformats.org/markup-compatibility/2006">
-        <mc:Choice xmlns:a14="http://schemas.microsoft.com/office/drawing/2010/main" Requires="a14">
+      <mc:AlternateContent xmlns:mc="http://schemas.openxmlformats.org/markup-compatibility/2006" xmlns:a14="http://schemas.microsoft.com/office/drawing/2010/main">
+        <mc:Choice Requires="a14">
           <p:sp>
             <p:nvSpPr>
               <p:cNvPr id="3" name="内容占位符 2"/>
@@ -14419,7 +15134,9 @@
                     <m:d>
                       <m:dPr>
                         <m:ctrlPr>
-                          <a:rPr lang="zh-CN" altLang="zh-CN" b="1" i="1"/>
+                          <a:rPr lang="zh-CN" altLang="zh-CN" b="1" i="1">
+                            <a:latin typeface="Cambria Math"/>
+                          </a:rPr>
                         </m:ctrlPr>
                       </m:dPr>
                       <m:e>
@@ -14427,17 +15144,23 @@
                           <m:rPr>
                             <m:sty m:val="p"/>
                           </m:rPr>
-                          <a:rPr lang="en-US" altLang="zh-CN"/>
+                          <a:rPr lang="en-US" altLang="zh-CN">
+                            <a:latin typeface="Cambria Math"/>
+                          </a:rPr>
                           <m:t>n</m:t>
                         </m:r>
                         <m:r>
-                          <a:rPr lang="en-US" altLang="zh-CN"/>
+                          <a:rPr lang="en-US" altLang="zh-CN">
+                            <a:latin typeface="Cambria Math"/>
+                          </a:rPr>
                           <m:t>∙</m:t>
                         </m:r>
                         <m:d>
                           <m:dPr>
                             <m:ctrlPr>
-                              <a:rPr lang="zh-CN" altLang="zh-CN" i="1"/>
+                              <a:rPr lang="zh-CN" altLang="zh-CN" i="1">
+                                <a:latin typeface="Cambria Math"/>
+                              </a:rPr>
                             </m:ctrlPr>
                           </m:dPr>
                           <m:e>
@@ -14445,24 +15168,32 @@
                               <m:rPr>
                                 <m:sty m:val="p"/>
                               </m:rPr>
-                              <a:rPr lang="en-US" altLang="zh-CN"/>
+                              <a:rPr lang="en-US" altLang="zh-CN">
+                                <a:latin typeface="Cambria Math"/>
+                              </a:rPr>
                               <m:t>A</m:t>
                             </m:r>
                             <m:r>
-                              <a:rPr lang="en-US" altLang="zh-CN"/>
+                              <a:rPr lang="en-US" altLang="zh-CN">
+                                <a:latin typeface="Cambria Math"/>
+                              </a:rPr>
                               <m:t>+</m:t>
                             </m:r>
                             <m:r>
                               <m:rPr>
                                 <m:sty m:val="p"/>
                               </m:rPr>
-                              <a:rPr lang="en-US" altLang="zh-CN"/>
+                              <a:rPr lang="en-US" altLang="zh-CN">
+                                <a:latin typeface="Cambria Math"/>
+                              </a:rPr>
                               <m:t>t</m:t>
                             </m:r>
                             <m:d>
                               <m:dPr>
                                 <m:ctrlPr>
-                                  <a:rPr lang="zh-CN" altLang="zh-CN" i="1"/>
+                                  <a:rPr lang="zh-CN" altLang="zh-CN" i="1">
+                                    <a:latin typeface="Cambria Math"/>
+                                  </a:rPr>
                                 </m:ctrlPr>
                               </m:dPr>
                               <m:e>
@@ -14470,18 +15201,24 @@
                                   <m:rPr>
                                     <m:sty m:val="p"/>
                                   </m:rPr>
-                                  <a:rPr lang="en-US" altLang="zh-CN"/>
+                                  <a:rPr lang="en-US" altLang="zh-CN">
+                                    <a:latin typeface="Cambria Math"/>
+                                  </a:rPr>
                                   <m:t>B</m:t>
                                 </m:r>
                                 <m:r>
-                                  <a:rPr lang="en-US" altLang="zh-CN" i="1"/>
+                                  <a:rPr lang="en-US" altLang="zh-CN" i="1">
+                                    <a:latin typeface="Cambria Math"/>
+                                  </a:rPr>
                                   <m:t>−</m:t>
                                 </m:r>
                                 <m:r>
                                   <m:rPr>
                                     <m:sty m:val="p"/>
                                   </m:rPr>
-                                  <a:rPr lang="en-US" altLang="zh-CN"/>
+                                  <a:rPr lang="en-US" altLang="zh-CN">
+                                    <a:latin typeface="Cambria Math"/>
+                                  </a:rPr>
                                   <m:t>A</m:t>
                                 </m:r>
                               </m:e>
@@ -14491,14 +15228,18 @@
                       </m:e>
                     </m:d>
                     <m:r>
-                      <a:rPr lang="en-US" altLang="zh-CN"/>
+                      <a:rPr lang="en-US" altLang="zh-CN">
+                        <a:latin typeface="Cambria Math"/>
+                      </a:rPr>
                       <m:t>=</m:t>
                     </m:r>
                     <m:r>
                       <m:rPr>
                         <m:sty m:val="p"/>
                       </m:rPr>
-                      <a:rPr lang="en-US" altLang="zh-CN"/>
+                      <a:rPr lang="en-US" altLang="zh-CN">
+                        <a:latin typeface="Cambria Math"/>
+                      </a:rPr>
                       <m:t>d</m:t>
                     </m:r>
                   </m:oMath>
@@ -14520,46 +15261,62 @@
                 <a14:m>
                   <m:oMath xmlns:m="http://schemas.openxmlformats.org/officeDocument/2006/math">
                     <m:r>
-                      <a:rPr lang="en-US" altLang="zh-CN"/>
+                      <a:rPr lang="en-US" altLang="zh-CN">
+                        <a:latin typeface="Cambria Math"/>
+                      </a:rPr>
                       <m:t> </m:t>
                     </m:r>
                     <m:r>
                       <m:rPr>
                         <m:sty m:val="p"/>
                       </m:rPr>
-                      <a:rPr lang="en-US" altLang="zh-CN"/>
+                      <a:rPr lang="en-US" altLang="zh-CN">
+                        <a:latin typeface="Cambria Math"/>
+                      </a:rPr>
                       <m:t>n</m:t>
                     </m:r>
                     <m:r>
-                      <a:rPr lang="en-US" altLang="zh-CN"/>
+                      <a:rPr lang="en-US" altLang="zh-CN">
+                        <a:latin typeface="Cambria Math"/>
+                      </a:rPr>
                       <m:t>∙</m:t>
                     </m:r>
                     <m:r>
                       <m:rPr>
                         <m:sty m:val="p"/>
                       </m:rPr>
-                      <a:rPr lang="en-US" altLang="zh-CN"/>
+                      <a:rPr lang="en-US" altLang="zh-CN">
+                        <a:latin typeface="Cambria Math"/>
+                      </a:rPr>
                       <m:t>A</m:t>
                     </m:r>
                     <m:r>
-                      <a:rPr lang="en-US" altLang="zh-CN"/>
+                      <a:rPr lang="en-US" altLang="zh-CN">
+                        <a:latin typeface="Cambria Math"/>
+                      </a:rPr>
                       <m:t>+</m:t>
                     </m:r>
                     <m:r>
                       <m:rPr>
                         <m:sty m:val="p"/>
                       </m:rPr>
-                      <a:rPr lang="en-US" altLang="zh-CN"/>
+                      <a:rPr lang="en-US" altLang="zh-CN">
+                        <a:latin typeface="Cambria Math"/>
+                      </a:rPr>
                       <m:t>tn</m:t>
                     </m:r>
                     <m:r>
-                      <a:rPr lang="en-US" altLang="zh-CN"/>
+                      <a:rPr lang="en-US" altLang="zh-CN">
+                        <a:latin typeface="Cambria Math"/>
+                      </a:rPr>
                       <m:t>∙</m:t>
                     </m:r>
                     <m:d>
                       <m:dPr>
                         <m:ctrlPr>
-                          <a:rPr lang="zh-CN" altLang="zh-CN" i="1"/>
+                          <a:rPr lang="zh-CN" altLang="zh-CN" i="1">
+                            <a:latin typeface="Cambria Math"/>
+                          </a:rPr>
                         </m:ctrlPr>
                       </m:dPr>
                       <m:e>
@@ -14567,31 +15324,41 @@
                           <m:rPr>
                             <m:sty m:val="p"/>
                           </m:rPr>
-                          <a:rPr lang="en-US" altLang="zh-CN"/>
+                          <a:rPr lang="en-US" altLang="zh-CN">
+                            <a:latin typeface="Cambria Math"/>
+                          </a:rPr>
                           <m:t>B</m:t>
                         </m:r>
                         <m:r>
-                          <a:rPr lang="en-US" altLang="zh-CN" i="1"/>
+                          <a:rPr lang="en-US" altLang="zh-CN" i="1">
+                            <a:latin typeface="Cambria Math"/>
+                          </a:rPr>
                           <m:t>−</m:t>
                         </m:r>
                         <m:r>
                           <m:rPr>
                             <m:sty m:val="p"/>
                           </m:rPr>
-                          <a:rPr lang="en-US" altLang="zh-CN"/>
+                          <a:rPr lang="en-US" altLang="zh-CN">
+                            <a:latin typeface="Cambria Math"/>
+                          </a:rPr>
                           <m:t>A</m:t>
                         </m:r>
                       </m:e>
                     </m:d>
                     <m:r>
-                      <a:rPr lang="en-US" altLang="zh-CN"/>
+                      <a:rPr lang="en-US" altLang="zh-CN">
+                        <a:latin typeface="Cambria Math"/>
+                      </a:rPr>
                       <m:t>=</m:t>
                     </m:r>
                     <m:r>
                       <m:rPr>
                         <m:sty m:val="p"/>
                       </m:rPr>
-                      <a:rPr lang="en-US" altLang="zh-CN"/>
+                      <a:rPr lang="en-US" altLang="zh-CN">
+                        <a:latin typeface="Cambria Math"/>
+                      </a:rPr>
                       <m:t>d</m:t>
                     </m:r>
                   </m:oMath>
@@ -14613,24 +15380,32 @@
                 <a14:m>
                   <m:oMath xmlns:m="http://schemas.openxmlformats.org/officeDocument/2006/math">
                     <m:r>
-                      <a:rPr lang="en-US" altLang="zh-CN"/>
+                      <a:rPr lang="en-US" altLang="zh-CN">
+                        <a:latin typeface="Cambria Math"/>
+                      </a:rPr>
                       <m:t> </m:t>
                     </m:r>
                     <m:r>
                       <m:rPr>
                         <m:sty m:val="p"/>
                       </m:rPr>
-                      <a:rPr lang="en-US" altLang="zh-CN"/>
+                      <a:rPr lang="en-US" altLang="zh-CN">
+                        <a:latin typeface="Cambria Math"/>
+                      </a:rPr>
                       <m:t>tn</m:t>
                     </m:r>
                     <m:r>
-                      <a:rPr lang="en-US" altLang="zh-CN"/>
+                      <a:rPr lang="en-US" altLang="zh-CN">
+                        <a:latin typeface="Cambria Math"/>
+                      </a:rPr>
                       <m:t>∙</m:t>
                     </m:r>
                     <m:d>
                       <m:dPr>
                         <m:ctrlPr>
-                          <a:rPr lang="zh-CN" altLang="zh-CN" i="1"/>
+                          <a:rPr lang="zh-CN" altLang="zh-CN" i="1">
+                            <a:latin typeface="Cambria Math"/>
+                          </a:rPr>
                         </m:ctrlPr>
                       </m:dPr>
                       <m:e>
@@ -14638,53 +15413,71 @@
                           <m:rPr>
                             <m:sty m:val="p"/>
                           </m:rPr>
-                          <a:rPr lang="en-US" altLang="zh-CN"/>
+                          <a:rPr lang="en-US" altLang="zh-CN">
+                            <a:latin typeface="Cambria Math"/>
+                          </a:rPr>
                           <m:t>B</m:t>
                         </m:r>
                         <m:r>
-                          <a:rPr lang="en-US" altLang="zh-CN" i="1"/>
+                          <a:rPr lang="en-US" altLang="zh-CN" i="1">
+                            <a:latin typeface="Cambria Math"/>
+                          </a:rPr>
                           <m:t>−</m:t>
                         </m:r>
                         <m:r>
                           <m:rPr>
                             <m:sty m:val="p"/>
                           </m:rPr>
-                          <a:rPr lang="en-US" altLang="zh-CN"/>
+                          <a:rPr lang="en-US" altLang="zh-CN">
+                            <a:latin typeface="Cambria Math"/>
+                          </a:rPr>
                           <m:t>A</m:t>
                         </m:r>
                       </m:e>
                     </m:d>
                     <m:r>
-                      <a:rPr lang="en-US" altLang="zh-CN"/>
+                      <a:rPr lang="en-US" altLang="zh-CN">
+                        <a:latin typeface="Cambria Math"/>
+                      </a:rPr>
                       <m:t>=</m:t>
                     </m:r>
                     <m:r>
                       <m:rPr>
                         <m:sty m:val="p"/>
                       </m:rPr>
-                      <a:rPr lang="en-US" altLang="zh-CN"/>
+                      <a:rPr lang="en-US" altLang="zh-CN">
+                        <a:latin typeface="Cambria Math"/>
+                      </a:rPr>
                       <m:t>d</m:t>
                     </m:r>
                     <m:r>
-                      <a:rPr lang="en-US" altLang="zh-CN" i="1"/>
+                      <a:rPr lang="en-US" altLang="zh-CN" i="1">
+                        <a:latin typeface="Cambria Math"/>
+                      </a:rPr>
                       <m:t>−</m:t>
                     </m:r>
                     <m:r>
                       <m:rPr>
                         <m:sty m:val="p"/>
                       </m:rPr>
-                      <a:rPr lang="en-US" altLang="zh-CN"/>
+                      <a:rPr lang="en-US" altLang="zh-CN">
+                        <a:latin typeface="Cambria Math"/>
+                      </a:rPr>
                       <m:t>n</m:t>
                     </m:r>
                     <m:r>
-                      <a:rPr lang="en-US" altLang="zh-CN"/>
+                      <a:rPr lang="en-US" altLang="zh-CN">
+                        <a:latin typeface="Cambria Math"/>
+                      </a:rPr>
                       <m:t>∙</m:t>
                     </m:r>
                     <m:r>
                       <m:rPr>
                         <m:sty m:val="p"/>
                       </m:rPr>
-                      <a:rPr lang="en-US" altLang="zh-CN"/>
+                      <a:rPr lang="en-US" altLang="zh-CN">
+                        <a:latin typeface="Cambria Math"/>
+                      </a:rPr>
                       <m:t>A</m:t>
                     </m:r>
                   </m:oMath>
@@ -14709,25 +15502,33 @@
                       <m:rPr>
                         <m:sty m:val="p"/>
                       </m:rPr>
-                      <a:rPr lang="en-US" altLang="zh-CN"/>
+                      <a:rPr lang="en-US" altLang="zh-CN">
+                        <a:latin typeface="Cambria Math"/>
+                      </a:rPr>
                       <m:t>t</m:t>
                     </m:r>
                     <m:r>
-                      <a:rPr lang="en-US" altLang="zh-CN"/>
+                      <a:rPr lang="en-US" altLang="zh-CN">
+                        <a:latin typeface="Cambria Math"/>
+                      </a:rPr>
                       <m:t>=</m:t>
                     </m:r>
                     <m:f>
                       <m:fPr>
                         <m:type m:val="lin"/>
                         <m:ctrlPr>
-                          <a:rPr lang="zh-CN" altLang="zh-CN" i="1"/>
+                          <a:rPr lang="zh-CN" altLang="zh-CN" i="1">
+                            <a:latin typeface="Cambria Math"/>
+                          </a:rPr>
                         </m:ctrlPr>
                       </m:fPr>
                       <m:num>
                         <m:d>
                           <m:dPr>
                             <m:ctrlPr>
-                              <a:rPr lang="zh-CN" altLang="zh-CN" i="1"/>
+                              <a:rPr lang="zh-CN" altLang="zh-CN" i="1">
+                                <a:latin typeface="Cambria Math"/>
+                              </a:rPr>
                             </m:ctrlPr>
                           </m:dPr>
                           <m:e>
@@ -14735,26 +15536,36 @@
                               <m:rPr>
                                 <m:sty m:val="p"/>
                               </m:rPr>
-                              <a:rPr lang="en-US" altLang="zh-CN"/>
+                              <a:rPr lang="en-US" altLang="zh-CN">
+                                <a:latin typeface="Cambria Math"/>
+                              </a:rPr>
                               <m:t>d</m:t>
                             </m:r>
                             <m:r>
-                              <a:rPr lang="en-US" altLang="zh-CN" i="1"/>
+                              <a:rPr lang="en-US" altLang="zh-CN" i="1">
+                                <a:latin typeface="Cambria Math"/>
+                              </a:rPr>
                               <m:t>−</m:t>
                             </m:r>
                             <m:r>
-                              <a:rPr lang="en-US" altLang="zh-CN" b="1" i="1"/>
+                              <a:rPr lang="en-US" altLang="zh-CN" b="1" i="1">
+                                <a:latin typeface="Cambria Math"/>
+                              </a:rPr>
                               <m:t>𝐧</m:t>
                             </m:r>
                             <m:r>
-                              <a:rPr lang="en-US" altLang="zh-CN"/>
+                              <a:rPr lang="en-US" altLang="zh-CN">
+                                <a:latin typeface="Cambria Math"/>
+                              </a:rPr>
                               <m:t>∙</m:t>
                             </m:r>
                             <m:r>
                               <m:rPr>
                                 <m:sty m:val="p"/>
                               </m:rPr>
-                              <a:rPr lang="en-US" altLang="zh-CN"/>
+                              <a:rPr lang="en-US" altLang="zh-CN">
+                                <a:latin typeface="Cambria Math"/>
+                              </a:rPr>
                               <m:t>A</m:t>
                             </m:r>
                           </m:e>
@@ -14764,22 +15575,30 @@
                         <m:d>
                           <m:dPr>
                             <m:ctrlPr>
-                              <a:rPr lang="zh-CN" altLang="zh-CN" i="1"/>
+                              <a:rPr lang="zh-CN" altLang="zh-CN" i="1">
+                                <a:latin typeface="Cambria Math"/>
+                              </a:rPr>
                             </m:ctrlPr>
                           </m:dPr>
                           <m:e>
                             <m:r>
-                              <a:rPr lang="en-US" altLang="zh-CN" b="1" i="1"/>
+                              <a:rPr lang="en-US" altLang="zh-CN" b="1" i="1">
+                                <a:latin typeface="Cambria Math"/>
+                              </a:rPr>
                               <m:t>𝐧</m:t>
                             </m:r>
                             <m:r>
-                              <a:rPr lang="en-US" altLang="zh-CN"/>
+                              <a:rPr lang="en-US" altLang="zh-CN">
+                                <a:latin typeface="Cambria Math"/>
+                              </a:rPr>
                               <m:t>∙</m:t>
                             </m:r>
                             <m:d>
                               <m:dPr>
                                 <m:ctrlPr>
-                                  <a:rPr lang="zh-CN" altLang="zh-CN" i="1"/>
+                                  <a:rPr lang="zh-CN" altLang="zh-CN" i="1">
+                                    <a:latin typeface="Cambria Math"/>
+                                  </a:rPr>
                                 </m:ctrlPr>
                               </m:dPr>
                               <m:e>
@@ -14787,18 +15606,24 @@
                                   <m:rPr>
                                     <m:sty m:val="p"/>
                                   </m:rPr>
-                                  <a:rPr lang="en-US" altLang="zh-CN"/>
+                                  <a:rPr lang="en-US" altLang="zh-CN">
+                                    <a:latin typeface="Cambria Math"/>
+                                  </a:rPr>
                                   <m:t>B</m:t>
                                 </m:r>
                                 <m:r>
-                                  <a:rPr lang="en-US" altLang="zh-CN" i="1"/>
+                                  <a:rPr lang="en-US" altLang="zh-CN" i="1">
+                                    <a:latin typeface="Cambria Math"/>
+                                  </a:rPr>
                                   <m:t>−</m:t>
                                 </m:r>
                                 <m:r>
                                   <m:rPr>
                                     <m:sty m:val="p"/>
                                   </m:rPr>
-                                  <a:rPr lang="en-US" altLang="zh-CN"/>
+                                  <a:rPr lang="en-US" altLang="zh-CN">
+                                    <a:latin typeface="Cambria Math"/>
+                                  </a:rPr>
                                   <m:t>A</m:t>
                                 </m:r>
                               </m:e>
@@ -14823,17 +15648,23 @@
                       <m:rPr>
                         <m:sty m:val="p"/>
                       </m:rPr>
-                      <a:rPr lang="en-US" altLang="zh-CN"/>
+                      <a:rPr lang="en-US" altLang="zh-CN">
+                        <a:latin typeface="Cambria Math"/>
+                      </a:rPr>
                       <m:t>n</m:t>
                     </m:r>
                     <m:r>
-                      <a:rPr lang="en-US" altLang="zh-CN"/>
+                      <a:rPr lang="en-US" altLang="zh-CN">
+                        <a:latin typeface="Cambria Math"/>
+                      </a:rPr>
                       <m:t>∙</m:t>
                     </m:r>
                     <m:d>
                       <m:dPr>
                         <m:ctrlPr>
-                          <a:rPr lang="zh-CN" altLang="zh-CN" i="1"/>
+                          <a:rPr lang="zh-CN" altLang="zh-CN" i="1">
+                            <a:latin typeface="Cambria Math"/>
+                          </a:rPr>
                         </m:ctrlPr>
                       </m:dPr>
                       <m:e>
@@ -14841,18 +15672,24 @@
                           <m:rPr>
                             <m:sty m:val="p"/>
                           </m:rPr>
-                          <a:rPr lang="en-US" altLang="zh-CN"/>
+                          <a:rPr lang="en-US" altLang="zh-CN">
+                            <a:latin typeface="Cambria Math"/>
+                          </a:rPr>
                           <m:t>B</m:t>
                         </m:r>
                         <m:r>
-                          <a:rPr lang="en-US" altLang="zh-CN" i="1"/>
+                          <a:rPr lang="en-US" altLang="zh-CN" i="1">
+                            <a:latin typeface="Cambria Math"/>
+                          </a:rPr>
                           <m:t>−</m:t>
                         </m:r>
                         <m:r>
                           <m:rPr>
                             <m:sty m:val="p"/>
                           </m:rPr>
-                          <a:rPr lang="en-US" altLang="zh-CN"/>
+                          <a:rPr lang="en-US" altLang="zh-CN">
+                            <a:latin typeface="Cambria Math"/>
+                          </a:rPr>
                           <m:t>A</m:t>
                         </m:r>
                       </m:e>
@@ -14906,29 +15743,39 @@
                 <a14:m>
                   <m:oMath xmlns:m="http://schemas.openxmlformats.org/officeDocument/2006/math">
                     <m:r>
-                      <a:rPr lang="en-US" altLang="zh-CN"/>
+                      <a:rPr lang="en-US" altLang="zh-CN">
+                        <a:latin typeface="Cambria Math"/>
+                      </a:rPr>
                       <m:t> </m:t>
                     </m:r>
                     <m:r>
                       <m:rPr>
                         <m:sty m:val="p"/>
                       </m:rPr>
-                      <a:rPr lang="en-US" altLang="zh-CN"/>
+                      <a:rPr lang="en-US" altLang="zh-CN">
+                        <a:latin typeface="Cambria Math"/>
+                      </a:rPr>
                       <m:t>Q</m:t>
                     </m:r>
                     <m:r>
-                      <a:rPr lang="en-US" altLang="zh-CN"/>
+                      <a:rPr lang="en-US" altLang="zh-CN">
+                        <a:latin typeface="Cambria Math"/>
+                      </a:rPr>
                       <m:t>=</m:t>
                     </m:r>
                     <m:r>
                       <m:rPr>
                         <m:sty m:val="p"/>
                       </m:rPr>
-                      <a:rPr lang="en-US" altLang="zh-CN"/>
+                      <a:rPr lang="en-US" altLang="zh-CN">
+                        <a:latin typeface="Cambria Math"/>
+                      </a:rPr>
                       <m:t>A</m:t>
                     </m:r>
                     <m:r>
-                      <a:rPr lang="en-US" altLang="zh-CN"/>
+                      <a:rPr lang="en-US" altLang="zh-CN">
+                        <a:latin typeface="Cambria Math"/>
+                      </a:rPr>
                       <m:t>+</m:t>
                     </m:r>
                     <m:d>
@@ -14936,7 +15783,9 @@
                         <m:begChr m:val="["/>
                         <m:endChr m:val="]"/>
                         <m:ctrlPr>
-                          <a:rPr lang="zh-CN" altLang="zh-CN" i="1"/>
+                          <a:rPr lang="zh-CN" altLang="zh-CN" i="1">
+                            <a:latin typeface="Cambria Math"/>
+                          </a:rPr>
                         </m:ctrlPr>
                       </m:dPr>
                       <m:e>
@@ -14944,14 +15793,18 @@
                           <m:fPr>
                             <m:type m:val="lin"/>
                             <m:ctrlPr>
-                              <a:rPr lang="zh-CN" altLang="zh-CN" i="1"/>
+                              <a:rPr lang="zh-CN" altLang="zh-CN" i="1">
+                                <a:latin typeface="Cambria Math"/>
+                              </a:rPr>
                             </m:ctrlPr>
                           </m:fPr>
                           <m:num>
                             <m:d>
                               <m:dPr>
                                 <m:ctrlPr>
-                                  <a:rPr lang="zh-CN" altLang="zh-CN" i="1"/>
+                                  <a:rPr lang="zh-CN" altLang="zh-CN" i="1">
+                                    <a:latin typeface="Cambria Math"/>
+                                  </a:rPr>
                                 </m:ctrlPr>
                               </m:dPr>
                               <m:e>
@@ -14959,26 +15812,36 @@
                                   <m:rPr>
                                     <m:sty m:val="p"/>
                                   </m:rPr>
-                                  <a:rPr lang="en-US" altLang="zh-CN"/>
+                                  <a:rPr lang="en-US" altLang="zh-CN">
+                                    <a:latin typeface="Cambria Math"/>
+                                  </a:rPr>
                                   <m:t>d</m:t>
                                 </m:r>
                                 <m:r>
-                                  <a:rPr lang="en-US" altLang="zh-CN" i="1"/>
+                                  <a:rPr lang="en-US" altLang="zh-CN" i="1">
+                                    <a:latin typeface="Cambria Math"/>
+                                  </a:rPr>
                                   <m:t>−</m:t>
                                 </m:r>
                                 <m:r>
-                                  <a:rPr lang="en-US" altLang="zh-CN" b="1" i="1"/>
+                                  <a:rPr lang="en-US" altLang="zh-CN" b="1" i="1">
+                                    <a:latin typeface="Cambria Math"/>
+                                  </a:rPr>
                                   <m:t>𝐧</m:t>
                                 </m:r>
                                 <m:r>
-                                  <a:rPr lang="en-US" altLang="zh-CN"/>
+                                  <a:rPr lang="en-US" altLang="zh-CN">
+                                    <a:latin typeface="Cambria Math"/>
+                                  </a:rPr>
                                   <m:t>∙</m:t>
                                 </m:r>
                                 <m:r>
                                   <m:rPr>
                                     <m:sty m:val="p"/>
                                   </m:rPr>
-                                  <a:rPr lang="en-US" altLang="zh-CN"/>
+                                  <a:rPr lang="en-US" altLang="zh-CN">
+                                    <a:latin typeface="Cambria Math"/>
+                                  </a:rPr>
                                   <m:t>A</m:t>
                                 </m:r>
                               </m:e>
@@ -14988,22 +15851,30 @@
                             <m:d>
                               <m:dPr>
                                 <m:ctrlPr>
-                                  <a:rPr lang="zh-CN" altLang="zh-CN" i="1"/>
+                                  <a:rPr lang="zh-CN" altLang="zh-CN" i="1">
+                                    <a:latin typeface="Cambria Math"/>
+                                  </a:rPr>
                                 </m:ctrlPr>
                               </m:dPr>
                               <m:e>
                                 <m:r>
-                                  <a:rPr lang="en-US" altLang="zh-CN" b="1" i="1"/>
+                                  <a:rPr lang="en-US" altLang="zh-CN" b="1" i="1">
+                                    <a:latin typeface="Cambria Math"/>
+                                  </a:rPr>
                                   <m:t>𝐧</m:t>
                                 </m:r>
                                 <m:r>
-                                  <a:rPr lang="en-US" altLang="zh-CN"/>
+                                  <a:rPr lang="en-US" altLang="zh-CN">
+                                    <a:latin typeface="Cambria Math"/>
+                                  </a:rPr>
                                   <m:t>∙</m:t>
                                 </m:r>
                                 <m:d>
                                   <m:dPr>
                                     <m:ctrlPr>
-                                      <a:rPr lang="zh-CN" altLang="zh-CN" i="1"/>
+                                      <a:rPr lang="zh-CN" altLang="zh-CN" i="1">
+                                        <a:latin typeface="Cambria Math"/>
+                                      </a:rPr>
                                     </m:ctrlPr>
                                   </m:dPr>
                                   <m:e>
@@ -15011,18 +15882,24 @@
                                       <m:rPr>
                                         <m:sty m:val="p"/>
                                       </m:rPr>
-                                      <a:rPr lang="en-US" altLang="zh-CN"/>
+                                      <a:rPr lang="en-US" altLang="zh-CN">
+                                        <a:latin typeface="Cambria Math"/>
+                                      </a:rPr>
                                       <m:t>B</m:t>
                                     </m:r>
                                     <m:r>
-                                      <a:rPr lang="en-US" altLang="zh-CN" i="1"/>
+                                      <a:rPr lang="en-US" altLang="zh-CN" i="1">
+                                        <a:latin typeface="Cambria Math"/>
+                                      </a:rPr>
                                       <m:t>−</m:t>
                                     </m:r>
                                     <m:r>
                                       <m:rPr>
                                         <m:sty m:val="p"/>
                                       </m:rPr>
-                                      <a:rPr lang="en-US" altLang="zh-CN"/>
+                                      <a:rPr lang="en-US" altLang="zh-CN">
+                                        <a:latin typeface="Cambria Math"/>
+                                      </a:rPr>
                                       <m:t>A</m:t>
                                     </m:r>
                                   </m:e>
@@ -15036,7 +15913,9 @@
                     <m:d>
                       <m:dPr>
                         <m:ctrlPr>
-                          <a:rPr lang="zh-CN" altLang="zh-CN" i="1"/>
+                          <a:rPr lang="zh-CN" altLang="zh-CN" i="1">
+                            <a:latin typeface="Cambria Math"/>
+                          </a:rPr>
                         </m:ctrlPr>
                       </m:dPr>
                       <m:e>
@@ -15044,18 +15923,24 @@
                           <m:rPr>
                             <m:sty m:val="p"/>
                           </m:rPr>
-                          <a:rPr lang="en-US" altLang="zh-CN"/>
+                          <a:rPr lang="en-US" altLang="zh-CN">
+                            <a:latin typeface="Cambria Math"/>
+                          </a:rPr>
                           <m:t>B</m:t>
                         </m:r>
                         <m:r>
-                          <a:rPr lang="en-US" altLang="zh-CN" i="1"/>
+                          <a:rPr lang="en-US" altLang="zh-CN" i="1">
+                            <a:latin typeface="Cambria Math"/>
+                          </a:rPr>
                           <m:t>−</m:t>
                         </m:r>
                         <m:r>
                           <m:rPr>
                             <m:sty m:val="p"/>
                           </m:rPr>
-                          <a:rPr lang="en-US" altLang="zh-CN"/>
+                          <a:rPr lang="en-US" altLang="zh-CN">
+                            <a:latin typeface="Cambria Math"/>
+                          </a:rPr>
                           <m:t>A</m:t>
                         </m:r>
                       </m:e>
@@ -15070,7 +15955,7 @@
             </p:txBody>
           </p:sp>
         </mc:Choice>
-        <mc:Fallback>
+        <mc:Fallback xmlns="">
           <p:sp>
             <p:nvSpPr>
               <p:cNvPr id="3" name="内容占位符 2"/>
@@ -15747,8 +16632,8 @@
           </a:p>
         </p:txBody>
       </p:sp>
-      <mc:AlternateContent xmlns:mc="http://schemas.openxmlformats.org/markup-compatibility/2006">
-        <mc:Choice xmlns:a14="http://schemas.microsoft.com/office/drawing/2010/main" Requires="a14">
+      <mc:AlternateContent xmlns:mc="http://schemas.openxmlformats.org/markup-compatibility/2006" xmlns:a14="http://schemas.microsoft.com/office/drawing/2010/main">
+        <mc:Choice Requires="a14">
           <p:sp>
             <p:nvSpPr>
               <p:cNvPr id="3" name="内容占位符 2"/>
@@ -15794,11 +16679,15 @@
                       <m:rPr>
                         <m:sty m:val="p"/>
                       </m:rPr>
-                      <a:rPr lang="en-US" altLang="zh-CN"/>
+                      <a:rPr lang="en-US" altLang="zh-CN">
+                        <a:latin typeface="Cambria Math"/>
+                      </a:rPr>
                       <m:t>u</m:t>
                     </m:r>
                     <m:r>
-                      <a:rPr lang="en-US" altLang="zh-CN"/>
+                      <a:rPr lang="en-US" altLang="zh-CN">
+                        <a:latin typeface="Cambria Math"/>
+                      </a:rPr>
                       <m:t>=</m:t>
                     </m:r>
                     <m:d>
@@ -15806,7 +16695,9 @@
                         <m:begChr m:val="["/>
                         <m:endChr m:val="]"/>
                         <m:ctrlPr>
-                          <a:rPr lang="zh-CN" altLang="zh-CN" i="1"/>
+                          <a:rPr lang="zh-CN" altLang="zh-CN" i="1">
+                            <a:latin typeface="Cambria Math"/>
+                          </a:rPr>
                         </m:ctrlPr>
                       </m:dPr>
                       <m:e>
@@ -15821,7 +16712,9 @@
                               </m:mc>
                             </m:mcs>
                             <m:ctrlPr>
-                              <a:rPr lang="zh-CN" altLang="zh-CN" i="1"/>
+                              <a:rPr lang="zh-CN" altLang="zh-CN" i="1">
+                                <a:latin typeface="Cambria Math"/>
+                              </a:rPr>
                             </m:ctrlPr>
                           </m:mPr>
                           <m:mr>
@@ -15830,7 +16723,9 @@
                                 <m:rPr>
                                   <m:sty m:val="p"/>
                                 </m:rPr>
-                                <a:rPr lang="en-US" altLang="zh-CN"/>
+                                <a:rPr lang="en-US" altLang="zh-CN">
+                                  <a:latin typeface="Cambria Math"/>
+                                </a:rPr>
                                 <m:t>PQ</m:t>
                               </m:r>
                             </m:e>
@@ -15839,7 +16734,9 @@
                                 <m:rPr>
                                   <m:sty m:val="p"/>
                                 </m:rPr>
-                                <a:rPr lang="en-US" altLang="zh-CN"/>
+                                <a:rPr lang="en-US" altLang="zh-CN">
+                                  <a:latin typeface="Cambria Math"/>
+                                </a:rPr>
                                 <m:t>PB</m:t>
                               </m:r>
                             </m:e>
@@ -15848,7 +16745,9 @@
                                 <m:rPr>
                                   <m:sty m:val="p"/>
                                 </m:rPr>
-                                <a:rPr lang="en-US" altLang="zh-CN"/>
+                                <a:rPr lang="en-US" altLang="zh-CN">
+                                  <a:latin typeface="Cambria Math"/>
+                                </a:rPr>
                                 <m:t>PC</m:t>
                               </m:r>
                             </m:e>
@@ -15867,11 +16766,15 @@
                       <m:rPr>
                         <m:sty m:val="p"/>
                       </m:rPr>
-                      <a:rPr lang="en-US" altLang="zh-CN"/>
+                      <a:rPr lang="en-US" altLang="zh-CN">
+                        <a:latin typeface="Cambria Math"/>
+                      </a:rPr>
                       <m:t>v</m:t>
                     </m:r>
                     <m:r>
-                      <a:rPr lang="en-US" altLang="zh-CN"/>
+                      <a:rPr lang="en-US" altLang="zh-CN">
+                        <a:latin typeface="Cambria Math"/>
+                      </a:rPr>
                       <m:t>=</m:t>
                     </m:r>
                     <m:d>
@@ -15879,7 +16782,9 @@
                         <m:begChr m:val="["/>
                         <m:endChr m:val="]"/>
                         <m:ctrlPr>
-                          <a:rPr lang="zh-CN" altLang="zh-CN" i="1"/>
+                          <a:rPr lang="zh-CN" altLang="zh-CN" i="1">
+                            <a:latin typeface="Cambria Math"/>
+                          </a:rPr>
                         </m:ctrlPr>
                       </m:dPr>
                       <m:e>
@@ -15894,7 +16799,9 @@
                               </m:mc>
                             </m:mcs>
                             <m:ctrlPr>
-                              <a:rPr lang="zh-CN" altLang="zh-CN" i="1"/>
+                              <a:rPr lang="zh-CN" altLang="zh-CN" i="1">
+                                <a:latin typeface="Cambria Math"/>
+                              </a:rPr>
                             </m:ctrlPr>
                           </m:mPr>
                           <m:mr>
@@ -15903,7 +16810,9 @@
                                 <m:rPr>
                                   <m:sty m:val="p"/>
                                 </m:rPr>
-                                <a:rPr lang="en-US" altLang="zh-CN"/>
+                                <a:rPr lang="en-US" altLang="zh-CN">
+                                  <a:latin typeface="Cambria Math"/>
+                                </a:rPr>
                                 <m:t>PQ</m:t>
                               </m:r>
                             </m:e>
@@ -15912,7 +16821,9 @@
                                 <m:rPr>
                                   <m:sty m:val="p"/>
                                 </m:rPr>
-                                <a:rPr lang="en-US" altLang="zh-CN"/>
+                                <a:rPr lang="en-US" altLang="zh-CN">
+                                  <a:latin typeface="Cambria Math"/>
+                                </a:rPr>
                                 <m:t>PC</m:t>
                               </m:r>
                             </m:e>
@@ -15921,7 +16832,9 @@
                                 <m:rPr>
                                   <m:sty m:val="p"/>
                                 </m:rPr>
-                                <a:rPr lang="en-US" altLang="zh-CN"/>
+                                <a:rPr lang="en-US" altLang="zh-CN">
+                                  <a:latin typeface="Cambria Math"/>
+                                </a:rPr>
                                 <m:t>PA</m:t>
                               </m:r>
                             </m:e>
@@ -15940,11 +16853,15 @@
                       <m:rPr>
                         <m:sty m:val="p"/>
                       </m:rPr>
-                      <a:rPr lang="en-US" altLang="zh-CN"/>
+                      <a:rPr lang="en-US" altLang="zh-CN">
+                        <a:latin typeface="Cambria Math"/>
+                      </a:rPr>
                       <m:t>w</m:t>
                     </m:r>
                     <m:r>
-                      <a:rPr lang="en-US" altLang="zh-CN"/>
+                      <a:rPr lang="en-US" altLang="zh-CN">
+                        <a:latin typeface="Cambria Math"/>
+                      </a:rPr>
                       <m:t>=</m:t>
                     </m:r>
                     <m:d>
@@ -15952,7 +16869,9 @@
                         <m:begChr m:val="["/>
                         <m:endChr m:val="]"/>
                         <m:ctrlPr>
-                          <a:rPr lang="zh-CN" altLang="zh-CN" i="1"/>
+                          <a:rPr lang="zh-CN" altLang="zh-CN" i="1">
+                            <a:latin typeface="Cambria Math"/>
+                          </a:rPr>
                         </m:ctrlPr>
                       </m:dPr>
                       <m:e>
@@ -15967,7 +16886,9 @@
                               </m:mc>
                             </m:mcs>
                             <m:ctrlPr>
-                              <a:rPr lang="zh-CN" altLang="zh-CN" i="1"/>
+                              <a:rPr lang="zh-CN" altLang="zh-CN" i="1">
+                                <a:latin typeface="Cambria Math"/>
+                              </a:rPr>
                             </m:ctrlPr>
                           </m:mPr>
                           <m:mr>
@@ -15976,7 +16897,9 @@
                                 <m:rPr>
                                   <m:sty m:val="p"/>
                                 </m:rPr>
-                                <a:rPr lang="en-US" altLang="zh-CN"/>
+                                <a:rPr lang="en-US" altLang="zh-CN">
+                                  <a:latin typeface="Cambria Math"/>
+                                </a:rPr>
                                 <m:t>PQ</m:t>
                               </m:r>
                             </m:e>
@@ -15985,7 +16908,9 @@
                                 <m:rPr>
                                   <m:sty m:val="p"/>
                                 </m:rPr>
-                                <a:rPr lang="en-US" altLang="zh-CN"/>
+                                <a:rPr lang="en-US" altLang="zh-CN">
+                                  <a:latin typeface="Cambria Math"/>
+                                </a:rPr>
                                 <m:t>PA</m:t>
                               </m:r>
                             </m:e>
@@ -15994,7 +16919,9 @@
                                 <m:rPr>
                                   <m:sty m:val="p"/>
                                 </m:rPr>
-                                <a:rPr lang="en-US" altLang="zh-CN"/>
+                                <a:rPr lang="en-US" altLang="zh-CN">
+                                  <a:latin typeface="Cambria Math"/>
+                                </a:rPr>
                                 <m:t>PB</m:t>
                               </m:r>
                             </m:e>
@@ -16057,15 +16984,21 @@
                       <m:rPr>
                         <m:sty m:val="p"/>
                       </m:rPr>
-                      <a:rPr lang="en-US" altLang="zh-CN"/>
+                      <a:rPr lang="en-US" altLang="zh-CN">
+                        <a:latin typeface="Cambria Math"/>
+                      </a:rPr>
                       <m:t>u</m:t>
                     </m:r>
                     <m:r>
-                      <a:rPr lang="zh-CN" altLang="zh-CN"/>
+                      <a:rPr lang="zh-CN" altLang="zh-CN">
+                        <a:latin typeface="Cambria Math"/>
+                      </a:rPr>
                       <m:t>≥</m:t>
                     </m:r>
                     <m:r>
-                      <a:rPr lang="en-US" altLang="zh-CN"/>
+                      <a:rPr lang="en-US" altLang="zh-CN">
+                        <a:latin typeface="Cambria Math"/>
+                      </a:rPr>
                       <m:t>0</m:t>
                     </m:r>
                   </m:oMath>
@@ -16080,15 +17013,21 @@
                       <m:rPr>
                         <m:sty m:val="p"/>
                       </m:rPr>
-                      <a:rPr lang="en-US" altLang="zh-CN"/>
+                      <a:rPr lang="en-US" altLang="zh-CN">
+                        <a:latin typeface="Cambria Math"/>
+                      </a:rPr>
                       <m:t>v</m:t>
                     </m:r>
                     <m:r>
-                      <a:rPr lang="zh-CN" altLang="zh-CN"/>
+                      <a:rPr lang="zh-CN" altLang="zh-CN">
+                        <a:latin typeface="Cambria Math"/>
+                      </a:rPr>
                       <m:t>≥</m:t>
                     </m:r>
                     <m:r>
-                      <a:rPr lang="en-US" altLang="zh-CN"/>
+                      <a:rPr lang="en-US" altLang="zh-CN">
+                        <a:latin typeface="Cambria Math"/>
+                      </a:rPr>
                       <m:t>0</m:t>
                     </m:r>
                   </m:oMath>
@@ -16103,15 +17042,21 @@
                       <m:rPr>
                         <m:sty m:val="p"/>
                       </m:rPr>
-                      <a:rPr lang="en-US" altLang="zh-CN"/>
+                      <a:rPr lang="en-US" altLang="zh-CN">
+                        <a:latin typeface="Cambria Math"/>
+                      </a:rPr>
                       <m:t>w</m:t>
                     </m:r>
                     <m:r>
-                      <a:rPr lang="zh-CN" altLang="zh-CN"/>
+                      <a:rPr lang="zh-CN" altLang="zh-CN">
+                        <a:latin typeface="Cambria Math"/>
+                      </a:rPr>
                       <m:t>≥</m:t>
                     </m:r>
                     <m:r>
-                      <a:rPr lang="en-US" altLang="zh-CN"/>
+                      <a:rPr lang="en-US" altLang="zh-CN">
+                        <a:latin typeface="Cambria Math"/>
+                      </a:rPr>
                       <m:t>0</m:t>
                     </m:r>
                   </m:oMath>
@@ -16127,7 +17072,7 @@
             </p:txBody>
           </p:sp>
         </mc:Choice>
-        <mc:Fallback>
+        <mc:Fallback xmlns="">
           <p:sp>
             <p:nvSpPr>
               <p:cNvPr id="3" name="内容占位符 2"/>
@@ -16346,8 +17291,8 @@
           </a:p>
         </p:txBody>
       </p:sp>
-      <mc:AlternateContent xmlns:mc="http://schemas.openxmlformats.org/markup-compatibility/2006">
-        <mc:Choice xmlns:a14="http://schemas.microsoft.com/office/drawing/2010/main" Requires="a14">
+      <mc:AlternateContent xmlns:mc="http://schemas.openxmlformats.org/markup-compatibility/2006" xmlns:a14="http://schemas.microsoft.com/office/drawing/2010/main">
+        <mc:Choice Requires="a14">
           <p:sp>
             <p:nvSpPr>
               <p:cNvPr id="3" name="内容占位符 2"/>
@@ -16390,7 +17335,9 @@
                       <m:rPr>
                         <m:sty m:val="p"/>
                       </m:rPr>
-                      <a:rPr lang="en-US" altLang="zh-CN"/>
+                      <a:rPr lang="en-US" altLang="zh-CN">
+                        <a:latin typeface="Cambria Math"/>
+                      </a:rPr>
                       <m:t>L</m:t>
                     </m:r>
                   </m:oMath>
@@ -16405,13 +17352,17 @@
                       <m:rPr>
                         <m:sty m:val="p"/>
                       </m:rPr>
-                      <a:rPr lang="en-US" altLang="zh-CN"/>
+                      <a:rPr lang="en-US" altLang="zh-CN">
+                        <a:latin typeface="Cambria Math"/>
+                      </a:rPr>
                       <m:t>L</m:t>
                     </m:r>
                     <m:d>
                       <m:dPr>
                         <m:ctrlPr>
-                          <a:rPr lang="zh-CN" altLang="zh-CN" i="1"/>
+                          <a:rPr lang="zh-CN" altLang="zh-CN" i="1">
+                            <a:latin typeface="Cambria Math"/>
+                          </a:rPr>
                         </m:ctrlPr>
                       </m:dPr>
                       <m:e>
@@ -16419,31 +17370,41 @@
                           <m:rPr>
                             <m:sty m:val="p"/>
                           </m:rPr>
-                          <a:rPr lang="en-US" altLang="zh-CN"/>
+                          <a:rPr lang="en-US" altLang="zh-CN">
+                            <a:latin typeface="Cambria Math"/>
+                          </a:rPr>
                           <m:t>t</m:t>
                         </m:r>
                       </m:e>
                     </m:d>
                     <m:r>
-                      <a:rPr lang="en-US" altLang="zh-CN"/>
+                      <a:rPr lang="en-US" altLang="zh-CN">
+                        <a:latin typeface="Cambria Math"/>
+                      </a:rPr>
                       <m:t>=</m:t>
                     </m:r>
                     <m:r>
                       <m:rPr>
                         <m:sty m:val="p"/>
                       </m:rPr>
-                      <a:rPr lang="en-US" altLang="zh-CN"/>
+                      <a:rPr lang="en-US" altLang="zh-CN">
+                        <a:latin typeface="Cambria Math"/>
+                      </a:rPr>
                       <m:t>P</m:t>
                     </m:r>
                     <m:r>
-                      <a:rPr lang="en-US" altLang="zh-CN"/>
+                      <a:rPr lang="en-US" altLang="zh-CN">
+                        <a:latin typeface="Cambria Math"/>
+                      </a:rPr>
                       <m:t>+</m:t>
                     </m:r>
                     <m:r>
                       <m:rPr>
                         <m:sty m:val="p"/>
                       </m:rPr>
-                      <a:rPr lang="en-US" altLang="zh-CN"/>
+                      <a:rPr lang="en-US" altLang="zh-CN">
+                        <a:latin typeface="Cambria Math"/>
+                      </a:rPr>
                       <m:t>td</m:t>
                     </m:r>
                   </m:oMath>
@@ -16458,17 +17419,23 @@
                       <m:rPr>
                         <m:sty m:val="p"/>
                       </m:rPr>
-                      <a:rPr lang="en-US" altLang="zh-CN"/>
+                      <a:rPr lang="en-US" altLang="zh-CN">
+                        <a:latin typeface="Cambria Math"/>
+                      </a:rPr>
                       <m:t>d</m:t>
                     </m:r>
                     <m:r>
-                      <a:rPr lang="en-US" altLang="zh-CN"/>
+                      <a:rPr lang="en-US" altLang="zh-CN">
+                        <a:latin typeface="Cambria Math"/>
+                      </a:rPr>
                       <m:t>=</m:t>
                     </m:r>
                     <m:sSub>
                       <m:sSubPr>
                         <m:ctrlPr>
-                          <a:rPr lang="zh-CN" altLang="zh-CN" b="1" i="1"/>
+                          <a:rPr lang="zh-CN" altLang="zh-CN" b="1" i="1">
+                            <a:latin typeface="Cambria Math"/>
+                          </a:rPr>
                         </m:ctrlPr>
                       </m:sSubPr>
                       <m:e>
@@ -16476,25 +17443,33 @@
                           <m:rPr>
                             <m:sty m:val="p"/>
                           </m:rPr>
-                          <a:rPr lang="en-US" altLang="zh-CN"/>
+                          <a:rPr lang="en-US" altLang="zh-CN">
+                            <a:latin typeface="Cambria Math"/>
+                          </a:rPr>
                           <m:t>n</m:t>
                         </m:r>
                       </m:e>
                       <m:sub>
                         <m:r>
-                          <a:rPr lang="en-US" altLang="zh-CN"/>
+                          <a:rPr lang="en-US" altLang="zh-CN">
+                            <a:latin typeface="Cambria Math"/>
+                          </a:rPr>
                           <m:t>1</m:t>
                         </m:r>
                       </m:sub>
                     </m:sSub>
                     <m:r>
-                      <a:rPr lang="zh-CN" altLang="zh-CN"/>
+                      <a:rPr lang="zh-CN" altLang="zh-CN">
+                        <a:latin typeface="Cambria Math"/>
+                      </a:rPr>
                       <m:t>×</m:t>
                     </m:r>
                     <m:sSub>
                       <m:sSubPr>
                         <m:ctrlPr>
-                          <a:rPr lang="zh-CN" altLang="zh-CN" i="1"/>
+                          <a:rPr lang="zh-CN" altLang="zh-CN" i="1">
+                            <a:latin typeface="Cambria Math"/>
+                          </a:rPr>
                         </m:ctrlPr>
                       </m:sSubPr>
                       <m:e>
@@ -16502,13 +17477,17 @@
                           <m:rPr>
                             <m:sty m:val="p"/>
                           </m:rPr>
-                          <a:rPr lang="en-US" altLang="zh-CN"/>
+                          <a:rPr lang="en-US" altLang="zh-CN">
+                            <a:latin typeface="Cambria Math"/>
+                          </a:rPr>
                           <m:t>n</m:t>
                         </m:r>
                       </m:e>
                       <m:sub>
                         <m:r>
-                          <a:rPr lang="en-US" altLang="zh-CN"/>
+                          <a:rPr lang="en-US" altLang="zh-CN">
+                            <a:latin typeface="Cambria Math"/>
+                          </a:rPr>
                           <m:t>2</m:t>
                         </m:r>
                       </m:sub>
@@ -16524,18 +17503,24 @@
                     <m:sSub>
                       <m:sSubPr>
                         <m:ctrlPr>
-                          <a:rPr lang="zh-CN" altLang="zh-CN" i="1"/>
+                          <a:rPr lang="zh-CN" altLang="zh-CN" i="1">
+                            <a:latin typeface="Cambria Math"/>
+                          </a:rPr>
                         </m:ctrlPr>
                       </m:sSubPr>
                       <m:e>
                         <m:r>
-                          <a:rPr lang="en-US" altLang="zh-CN" b="1" i="1"/>
+                          <a:rPr lang="en-US" altLang="zh-CN" b="1" i="1">
+                            <a:latin typeface="Cambria Math"/>
+                          </a:rPr>
                           <m:t>𝐧</m:t>
                         </m:r>
                       </m:e>
                       <m:sub>
                         <m:r>
-                          <a:rPr lang="en-US" altLang="zh-CN"/>
+                          <a:rPr lang="en-US" altLang="zh-CN">
+                            <a:latin typeface="Cambria Math"/>
+                          </a:rPr>
                           <m:t>1</m:t>
                         </m:r>
                       </m:sub>
@@ -16551,18 +17536,24 @@
                     <m:sSub>
                       <m:sSubPr>
                         <m:ctrlPr>
-                          <a:rPr lang="zh-CN" altLang="zh-CN" i="1"/>
+                          <a:rPr lang="zh-CN" altLang="zh-CN" i="1">
+                            <a:latin typeface="Cambria Math"/>
+                          </a:rPr>
                         </m:ctrlPr>
                       </m:sSubPr>
                       <m:e>
                         <m:r>
-                          <a:rPr lang="en-US" altLang="zh-CN" b="1" i="1"/>
+                          <a:rPr lang="en-US" altLang="zh-CN" b="1" i="1">
+                            <a:latin typeface="Cambria Math"/>
+                          </a:rPr>
                           <m:t>𝐧</m:t>
                         </m:r>
                       </m:e>
                       <m:sub>
                         <m:r>
-                          <a:rPr lang="en-US" altLang="zh-CN"/>
+                          <a:rPr lang="en-US" altLang="zh-CN">
+                            <a:latin typeface="Cambria Math"/>
+                          </a:rPr>
                           <m:t>2</m:t>
                         </m:r>
                       </m:sub>
@@ -16579,7 +17570,9 @@
                       <m:rPr>
                         <m:sty m:val="p"/>
                       </m:rPr>
-                      <a:rPr lang="en-US" altLang="zh-CN"/>
+                      <a:rPr lang="en-US" altLang="zh-CN">
+                        <a:latin typeface="Cambria Math"/>
+                      </a:rPr>
                       <m:t>L</m:t>
                     </m:r>
                   </m:oMath>
@@ -16609,7 +17602,9 @@
                       <m:rPr>
                         <m:sty m:val="p"/>
                       </m:rPr>
-                      <a:rPr lang="en-US" altLang="zh-CN"/>
+                      <a:rPr lang="en-US" altLang="zh-CN">
+                        <a:latin typeface="Cambria Math"/>
+                      </a:rPr>
                       <m:t>L</m:t>
                     </m:r>
                   </m:oMath>
@@ -16624,7 +17619,9 @@
                       <m:rPr>
                         <m:sty m:val="p"/>
                       </m:rPr>
-                      <a:rPr lang="en-US" altLang="zh-CN"/>
+                      <a:rPr lang="en-US" altLang="zh-CN">
+                        <a:latin typeface="Cambria Math"/>
+                      </a:rPr>
                       <m:t>L</m:t>
                     </m:r>
                   </m:oMath>
@@ -16642,7 +17639,7 @@
             </p:txBody>
           </p:sp>
         </mc:Choice>
-        <mc:Fallback>
+        <mc:Fallback xmlns="">
           <p:sp>
             <p:nvSpPr>
               <p:cNvPr id="3" name="内容占位符 2"/>
@@ -16725,8 +17722,8 @@
           </a:p>
         </p:txBody>
       </p:sp>
-      <mc:AlternateContent xmlns:mc="http://schemas.openxmlformats.org/markup-compatibility/2006">
-        <mc:Choice xmlns:a14="http://schemas.microsoft.com/office/drawing/2010/main" Requires="a14">
+      <mc:AlternateContent xmlns:mc="http://schemas.openxmlformats.org/markup-compatibility/2006" xmlns:a14="http://schemas.microsoft.com/office/drawing/2010/main">
+        <mc:Choice Requires="a14">
           <p:sp>
             <p:nvSpPr>
               <p:cNvPr id="3" name="内容占位符 2"/>
@@ -16801,7 +17798,9 @@
                       <m:rPr>
                         <m:sty m:val="p"/>
                       </m:rPr>
-                      <a:rPr lang="en-US" altLang="zh-CN"/>
+                      <a:rPr lang="en-US" altLang="zh-CN">
+                        <a:latin typeface="Cambria Math"/>
+                      </a:rPr>
                       <m:t>L</m:t>
                     </m:r>
                   </m:oMath>
@@ -16823,7 +17822,9 @@
                       <m:rPr>
                         <m:sty m:val="p"/>
                       </m:rPr>
-                      <a:rPr lang="en-US" altLang="zh-CN"/>
+                      <a:rPr lang="en-US" altLang="zh-CN">
+                        <a:latin typeface="Cambria Math"/>
+                      </a:rPr>
                       <m:t>L</m:t>
                     </m:r>
                   </m:oMath>
@@ -16845,7 +17846,9 @@
                       <m:rPr>
                         <m:sty m:val="p"/>
                       </m:rPr>
-                      <a:rPr lang="en-US" altLang="zh-CN"/>
+                      <a:rPr lang="en-US" altLang="zh-CN">
+                        <a:latin typeface="Cambria Math"/>
+                      </a:rPr>
                       <m:t>L</m:t>
                     </m:r>
                   </m:oMath>
@@ -16868,7 +17871,7 @@
             </p:txBody>
           </p:sp>
         </mc:Choice>
-        <mc:Fallback>
+        <mc:Fallback xmlns="">
           <p:sp>
             <p:nvSpPr>
               <p:cNvPr id="3" name="内容占位符 2"/>
@@ -17321,8 +18324,8 @@
           </a:p>
         </p:txBody>
       </p:sp>
-      <mc:AlternateContent xmlns:mc="http://schemas.openxmlformats.org/markup-compatibility/2006">
-        <mc:Choice xmlns:a14="http://schemas.microsoft.com/office/drawing/2010/main" Requires="a14">
+      <mc:AlternateContent xmlns:mc="http://schemas.openxmlformats.org/markup-compatibility/2006" xmlns:a14="http://schemas.microsoft.com/office/drawing/2010/main">
+        <mc:Choice Requires="a14">
           <p:sp>
             <p:nvSpPr>
               <p:cNvPr id="3" name="内容占位符 2"/>
@@ -17357,7 +18360,9 @@
                     <m:sSub>
                       <m:sSubPr>
                         <m:ctrlPr>
-                          <a:rPr lang="zh-CN" altLang="zh-CN" i="1"/>
+                          <a:rPr lang="zh-CN" altLang="zh-CN" i="1">
+                            <a:latin typeface="Cambria Math"/>
+                          </a:rPr>
                         </m:ctrlPr>
                       </m:sSubPr>
                       <m:e>
@@ -17365,13 +18370,17 @@
                           <m:rPr>
                             <m:sty m:val="p"/>
                           </m:rPr>
-                          <a:rPr lang="en-US" altLang="zh-CN"/>
+                          <a:rPr lang="en-US" altLang="zh-CN">
+                            <a:latin typeface="Cambria Math"/>
+                          </a:rPr>
                           <m:t>P</m:t>
                         </m:r>
                       </m:e>
                       <m:sub>
                         <m:r>
-                          <a:rPr lang="en-US" altLang="zh-CN"/>
+                          <a:rPr lang="en-US" altLang="zh-CN">
+                            <a:latin typeface="Cambria Math"/>
+                          </a:rPr>
                           <m:t>1</m:t>
                         </m:r>
                       </m:sub>
@@ -17387,41 +18396,55 @@
                     <m:sSub>
                       <m:sSubPr>
                         <m:ctrlPr>
-                          <a:rPr lang="zh-CN" altLang="zh-CN" i="1"/>
+                          <a:rPr lang="zh-CN" altLang="zh-CN" i="1">
+                            <a:latin typeface="Cambria Math"/>
+                          </a:rPr>
                         </m:ctrlPr>
                       </m:sSubPr>
                       <m:e>
                         <m:r>
-                          <a:rPr lang="en-US" altLang="zh-CN" b="1" i="1"/>
+                          <a:rPr lang="en-US" altLang="zh-CN" b="1" i="1">
+                            <a:latin typeface="Cambria Math"/>
+                          </a:rPr>
                           <m:t>𝐧</m:t>
                         </m:r>
                       </m:e>
                       <m:sub>
                         <m:r>
-                          <a:rPr lang="en-US" altLang="zh-CN"/>
+                          <a:rPr lang="en-US" altLang="zh-CN">
+                            <a:latin typeface="Cambria Math"/>
+                          </a:rPr>
                           <m:t>1</m:t>
                         </m:r>
                       </m:sub>
                     </m:sSub>
                     <m:r>
-                      <a:rPr lang="en-US" altLang="zh-CN"/>
+                      <a:rPr lang="en-US" altLang="zh-CN">
+                        <a:latin typeface="Cambria Math"/>
+                      </a:rPr>
                       <m:t>∙</m:t>
                     </m:r>
                     <m:r>
                       <m:rPr>
                         <m:sty m:val="p"/>
                       </m:rPr>
-                      <a:rPr lang="en-US" altLang="zh-CN"/>
+                      <a:rPr lang="en-US" altLang="zh-CN">
+                        <a:latin typeface="Cambria Math"/>
+                      </a:rPr>
                       <m:t>X</m:t>
                     </m:r>
                     <m:r>
-                      <a:rPr lang="en-US" altLang="zh-CN"/>
+                      <a:rPr lang="en-US" altLang="zh-CN">
+                        <a:latin typeface="Cambria Math"/>
+                      </a:rPr>
                       <m:t>=</m:t>
                     </m:r>
                     <m:sSub>
                       <m:sSubPr>
                         <m:ctrlPr>
-                          <a:rPr lang="zh-CN" altLang="zh-CN" i="1"/>
+                          <a:rPr lang="zh-CN" altLang="zh-CN" i="1">
+                            <a:latin typeface="Cambria Math"/>
+                          </a:rPr>
                         </m:ctrlPr>
                       </m:sSubPr>
                       <m:e>
@@ -17429,13 +18452,17 @@
                           <m:rPr>
                             <m:sty m:val="p"/>
                           </m:rPr>
-                          <a:rPr lang="en-US" altLang="zh-CN"/>
+                          <a:rPr lang="en-US" altLang="zh-CN">
+                            <a:latin typeface="Cambria Math"/>
+                          </a:rPr>
                           <m:t>d</m:t>
                         </m:r>
                       </m:e>
                       <m:sub>
                         <m:r>
-                          <a:rPr lang="en-US" altLang="zh-CN"/>
+                          <a:rPr lang="en-US" altLang="zh-CN">
+                            <a:latin typeface="Cambria Math"/>
+                          </a:rPr>
                           <m:t>1</m:t>
                         </m:r>
                       </m:sub>
@@ -17451,7 +18478,9 @@
                     <m:sSub>
                       <m:sSubPr>
                         <m:ctrlPr>
-                          <a:rPr lang="zh-CN" altLang="zh-CN" i="1"/>
+                          <a:rPr lang="zh-CN" altLang="zh-CN" i="1">
+                            <a:latin typeface="Cambria Math"/>
+                          </a:rPr>
                         </m:ctrlPr>
                       </m:sSubPr>
                       <m:e>
@@ -17459,13 +18488,17 @@
                           <m:rPr>
                             <m:sty m:val="p"/>
                           </m:rPr>
-                          <a:rPr lang="en-US" altLang="zh-CN"/>
+                          <a:rPr lang="en-US" altLang="zh-CN">
+                            <a:latin typeface="Cambria Math"/>
+                          </a:rPr>
                           <m:t>P</m:t>
                         </m:r>
                       </m:e>
                       <m:sub>
                         <m:r>
-                          <a:rPr lang="en-US" altLang="zh-CN"/>
+                          <a:rPr lang="en-US" altLang="zh-CN">
+                            <a:latin typeface="Cambria Math"/>
+                          </a:rPr>
                           <m:t>2</m:t>
                         </m:r>
                       </m:sub>
@@ -17481,41 +18514,55 @@
                     <m:sSub>
                       <m:sSubPr>
                         <m:ctrlPr>
-                          <a:rPr lang="zh-CN" altLang="zh-CN" i="1"/>
+                          <a:rPr lang="zh-CN" altLang="zh-CN" i="1">
+                            <a:latin typeface="Cambria Math"/>
+                          </a:rPr>
                         </m:ctrlPr>
                       </m:sSubPr>
                       <m:e>
                         <m:r>
-                          <a:rPr lang="en-US" altLang="zh-CN" b="1" i="1"/>
+                          <a:rPr lang="en-US" altLang="zh-CN" b="1" i="1">
+                            <a:latin typeface="Cambria Math"/>
+                          </a:rPr>
                           <m:t>𝐧</m:t>
                         </m:r>
                       </m:e>
                       <m:sub>
                         <m:r>
-                          <a:rPr lang="en-US" altLang="zh-CN"/>
+                          <a:rPr lang="en-US" altLang="zh-CN">
+                            <a:latin typeface="Cambria Math"/>
+                          </a:rPr>
                           <m:t>2</m:t>
                         </m:r>
                       </m:sub>
                     </m:sSub>
                     <m:r>
-                      <a:rPr lang="en-US" altLang="zh-CN"/>
+                      <a:rPr lang="en-US" altLang="zh-CN">
+                        <a:latin typeface="Cambria Math"/>
+                      </a:rPr>
                       <m:t>∙</m:t>
                     </m:r>
                     <m:r>
                       <m:rPr>
                         <m:sty m:val="p"/>
                       </m:rPr>
-                      <a:rPr lang="en-US" altLang="zh-CN"/>
+                      <a:rPr lang="en-US" altLang="zh-CN">
+                        <a:latin typeface="Cambria Math"/>
+                      </a:rPr>
                       <m:t>X</m:t>
                     </m:r>
                     <m:r>
-                      <a:rPr lang="en-US" altLang="zh-CN"/>
+                      <a:rPr lang="en-US" altLang="zh-CN">
+                        <a:latin typeface="Cambria Math"/>
+                      </a:rPr>
                       <m:t>=</m:t>
                     </m:r>
                     <m:sSub>
                       <m:sSubPr>
                         <m:ctrlPr>
-                          <a:rPr lang="zh-CN" altLang="zh-CN" i="1"/>
+                          <a:rPr lang="zh-CN" altLang="zh-CN" i="1">
+                            <a:latin typeface="Cambria Math"/>
+                          </a:rPr>
                         </m:ctrlPr>
                       </m:sSubPr>
                       <m:e>
@@ -17523,13 +18570,17 @@
                           <m:rPr>
                             <m:sty m:val="p"/>
                           </m:rPr>
-                          <a:rPr lang="en-US" altLang="zh-CN"/>
+                          <a:rPr lang="en-US" altLang="zh-CN">
+                            <a:latin typeface="Cambria Math"/>
+                          </a:rPr>
                           <m:t>d</m:t>
                         </m:r>
                       </m:e>
                       <m:sub>
                         <m:r>
-                          <a:rPr lang="en-US" altLang="zh-CN"/>
+                          <a:rPr lang="en-US" altLang="zh-CN">
+                            <a:latin typeface="Cambria Math"/>
+                          </a:rPr>
                           <m:t>2</m:t>
                         </m:r>
                       </m:sub>
@@ -17545,7 +18596,9 @@
                     <m:sSub>
                       <m:sSubPr>
                         <m:ctrlPr>
-                          <a:rPr lang="zh-CN" altLang="zh-CN" i="1"/>
+                          <a:rPr lang="zh-CN" altLang="zh-CN" i="1">
+                            <a:latin typeface="Cambria Math"/>
+                          </a:rPr>
                         </m:ctrlPr>
                       </m:sSubPr>
                       <m:e>
@@ -17553,13 +18606,17 @@
                           <m:rPr>
                             <m:sty m:val="p"/>
                           </m:rPr>
-                          <a:rPr lang="en-US" altLang="zh-CN"/>
+                          <a:rPr lang="en-US" altLang="zh-CN">
+                            <a:latin typeface="Cambria Math"/>
+                          </a:rPr>
                           <m:t>P</m:t>
                         </m:r>
                       </m:e>
                       <m:sub>
                         <m:r>
-                          <a:rPr lang="en-US" altLang="zh-CN"/>
+                          <a:rPr lang="en-US" altLang="zh-CN">
+                            <a:latin typeface="Cambria Math"/>
+                          </a:rPr>
                           <m:t>3</m:t>
                         </m:r>
                       </m:sub>
@@ -17575,41 +18632,55 @@
                     <m:sSub>
                       <m:sSubPr>
                         <m:ctrlPr>
-                          <a:rPr lang="zh-CN" altLang="zh-CN" i="1"/>
+                          <a:rPr lang="zh-CN" altLang="zh-CN" i="1">
+                            <a:latin typeface="Cambria Math"/>
+                          </a:rPr>
                         </m:ctrlPr>
                       </m:sSubPr>
                       <m:e>
                         <m:r>
-                          <a:rPr lang="en-US" altLang="zh-CN" b="1" i="1"/>
+                          <a:rPr lang="en-US" altLang="zh-CN" b="1" i="1">
+                            <a:latin typeface="Cambria Math"/>
+                          </a:rPr>
                           <m:t>𝐧</m:t>
                         </m:r>
                       </m:e>
                       <m:sub>
                         <m:r>
-                          <a:rPr lang="en-US" altLang="zh-CN"/>
+                          <a:rPr lang="en-US" altLang="zh-CN">
+                            <a:latin typeface="Cambria Math"/>
+                          </a:rPr>
                           <m:t>3</m:t>
                         </m:r>
                       </m:sub>
                     </m:sSub>
                     <m:r>
-                      <a:rPr lang="en-US" altLang="zh-CN"/>
+                      <a:rPr lang="en-US" altLang="zh-CN">
+                        <a:latin typeface="Cambria Math"/>
+                      </a:rPr>
                       <m:t>∙</m:t>
                     </m:r>
                     <m:r>
                       <m:rPr>
                         <m:sty m:val="p"/>
                       </m:rPr>
-                      <a:rPr lang="en-US" altLang="zh-CN"/>
+                      <a:rPr lang="en-US" altLang="zh-CN">
+                        <a:latin typeface="Cambria Math"/>
+                      </a:rPr>
                       <m:t>X</m:t>
                     </m:r>
                     <m:r>
-                      <a:rPr lang="en-US" altLang="zh-CN"/>
+                      <a:rPr lang="en-US" altLang="zh-CN">
+                        <a:latin typeface="Cambria Math"/>
+                      </a:rPr>
                       <m:t>=</m:t>
                     </m:r>
                     <m:sSub>
                       <m:sSubPr>
                         <m:ctrlPr>
-                          <a:rPr lang="zh-CN" altLang="zh-CN" i="1"/>
+                          <a:rPr lang="zh-CN" altLang="zh-CN" i="1">
+                            <a:latin typeface="Cambria Math"/>
+                          </a:rPr>
                         </m:ctrlPr>
                       </m:sSubPr>
                       <m:e>
@@ -17617,19 +18688,25 @@
                           <m:rPr>
                             <m:sty m:val="p"/>
                           </m:rPr>
-                          <a:rPr lang="en-US" altLang="zh-CN"/>
+                          <a:rPr lang="en-US" altLang="zh-CN">
+                            <a:latin typeface="Cambria Math"/>
+                          </a:rPr>
                           <m:t>d</m:t>
                         </m:r>
                       </m:e>
                       <m:sub>
                         <m:r>
-                          <a:rPr lang="en-US" altLang="zh-CN"/>
+                          <a:rPr lang="en-US" altLang="zh-CN">
+                            <a:latin typeface="Cambria Math"/>
+                          </a:rPr>
                           <m:t>3</m:t>
                         </m:r>
                       </m:sub>
                     </m:sSub>
                     <m:r>
-                      <a:rPr lang="zh-CN" altLang="zh-CN"/>
+                      <a:rPr lang="zh-CN" altLang="zh-CN">
+                        <a:latin typeface="Cambria Math"/>
+                      </a:rPr>
                       <m:t>。</m:t>
                     </m:r>
                   </m:oMath>
@@ -17643,7 +18720,9 @@
                     <m:sSub>
                       <m:sSubPr>
                         <m:ctrlPr>
-                          <a:rPr lang="zh-CN" altLang="zh-CN" i="1"/>
+                          <a:rPr lang="zh-CN" altLang="zh-CN" i="1">
+                            <a:latin typeface="Cambria Math"/>
+                          </a:rPr>
                         </m:ctrlPr>
                       </m:sSubPr>
                       <m:e>
@@ -17651,32 +18730,42 @@
                           <m:rPr>
                             <m:sty m:val="p"/>
                           </m:rPr>
-                          <a:rPr lang="en-US" altLang="zh-CN"/>
+                          <a:rPr lang="en-US" altLang="zh-CN">
+                            <a:latin typeface="Cambria Math"/>
+                          </a:rPr>
                           <m:t>n</m:t>
                         </m:r>
                       </m:e>
                       <m:sub>
                         <m:r>
-                          <a:rPr lang="en-US" altLang="zh-CN"/>
+                          <a:rPr lang="en-US" altLang="zh-CN">
+                            <a:latin typeface="Cambria Math"/>
+                          </a:rPr>
                           <m:t>1</m:t>
                         </m:r>
                       </m:sub>
                     </m:sSub>
                     <m:r>
-                      <a:rPr lang="en-US" altLang="zh-CN"/>
+                      <a:rPr lang="en-US" altLang="zh-CN">
+                        <a:latin typeface="Cambria Math"/>
+                      </a:rPr>
                       <m:t>∙</m:t>
                     </m:r>
                     <m:d>
                       <m:dPr>
                         <m:ctrlPr>
-                          <a:rPr lang="zh-CN" altLang="zh-CN" i="1"/>
+                          <a:rPr lang="zh-CN" altLang="zh-CN" i="1">
+                            <a:latin typeface="Cambria Math"/>
+                          </a:rPr>
                         </m:ctrlPr>
                       </m:dPr>
                       <m:e>
                         <m:sSub>
                           <m:sSubPr>
                             <m:ctrlPr>
-                              <a:rPr lang="zh-CN" altLang="zh-CN" i="1"/>
+                              <a:rPr lang="zh-CN" altLang="zh-CN" i="1">
+                                <a:latin typeface="Cambria Math"/>
+                              </a:rPr>
                             </m:ctrlPr>
                           </m:sSubPr>
                           <m:e>
@@ -17684,25 +18773,33 @@
                               <m:rPr>
                                 <m:sty m:val="p"/>
                               </m:rPr>
-                              <a:rPr lang="en-US" altLang="zh-CN"/>
+                              <a:rPr lang="en-US" altLang="zh-CN">
+                                <a:latin typeface="Cambria Math"/>
+                              </a:rPr>
                               <m:t>n</m:t>
                             </m:r>
                           </m:e>
                           <m:sub>
                             <m:r>
-                              <a:rPr lang="en-US" altLang="zh-CN"/>
+                              <a:rPr lang="en-US" altLang="zh-CN">
+                                <a:latin typeface="Cambria Math"/>
+                              </a:rPr>
                               <m:t>2</m:t>
                             </m:r>
                           </m:sub>
                         </m:sSub>
                         <m:r>
-                          <a:rPr lang="en-US" altLang="zh-CN"/>
+                          <a:rPr lang="en-US" altLang="zh-CN">
+                            <a:latin typeface="Cambria Math"/>
+                          </a:rPr>
                           <m:t>×</m:t>
                         </m:r>
                         <m:sSub>
                           <m:sSubPr>
                             <m:ctrlPr>
-                              <a:rPr lang="zh-CN" altLang="zh-CN" i="1"/>
+                              <a:rPr lang="zh-CN" altLang="zh-CN" i="1">
+                                <a:latin typeface="Cambria Math"/>
+                              </a:rPr>
                             </m:ctrlPr>
                           </m:sSubPr>
                           <m:e>
@@ -17710,13 +18807,17 @@
                               <m:rPr>
                                 <m:sty m:val="p"/>
                               </m:rPr>
-                              <a:rPr lang="en-US" altLang="zh-CN"/>
+                              <a:rPr lang="en-US" altLang="zh-CN">
+                                <a:latin typeface="Cambria Math"/>
+                              </a:rPr>
                               <m:t>n</m:t>
                             </m:r>
                           </m:e>
                           <m:sub>
                             <m:r>
-                              <a:rPr lang="en-US" altLang="zh-CN"/>
+                              <a:rPr lang="en-US" altLang="zh-CN">
+                                <a:latin typeface="Cambria Math"/>
+                              </a:rPr>
                               <m:t>3</m:t>
                             </m:r>
                           </m:sub>
@@ -17724,7 +18825,9 @@
                       </m:e>
                     </m:d>
                     <m:r>
-                      <a:rPr lang="en-US" altLang="zh-CN"/>
+                      <a:rPr lang="en-US" altLang="zh-CN">
+                        <a:latin typeface="Cambria Math"/>
+                      </a:rPr>
                       <m:t>=0</m:t>
                     </m:r>
                   </m:oMath>
@@ -17738,7 +18841,9 @@
                     <m:sSub>
                       <m:sSubPr>
                         <m:ctrlPr>
-                          <a:rPr lang="zh-CN" altLang="zh-CN" i="1"/>
+                          <a:rPr lang="zh-CN" altLang="zh-CN" i="1">
+                            <a:latin typeface="Cambria Math"/>
+                          </a:rPr>
                         </m:ctrlPr>
                       </m:sSubPr>
                       <m:e>
@@ -17746,13 +18851,17 @@
                           <m:rPr>
                             <m:sty m:val="p"/>
                           </m:rPr>
-                          <a:rPr lang="en-US" altLang="zh-CN"/>
+                          <a:rPr lang="en-US" altLang="zh-CN">
+                            <a:latin typeface="Cambria Math"/>
+                          </a:rPr>
                           <m:t>n</m:t>
                         </m:r>
                       </m:e>
                       <m:sub>
                         <m:r>
-                          <a:rPr lang="en-US" altLang="zh-CN"/>
+                          <a:rPr lang="en-US" altLang="zh-CN">
+                            <a:latin typeface="Cambria Math"/>
+                          </a:rPr>
                           <m:t>1</m:t>
                         </m:r>
                       </m:sub>
@@ -17768,7 +18877,9 @@
                     <m:sSub>
                       <m:sSubPr>
                         <m:ctrlPr>
-                          <a:rPr lang="zh-CN" altLang="zh-CN" i="1"/>
+                          <a:rPr lang="zh-CN" altLang="zh-CN" i="1">
+                            <a:latin typeface="Cambria Math"/>
+                          </a:rPr>
                         </m:ctrlPr>
                       </m:sSubPr>
                       <m:e>
@@ -17776,13 +18887,17 @@
                           <m:rPr>
                             <m:sty m:val="p"/>
                           </m:rPr>
-                          <a:rPr lang="en-US" altLang="zh-CN"/>
+                          <a:rPr lang="en-US" altLang="zh-CN">
+                            <a:latin typeface="Cambria Math"/>
+                          </a:rPr>
                           <m:t>n</m:t>
                         </m:r>
                       </m:e>
                       <m:sub>
                         <m:r>
-                          <a:rPr lang="en-US" altLang="zh-CN"/>
+                          <a:rPr lang="en-US" altLang="zh-CN">
+                            <a:latin typeface="Cambria Math"/>
+                          </a:rPr>
                           <m:t>2</m:t>
                         </m:r>
                       </m:sub>
@@ -17798,7 +18913,9 @@
                     <m:sSub>
                       <m:sSubPr>
                         <m:ctrlPr>
-                          <a:rPr lang="zh-CN" altLang="zh-CN" i="1"/>
+                          <a:rPr lang="zh-CN" altLang="zh-CN" i="1">
+                            <a:latin typeface="Cambria Math"/>
+                          </a:rPr>
                         </m:ctrlPr>
                       </m:sSubPr>
                       <m:e>
@@ -17806,13 +18923,17 @@
                           <m:rPr>
                             <m:sty m:val="p"/>
                           </m:rPr>
-                          <a:rPr lang="en-US" altLang="zh-CN"/>
+                          <a:rPr lang="en-US" altLang="zh-CN">
+                            <a:latin typeface="Cambria Math"/>
+                          </a:rPr>
                           <m:t>n</m:t>
                         </m:r>
                       </m:e>
                       <m:sub>
                         <m:r>
-                          <a:rPr lang="en-US" altLang="zh-CN"/>
+                          <a:rPr lang="en-US" altLang="zh-CN">
+                            <a:latin typeface="Cambria Math"/>
+                          </a:rPr>
                           <m:t>3</m:t>
                         </m:r>
                       </m:sub>
@@ -17829,24 +18950,32 @@
                       <m:rPr>
                         <m:sty m:val="p"/>
                       </m:rPr>
-                      <a:rPr lang="en-US" altLang="zh-CN"/>
+                      <a:rPr lang="en-US" altLang="zh-CN">
+                        <a:latin typeface="Cambria Math"/>
+                      </a:rPr>
                       <m:t>X</m:t>
                     </m:r>
                     <m:r>
-                      <a:rPr lang="en-US" altLang="zh-CN"/>
+                      <a:rPr lang="en-US" altLang="zh-CN">
+                        <a:latin typeface="Cambria Math"/>
+                      </a:rPr>
                       <m:t>=</m:t>
                     </m:r>
                     <m:d>
                       <m:dPr>
                         <m:ctrlPr>
-                          <a:rPr lang="zh-CN" altLang="zh-CN" i="1"/>
+                          <a:rPr lang="zh-CN" altLang="zh-CN" i="1">
+                            <a:latin typeface="Cambria Math"/>
+                          </a:rPr>
                         </m:ctrlPr>
                       </m:dPr>
                       <m:e>
                         <m:sSub>
                           <m:sSubPr>
                             <m:ctrlPr>
-                              <a:rPr lang="zh-CN" altLang="zh-CN" i="1"/>
+                              <a:rPr lang="zh-CN" altLang="zh-CN" i="1">
+                                <a:latin typeface="Cambria Math"/>
+                              </a:rPr>
                             </m:ctrlPr>
                           </m:sSubPr>
                           <m:e>
@@ -17854,25 +18983,33 @@
                               <m:rPr>
                                 <m:sty m:val="p"/>
                               </m:rPr>
-                              <a:rPr lang="en-US" altLang="zh-CN"/>
+                              <a:rPr lang="en-US" altLang="zh-CN">
+                                <a:latin typeface="Cambria Math"/>
+                              </a:rPr>
                               <m:t>x</m:t>
                             </m:r>
                           </m:e>
                           <m:sub>
                             <m:r>
-                              <a:rPr lang="en-US" altLang="zh-CN"/>
+                              <a:rPr lang="en-US" altLang="zh-CN">
+                                <a:latin typeface="Cambria Math"/>
+                              </a:rPr>
                               <m:t>0</m:t>
                             </m:r>
                           </m:sub>
                         </m:sSub>
                         <m:r>
-                          <a:rPr lang="en-US" altLang="zh-CN"/>
+                          <a:rPr lang="en-US" altLang="zh-CN">
+                            <a:latin typeface="Cambria Math"/>
+                          </a:rPr>
                           <m:t>,</m:t>
                         </m:r>
                         <m:sSub>
                           <m:sSubPr>
                             <m:ctrlPr>
-                              <a:rPr lang="zh-CN" altLang="zh-CN" i="1"/>
+                              <a:rPr lang="zh-CN" altLang="zh-CN" i="1">
+                                <a:latin typeface="Cambria Math"/>
+                              </a:rPr>
                             </m:ctrlPr>
                           </m:sSubPr>
                           <m:e>
@@ -17880,25 +19017,33 @@
                               <m:rPr>
                                 <m:sty m:val="p"/>
                               </m:rPr>
-                              <a:rPr lang="en-US" altLang="zh-CN"/>
+                              <a:rPr lang="en-US" altLang="zh-CN">
+                                <a:latin typeface="Cambria Math"/>
+                              </a:rPr>
                               <m:t>y</m:t>
                             </m:r>
                           </m:e>
                           <m:sub>
                             <m:r>
-                              <a:rPr lang="en-US" altLang="zh-CN"/>
+                              <a:rPr lang="en-US" altLang="zh-CN">
+                                <a:latin typeface="Cambria Math"/>
+                              </a:rPr>
                               <m:t>0</m:t>
                             </m:r>
                           </m:sub>
                         </m:sSub>
                         <m:r>
-                          <a:rPr lang="en-US" altLang="zh-CN"/>
+                          <a:rPr lang="en-US" altLang="zh-CN">
+                            <a:latin typeface="Cambria Math"/>
+                          </a:rPr>
                           <m:t>,</m:t>
                         </m:r>
                         <m:sSub>
                           <m:sSubPr>
                             <m:ctrlPr>
-                              <a:rPr lang="zh-CN" altLang="zh-CN" i="1"/>
+                              <a:rPr lang="zh-CN" altLang="zh-CN" i="1">
+                                <a:latin typeface="Cambria Math"/>
+                              </a:rPr>
                             </m:ctrlPr>
                           </m:sSubPr>
                           <m:e>
@@ -17906,13 +19051,17 @@
                               <m:rPr>
                                 <m:sty m:val="p"/>
                               </m:rPr>
-                              <a:rPr lang="en-US" altLang="zh-CN"/>
+                              <a:rPr lang="en-US" altLang="zh-CN">
+                                <a:latin typeface="Cambria Math"/>
+                              </a:rPr>
                               <m:t>z</m:t>
                             </m:r>
                           </m:e>
                           <m:sub>
                             <m:r>
-                              <a:rPr lang="en-US" altLang="zh-CN"/>
+                              <a:rPr lang="en-US" altLang="zh-CN">
+                                <a:latin typeface="Cambria Math"/>
+                              </a:rPr>
                               <m:t>0</m:t>
                             </m:r>
                           </m:sub>
@@ -17948,41 +19097,55 @@
                     <m:sSub>
                       <m:sSubPr>
                         <m:ctrlPr>
-                          <a:rPr lang="zh-CN" altLang="zh-CN" i="1"/>
+                          <a:rPr lang="zh-CN" altLang="zh-CN" i="1">
+                            <a:latin typeface="Cambria Math"/>
+                          </a:rPr>
                         </m:ctrlPr>
                       </m:sSubPr>
                       <m:e>
                         <m:r>
-                          <a:rPr lang="en-US" altLang="zh-CN" b="1" i="1"/>
+                          <a:rPr lang="en-US" altLang="zh-CN" b="1" i="1">
+                            <a:latin typeface="Cambria Math"/>
+                          </a:rPr>
                           <m:t>𝐧</m:t>
                         </m:r>
                       </m:e>
                       <m:sub>
                         <m:r>
-                          <a:rPr lang="en-US" altLang="zh-CN"/>
+                          <a:rPr lang="en-US" altLang="zh-CN">
+                            <a:latin typeface="Cambria Math"/>
+                          </a:rPr>
                           <m:t>1</m:t>
                         </m:r>
                       </m:sub>
                     </m:sSub>
                     <m:r>
-                      <a:rPr lang="en-US" altLang="zh-CN"/>
+                      <a:rPr lang="en-US" altLang="zh-CN">
+                        <a:latin typeface="Cambria Math"/>
+                      </a:rPr>
                       <m:t>∙</m:t>
                     </m:r>
                     <m:r>
                       <m:rPr>
                         <m:sty m:val="p"/>
                       </m:rPr>
-                      <a:rPr lang="en-US" altLang="zh-CN"/>
+                      <a:rPr lang="en-US" altLang="zh-CN">
+                        <a:latin typeface="Cambria Math"/>
+                      </a:rPr>
                       <m:t>X</m:t>
                     </m:r>
                     <m:r>
-                      <a:rPr lang="en-US" altLang="zh-CN"/>
+                      <a:rPr lang="en-US" altLang="zh-CN">
+                        <a:latin typeface="Cambria Math"/>
+                      </a:rPr>
                       <m:t>=</m:t>
                     </m:r>
                     <m:sSub>
                       <m:sSubPr>
                         <m:ctrlPr>
-                          <a:rPr lang="zh-CN" altLang="zh-CN" i="1"/>
+                          <a:rPr lang="zh-CN" altLang="zh-CN" i="1">
+                            <a:latin typeface="Cambria Math"/>
+                          </a:rPr>
                         </m:ctrlPr>
                       </m:sSubPr>
                       <m:e>
@@ -17990,13 +19153,17 @@
                           <m:rPr>
                             <m:sty m:val="p"/>
                           </m:rPr>
-                          <a:rPr lang="en-US" altLang="zh-CN"/>
+                          <a:rPr lang="en-US" altLang="zh-CN">
+                            <a:latin typeface="Cambria Math"/>
+                          </a:rPr>
                           <m:t>d</m:t>
                         </m:r>
                       </m:e>
                       <m:sub>
                         <m:r>
-                          <a:rPr lang="en-US" altLang="zh-CN"/>
+                          <a:rPr lang="en-US" altLang="zh-CN">
+                            <a:latin typeface="Cambria Math"/>
+                          </a:rPr>
                           <m:t>1</m:t>
                         </m:r>
                       </m:sub>
@@ -18011,41 +19178,55 @@
                     <m:sSub>
                       <m:sSubPr>
                         <m:ctrlPr>
-                          <a:rPr lang="zh-CN" altLang="zh-CN" i="1"/>
+                          <a:rPr lang="zh-CN" altLang="zh-CN" i="1">
+                            <a:latin typeface="Cambria Math"/>
+                          </a:rPr>
                         </m:ctrlPr>
                       </m:sSubPr>
                       <m:e>
                         <m:r>
-                          <a:rPr lang="en-US" altLang="zh-CN" b="1" i="1"/>
+                          <a:rPr lang="en-US" altLang="zh-CN" b="1" i="1">
+                            <a:latin typeface="Cambria Math"/>
+                          </a:rPr>
                           <m:t>𝐧</m:t>
                         </m:r>
                       </m:e>
                       <m:sub>
                         <m:r>
-                          <a:rPr lang="en-US" altLang="zh-CN"/>
+                          <a:rPr lang="en-US" altLang="zh-CN">
+                            <a:latin typeface="Cambria Math"/>
+                          </a:rPr>
                           <m:t>2</m:t>
                         </m:r>
                       </m:sub>
                     </m:sSub>
                     <m:r>
-                      <a:rPr lang="en-US" altLang="zh-CN"/>
+                      <a:rPr lang="en-US" altLang="zh-CN">
+                        <a:latin typeface="Cambria Math"/>
+                      </a:rPr>
                       <m:t>∙</m:t>
                     </m:r>
                     <m:r>
                       <m:rPr>
                         <m:sty m:val="p"/>
                       </m:rPr>
-                      <a:rPr lang="en-US" altLang="zh-CN"/>
+                      <a:rPr lang="en-US" altLang="zh-CN">
+                        <a:latin typeface="Cambria Math"/>
+                      </a:rPr>
                       <m:t>X</m:t>
                     </m:r>
                     <m:r>
-                      <a:rPr lang="en-US" altLang="zh-CN"/>
+                      <a:rPr lang="en-US" altLang="zh-CN">
+                        <a:latin typeface="Cambria Math"/>
+                      </a:rPr>
                       <m:t>=</m:t>
                     </m:r>
                     <m:sSub>
                       <m:sSubPr>
                         <m:ctrlPr>
-                          <a:rPr lang="zh-CN" altLang="zh-CN" i="1"/>
+                          <a:rPr lang="zh-CN" altLang="zh-CN" i="1">
+                            <a:latin typeface="Cambria Math"/>
+                          </a:rPr>
                         </m:ctrlPr>
                       </m:sSubPr>
                       <m:e>
@@ -18053,13 +19234,17 @@
                           <m:rPr>
                             <m:sty m:val="p"/>
                           </m:rPr>
-                          <a:rPr lang="en-US" altLang="zh-CN"/>
+                          <a:rPr lang="en-US" altLang="zh-CN">
+                            <a:latin typeface="Cambria Math"/>
+                          </a:rPr>
                           <m:t>d</m:t>
                         </m:r>
                       </m:e>
                       <m:sub>
                         <m:r>
-                          <a:rPr lang="en-US" altLang="zh-CN"/>
+                          <a:rPr lang="en-US" altLang="zh-CN">
+                            <a:latin typeface="Cambria Math"/>
+                          </a:rPr>
                           <m:t>2</m:t>
                         </m:r>
                       </m:sub>
@@ -18074,41 +19259,55 @@
                     <m:sSub>
                       <m:sSubPr>
                         <m:ctrlPr>
-                          <a:rPr lang="zh-CN" altLang="zh-CN" i="1"/>
+                          <a:rPr lang="zh-CN" altLang="zh-CN" i="1">
+                            <a:latin typeface="Cambria Math"/>
+                          </a:rPr>
                         </m:ctrlPr>
                       </m:sSubPr>
                       <m:e>
                         <m:r>
-                          <a:rPr lang="en-US" altLang="zh-CN" b="1" i="1"/>
+                          <a:rPr lang="en-US" altLang="zh-CN" b="1" i="1">
+                            <a:latin typeface="Cambria Math"/>
+                          </a:rPr>
                           <m:t>𝐧</m:t>
                         </m:r>
                       </m:e>
                       <m:sub>
                         <m:r>
-                          <a:rPr lang="en-US" altLang="zh-CN"/>
+                          <a:rPr lang="en-US" altLang="zh-CN">
+                            <a:latin typeface="Cambria Math"/>
+                          </a:rPr>
                           <m:t>3</m:t>
                         </m:r>
                       </m:sub>
                     </m:sSub>
                     <m:r>
-                      <a:rPr lang="en-US" altLang="zh-CN"/>
+                      <a:rPr lang="en-US" altLang="zh-CN">
+                        <a:latin typeface="Cambria Math"/>
+                      </a:rPr>
                       <m:t>∙</m:t>
                     </m:r>
                     <m:r>
                       <m:rPr>
                         <m:sty m:val="p"/>
                       </m:rPr>
-                      <a:rPr lang="en-US" altLang="zh-CN"/>
+                      <a:rPr lang="en-US" altLang="zh-CN">
+                        <a:latin typeface="Cambria Math"/>
+                      </a:rPr>
                       <m:t>X</m:t>
                     </m:r>
                     <m:r>
-                      <a:rPr lang="en-US" altLang="zh-CN"/>
+                      <a:rPr lang="en-US" altLang="zh-CN">
+                        <a:latin typeface="Cambria Math"/>
+                      </a:rPr>
                       <m:t>=</m:t>
                     </m:r>
                     <m:sSub>
                       <m:sSubPr>
                         <m:ctrlPr>
-                          <a:rPr lang="zh-CN" altLang="zh-CN" i="1"/>
+                          <a:rPr lang="zh-CN" altLang="zh-CN" i="1">
+                            <a:latin typeface="Cambria Math"/>
+                          </a:rPr>
                         </m:ctrlPr>
                       </m:sSubPr>
                       <m:e>
@@ -18116,13 +19315,17 @@
                           <m:rPr>
                             <m:sty m:val="p"/>
                           </m:rPr>
-                          <a:rPr lang="en-US" altLang="zh-CN"/>
+                          <a:rPr lang="en-US" altLang="zh-CN">
+                            <a:latin typeface="Cambria Math"/>
+                          </a:rPr>
                           <m:t>d</m:t>
                         </m:r>
                       </m:e>
                       <m:sub>
                         <m:r>
-                          <a:rPr lang="en-US" altLang="zh-CN"/>
+                          <a:rPr lang="en-US" altLang="zh-CN">
+                            <a:latin typeface="Cambria Math"/>
+                          </a:rPr>
                           <m:t>3</m:t>
                         </m:r>
                       </m:sub>
@@ -18143,7 +19346,7 @@
             </p:txBody>
           </p:sp>
         </mc:Choice>
-        <mc:Fallback>
+        <mc:Fallback xmlns="">
           <p:sp>
             <p:nvSpPr>
               <p:cNvPr id="3" name="内容占位符 2"/>
@@ -18385,6 +19588,152 @@
     <p:extLst>
       <p:ext uri="{BB962C8B-B14F-4D97-AF65-F5344CB8AC3E}">
         <p14:creationId xmlns:p14="http://schemas.microsoft.com/office/powerpoint/2010/main" val="2682706468"/>
+      </p:ext>
+    </p:extLst>
+  </p:cSld>
+  <p:clrMapOvr>
+    <a:masterClrMapping/>
+  </p:clrMapOvr>
+</p:sld>
+</file>
+
+<file path=ppt/slides/slide63.xml><?xml version="1.0" encoding="utf-8"?>
+<p:sld xmlns:a="http://schemas.openxmlformats.org/drawingml/2006/main" xmlns:r="http://schemas.openxmlformats.org/officeDocument/2006/relationships" xmlns:p="http://schemas.openxmlformats.org/presentationml/2006/main">
+  <p:cSld>
+    <p:spTree>
+      <p:nvGrpSpPr>
+        <p:cNvPr id="1" name=""/>
+        <p:cNvGrpSpPr/>
+        <p:nvPr/>
+      </p:nvGrpSpPr>
+      <p:grpSpPr>
+        <a:xfrm>
+          <a:off x="0" y="0"/>
+          <a:ext cx="0" cy="0"/>
+          <a:chOff x="0" y="0"/>
+          <a:chExt cx="0" cy="0"/>
+        </a:xfrm>
+      </p:grpSpPr>
+      <p:sp>
+        <p:nvSpPr>
+          <p:cNvPr id="2" name="标题 1"/>
+          <p:cNvSpPr>
+            <a:spLocks noGrp="1"/>
+          </p:cNvSpPr>
+          <p:nvPr>
+            <p:ph type="title"/>
+          </p:nvPr>
+        </p:nvSpPr>
+        <p:spPr/>
+        <p:txBody>
+          <a:bodyPr/>
+          <a:lstStyle/>
+          <a:p>
+            <a:r>
+              <a:rPr lang="zh-CN" altLang="en-US" dirty="0" smtClean="0"/>
+              <a:t>练习</a:t>
+            </a:r>
+            <a:endParaRPr lang="zh-CN" altLang="en-US" dirty="0"/>
+          </a:p>
+        </p:txBody>
+      </p:sp>
+      <p:sp>
+        <p:nvSpPr>
+          <p:cNvPr id="3" name="内容占位符 2"/>
+          <p:cNvSpPr>
+            <a:spLocks noGrp="1"/>
+          </p:cNvSpPr>
+          <p:nvPr>
+            <p:ph idx="1"/>
+          </p:nvPr>
+        </p:nvSpPr>
+        <p:spPr/>
+        <p:txBody>
+          <a:bodyPr>
+            <a:normAutofit fontScale="70000" lnSpcReduction="20000"/>
+          </a:bodyPr>
+          <a:lstStyle/>
+          <a:p>
+            <a:r>
+              <a:rPr lang="zh-CN" altLang="en-US" dirty="0" smtClean="0"/>
+              <a:t>发射子弹</a:t>
+            </a:r>
+            <a:endParaRPr lang="en-US" altLang="zh-CN" dirty="0" smtClean="0"/>
+          </a:p>
+          <a:p>
+            <a:r>
+              <a:rPr lang="zh-CN" altLang="en-US" dirty="0" smtClean="0"/>
+              <a:t>子弹和场景物体碰撞</a:t>
+            </a:r>
+            <a:endParaRPr lang="en-US" altLang="zh-CN" dirty="0" smtClean="0"/>
+          </a:p>
+          <a:p>
+            <a:r>
+              <a:rPr lang="zh-CN" altLang="en-US" dirty="0" smtClean="0"/>
+              <a:t>按照碰撞物体的不同，对其进行破坏</a:t>
+            </a:r>
+            <a:endParaRPr lang="en-US" altLang="zh-CN" dirty="0" smtClean="0"/>
+          </a:p>
+          <a:p>
+            <a:endParaRPr lang="en-US" altLang="zh-CN" dirty="0"/>
+          </a:p>
+          <a:p>
+            <a:r>
+              <a:rPr lang="zh-CN" altLang="en-US" dirty="0" smtClean="0"/>
+              <a:t>子弹效果</a:t>
+            </a:r>
+            <a:endParaRPr lang="en-US" altLang="zh-CN" dirty="0" smtClean="0"/>
+          </a:p>
+          <a:p>
+            <a:r>
+              <a:rPr lang="zh-CN" altLang="en-US" dirty="0" smtClean="0"/>
+              <a:t>物品拾取</a:t>
+            </a:r>
+            <a:endParaRPr lang="en-US" altLang="zh-CN" dirty="0" smtClean="0"/>
+          </a:p>
+          <a:p>
+            <a:r>
+              <a:rPr lang="zh-CN" altLang="en-US" dirty="0"/>
+              <a:t>传送</a:t>
+            </a:r>
+            <a:r>
+              <a:rPr lang="zh-CN" altLang="en-US" dirty="0" smtClean="0"/>
+              <a:t>门（</a:t>
+            </a:r>
+            <a:r>
+              <a:rPr lang="en-US" altLang="zh-CN" dirty="0" smtClean="0"/>
+              <a:t>trigger</a:t>
+            </a:r>
+            <a:r>
+              <a:rPr lang="zh-CN" altLang="en-US" dirty="0" smtClean="0"/>
+              <a:t>）</a:t>
+            </a:r>
+            <a:endParaRPr lang="en-US" altLang="zh-CN" dirty="0" smtClean="0"/>
+          </a:p>
+          <a:p>
+            <a:r>
+              <a:rPr lang="en-US" altLang="zh-CN" dirty="0" err="1" smtClean="0"/>
+              <a:t>SendMessage</a:t>
+            </a:r>
+            <a:r>
+              <a:rPr lang="zh-CN" altLang="en-US" dirty="0" smtClean="0"/>
+              <a:t>函数</a:t>
+            </a:r>
+            <a:endParaRPr lang="en-US" altLang="zh-CN" dirty="0" smtClean="0"/>
+          </a:p>
+          <a:p>
+            <a:r>
+              <a:rPr lang="zh-CN" altLang="en-US" smtClean="0"/>
+              <a:t>鼠标点选</a:t>
+            </a:r>
+            <a:endParaRPr lang="zh-CN" altLang="en-US" dirty="0"/>
+          </a:p>
+        </p:txBody>
+      </p:sp>
+    </p:spTree>
+    <p:extLst>
+      <p:ext uri="{BB962C8B-B14F-4D97-AF65-F5344CB8AC3E}">
+        <p14:creationId xmlns:p14="http://schemas.microsoft.com/office/powerpoint/2010/main" val="482146459"/>
       </p:ext>
     </p:extLst>
   </p:cSld>

--- a/Slides/Principle/9 碰撞检测/9 碰撞检测.pptx
+++ b/Slides/Principle/9 碰撞检测/9 碰撞检测.pptx
@@ -9,65 +9,70 @@
     <p:sldId id="257" r:id="rId3"/>
     <p:sldId id="258" r:id="rId4"/>
     <p:sldId id="259" r:id="rId5"/>
-    <p:sldId id="260" r:id="rId6"/>
-    <p:sldId id="261" r:id="rId7"/>
-    <p:sldId id="262" r:id="rId8"/>
-    <p:sldId id="263" r:id="rId9"/>
-    <p:sldId id="264" r:id="rId10"/>
-    <p:sldId id="265" r:id="rId11"/>
-    <p:sldId id="315" r:id="rId12"/>
-    <p:sldId id="266" r:id="rId13"/>
-    <p:sldId id="267" r:id="rId14"/>
-    <p:sldId id="316" r:id="rId15"/>
-    <p:sldId id="317" r:id="rId16"/>
-    <p:sldId id="268" r:id="rId17"/>
-    <p:sldId id="269" r:id="rId18"/>
-    <p:sldId id="270" r:id="rId19"/>
-    <p:sldId id="272" r:id="rId20"/>
-    <p:sldId id="271" r:id="rId21"/>
-    <p:sldId id="273" r:id="rId22"/>
-    <p:sldId id="274" r:id="rId23"/>
-    <p:sldId id="275" r:id="rId24"/>
-    <p:sldId id="276" r:id="rId25"/>
-    <p:sldId id="277" r:id="rId26"/>
-    <p:sldId id="278" r:id="rId27"/>
-    <p:sldId id="279" r:id="rId28"/>
-    <p:sldId id="280" r:id="rId29"/>
-    <p:sldId id="281" r:id="rId30"/>
-    <p:sldId id="282" r:id="rId31"/>
-    <p:sldId id="283" r:id="rId32"/>
-    <p:sldId id="284" r:id="rId33"/>
-    <p:sldId id="285" r:id="rId34"/>
-    <p:sldId id="286" r:id="rId35"/>
-    <p:sldId id="287" r:id="rId36"/>
-    <p:sldId id="288" r:id="rId37"/>
-    <p:sldId id="289" r:id="rId38"/>
-    <p:sldId id="290" r:id="rId39"/>
-    <p:sldId id="291" r:id="rId40"/>
-    <p:sldId id="292" r:id="rId41"/>
-    <p:sldId id="293" r:id="rId42"/>
-    <p:sldId id="294" r:id="rId43"/>
-    <p:sldId id="295" r:id="rId44"/>
-    <p:sldId id="296" r:id="rId45"/>
-    <p:sldId id="297" r:id="rId46"/>
-    <p:sldId id="298" r:id="rId47"/>
-    <p:sldId id="299" r:id="rId48"/>
-    <p:sldId id="300" r:id="rId49"/>
-    <p:sldId id="301" r:id="rId50"/>
-    <p:sldId id="302" r:id="rId51"/>
-    <p:sldId id="303" r:id="rId52"/>
-    <p:sldId id="304" r:id="rId53"/>
-    <p:sldId id="305" r:id="rId54"/>
-    <p:sldId id="306" r:id="rId55"/>
-    <p:sldId id="307" r:id="rId56"/>
-    <p:sldId id="308" r:id="rId57"/>
-    <p:sldId id="309" r:id="rId58"/>
-    <p:sldId id="310" r:id="rId59"/>
-    <p:sldId id="311" r:id="rId60"/>
-    <p:sldId id="312" r:id="rId61"/>
-    <p:sldId id="313" r:id="rId62"/>
-    <p:sldId id="314" r:id="rId63"/>
-    <p:sldId id="318" r:id="rId64"/>
+    <p:sldId id="319" r:id="rId6"/>
+    <p:sldId id="260" r:id="rId7"/>
+    <p:sldId id="261" r:id="rId8"/>
+    <p:sldId id="262" r:id="rId9"/>
+    <p:sldId id="320" r:id="rId10"/>
+    <p:sldId id="263" r:id="rId11"/>
+    <p:sldId id="264" r:id="rId12"/>
+    <p:sldId id="321" r:id="rId13"/>
+    <p:sldId id="265" r:id="rId14"/>
+    <p:sldId id="315" r:id="rId15"/>
+    <p:sldId id="266" r:id="rId16"/>
+    <p:sldId id="267" r:id="rId17"/>
+    <p:sldId id="316" r:id="rId18"/>
+    <p:sldId id="317" r:id="rId19"/>
+    <p:sldId id="268" r:id="rId20"/>
+    <p:sldId id="269" r:id="rId21"/>
+    <p:sldId id="270" r:id="rId22"/>
+    <p:sldId id="272" r:id="rId23"/>
+    <p:sldId id="271" r:id="rId24"/>
+    <p:sldId id="273" r:id="rId25"/>
+    <p:sldId id="274" r:id="rId26"/>
+    <p:sldId id="275" r:id="rId27"/>
+    <p:sldId id="276" r:id="rId28"/>
+    <p:sldId id="277" r:id="rId29"/>
+    <p:sldId id="278" r:id="rId30"/>
+    <p:sldId id="279" r:id="rId31"/>
+    <p:sldId id="322" r:id="rId32"/>
+    <p:sldId id="280" r:id="rId33"/>
+    <p:sldId id="281" r:id="rId34"/>
+    <p:sldId id="282" r:id="rId35"/>
+    <p:sldId id="283" r:id="rId36"/>
+    <p:sldId id="284" r:id="rId37"/>
+    <p:sldId id="285" r:id="rId38"/>
+    <p:sldId id="286" r:id="rId39"/>
+    <p:sldId id="287" r:id="rId40"/>
+    <p:sldId id="288" r:id="rId41"/>
+    <p:sldId id="289" r:id="rId42"/>
+    <p:sldId id="290" r:id="rId43"/>
+    <p:sldId id="291" r:id="rId44"/>
+    <p:sldId id="292" r:id="rId45"/>
+    <p:sldId id="293" r:id="rId46"/>
+    <p:sldId id="294" r:id="rId47"/>
+    <p:sldId id="295" r:id="rId48"/>
+    <p:sldId id="296" r:id="rId49"/>
+    <p:sldId id="297" r:id="rId50"/>
+    <p:sldId id="298" r:id="rId51"/>
+    <p:sldId id="299" r:id="rId52"/>
+    <p:sldId id="323" r:id="rId53"/>
+    <p:sldId id="300" r:id="rId54"/>
+    <p:sldId id="301" r:id="rId55"/>
+    <p:sldId id="302" r:id="rId56"/>
+    <p:sldId id="303" r:id="rId57"/>
+    <p:sldId id="304" r:id="rId58"/>
+    <p:sldId id="305" r:id="rId59"/>
+    <p:sldId id="306" r:id="rId60"/>
+    <p:sldId id="307" r:id="rId61"/>
+    <p:sldId id="308" r:id="rId62"/>
+    <p:sldId id="309" r:id="rId63"/>
+    <p:sldId id="310" r:id="rId64"/>
+    <p:sldId id="311" r:id="rId65"/>
+    <p:sldId id="312" r:id="rId66"/>
+    <p:sldId id="313" r:id="rId67"/>
+    <p:sldId id="318" r:id="rId68"/>
+    <p:sldId id="324" r:id="rId69"/>
   </p:sldIdLst>
   <p:sldSz cx="9144000" cy="5143500" type="screen16x9"/>
   <p:notesSz cx="6858000" cy="9144000"/>
@@ -389,7 +394,7 @@
           <a:p>
             <a:fld id="{530820CF-B880-4189-942D-D702A7CBA730}" type="datetimeFigureOut">
               <a:rPr lang="zh-CN" altLang="en-US" smtClean="0"/>
-              <a:t>2018/4/2</a:t>
+              <a:t>2019/4/17</a:t>
             </a:fld>
             <a:endParaRPr lang="zh-CN" altLang="en-US"/>
           </a:p>
@@ -611,7 +616,7 @@
           <a:p>
             <a:fld id="{530820CF-B880-4189-942D-D702A7CBA730}" type="datetimeFigureOut">
               <a:rPr lang="zh-CN" altLang="en-US" smtClean="0"/>
-              <a:t>2018/4/2</a:t>
+              <a:t>2019/4/17</a:t>
             </a:fld>
             <a:endParaRPr lang="zh-CN" altLang="en-US"/>
           </a:p>
@@ -879,7 +884,7 @@
           <a:p>
             <a:fld id="{530820CF-B880-4189-942D-D702A7CBA730}" type="datetimeFigureOut">
               <a:rPr lang="zh-CN" altLang="en-US" smtClean="0"/>
-              <a:t>2018/4/2</a:t>
+              <a:t>2019/4/17</a:t>
             </a:fld>
             <a:endParaRPr lang="zh-CN" altLang="en-US"/>
           </a:p>
@@ -1129,7 +1134,7 @@
           <a:p>
             <a:fld id="{530820CF-B880-4189-942D-D702A7CBA730}" type="datetimeFigureOut">
               <a:rPr lang="zh-CN" altLang="en-US" smtClean="0"/>
-              <a:t>2018/4/2</a:t>
+              <a:t>2019/4/17</a:t>
             </a:fld>
             <a:endParaRPr lang="zh-CN" altLang="en-US"/>
           </a:p>
@@ -1388,7 +1393,7 @@
           <a:p>
             <a:fld id="{530820CF-B880-4189-942D-D702A7CBA730}" type="datetimeFigureOut">
               <a:rPr lang="zh-CN" altLang="en-US" smtClean="0"/>
-              <a:t>2018/4/2</a:t>
+              <a:t>2019/4/17</a:t>
             </a:fld>
             <a:endParaRPr lang="zh-CN" altLang="en-US"/>
           </a:p>
@@ -1753,7 +1758,7 @@
           <a:p>
             <a:fld id="{530820CF-B880-4189-942D-D702A7CBA730}" type="datetimeFigureOut">
               <a:rPr lang="zh-CN" altLang="en-US" smtClean="0"/>
-              <a:t>2018/4/2</a:t>
+              <a:t>2019/4/17</a:t>
             </a:fld>
             <a:endParaRPr lang="zh-CN" altLang="en-US"/>
           </a:p>
@@ -2251,7 +2256,7 @@
           <a:p>
             <a:fld id="{530820CF-B880-4189-942D-D702A7CBA730}" type="datetimeFigureOut">
               <a:rPr lang="zh-CN" altLang="en-US" smtClean="0"/>
-              <a:t>2018/4/2</a:t>
+              <a:t>2019/4/17</a:t>
             </a:fld>
             <a:endParaRPr lang="zh-CN" altLang="en-US"/>
           </a:p>
@@ -2445,7 +2450,7 @@
           <a:p>
             <a:fld id="{530820CF-B880-4189-942D-D702A7CBA730}" type="datetimeFigureOut">
               <a:rPr lang="zh-CN" altLang="en-US" smtClean="0"/>
-              <a:t>2018/4/2</a:t>
+              <a:t>2019/4/17</a:t>
             </a:fld>
             <a:endParaRPr lang="zh-CN" altLang="en-US"/>
           </a:p>
@@ -2616,7 +2621,7 @@
           <a:p>
             <a:fld id="{530820CF-B880-4189-942D-D702A7CBA730}" type="datetimeFigureOut">
               <a:rPr lang="zh-CN" altLang="en-US" smtClean="0"/>
-              <a:t>2018/4/2</a:t>
+              <a:t>2019/4/17</a:t>
             </a:fld>
             <a:endParaRPr lang="zh-CN" altLang="en-US"/>
           </a:p>
@@ -3016,7 +3021,7 @@
           <a:p>
             <a:fld id="{530820CF-B880-4189-942D-D702A7CBA730}" type="datetimeFigureOut">
               <a:rPr lang="zh-CN" altLang="en-US" smtClean="0"/>
-              <a:t>2018/4/2</a:t>
+              <a:t>2019/4/17</a:t>
             </a:fld>
             <a:endParaRPr lang="zh-CN" altLang="en-US"/>
           </a:p>
@@ -3396,7 +3401,7 @@
           <a:p>
             <a:fld id="{530820CF-B880-4189-942D-D702A7CBA730}" type="datetimeFigureOut">
               <a:rPr lang="zh-CN" altLang="en-US" smtClean="0"/>
-              <a:t>2018/4/2</a:t>
+              <a:t>2019/4/17</a:t>
             </a:fld>
             <a:endParaRPr lang="zh-CN" altLang="en-US"/>
           </a:p>
@@ -3670,7 +3675,7 @@
           <a:p>
             <a:fld id="{530820CF-B880-4189-942D-D702A7CBA730}" type="datetimeFigureOut">
               <a:rPr lang="zh-CN" altLang="en-US" smtClean="0"/>
-              <a:t>2018/4/2</a:t>
+              <a:t>2019/4/17</a:t>
             </a:fld>
             <a:endParaRPr lang="zh-CN" altLang="en-US"/>
           </a:p>
@@ -4190,10 +4195,1110 @@
   <p:clrMapOvr>
     <a:masterClrMapping/>
   </p:clrMapOvr>
+  <mc:AlternateContent xmlns:mc="http://schemas.openxmlformats.org/markup-compatibility/2006">
+    <mc:Choice xmlns:p14="http://schemas.microsoft.com/office/powerpoint/2010/main" Requires="p14">
+      <p:transition spd="slow" p14:dur="999"/>
+    </mc:Choice>
+    <mc:Fallback>
+      <p:transition spd="slow"/>
+    </mc:Fallback>
+  </mc:AlternateContent>
+  <p:timing>
+    <p:tnLst>
+      <p:par>
+        <p:cTn id="1" dur="indefinite" restart="never" nodeType="tmRoot"/>
+      </p:par>
+    </p:tnLst>
+  </p:timing>
 </p:sld>
 </file>
 
 <file path=ppt/slides/slide10.xml><?xml version="1.0" encoding="utf-8"?>
+<p:sld xmlns:a="http://schemas.openxmlformats.org/drawingml/2006/main" xmlns:r="http://schemas.openxmlformats.org/officeDocument/2006/relationships" xmlns:p="http://schemas.openxmlformats.org/presentationml/2006/main">
+  <p:cSld>
+    <p:spTree>
+      <p:nvGrpSpPr>
+        <p:cNvPr id="1" name=""/>
+        <p:cNvGrpSpPr/>
+        <p:nvPr/>
+      </p:nvGrpSpPr>
+      <p:grpSpPr>
+        <a:xfrm>
+          <a:off x="0" y="0"/>
+          <a:ext cx="0" cy="0"/>
+          <a:chOff x="0" y="0"/>
+          <a:chExt cx="0" cy="0"/>
+        </a:xfrm>
+      </p:grpSpPr>
+      <p:sp>
+        <p:nvSpPr>
+          <p:cNvPr id="2" name="标题 1"/>
+          <p:cNvSpPr>
+            <a:spLocks noGrp="1"/>
+          </p:cNvSpPr>
+          <p:nvPr>
+            <p:ph type="title"/>
+          </p:nvPr>
+        </p:nvSpPr>
+        <p:spPr/>
+        <p:txBody>
+          <a:bodyPr/>
+          <a:lstStyle/>
+          <a:p>
+            <a:endParaRPr lang="zh-CN" altLang="en-US"/>
+          </a:p>
+        </p:txBody>
+      </p:sp>
+      <p:sp>
+        <p:nvSpPr>
+          <p:cNvPr id="3" name="内容占位符 2"/>
+          <p:cNvSpPr>
+            <a:spLocks noGrp="1"/>
+          </p:cNvSpPr>
+          <p:nvPr>
+            <p:ph idx="1"/>
+          </p:nvPr>
+        </p:nvSpPr>
+        <p:spPr/>
+        <p:txBody>
+          <a:bodyPr>
+            <a:normAutofit fontScale="92500" lnSpcReduction="10000"/>
+          </a:bodyPr>
+          <a:lstStyle/>
+          <a:p>
+            <a:r>
+              <a:rPr lang="zh-CN" altLang="zh-CN" dirty="0"/>
+              <a:t>当然，当物体对象之间真正产生碰撞时，进一步的处理将导致计算量的显著</a:t>
+            </a:r>
+            <a:r>
+              <a:rPr lang="zh-CN" altLang="zh-CN" dirty="0" smtClean="0"/>
+              <a:t>增加</a:t>
+            </a:r>
+            <a:endParaRPr lang="en-US" altLang="zh-CN" dirty="0" smtClean="0"/>
+          </a:p>
+          <a:p>
+            <a:r>
+              <a:rPr lang="zh-CN" altLang="zh-CN" dirty="0" smtClean="0"/>
+              <a:t>然而</a:t>
+            </a:r>
+            <a:r>
+              <a:rPr lang="zh-CN" altLang="zh-CN" dirty="0"/>
+              <a:t>，在大多数情况下只存在少数物体彼此靠近并可能产生</a:t>
+            </a:r>
+            <a:r>
+              <a:rPr lang="zh-CN" altLang="zh-CN" dirty="0" smtClean="0"/>
+              <a:t>碰撞</a:t>
+            </a:r>
+            <a:endParaRPr lang="en-US" altLang="zh-CN" dirty="0" smtClean="0"/>
+          </a:p>
+          <a:p>
+            <a:r>
+              <a:rPr lang="zh-CN" altLang="zh-CN" dirty="0" smtClean="0"/>
+              <a:t>因此</a:t>
+            </a:r>
+            <a:r>
+              <a:rPr lang="zh-CN" altLang="zh-CN" dirty="0"/>
+              <a:t>，包围体通常可以获取有效的性能改善；同时，复杂场景的前期剔除，更验证了为包围体测试所付出的较小代价是值得的。</a:t>
+            </a:r>
+          </a:p>
+          <a:p>
+            <a:endParaRPr lang="zh-CN" altLang="en-US" dirty="0"/>
+          </a:p>
+        </p:txBody>
+      </p:sp>
+    </p:spTree>
+    <p:extLst>
+      <p:ext uri="{BB962C8B-B14F-4D97-AF65-F5344CB8AC3E}">
+        <p14:creationId xmlns:p14="http://schemas.microsoft.com/office/powerpoint/2010/main" val="1962237622"/>
+      </p:ext>
+    </p:extLst>
+  </p:cSld>
+  <p:clrMapOvr>
+    <a:masterClrMapping/>
+  </p:clrMapOvr>
+  <p:timing>
+    <p:tnLst>
+      <p:par>
+        <p:cTn id="1" dur="indefinite" restart="never" nodeType="tmRoot"/>
+      </p:par>
+    </p:tnLst>
+  </p:timing>
+</p:sld>
+</file>
+
+<file path=ppt/slides/slide11.xml><?xml version="1.0" encoding="utf-8"?>
+<p:sld xmlns:a="http://schemas.openxmlformats.org/drawingml/2006/main" xmlns:r="http://schemas.openxmlformats.org/officeDocument/2006/relationships" xmlns:p="http://schemas.openxmlformats.org/presentationml/2006/main">
+  <p:cSld>
+    <p:spTree>
+      <p:nvGrpSpPr>
+        <p:cNvPr id="1" name=""/>
+        <p:cNvGrpSpPr/>
+        <p:nvPr/>
+      </p:nvGrpSpPr>
+      <p:grpSpPr>
+        <a:xfrm>
+          <a:off x="0" y="0"/>
+          <a:ext cx="0" cy="0"/>
+          <a:chOff x="0" y="0"/>
+          <a:chExt cx="0" cy="0"/>
+        </a:xfrm>
+      </p:grpSpPr>
+      <p:sp>
+        <p:nvSpPr>
+          <p:cNvPr id="2" name="标题 1"/>
+          <p:cNvSpPr>
+            <a:spLocks noGrp="1"/>
+          </p:cNvSpPr>
+          <p:nvPr>
+            <p:ph type="title"/>
+          </p:nvPr>
+        </p:nvSpPr>
+        <p:spPr/>
+        <p:txBody>
+          <a:bodyPr/>
+          <a:lstStyle/>
+          <a:p>
+            <a:endParaRPr lang="zh-CN" altLang="en-US"/>
+          </a:p>
+        </p:txBody>
+      </p:sp>
+      <p:sp>
+        <p:nvSpPr>
+          <p:cNvPr id="3" name="内容占位符 2"/>
+          <p:cNvSpPr>
+            <a:spLocks noGrp="1"/>
+          </p:cNvSpPr>
+          <p:nvPr>
+            <p:ph idx="1"/>
+          </p:nvPr>
+        </p:nvSpPr>
+        <p:spPr/>
+        <p:txBody>
+          <a:bodyPr>
+            <a:normAutofit fontScale="77500" lnSpcReduction="20000"/>
+          </a:bodyPr>
+          <a:lstStyle/>
+          <a:p>
+            <a:r>
+              <a:rPr lang="zh-CN" altLang="zh-CN" dirty="0"/>
+              <a:t>可以看到碰撞检测贯穿了场景的构建到仿真整个</a:t>
+            </a:r>
+            <a:r>
+              <a:rPr lang="zh-CN" altLang="zh-CN" dirty="0" smtClean="0"/>
+              <a:t>过程</a:t>
+            </a:r>
+            <a:endParaRPr lang="en-US" altLang="zh-CN" dirty="0" smtClean="0"/>
+          </a:p>
+          <a:p>
+            <a:r>
+              <a:rPr lang="zh-CN" altLang="zh-CN" dirty="0" smtClean="0"/>
+              <a:t>构建</a:t>
+            </a:r>
+            <a:r>
+              <a:rPr lang="zh-CN" altLang="zh-CN" dirty="0"/>
+              <a:t>场景时，物体采用高分辨率的模型来表示，以提升视觉效果；而在碰撞检测过程中，我们可以采用事先做好的简化模型或替代模型来参与</a:t>
+            </a:r>
+            <a:r>
+              <a:rPr lang="zh-CN" altLang="zh-CN" dirty="0" smtClean="0"/>
+              <a:t>计算</a:t>
+            </a:r>
+            <a:endParaRPr lang="en-US" altLang="zh-CN" dirty="0" smtClean="0"/>
+          </a:p>
+          <a:p>
+            <a:r>
+              <a:rPr lang="zh-CN" altLang="zh-CN" dirty="0" smtClean="0"/>
+              <a:t>碰撞</a:t>
+            </a:r>
+            <a:r>
+              <a:rPr lang="zh-CN" altLang="zh-CN" dirty="0"/>
+              <a:t>检测构成了物理引擎中的最重要组成单元，我们通过各个物理引擎提供的特性也能发现这点。作为一个完整的碰撞检测系统，它一般由三个阶段构成，</a:t>
+            </a:r>
+            <a:r>
+              <a:rPr lang="en-US" altLang="zh-CN" dirty="0"/>
+              <a:t>broad </a:t>
+            </a:r>
+            <a:r>
+              <a:rPr lang="en-US" altLang="zh-CN" dirty="0" err="1"/>
+              <a:t>phase</a:t>
+            </a:r>
+            <a:r>
+              <a:rPr lang="en-US" altLang="zh-CN" dirty="0" err="1">
+                <a:sym typeface="Wingdings"/>
+              </a:rPr>
+              <a:t></a:t>
+            </a:r>
+            <a:r>
+              <a:rPr lang="en-US" altLang="zh-CN" dirty="0" err="1"/>
+              <a:t>middle</a:t>
+            </a:r>
+            <a:r>
+              <a:rPr lang="en-US" altLang="zh-CN" dirty="0"/>
+              <a:t> </a:t>
+            </a:r>
+            <a:r>
+              <a:rPr lang="en-US" altLang="zh-CN" dirty="0" err="1"/>
+              <a:t>phase</a:t>
+            </a:r>
+            <a:r>
+              <a:rPr lang="en-US" altLang="zh-CN" dirty="0" err="1">
+                <a:sym typeface="Wingdings"/>
+              </a:rPr>
+              <a:t></a:t>
+            </a:r>
+            <a:r>
+              <a:rPr lang="en-US" altLang="zh-CN" dirty="0" err="1"/>
+              <a:t>narrow</a:t>
+            </a:r>
+            <a:r>
+              <a:rPr lang="en-US" altLang="zh-CN" dirty="0"/>
+              <a:t> phase</a:t>
+            </a:r>
+            <a:r>
+              <a:rPr lang="zh-CN" altLang="zh-CN" dirty="0"/>
+              <a:t>，其实就是定义了一系列粗细不同粒度的策略来加速整个碰撞检测的</a:t>
+            </a:r>
+            <a:r>
+              <a:rPr lang="zh-CN" altLang="zh-CN" dirty="0" smtClean="0"/>
+              <a:t>过程</a:t>
+            </a:r>
+            <a:endParaRPr lang="zh-CN" altLang="zh-CN" dirty="0"/>
+          </a:p>
+          <a:p>
+            <a:endParaRPr lang="zh-CN" altLang="en-US" dirty="0"/>
+          </a:p>
+        </p:txBody>
+      </p:sp>
+    </p:spTree>
+    <p:extLst>
+      <p:ext uri="{BB962C8B-B14F-4D97-AF65-F5344CB8AC3E}">
+        <p14:creationId xmlns:p14="http://schemas.microsoft.com/office/powerpoint/2010/main" val="17338140"/>
+      </p:ext>
+    </p:extLst>
+  </p:cSld>
+  <p:clrMapOvr>
+    <a:masterClrMapping/>
+  </p:clrMapOvr>
+  <p:timing>
+    <p:tnLst>
+      <p:par>
+        <p:cTn id="1" dur="indefinite" restart="never" nodeType="tmRoot"/>
+      </p:par>
+    </p:tnLst>
+  </p:timing>
+</p:sld>
+</file>
+
+<file path=ppt/slides/slide12.xml><?xml version="1.0" encoding="utf-8"?>
+<p:sld xmlns:a="http://schemas.openxmlformats.org/drawingml/2006/main" xmlns:r="http://schemas.openxmlformats.org/officeDocument/2006/relationships" xmlns:p="http://schemas.openxmlformats.org/presentationml/2006/main">
+  <p:cSld>
+    <p:spTree>
+      <p:nvGrpSpPr>
+        <p:cNvPr id="1" name=""/>
+        <p:cNvGrpSpPr/>
+        <p:nvPr/>
+      </p:nvGrpSpPr>
+      <p:grpSpPr>
+        <a:xfrm>
+          <a:off x="0" y="0"/>
+          <a:ext cx="0" cy="0"/>
+          <a:chOff x="0" y="0"/>
+          <a:chExt cx="0" cy="0"/>
+        </a:xfrm>
+      </p:grpSpPr>
+      <p:sp>
+        <p:nvSpPr>
+          <p:cNvPr id="5" name="TextBox 4"/>
+          <p:cNvSpPr txBox="1"/>
+          <p:nvPr>
+            <p:custDataLst>
+              <p:tags r:id="rId2"/>
+            </p:custDataLst>
+          </p:nvPr>
+        </p:nvSpPr>
+        <p:spPr>
+          <a:xfrm>
+            <a:off x="914400" y="635000"/>
+            <a:ext cx="7315200" cy="1607344"/>
+          </a:xfrm>
+          <a:prstGeom prst="rect">
+            <a:avLst/>
+          </a:prstGeom>
+          <a:noFill/>
+        </p:spPr>
+        <p:txBody>
+          <a:bodyPr vert="horz" wrap="square" rtlCol="0" anchor="ctr" anchorCtr="0">
+            <a:noAutofit/>
+          </a:bodyPr>
+          <a:lstStyle/>
+          <a:p>
+            <a:r>
+              <a:rPr lang="zh-CN" altLang="en-US" sz="2600" dirty="0" smtClean="0">
+                <a:solidFill>
+                  <a:srgbClr val="000000"/>
+                </a:solidFill>
+                <a:latin typeface="Microsoft Yahei"/>
+                <a:ea typeface="Microsoft Yahei"/>
+                <a:sym typeface="Microsoft Yahei"/>
+              </a:rPr>
+              <a:t>碰撞检测一般由几个阶段构成？</a:t>
+            </a:r>
+            <a:endParaRPr lang="zh-CN" altLang="en-US" sz="2600" dirty="0">
+              <a:solidFill>
+                <a:srgbClr val="000000"/>
+              </a:solidFill>
+              <a:latin typeface="Microsoft Yahei"/>
+              <a:ea typeface="Microsoft Yahei"/>
+              <a:sym typeface="Microsoft Yahei"/>
+            </a:endParaRPr>
+          </a:p>
+        </p:txBody>
+      </p:sp>
+      <p:sp>
+        <p:nvSpPr>
+          <p:cNvPr id="6" name="TextBox 5"/>
+          <p:cNvSpPr txBox="1"/>
+          <p:nvPr>
+            <p:custDataLst>
+              <p:tags r:id="rId3"/>
+            </p:custDataLst>
+          </p:nvPr>
+        </p:nvSpPr>
+        <p:spPr>
+          <a:xfrm>
+            <a:off x="1828800" y="2089547"/>
+            <a:ext cx="6400800" cy="482203"/>
+          </a:xfrm>
+          <a:prstGeom prst="rect">
+            <a:avLst/>
+          </a:prstGeom>
+          <a:noFill/>
+        </p:spPr>
+        <p:txBody>
+          <a:bodyPr vert="horz" rtlCol="0" anchor="ctr" anchorCtr="0">
+            <a:noAutofit/>
+          </a:bodyPr>
+          <a:lstStyle/>
+          <a:p>
+            <a:r>
+              <a:rPr lang="zh-CN" altLang="en-US" sz="2600" dirty="0" smtClean="0">
+                <a:solidFill>
+                  <a:srgbClr val="000000"/>
+                </a:solidFill>
+                <a:latin typeface="Microsoft Yahei"/>
+                <a:ea typeface="Microsoft Yahei"/>
+                <a:sym typeface="Microsoft Yahei"/>
+              </a:rPr>
+              <a:t>三个</a:t>
+            </a:r>
+            <a:endParaRPr lang="zh-CN" altLang="en-US" sz="2600" dirty="0">
+              <a:solidFill>
+                <a:srgbClr val="000000"/>
+              </a:solidFill>
+              <a:latin typeface="Microsoft Yahei"/>
+              <a:ea typeface="Microsoft Yahei"/>
+              <a:sym typeface="Microsoft Yahei"/>
+            </a:endParaRPr>
+          </a:p>
+        </p:txBody>
+      </p:sp>
+      <p:sp>
+        <p:nvSpPr>
+          <p:cNvPr id="7" name="TextBox 6"/>
+          <p:cNvSpPr txBox="1"/>
+          <p:nvPr>
+            <p:custDataLst>
+              <p:tags r:id="rId4"/>
+            </p:custDataLst>
+          </p:nvPr>
+        </p:nvSpPr>
+        <p:spPr>
+          <a:xfrm>
+            <a:off x="1828800" y="2732484"/>
+            <a:ext cx="6400800" cy="482203"/>
+          </a:xfrm>
+          <a:prstGeom prst="rect">
+            <a:avLst/>
+          </a:prstGeom>
+          <a:noFill/>
+        </p:spPr>
+        <p:txBody>
+          <a:bodyPr vert="horz" rtlCol="0" anchor="ctr" anchorCtr="0">
+            <a:noAutofit/>
+          </a:bodyPr>
+          <a:lstStyle/>
+          <a:p>
+            <a:r>
+              <a:rPr lang="zh-CN" altLang="en-US" sz="2600" dirty="0" smtClean="0">
+                <a:solidFill>
+                  <a:srgbClr val="000000"/>
+                </a:solidFill>
+                <a:latin typeface="Microsoft Yahei"/>
+                <a:ea typeface="Microsoft Yahei"/>
+                <a:sym typeface="Microsoft Yahei"/>
+              </a:rPr>
+              <a:t>两个</a:t>
+            </a:r>
+            <a:endParaRPr lang="zh-CN" altLang="en-US" sz="2600" dirty="0">
+              <a:solidFill>
+                <a:srgbClr val="000000"/>
+              </a:solidFill>
+              <a:latin typeface="Microsoft Yahei"/>
+              <a:ea typeface="Microsoft Yahei"/>
+              <a:sym typeface="Microsoft Yahei"/>
+            </a:endParaRPr>
+          </a:p>
+        </p:txBody>
+      </p:sp>
+      <p:sp>
+        <p:nvSpPr>
+          <p:cNvPr id="8" name="TextBox 7"/>
+          <p:cNvSpPr txBox="1"/>
+          <p:nvPr>
+            <p:custDataLst>
+              <p:tags r:id="rId5"/>
+            </p:custDataLst>
+          </p:nvPr>
+        </p:nvSpPr>
+        <p:spPr>
+          <a:xfrm>
+            <a:off x="1828800" y="3375422"/>
+            <a:ext cx="6400800" cy="482203"/>
+          </a:xfrm>
+          <a:prstGeom prst="rect">
+            <a:avLst/>
+          </a:prstGeom>
+          <a:noFill/>
+        </p:spPr>
+        <p:txBody>
+          <a:bodyPr vert="horz" rtlCol="0" anchor="ctr" anchorCtr="0">
+            <a:noAutofit/>
+          </a:bodyPr>
+          <a:lstStyle/>
+          <a:p>
+            <a:r>
+              <a:rPr lang="zh-CN" altLang="en-US" sz="2600" dirty="0" smtClean="0">
+                <a:solidFill>
+                  <a:srgbClr val="000000"/>
+                </a:solidFill>
+                <a:latin typeface="Microsoft Yahei"/>
+                <a:ea typeface="Microsoft Yahei"/>
+                <a:sym typeface="Microsoft Yahei"/>
+              </a:rPr>
+              <a:t>一直</a:t>
+            </a:r>
+            <a:endParaRPr lang="zh-CN" altLang="en-US" sz="2600" dirty="0">
+              <a:solidFill>
+                <a:srgbClr val="000000"/>
+              </a:solidFill>
+              <a:latin typeface="Microsoft Yahei"/>
+              <a:ea typeface="Microsoft Yahei"/>
+              <a:sym typeface="Microsoft Yahei"/>
+            </a:endParaRPr>
+          </a:p>
+        </p:txBody>
+      </p:sp>
+      <p:sp>
+        <p:nvSpPr>
+          <p:cNvPr id="10" name="椭圆 9"/>
+          <p:cNvSpPr>
+            <a:spLocks noChangeAspect="1"/>
+          </p:cNvSpPr>
+          <p:nvPr>
+            <p:custDataLst>
+              <p:tags r:id="rId6"/>
+            </p:custDataLst>
+          </p:nvPr>
+        </p:nvSpPr>
+        <p:spPr>
+          <a:xfrm>
+            <a:off x="1178719" y="2137767"/>
+            <a:ext cx="385762" cy="385763"/>
+          </a:xfrm>
+          <a:prstGeom prst="ellipse">
+            <a:avLst/>
+          </a:prstGeom>
+          <a:solidFill>
+            <a:srgbClr val="00FF00"/>
+          </a:solidFill>
+          <a:ln w="25400" cmpd="sng">
+            <a:solidFill>
+              <a:srgbClr val="000000"/>
+            </a:solidFill>
+            <a:prstDash val="solid"/>
+          </a:ln>
+        </p:spPr>
+        <p:style>
+          <a:lnRef idx="2">
+            <a:schemeClr val="accent1">
+              <a:shade val="50000"/>
+            </a:schemeClr>
+          </a:lnRef>
+          <a:fillRef idx="1">
+            <a:schemeClr val="accent1"/>
+          </a:fillRef>
+          <a:effectRef idx="0">
+            <a:schemeClr val="accent1"/>
+          </a:effectRef>
+          <a:fontRef idx="minor">
+            <a:schemeClr val="lt1"/>
+          </a:fontRef>
+        </p:style>
+        <p:txBody>
+          <a:bodyPr rtlCol="0" anchor="ctr" anchorCtr="1"/>
+          <a:lstStyle/>
+          <a:p>
+            <a:pPr algn="ctr"/>
+            <a:r>
+              <a:rPr lang="en-US" altLang="zh-CN" sz="1600" smtClean="0">
+                <a:solidFill>
+                  <a:srgbClr val="FFFFFF"/>
+                </a:solidFill>
+                <a:latin typeface="Microsoft Yahei"/>
+                <a:ea typeface="Microsoft Yahei"/>
+                <a:sym typeface="Microsoft Yahei"/>
+              </a:rPr>
+              <a:t>A</a:t>
+            </a:r>
+            <a:endParaRPr lang="zh-CN" altLang="en-US" sz="1600">
+              <a:solidFill>
+                <a:srgbClr val="FFFFFF"/>
+              </a:solidFill>
+              <a:latin typeface="Microsoft Yahei"/>
+              <a:ea typeface="Microsoft Yahei"/>
+              <a:sym typeface="Microsoft Yahei"/>
+            </a:endParaRPr>
+          </a:p>
+        </p:txBody>
+      </p:sp>
+      <p:sp>
+        <p:nvSpPr>
+          <p:cNvPr id="11" name="椭圆 10"/>
+          <p:cNvSpPr>
+            <a:spLocks noChangeAspect="1"/>
+          </p:cNvSpPr>
+          <p:nvPr>
+            <p:custDataLst>
+              <p:tags r:id="rId7"/>
+            </p:custDataLst>
+          </p:nvPr>
+        </p:nvSpPr>
+        <p:spPr>
+          <a:xfrm>
+            <a:off x="1178719" y="2780705"/>
+            <a:ext cx="385762" cy="385762"/>
+          </a:xfrm>
+          <a:prstGeom prst="ellipse">
+            <a:avLst/>
+          </a:prstGeom>
+          <a:solidFill>
+            <a:srgbClr val="808080"/>
+          </a:solidFill>
+          <a:ln w="12700" cmpd="sng">
+            <a:solidFill>
+              <a:srgbClr val="000000"/>
+            </a:solidFill>
+            <a:prstDash val="solid"/>
+          </a:ln>
+        </p:spPr>
+        <p:style>
+          <a:lnRef idx="2">
+            <a:schemeClr val="accent1">
+              <a:shade val="50000"/>
+            </a:schemeClr>
+          </a:lnRef>
+          <a:fillRef idx="1">
+            <a:schemeClr val="accent1"/>
+          </a:fillRef>
+          <a:effectRef idx="0">
+            <a:schemeClr val="accent1"/>
+          </a:effectRef>
+          <a:fontRef idx="minor">
+            <a:schemeClr val="lt1"/>
+          </a:fontRef>
+        </p:style>
+        <p:txBody>
+          <a:bodyPr rtlCol="0" anchor="ctr" anchorCtr="1"/>
+          <a:lstStyle/>
+          <a:p>
+            <a:pPr algn="ctr"/>
+            <a:r>
+              <a:rPr lang="en-US" altLang="zh-CN" sz="1600" smtClean="0">
+                <a:solidFill>
+                  <a:srgbClr val="FFFFFF"/>
+                </a:solidFill>
+                <a:latin typeface="Microsoft Yahei"/>
+                <a:ea typeface="Microsoft Yahei"/>
+                <a:sym typeface="Microsoft Yahei"/>
+              </a:rPr>
+              <a:t>B</a:t>
+            </a:r>
+            <a:endParaRPr lang="zh-CN" altLang="en-US" sz="1600">
+              <a:solidFill>
+                <a:srgbClr val="FFFFFF"/>
+              </a:solidFill>
+              <a:latin typeface="Microsoft Yahei"/>
+              <a:ea typeface="Microsoft Yahei"/>
+              <a:sym typeface="Microsoft Yahei"/>
+            </a:endParaRPr>
+          </a:p>
+        </p:txBody>
+      </p:sp>
+      <p:sp>
+        <p:nvSpPr>
+          <p:cNvPr id="12" name="椭圆 11"/>
+          <p:cNvSpPr>
+            <a:spLocks noChangeAspect="1"/>
+          </p:cNvSpPr>
+          <p:nvPr>
+            <p:custDataLst>
+              <p:tags r:id="rId8"/>
+            </p:custDataLst>
+          </p:nvPr>
+        </p:nvSpPr>
+        <p:spPr>
+          <a:xfrm>
+            <a:off x="1178719" y="3423642"/>
+            <a:ext cx="385762" cy="385763"/>
+          </a:xfrm>
+          <a:prstGeom prst="ellipse">
+            <a:avLst/>
+          </a:prstGeom>
+          <a:solidFill>
+            <a:srgbClr val="808080"/>
+          </a:solidFill>
+          <a:ln w="12700" cmpd="sng">
+            <a:solidFill>
+              <a:srgbClr val="000000"/>
+            </a:solidFill>
+            <a:prstDash val="solid"/>
+          </a:ln>
+        </p:spPr>
+        <p:style>
+          <a:lnRef idx="2">
+            <a:schemeClr val="accent1">
+              <a:shade val="50000"/>
+            </a:schemeClr>
+          </a:lnRef>
+          <a:fillRef idx="1">
+            <a:schemeClr val="accent1"/>
+          </a:fillRef>
+          <a:effectRef idx="0">
+            <a:schemeClr val="accent1"/>
+          </a:effectRef>
+          <a:fontRef idx="minor">
+            <a:schemeClr val="lt1"/>
+          </a:fontRef>
+        </p:style>
+        <p:txBody>
+          <a:bodyPr rtlCol="0" anchor="ctr" anchorCtr="1"/>
+          <a:lstStyle/>
+          <a:p>
+            <a:pPr algn="ctr"/>
+            <a:r>
+              <a:rPr lang="en-US" altLang="zh-CN" sz="1600" smtClean="0">
+                <a:solidFill>
+                  <a:srgbClr val="FFFFFF"/>
+                </a:solidFill>
+                <a:latin typeface="Microsoft Yahei"/>
+                <a:ea typeface="Microsoft Yahei"/>
+                <a:sym typeface="Microsoft Yahei"/>
+              </a:rPr>
+              <a:t>C</a:t>
+            </a:r>
+            <a:endParaRPr lang="zh-CN" altLang="en-US" sz="1600">
+              <a:solidFill>
+                <a:srgbClr val="FFFFFF"/>
+              </a:solidFill>
+              <a:latin typeface="Microsoft Yahei"/>
+              <a:ea typeface="Microsoft Yahei"/>
+              <a:sym typeface="Microsoft Yahei"/>
+            </a:endParaRPr>
+          </a:p>
+        </p:txBody>
+      </p:sp>
+      <p:sp>
+        <p:nvSpPr>
+          <p:cNvPr id="14" name="圆角矩形 13"/>
+          <p:cNvSpPr/>
+          <p:nvPr>
+            <p:custDataLst>
+              <p:tags r:id="rId9"/>
+            </p:custDataLst>
+          </p:nvPr>
+        </p:nvSpPr>
+        <p:spPr>
+          <a:xfrm>
+            <a:off x="6686550" y="4661297"/>
+            <a:ext cx="1157288" cy="308610"/>
+          </a:xfrm>
+          <a:prstGeom prst="roundRect">
+            <a:avLst/>
+          </a:prstGeom>
+          <a:solidFill>
+            <a:srgbClr val="808080"/>
+          </a:solidFill>
+          <a:ln w="38100" cmpd="sng">
+            <a:solidFill>
+              <a:srgbClr val="000000"/>
+            </a:solidFill>
+            <a:prstDash val="solid"/>
+          </a:ln>
+        </p:spPr>
+        <p:style>
+          <a:lnRef idx="2">
+            <a:schemeClr val="accent1">
+              <a:shade val="50000"/>
+            </a:schemeClr>
+          </a:lnRef>
+          <a:fillRef idx="1">
+            <a:schemeClr val="accent1"/>
+          </a:fillRef>
+          <a:effectRef idx="0">
+            <a:schemeClr val="accent1"/>
+          </a:effectRef>
+          <a:fontRef idx="minor">
+            <a:schemeClr val="lt1"/>
+          </a:fontRef>
+        </p:style>
+        <p:txBody>
+          <a:bodyPr rtlCol="0" anchor="ctr" anchorCtr="1"/>
+          <a:lstStyle/>
+          <a:p>
+            <a:pPr algn="ctr"/>
+            <a:r>
+              <a:rPr lang="zh-CN" altLang="en-US" sz="1600" smtClean="0">
+                <a:solidFill>
+                  <a:srgbClr val="FFFFFF"/>
+                </a:solidFill>
+                <a:latin typeface="Microsoft Yahei"/>
+                <a:ea typeface="Microsoft Yahei"/>
+                <a:sym typeface="Microsoft Yahei"/>
+              </a:rPr>
+              <a:t>提交</a:t>
+            </a:r>
+            <a:endParaRPr lang="zh-CN" altLang="en-US" sz="1600">
+              <a:solidFill>
+                <a:srgbClr val="FFFFFF"/>
+              </a:solidFill>
+              <a:latin typeface="Microsoft Yahei"/>
+              <a:ea typeface="Microsoft Yahei"/>
+              <a:sym typeface="Microsoft Yahei"/>
+            </a:endParaRPr>
+          </a:p>
+        </p:txBody>
+      </p:sp>
+      <p:grpSp>
+        <p:nvGrpSpPr>
+          <p:cNvPr id="19" name="组合 18"/>
+          <p:cNvGrpSpPr/>
+          <p:nvPr>
+            <p:custDataLst>
+              <p:tags r:id="rId10"/>
+            </p:custDataLst>
+          </p:nvPr>
+        </p:nvGrpSpPr>
+        <p:grpSpPr>
+          <a:xfrm>
+            <a:off x="0" y="0"/>
+            <a:ext cx="9144000" cy="635000"/>
+            <a:chOff x="0" y="0"/>
+            <a:chExt cx="9144000" cy="635000"/>
+          </a:xfrm>
+        </p:grpSpPr>
+        <p:sp>
+          <p:nvSpPr>
+            <p:cNvPr id="15" name="TitleBackground"/>
+            <p:cNvSpPr/>
+            <p:nvPr>
+              <p:custDataLst>
+                <p:tags r:id="rId12"/>
+              </p:custDataLst>
+            </p:nvPr>
+          </p:nvSpPr>
+          <p:spPr>
+            <a:xfrm>
+              <a:off x="0" y="0"/>
+              <a:ext cx="9144000" cy="635000"/>
+            </a:xfrm>
+            <a:prstGeom prst="rect">
+              <a:avLst/>
+            </a:prstGeom>
+            <a:solidFill>
+              <a:srgbClr val="F6F7F8"/>
+            </a:solidFill>
+            <a:ln w="25400" cap="flat" cmpd="sng" algn="ctr">
+              <a:noFill/>
+              <a:prstDash val="solid"/>
+            </a:ln>
+            <a:effectLst/>
+            <a:extLst>
+              <a:ext uri="{91240B29-F687-4F45-9708-019B960494DF}">
+                <a14:hiddenLine xmlns:a14="http://schemas.microsoft.com/office/drawing/2010/main" w="25400" cap="flat" cmpd="sng" algn="ctr">
+                  <a:solidFill>
+                    <a:schemeClr val="accent1">
+                      <a:shade val="50000"/>
+                    </a:schemeClr>
+                  </a:solidFill>
+                  <a:prstDash val="solid"/>
+                </a14:hiddenLine>
+              </a:ext>
+            </a:extLst>
+          </p:spPr>
+          <p:style>
+            <a:lnRef idx="2">
+              <a:schemeClr val="accent1">
+                <a:shade val="50000"/>
+              </a:schemeClr>
+            </a:lnRef>
+            <a:fillRef idx="1">
+              <a:schemeClr val="accent1"/>
+            </a:fillRef>
+            <a:effectRef idx="0">
+              <a:schemeClr val="accent1"/>
+            </a:effectRef>
+            <a:fontRef idx="minor">
+              <a:schemeClr val="lt1"/>
+            </a:fontRef>
+          </p:style>
+          <p:txBody>
+            <a:bodyPr rtlCol="0" anchor="ctr"/>
+            <a:lstStyle/>
+            <a:p>
+              <a:pPr algn="ctr"/>
+              <a:endParaRPr lang="zh-CN" altLang="en-US"/>
+            </a:p>
+          </p:txBody>
+        </p:sp>
+        <p:sp>
+          <p:nvSpPr>
+            <p:cNvPr id="16" name="ColorBlock"/>
+            <p:cNvSpPr/>
+            <p:nvPr>
+              <p:custDataLst>
+                <p:tags r:id="rId13"/>
+              </p:custDataLst>
+            </p:nvPr>
+          </p:nvSpPr>
+          <p:spPr>
+            <a:xfrm>
+              <a:off x="0" y="0"/>
+              <a:ext cx="190500" cy="635000"/>
+            </a:xfrm>
+            <a:prstGeom prst="rect">
+              <a:avLst/>
+            </a:prstGeom>
+            <a:solidFill>
+              <a:srgbClr val="639EF4"/>
+            </a:solidFill>
+            <a:ln w="25400" cap="flat" cmpd="sng" algn="ctr">
+              <a:noFill/>
+              <a:prstDash val="solid"/>
+            </a:ln>
+            <a:effectLst/>
+            <a:extLst>
+              <a:ext uri="{91240B29-F687-4F45-9708-019B960494DF}">
+                <a14:hiddenLine xmlns:a14="http://schemas.microsoft.com/office/drawing/2010/main" w="25400" cap="flat" cmpd="sng" algn="ctr">
+                  <a:solidFill>
+                    <a:schemeClr val="accent1">
+                      <a:shade val="50000"/>
+                    </a:schemeClr>
+                  </a:solidFill>
+                  <a:prstDash val="solid"/>
+                </a14:hiddenLine>
+              </a:ext>
+            </a:extLst>
+          </p:spPr>
+          <p:style>
+            <a:lnRef idx="2">
+              <a:schemeClr val="accent1">
+                <a:shade val="50000"/>
+              </a:schemeClr>
+            </a:lnRef>
+            <a:fillRef idx="1">
+              <a:schemeClr val="accent1"/>
+            </a:fillRef>
+            <a:effectRef idx="0">
+              <a:schemeClr val="accent1"/>
+            </a:effectRef>
+            <a:fontRef idx="minor">
+              <a:schemeClr val="lt1"/>
+            </a:fontRef>
+          </p:style>
+          <p:txBody>
+            <a:bodyPr rtlCol="0" anchor="ctr"/>
+            <a:lstStyle/>
+            <a:p>
+              <a:pPr algn="ctr"/>
+              <a:endParaRPr lang="zh-CN" altLang="en-US"/>
+            </a:p>
+          </p:txBody>
+        </p:sp>
+        <p:sp>
+          <p:nvSpPr>
+            <p:cNvPr id="17" name="TypeText"/>
+            <p:cNvSpPr txBox="1"/>
+            <p:nvPr>
+              <p:custDataLst>
+                <p:tags r:id="rId14"/>
+              </p:custDataLst>
+            </p:nvPr>
+          </p:nvSpPr>
+          <p:spPr>
+            <a:xfrm>
+              <a:off x="254000" y="0"/>
+              <a:ext cx="1905000" cy="635000"/>
+            </a:xfrm>
+            <a:prstGeom prst="rect">
+              <a:avLst/>
+            </a:prstGeom>
+            <a:noFill/>
+          </p:spPr>
+          <p:txBody>
+            <a:bodyPr vert="horz" wrap="none" rtlCol="0" anchor="ctr" anchorCtr="0">
+              <a:noAutofit/>
+            </a:bodyPr>
+            <a:lstStyle/>
+            <a:p>
+              <a:r>
+                <a:rPr lang="zh-CN" altLang="en-US" sz="2600" smtClean="0">
+                  <a:solidFill>
+                    <a:srgbClr val="000000"/>
+                  </a:solidFill>
+                  <a:latin typeface="Microsoft Yahei"/>
+                  <a:ea typeface="Microsoft Yahei"/>
+                  <a:sym typeface="Microsoft Yahei"/>
+                </a:rPr>
+                <a:t>单选题</a:t>
+              </a:r>
+              <a:endParaRPr lang="zh-CN" altLang="en-US" sz="2600">
+                <a:solidFill>
+                  <a:srgbClr val="000000"/>
+                </a:solidFill>
+                <a:latin typeface="Microsoft Yahei"/>
+                <a:ea typeface="Microsoft Yahei"/>
+                <a:sym typeface="Microsoft Yahei"/>
+              </a:endParaRPr>
+            </a:p>
+          </p:txBody>
+        </p:sp>
+        <p:sp>
+          <p:nvSpPr>
+            <p:cNvPr id="18" name="TipText"/>
+            <p:cNvSpPr txBox="1"/>
+            <p:nvPr>
+              <p:custDataLst>
+                <p:tags r:id="rId15"/>
+              </p:custDataLst>
+            </p:nvPr>
+          </p:nvSpPr>
+          <p:spPr>
+            <a:xfrm>
+              <a:off x="1525905" y="109220"/>
+              <a:ext cx="2286000" cy="508000"/>
+            </a:xfrm>
+            <a:prstGeom prst="rect">
+              <a:avLst/>
+            </a:prstGeom>
+            <a:noFill/>
+          </p:spPr>
+          <p:txBody>
+            <a:bodyPr vert="horz" wrap="none" rtlCol="0" anchor="ctr" anchorCtr="0">
+              <a:noAutofit/>
+            </a:bodyPr>
+            <a:lstStyle/>
+            <a:p>
+              <a:r>
+                <a:rPr lang="en-US" altLang="zh-CN" sz="2000" smtClean="0">
+                  <a:solidFill>
+                    <a:srgbClr val="808080"/>
+                  </a:solidFill>
+                  <a:latin typeface="Microsoft Yahei"/>
+                  <a:ea typeface="Microsoft Yahei"/>
+                  <a:sym typeface="Microsoft Yahei"/>
+                </a:rPr>
+                <a:t>1</a:t>
+              </a:r>
+              <a:r>
+                <a:rPr lang="zh-CN" altLang="en-US" sz="2000" smtClean="0">
+                  <a:solidFill>
+                    <a:srgbClr val="808080"/>
+                  </a:solidFill>
+                  <a:latin typeface="Microsoft Yahei"/>
+                  <a:ea typeface="Microsoft Yahei"/>
+                  <a:sym typeface="Microsoft Yahei"/>
+                </a:rPr>
+                <a:t>分</a:t>
+              </a:r>
+              <a:endParaRPr lang="zh-CN" altLang="en-US" sz="2000">
+                <a:solidFill>
+                  <a:srgbClr val="808080"/>
+                </a:solidFill>
+                <a:latin typeface="Microsoft Yahei"/>
+                <a:ea typeface="Microsoft Yahei"/>
+                <a:sym typeface="Microsoft Yahei"/>
+              </a:endParaRPr>
+            </a:p>
+          </p:txBody>
+        </p:sp>
+      </p:grpSp>
+      <p:pic>
+        <p:nvPicPr>
+          <p:cNvPr id="4" name="图片 3"/>
+          <p:cNvPicPr>
+            <a:picLocks/>
+          </p:cNvPicPr>
+          <p:nvPr>
+            <p:custDataLst>
+              <p:tags r:id="rId11"/>
+            </p:custDataLst>
+          </p:nvPr>
+        </p:nvPicPr>
+        <p:blipFill>
+          <a:blip r:embed="rId17">
+            <a:extLst>
+              <a:ext uri="{28A0092B-C50C-407E-A947-70E740481C1C}">
+                <a14:useLocalDpi xmlns:a14="http://schemas.microsoft.com/office/drawing/2010/main" val="0"/>
+              </a:ext>
+            </a:extLst>
+          </a:blip>
+          <a:stretch>
+            <a:fillRect/>
+          </a:stretch>
+        </p:blipFill>
+        <p:spPr>
+          <a:xfrm>
+            <a:off x="7594600" y="63500"/>
+            <a:ext cx="1422400" cy="508000"/>
+          </a:xfrm>
+          <a:prstGeom prst="rect">
+            <a:avLst/>
+          </a:prstGeom>
+        </p:spPr>
+      </p:pic>
+    </p:spTree>
+    <p:custDataLst>
+      <p:tags r:id="rId1"/>
+    </p:custDataLst>
+    <p:extLst>
+      <p:ext uri="{BB962C8B-B14F-4D97-AF65-F5344CB8AC3E}">
+        <p14:creationId xmlns:p14="http://schemas.microsoft.com/office/powerpoint/2010/main" val="3148157807"/>
+      </p:ext>
+    </p:extLst>
+  </p:cSld>
+  <p:clrMapOvr>
+    <a:masterClrMapping/>
+  </p:clrMapOvr>
+  <p:timing>
+    <p:tnLst>
+      <p:par>
+        <p:cTn id="1" dur="indefinite" restart="never" nodeType="tmRoot"/>
+      </p:par>
+    </p:tnLst>
+  </p:timing>
+</p:sld>
+</file>
+
+<file path=ppt/slides/slide13.xml><?xml version="1.0" encoding="utf-8"?>
 <p:sld xmlns:a="http://schemas.openxmlformats.org/drawingml/2006/main" xmlns:r="http://schemas.openxmlformats.org/officeDocument/2006/relationships" xmlns:p="http://schemas.openxmlformats.org/presentationml/2006/main">
   <p:cSld>
     <p:spTree>
@@ -4609,10 +5714,17 @@
   <p:clrMapOvr>
     <a:masterClrMapping/>
   </p:clrMapOvr>
+  <p:timing>
+    <p:tnLst>
+      <p:par>
+        <p:cTn id="1" dur="indefinite" restart="never" nodeType="tmRoot"/>
+      </p:par>
+    </p:tnLst>
+  </p:timing>
 </p:sld>
 </file>
 
-<file path=ppt/slides/slide11.xml><?xml version="1.0" encoding="utf-8"?>
+<file path=ppt/slides/slide14.xml><?xml version="1.0" encoding="utf-8"?>
 <p:sld xmlns:a="http://schemas.openxmlformats.org/drawingml/2006/main" xmlns:r="http://schemas.openxmlformats.org/officeDocument/2006/relationships" xmlns:p="http://schemas.openxmlformats.org/presentationml/2006/main">
   <p:cSld>
     <p:spTree>
@@ -4739,10 +5851,17 @@
   <p:clrMapOvr>
     <a:masterClrMapping/>
   </p:clrMapOvr>
+  <p:timing>
+    <p:tnLst>
+      <p:par>
+        <p:cTn id="1" dur="indefinite" restart="never" nodeType="tmRoot"/>
+      </p:par>
+    </p:tnLst>
+  </p:timing>
 </p:sld>
 </file>
 
-<file path=ppt/slides/slide12.xml><?xml version="1.0" encoding="utf-8"?>
+<file path=ppt/slides/slide15.xml><?xml version="1.0" encoding="utf-8"?>
 <p:sld xmlns:a="http://schemas.openxmlformats.org/drawingml/2006/main" xmlns:r="http://schemas.openxmlformats.org/officeDocument/2006/relationships" xmlns:p="http://schemas.openxmlformats.org/presentationml/2006/main">
   <p:cSld>
     <p:spTree>
@@ -5001,10 +6120,17 @@
   <p:clrMapOvr>
     <a:masterClrMapping/>
   </p:clrMapOvr>
+  <p:timing>
+    <p:tnLst>
+      <p:par>
+        <p:cTn id="1" dur="indefinite" restart="never" nodeType="tmRoot"/>
+      </p:par>
+    </p:tnLst>
+  </p:timing>
 </p:sld>
 </file>
 
-<file path=ppt/slides/slide13.xml><?xml version="1.0" encoding="utf-8"?>
+<file path=ppt/slides/slide16.xml><?xml version="1.0" encoding="utf-8"?>
 <p:sld xmlns:a="http://schemas.openxmlformats.org/drawingml/2006/main" xmlns:r="http://schemas.openxmlformats.org/officeDocument/2006/relationships" xmlns:p="http://schemas.openxmlformats.org/presentationml/2006/main">
   <p:cSld>
     <p:spTree>
@@ -5448,10 +6574,17 @@
   <p:clrMapOvr>
     <a:masterClrMapping/>
   </p:clrMapOvr>
+  <p:timing>
+    <p:tnLst>
+      <p:par>
+        <p:cTn id="1" dur="indefinite" restart="never" nodeType="tmRoot"/>
+      </p:par>
+    </p:tnLst>
+  </p:timing>
 </p:sld>
 </file>
 
-<file path=ppt/slides/slide14.xml><?xml version="1.0" encoding="utf-8"?>
+<file path=ppt/slides/slide17.xml><?xml version="1.0" encoding="utf-8"?>
 <p:sld xmlns:a="http://schemas.openxmlformats.org/drawingml/2006/main" xmlns:r="http://schemas.openxmlformats.org/officeDocument/2006/relationships" xmlns:p="http://schemas.openxmlformats.org/presentationml/2006/main">
   <p:cSld>
     <p:spTree>
@@ -5580,10 +6713,17 @@
   <p:clrMapOvr>
     <a:masterClrMapping/>
   </p:clrMapOvr>
+  <p:timing>
+    <p:tnLst>
+      <p:par>
+        <p:cTn id="1" dur="indefinite" restart="never" nodeType="tmRoot"/>
+      </p:par>
+    </p:tnLst>
+  </p:timing>
 </p:sld>
 </file>
 
-<file path=ppt/slides/slide15.xml><?xml version="1.0" encoding="utf-8"?>
+<file path=ppt/slides/slide18.xml><?xml version="1.0" encoding="utf-8"?>
 <p:sld xmlns:a="http://schemas.openxmlformats.org/drawingml/2006/main" xmlns:r="http://schemas.openxmlformats.org/officeDocument/2006/relationships" xmlns:p="http://schemas.openxmlformats.org/presentationml/2006/main">
   <p:cSld>
     <p:spTree>
@@ -5662,10 +6802,17 @@
   <p:clrMapOvr>
     <a:masterClrMapping/>
   </p:clrMapOvr>
+  <p:timing>
+    <p:tnLst>
+      <p:par>
+        <p:cTn id="1" dur="indefinite" restart="never" nodeType="tmRoot"/>
+      </p:par>
+    </p:tnLst>
+  </p:timing>
 </p:sld>
 </file>
 
-<file path=ppt/slides/slide16.xml><?xml version="1.0" encoding="utf-8"?>
+<file path=ppt/slides/slide19.xml><?xml version="1.0" encoding="utf-8"?>
 <p:sld xmlns:a="http://schemas.openxmlformats.org/drawingml/2006/main" xmlns:r="http://schemas.openxmlformats.org/officeDocument/2006/relationships" xmlns:p="http://schemas.openxmlformats.org/presentationml/2006/main">
   <p:cSld>
     <p:spTree>
@@ -5830,10 +6977,208 @@
   <p:clrMapOvr>
     <a:masterClrMapping/>
   </p:clrMapOvr>
+  <p:timing>
+    <p:tnLst>
+      <p:par>
+        <p:cTn id="1" dur="indefinite" restart="never" nodeType="tmRoot"/>
+      </p:par>
+    </p:tnLst>
+  </p:timing>
 </p:sld>
 </file>
 
-<file path=ppt/slides/slide17.xml><?xml version="1.0" encoding="utf-8"?>
+<file path=ppt/slides/slide2.xml><?xml version="1.0" encoding="utf-8"?>
+<p:sld xmlns:a="http://schemas.openxmlformats.org/drawingml/2006/main" xmlns:r="http://schemas.openxmlformats.org/officeDocument/2006/relationships" xmlns:p="http://schemas.openxmlformats.org/presentationml/2006/main">
+  <p:cSld>
+    <p:spTree>
+      <p:nvGrpSpPr>
+        <p:cNvPr id="1" name=""/>
+        <p:cNvGrpSpPr/>
+        <p:nvPr/>
+      </p:nvGrpSpPr>
+      <p:grpSpPr>
+        <a:xfrm>
+          <a:off x="0" y="0"/>
+          <a:ext cx="0" cy="0"/>
+          <a:chOff x="0" y="0"/>
+          <a:chExt cx="0" cy="0"/>
+        </a:xfrm>
+      </p:grpSpPr>
+      <p:sp>
+        <p:nvSpPr>
+          <p:cNvPr id="2" name="标题 1"/>
+          <p:cNvSpPr>
+            <a:spLocks noGrp="1"/>
+          </p:cNvSpPr>
+          <p:nvPr>
+            <p:ph type="title"/>
+          </p:nvPr>
+        </p:nvSpPr>
+        <p:spPr/>
+        <p:txBody>
+          <a:bodyPr/>
+          <a:lstStyle/>
+          <a:p>
+            <a:r>
+              <a:rPr lang="zh-CN" altLang="en-US" dirty="0" smtClean="0"/>
+              <a:t>大纲</a:t>
+            </a:r>
+            <a:endParaRPr lang="zh-CN" altLang="en-US" dirty="0"/>
+          </a:p>
+        </p:txBody>
+      </p:sp>
+      <p:sp>
+        <p:nvSpPr>
+          <p:cNvPr id="3" name="内容占位符 2"/>
+          <p:cNvSpPr>
+            <a:spLocks noGrp="1"/>
+          </p:cNvSpPr>
+          <p:nvPr>
+            <p:ph idx="1"/>
+          </p:nvPr>
+        </p:nvSpPr>
+        <p:spPr/>
+        <p:txBody>
+          <a:bodyPr>
+            <a:normAutofit fontScale="70000" lnSpcReduction="20000"/>
+          </a:bodyPr>
+          <a:lstStyle/>
+          <a:p>
+            <a:r>
+              <a:rPr lang="zh-CN" altLang="zh-CN" dirty="0" smtClean="0"/>
+              <a:t>碰撞</a:t>
+            </a:r>
+            <a:r>
+              <a:rPr lang="zh-CN" altLang="zh-CN" dirty="0"/>
+              <a:t>检测的基本原理</a:t>
+            </a:r>
+            <a:r>
+              <a:rPr lang="en-US" altLang="zh-CN" dirty="0"/>
+              <a:t>	</a:t>
+            </a:r>
+            <a:endParaRPr lang="zh-CN" altLang="zh-CN" dirty="0"/>
+          </a:p>
+          <a:p>
+            <a:r>
+              <a:rPr lang="zh-CN" altLang="zh-CN" dirty="0"/>
+              <a:t>包围球体</a:t>
+            </a:r>
+            <a:r>
+              <a:rPr lang="en-US" altLang="zh-CN" dirty="0"/>
+              <a:t>	</a:t>
+            </a:r>
+            <a:endParaRPr lang="zh-CN" altLang="zh-CN" dirty="0"/>
+          </a:p>
+          <a:p>
+            <a:r>
+              <a:rPr lang="en-US" altLang="zh-CN" dirty="0"/>
+              <a:t>AABB</a:t>
+            </a:r>
+            <a:r>
+              <a:rPr lang="zh-CN" altLang="zh-CN" dirty="0"/>
+              <a:t>包围盒</a:t>
+            </a:r>
+          </a:p>
+          <a:p>
+            <a:r>
+              <a:rPr lang="en-US" altLang="zh-CN" dirty="0"/>
+              <a:t>OBB</a:t>
+            </a:r>
+            <a:r>
+              <a:rPr lang="zh-CN" altLang="zh-CN" dirty="0"/>
+              <a:t>包围盒</a:t>
+            </a:r>
+            <a:r>
+              <a:rPr lang="en-US" altLang="zh-CN" dirty="0"/>
+              <a:t>	</a:t>
+            </a:r>
+            <a:endParaRPr lang="zh-CN" altLang="zh-CN" dirty="0"/>
+          </a:p>
+          <a:p>
+            <a:r>
+              <a:rPr lang="en-US" altLang="zh-CN" dirty="0"/>
+              <a:t>k-DOP</a:t>
+            </a:r>
+            <a:r>
+              <a:rPr lang="zh-CN" altLang="zh-CN" dirty="0"/>
+              <a:t>包围体</a:t>
+            </a:r>
+            <a:r>
+              <a:rPr lang="en-US" altLang="zh-CN" dirty="0"/>
+              <a:t>	</a:t>
+            </a:r>
+            <a:endParaRPr lang="zh-CN" altLang="zh-CN" dirty="0"/>
+          </a:p>
+          <a:p>
+            <a:r>
+              <a:rPr lang="zh-CN" altLang="zh-CN" dirty="0"/>
+              <a:t>线面相交测试</a:t>
+            </a:r>
+            <a:r>
+              <a:rPr lang="en-US" altLang="zh-CN" dirty="0"/>
+              <a:t>	</a:t>
+            </a:r>
+            <a:endParaRPr lang="zh-CN" altLang="zh-CN" dirty="0"/>
+          </a:p>
+          <a:p>
+            <a:r>
+              <a:rPr lang="zh-CN" altLang="zh-CN" dirty="0"/>
+              <a:t>直线与三角形相交测试</a:t>
+            </a:r>
+            <a:r>
+              <a:rPr lang="en-US" altLang="zh-CN" dirty="0"/>
+              <a:t>	</a:t>
+            </a:r>
+            <a:endParaRPr lang="zh-CN" altLang="zh-CN" dirty="0"/>
+          </a:p>
+          <a:p>
+            <a:r>
+              <a:rPr lang="zh-CN" altLang="zh-CN" dirty="0"/>
+              <a:t>三角形相交测试</a:t>
+            </a:r>
+            <a:r>
+              <a:rPr lang="en-US" altLang="zh-CN" dirty="0"/>
+              <a:t>	</a:t>
+            </a:r>
+            <a:endParaRPr lang="zh-CN" altLang="zh-CN" dirty="0"/>
+          </a:p>
+          <a:p>
+            <a:r>
+              <a:rPr lang="zh-CN" altLang="zh-CN" dirty="0"/>
+              <a:t>平面相交测试</a:t>
+            </a:r>
+            <a:r>
+              <a:rPr lang="en-US" altLang="zh-CN"/>
+              <a:t>	</a:t>
+            </a:r>
+            <a:endParaRPr lang="zh-CN" altLang="zh-CN" dirty="0"/>
+          </a:p>
+          <a:p>
+            <a:endParaRPr lang="zh-CN" altLang="en-US" dirty="0"/>
+          </a:p>
+        </p:txBody>
+      </p:sp>
+    </p:spTree>
+    <p:extLst>
+      <p:ext uri="{BB962C8B-B14F-4D97-AF65-F5344CB8AC3E}">
+        <p14:creationId xmlns:p14="http://schemas.microsoft.com/office/powerpoint/2010/main" val="2338612005"/>
+      </p:ext>
+    </p:extLst>
+  </p:cSld>
+  <p:clrMapOvr>
+    <a:masterClrMapping/>
+  </p:clrMapOvr>
+  <p:timing>
+    <p:tnLst>
+      <p:par>
+        <p:cTn id="1" dur="indefinite" restart="never" nodeType="tmRoot"/>
+      </p:par>
+    </p:tnLst>
+  </p:timing>
+</p:sld>
+</file>
+
+<file path=ppt/slides/slide20.xml><?xml version="1.0" encoding="utf-8"?>
 <p:sld xmlns:a="http://schemas.openxmlformats.org/drawingml/2006/main" xmlns:r="http://schemas.openxmlformats.org/officeDocument/2006/relationships" xmlns:p="http://schemas.openxmlformats.org/presentationml/2006/main">
   <p:cSld>
     <p:spTree>
@@ -6092,10 +7437,17 @@
   <p:clrMapOvr>
     <a:masterClrMapping/>
   </p:clrMapOvr>
+  <p:timing>
+    <p:tnLst>
+      <p:par>
+        <p:cTn id="1" dur="indefinite" restart="never" nodeType="tmRoot"/>
+      </p:par>
+    </p:tnLst>
+  </p:timing>
 </p:sld>
 </file>
 
-<file path=ppt/slides/slide18.xml><?xml version="1.0" encoding="utf-8"?>
+<file path=ppt/slides/slide21.xml><?xml version="1.0" encoding="utf-8"?>
 <p:sld xmlns:a="http://schemas.openxmlformats.org/drawingml/2006/main" xmlns:r="http://schemas.openxmlformats.org/officeDocument/2006/relationships" xmlns:p="http://schemas.openxmlformats.org/presentationml/2006/main">
   <p:cSld>
     <p:spTree>
@@ -6573,10 +7925,17 @@
   <p:clrMapOvr>
     <a:masterClrMapping/>
   </p:clrMapOvr>
+  <p:timing>
+    <p:tnLst>
+      <p:par>
+        <p:cTn id="1" dur="indefinite" restart="never" nodeType="tmRoot"/>
+      </p:par>
+    </p:tnLst>
+  </p:timing>
 </p:sld>
 </file>
 
-<file path=ppt/slides/slide19.xml><?xml version="1.0" encoding="utf-8"?>
+<file path=ppt/slides/slide22.xml><?xml version="1.0" encoding="utf-8"?>
 <p:sld xmlns:a="http://schemas.openxmlformats.org/drawingml/2006/main" xmlns:r="http://schemas.openxmlformats.org/officeDocument/2006/relationships" xmlns:p="http://schemas.openxmlformats.org/presentationml/2006/main">
   <p:cSld>
     <p:spTree>
@@ -6705,194 +8064,17 @@
   <p:clrMapOvr>
     <a:masterClrMapping/>
   </p:clrMapOvr>
+  <p:timing>
+    <p:tnLst>
+      <p:par>
+        <p:cTn id="1" dur="indefinite" restart="never" nodeType="tmRoot"/>
+      </p:par>
+    </p:tnLst>
+  </p:timing>
 </p:sld>
 </file>
 
-<file path=ppt/slides/slide2.xml><?xml version="1.0" encoding="utf-8"?>
-<p:sld xmlns:a="http://schemas.openxmlformats.org/drawingml/2006/main" xmlns:r="http://schemas.openxmlformats.org/officeDocument/2006/relationships" xmlns:p="http://schemas.openxmlformats.org/presentationml/2006/main">
-  <p:cSld>
-    <p:spTree>
-      <p:nvGrpSpPr>
-        <p:cNvPr id="1" name=""/>
-        <p:cNvGrpSpPr/>
-        <p:nvPr/>
-      </p:nvGrpSpPr>
-      <p:grpSpPr>
-        <a:xfrm>
-          <a:off x="0" y="0"/>
-          <a:ext cx="0" cy="0"/>
-          <a:chOff x="0" y="0"/>
-          <a:chExt cx="0" cy="0"/>
-        </a:xfrm>
-      </p:grpSpPr>
-      <p:sp>
-        <p:nvSpPr>
-          <p:cNvPr id="2" name="标题 1"/>
-          <p:cNvSpPr>
-            <a:spLocks noGrp="1"/>
-          </p:cNvSpPr>
-          <p:nvPr>
-            <p:ph type="title"/>
-          </p:nvPr>
-        </p:nvSpPr>
-        <p:spPr/>
-        <p:txBody>
-          <a:bodyPr/>
-          <a:lstStyle/>
-          <a:p>
-            <a:r>
-              <a:rPr lang="zh-CN" altLang="en-US" dirty="0" smtClean="0"/>
-              <a:t>大纲</a:t>
-            </a:r>
-            <a:endParaRPr lang="zh-CN" altLang="en-US" dirty="0"/>
-          </a:p>
-        </p:txBody>
-      </p:sp>
-      <p:sp>
-        <p:nvSpPr>
-          <p:cNvPr id="3" name="内容占位符 2"/>
-          <p:cNvSpPr>
-            <a:spLocks noGrp="1"/>
-          </p:cNvSpPr>
-          <p:nvPr>
-            <p:ph idx="1"/>
-          </p:nvPr>
-        </p:nvSpPr>
-        <p:spPr/>
-        <p:txBody>
-          <a:bodyPr>
-            <a:normAutofit fontScale="70000" lnSpcReduction="20000"/>
-          </a:bodyPr>
-          <a:lstStyle/>
-          <a:p>
-            <a:r>
-              <a:rPr lang="zh-CN" altLang="zh-CN" dirty="0" smtClean="0"/>
-              <a:t>碰撞</a:t>
-            </a:r>
-            <a:r>
-              <a:rPr lang="zh-CN" altLang="zh-CN" dirty="0"/>
-              <a:t>检测的基本原理</a:t>
-            </a:r>
-            <a:r>
-              <a:rPr lang="en-US" altLang="zh-CN" dirty="0"/>
-              <a:t>	</a:t>
-            </a:r>
-            <a:endParaRPr lang="zh-CN" altLang="zh-CN" dirty="0"/>
-          </a:p>
-          <a:p>
-            <a:r>
-              <a:rPr lang="zh-CN" altLang="zh-CN" dirty="0"/>
-              <a:t>包围球体</a:t>
-            </a:r>
-            <a:r>
-              <a:rPr lang="en-US" altLang="zh-CN" dirty="0"/>
-              <a:t>	</a:t>
-            </a:r>
-            <a:endParaRPr lang="zh-CN" altLang="zh-CN" dirty="0"/>
-          </a:p>
-          <a:p>
-            <a:r>
-              <a:rPr lang="en-US" altLang="zh-CN" dirty="0"/>
-              <a:t>AABB</a:t>
-            </a:r>
-            <a:r>
-              <a:rPr lang="zh-CN" altLang="zh-CN" dirty="0"/>
-              <a:t>包围盒</a:t>
-            </a:r>
-          </a:p>
-          <a:p>
-            <a:r>
-              <a:rPr lang="en-US" altLang="zh-CN" dirty="0"/>
-              <a:t>OBB</a:t>
-            </a:r>
-            <a:r>
-              <a:rPr lang="zh-CN" altLang="zh-CN" dirty="0"/>
-              <a:t>包围盒</a:t>
-            </a:r>
-            <a:r>
-              <a:rPr lang="en-US" altLang="zh-CN" dirty="0"/>
-              <a:t>	</a:t>
-            </a:r>
-            <a:endParaRPr lang="zh-CN" altLang="zh-CN" dirty="0"/>
-          </a:p>
-          <a:p>
-            <a:r>
-              <a:rPr lang="en-US" altLang="zh-CN" dirty="0"/>
-              <a:t>k-DOP</a:t>
-            </a:r>
-            <a:r>
-              <a:rPr lang="zh-CN" altLang="zh-CN" dirty="0"/>
-              <a:t>包围体</a:t>
-            </a:r>
-            <a:r>
-              <a:rPr lang="en-US" altLang="zh-CN" dirty="0"/>
-              <a:t>	</a:t>
-            </a:r>
-            <a:endParaRPr lang="zh-CN" altLang="zh-CN" dirty="0"/>
-          </a:p>
-          <a:p>
-            <a:r>
-              <a:rPr lang="zh-CN" altLang="zh-CN" dirty="0"/>
-              <a:t>线面相交测试</a:t>
-            </a:r>
-            <a:r>
-              <a:rPr lang="en-US" altLang="zh-CN" dirty="0"/>
-              <a:t>	</a:t>
-            </a:r>
-            <a:endParaRPr lang="zh-CN" altLang="zh-CN" dirty="0"/>
-          </a:p>
-          <a:p>
-            <a:r>
-              <a:rPr lang="zh-CN" altLang="zh-CN" dirty="0"/>
-              <a:t>直线与三角形相交测试</a:t>
-            </a:r>
-            <a:r>
-              <a:rPr lang="en-US" altLang="zh-CN" dirty="0"/>
-              <a:t>	</a:t>
-            </a:r>
-            <a:endParaRPr lang="zh-CN" altLang="zh-CN" dirty="0"/>
-          </a:p>
-          <a:p>
-            <a:r>
-              <a:rPr lang="zh-CN" altLang="zh-CN" dirty="0"/>
-              <a:t>三角形相交测试</a:t>
-            </a:r>
-            <a:r>
-              <a:rPr lang="en-US" altLang="zh-CN" dirty="0"/>
-              <a:t>	</a:t>
-            </a:r>
-            <a:endParaRPr lang="zh-CN" altLang="zh-CN" dirty="0"/>
-          </a:p>
-          <a:p>
-            <a:r>
-              <a:rPr lang="zh-CN" altLang="zh-CN" dirty="0"/>
-              <a:t>平面相交测试</a:t>
-            </a:r>
-            <a:r>
-              <a:rPr lang="en-US" altLang="zh-CN"/>
-              <a:t>	</a:t>
-            </a:r>
-            <a:endParaRPr lang="zh-CN" altLang="zh-CN" dirty="0"/>
-          </a:p>
-          <a:p>
-            <a:endParaRPr lang="zh-CN" altLang="en-US" dirty="0"/>
-          </a:p>
-        </p:txBody>
-      </p:sp>
-    </p:spTree>
-    <p:extLst>
-      <p:ext uri="{BB962C8B-B14F-4D97-AF65-F5344CB8AC3E}">
-        <p14:creationId xmlns:p14="http://schemas.microsoft.com/office/powerpoint/2010/main" val="2338612005"/>
-      </p:ext>
-    </p:extLst>
-  </p:cSld>
-  <p:clrMapOvr>
-    <a:masterClrMapping/>
-  </p:clrMapOvr>
-</p:sld>
-</file>
-
-<file path=ppt/slides/slide20.xml><?xml version="1.0" encoding="utf-8"?>
+<file path=ppt/slides/slide23.xml><?xml version="1.0" encoding="utf-8"?>
 <p:sld xmlns:a="http://schemas.openxmlformats.org/drawingml/2006/main" xmlns:r="http://schemas.openxmlformats.org/officeDocument/2006/relationships" xmlns:p="http://schemas.openxmlformats.org/presentationml/2006/main">
   <p:cSld>
     <p:spTree>
@@ -7388,10 +8570,17 @@
   <p:clrMapOvr>
     <a:masterClrMapping/>
   </p:clrMapOvr>
+  <p:timing>
+    <p:tnLst>
+      <p:par>
+        <p:cTn id="1" dur="indefinite" restart="never" nodeType="tmRoot"/>
+      </p:par>
+    </p:tnLst>
+  </p:timing>
 </p:sld>
 </file>
 
-<file path=ppt/slides/slide21.xml><?xml version="1.0" encoding="utf-8"?>
+<file path=ppt/slides/slide24.xml><?xml version="1.0" encoding="utf-8"?>
 <p:sld xmlns:a="http://schemas.openxmlformats.org/drawingml/2006/main" xmlns:r="http://schemas.openxmlformats.org/officeDocument/2006/relationships" xmlns:p="http://schemas.openxmlformats.org/presentationml/2006/main">
   <p:cSld>
     <p:spTree>
@@ -7520,10 +8709,17 @@
   <p:clrMapOvr>
     <a:masterClrMapping/>
   </p:clrMapOvr>
+  <p:timing>
+    <p:tnLst>
+      <p:par>
+        <p:cTn id="1" dur="indefinite" restart="never" nodeType="tmRoot"/>
+      </p:par>
+    </p:tnLst>
+  </p:timing>
 </p:sld>
 </file>
 
-<file path=ppt/slides/slide22.xml><?xml version="1.0" encoding="utf-8"?>
+<file path=ppt/slides/slide25.xml><?xml version="1.0" encoding="utf-8"?>
 <p:sld xmlns:a="http://schemas.openxmlformats.org/drawingml/2006/main" xmlns:r="http://schemas.openxmlformats.org/officeDocument/2006/relationships" xmlns:p="http://schemas.openxmlformats.org/presentationml/2006/main">
   <p:cSld>
     <p:spTree>
@@ -7976,10 +9172,17 @@
   <p:clrMapOvr>
     <a:masterClrMapping/>
   </p:clrMapOvr>
+  <p:timing>
+    <p:tnLst>
+      <p:par>
+        <p:cTn id="1" dur="indefinite" restart="never" nodeType="tmRoot"/>
+      </p:par>
+    </p:tnLst>
+  </p:timing>
 </p:sld>
 </file>
 
-<file path=ppt/slides/slide23.xml><?xml version="1.0" encoding="utf-8"?>
+<file path=ppt/slides/slide26.xml><?xml version="1.0" encoding="utf-8"?>
 <p:sld xmlns:a="http://schemas.openxmlformats.org/drawingml/2006/main" xmlns:r="http://schemas.openxmlformats.org/officeDocument/2006/relationships" xmlns:p="http://schemas.openxmlformats.org/presentationml/2006/main">
   <p:cSld>
     <p:spTree>
@@ -8108,10 +9311,17 @@
   <p:clrMapOvr>
     <a:masterClrMapping/>
   </p:clrMapOvr>
+  <p:timing>
+    <p:tnLst>
+      <p:par>
+        <p:cTn id="1" dur="indefinite" restart="never" nodeType="tmRoot"/>
+      </p:par>
+    </p:tnLst>
+  </p:timing>
 </p:sld>
 </file>
 
-<file path=ppt/slides/slide24.xml><?xml version="1.0" encoding="utf-8"?>
+<file path=ppt/slides/slide27.xml><?xml version="1.0" encoding="utf-8"?>
 <p:sld xmlns:a="http://schemas.openxmlformats.org/drawingml/2006/main" xmlns:r="http://schemas.openxmlformats.org/officeDocument/2006/relationships" xmlns:p="http://schemas.openxmlformats.org/presentationml/2006/main">
   <p:cSld>
     <p:spTree>
@@ -8256,10 +9466,17 @@
   <p:clrMapOvr>
     <a:masterClrMapping/>
   </p:clrMapOvr>
+  <p:timing>
+    <p:tnLst>
+      <p:par>
+        <p:cTn id="1" dur="indefinite" restart="never" nodeType="tmRoot"/>
+      </p:par>
+    </p:tnLst>
+  </p:timing>
 </p:sld>
 </file>
 
-<file path=ppt/slides/slide25.xml><?xml version="1.0" encoding="utf-8"?>
+<file path=ppt/slides/slide28.xml><?xml version="1.0" encoding="utf-8"?>
 <p:sld xmlns:a="http://schemas.openxmlformats.org/drawingml/2006/main" xmlns:r="http://schemas.openxmlformats.org/officeDocument/2006/relationships" xmlns:p="http://schemas.openxmlformats.org/presentationml/2006/main">
   <p:cSld>
     <p:spTree>
@@ -8388,10 +9605,17 @@
   <p:clrMapOvr>
     <a:masterClrMapping/>
   </p:clrMapOvr>
+  <p:timing>
+    <p:tnLst>
+      <p:par>
+        <p:cTn id="1" dur="indefinite" restart="never" nodeType="tmRoot"/>
+      </p:par>
+    </p:tnLst>
+  </p:timing>
 </p:sld>
 </file>
 
-<file path=ppt/slides/slide26.xml><?xml version="1.0" encoding="utf-8"?>
+<file path=ppt/slides/slide29.xml><?xml version="1.0" encoding="utf-8"?>
 <p:sld xmlns:a="http://schemas.openxmlformats.org/drawingml/2006/main" xmlns:r="http://schemas.openxmlformats.org/officeDocument/2006/relationships" xmlns:p="http://schemas.openxmlformats.org/presentationml/2006/main">
   <p:cSld>
     <p:spTree>
@@ -8526,10 +9750,144 @@
   <p:clrMapOvr>
     <a:masterClrMapping/>
   </p:clrMapOvr>
+  <p:timing>
+    <p:tnLst>
+      <p:par>
+        <p:cTn id="1" dur="indefinite" restart="never" nodeType="tmRoot"/>
+      </p:par>
+    </p:tnLst>
+  </p:timing>
 </p:sld>
 </file>
 
-<file path=ppt/slides/slide27.xml><?xml version="1.0" encoding="utf-8"?>
+<file path=ppt/slides/slide3.xml><?xml version="1.0" encoding="utf-8"?>
+<p:sld xmlns:a="http://schemas.openxmlformats.org/drawingml/2006/main" xmlns:r="http://schemas.openxmlformats.org/officeDocument/2006/relationships" xmlns:p="http://schemas.openxmlformats.org/presentationml/2006/main">
+  <p:cSld>
+    <p:spTree>
+      <p:nvGrpSpPr>
+        <p:cNvPr id="1" name=""/>
+        <p:cNvGrpSpPr/>
+        <p:nvPr/>
+      </p:nvGrpSpPr>
+      <p:grpSpPr>
+        <a:xfrm>
+          <a:off x="0" y="0"/>
+          <a:ext cx="0" cy="0"/>
+          <a:chOff x="0" y="0"/>
+          <a:chExt cx="0" cy="0"/>
+        </a:xfrm>
+      </p:grpSpPr>
+      <p:sp>
+        <p:nvSpPr>
+          <p:cNvPr id="2" name="标题 1"/>
+          <p:cNvSpPr>
+            <a:spLocks noGrp="1"/>
+          </p:cNvSpPr>
+          <p:nvPr>
+            <p:ph type="title"/>
+          </p:nvPr>
+        </p:nvSpPr>
+        <p:spPr/>
+        <p:txBody>
+          <a:bodyPr>
+            <a:normAutofit/>
+          </a:bodyPr>
+          <a:lstStyle/>
+          <a:p>
+            <a:r>
+              <a:rPr lang="zh-CN" altLang="zh-CN" b="1" dirty="0"/>
+              <a:t>碰撞</a:t>
+            </a:r>
+            <a:r>
+              <a:rPr lang="zh-CN" altLang="zh-CN" b="1" dirty="0" smtClean="0"/>
+              <a:t>检测</a:t>
+            </a:r>
+            <a:endParaRPr lang="zh-CN" altLang="en-US" dirty="0"/>
+          </a:p>
+        </p:txBody>
+      </p:sp>
+      <p:sp>
+        <p:nvSpPr>
+          <p:cNvPr id="3" name="内容占位符 2"/>
+          <p:cNvSpPr>
+            <a:spLocks noGrp="1"/>
+          </p:cNvSpPr>
+          <p:nvPr>
+            <p:ph idx="1"/>
+          </p:nvPr>
+        </p:nvSpPr>
+        <p:spPr/>
+        <p:txBody>
+          <a:bodyPr>
+            <a:normAutofit fontScale="62500" lnSpcReduction="20000"/>
+          </a:bodyPr>
+          <a:lstStyle/>
+          <a:p>
+            <a:r>
+              <a:rPr lang="zh-CN" altLang="zh-CN" dirty="0" smtClean="0"/>
+              <a:t>在</a:t>
+            </a:r>
+            <a:r>
+              <a:rPr lang="zh-CN" altLang="zh-CN" dirty="0"/>
+              <a:t>现实环境中，茶杯放在桌子上不会跌落到地面，车碰到物体上会把物体撞开，机械手能把一个物体从一个位置移动到另一个位置，在游戏中实现这些效果的前提是碰撞检测。</a:t>
+            </a:r>
+          </a:p>
+          <a:p>
+            <a:r>
+              <a:rPr lang="zh-CN" altLang="zh-CN" dirty="0"/>
+              <a:t>碰撞检测是许多计算机应用的基本技术，包括计算机游戏、物理仿真、机器人技术等。在计算机游戏中，碰撞检测将保证真实世界的正确虚拟化（例如，禁止角色穿越墙壁）。除了用于检测游戏物体是否发生碰撞以及发生碰撞后如何响应之外，碰撞检测还可以提供了视线查询功能，比如判断敌人是否发现玩家，并决定是否发动相应的攻击。</a:t>
+            </a:r>
+          </a:p>
+          <a:p>
+            <a:r>
+              <a:rPr lang="zh-CN" altLang="zh-CN" dirty="0"/>
+              <a:t>那么，如何在</a:t>
+            </a:r>
+            <a:r>
+              <a:rPr lang="en-US" altLang="zh-CN" dirty="0"/>
+              <a:t>3D</a:t>
+            </a:r>
+            <a:r>
+              <a:rPr lang="zh-CN" altLang="zh-CN" dirty="0"/>
+              <a:t>虚拟世界中进行碰撞检测呢？假设游戏场景由多个动态物体构成，要解决这个问题并不简单，因为使用数学运算检查两个三角形之间是否存在碰撞的运算非常消耗</a:t>
+            </a:r>
+            <a:r>
+              <a:rPr lang="en-US" altLang="zh-CN" dirty="0"/>
+              <a:t>CPU</a:t>
+            </a:r>
+            <a:r>
+              <a:rPr lang="zh-CN" altLang="zh-CN" dirty="0"/>
+              <a:t>时间。而游戏场景中包含的三角形数量惊人，只有高效的碰撞检测算法才能保证游戏的运行效率</a:t>
+            </a:r>
+            <a:r>
+              <a:rPr lang="zh-CN" altLang="zh-CN" dirty="0" smtClean="0"/>
+              <a:t>。</a:t>
+            </a:r>
+            <a:endParaRPr lang="zh-CN" altLang="zh-CN" dirty="0"/>
+          </a:p>
+        </p:txBody>
+      </p:sp>
+    </p:spTree>
+    <p:extLst>
+      <p:ext uri="{BB962C8B-B14F-4D97-AF65-F5344CB8AC3E}">
+        <p14:creationId xmlns:p14="http://schemas.microsoft.com/office/powerpoint/2010/main" val="2966076718"/>
+      </p:ext>
+    </p:extLst>
+  </p:cSld>
+  <p:clrMapOvr>
+    <a:masterClrMapping/>
+  </p:clrMapOvr>
+  <p:timing>
+    <p:tnLst>
+      <p:par>
+        <p:cTn id="1" dur="indefinite" restart="never" nodeType="tmRoot"/>
+      </p:par>
+    </p:tnLst>
+  </p:timing>
+</p:sld>
+</file>
+
+<file path=ppt/slides/slide30.xml><?xml version="1.0" encoding="utf-8"?>
 <p:sld xmlns:a="http://schemas.openxmlformats.org/drawingml/2006/main" xmlns:r="http://schemas.openxmlformats.org/officeDocument/2006/relationships" xmlns:p="http://schemas.openxmlformats.org/presentationml/2006/main">
   <p:cSld>
     <p:spTree>
@@ -8664,10 +10022,838 @@
   <p:clrMapOvr>
     <a:masterClrMapping/>
   </p:clrMapOvr>
+  <p:timing>
+    <p:tnLst>
+      <p:par>
+        <p:cTn id="1" dur="indefinite" restart="never" nodeType="tmRoot"/>
+      </p:par>
+    </p:tnLst>
+  </p:timing>
 </p:sld>
 </file>
 
-<file path=ppt/slides/slide28.xml><?xml version="1.0" encoding="utf-8"?>
+<file path=ppt/slides/slide31.xml><?xml version="1.0" encoding="utf-8"?>
+<p:sld xmlns:a="http://schemas.openxmlformats.org/drawingml/2006/main" xmlns:r="http://schemas.openxmlformats.org/officeDocument/2006/relationships" xmlns:p="http://schemas.openxmlformats.org/presentationml/2006/main">
+  <p:cSld>
+    <p:spTree>
+      <p:nvGrpSpPr>
+        <p:cNvPr id="1" name=""/>
+        <p:cNvGrpSpPr/>
+        <p:nvPr/>
+      </p:nvGrpSpPr>
+      <p:grpSpPr>
+        <a:xfrm>
+          <a:off x="0" y="0"/>
+          <a:ext cx="0" cy="0"/>
+          <a:chOff x="0" y="0"/>
+          <a:chExt cx="0" cy="0"/>
+        </a:xfrm>
+      </p:grpSpPr>
+      <p:sp>
+        <p:nvSpPr>
+          <p:cNvPr id="5" name="TextBox 4"/>
+          <p:cNvSpPr txBox="1"/>
+          <p:nvPr>
+            <p:custDataLst>
+              <p:tags r:id="rId2"/>
+            </p:custDataLst>
+          </p:nvPr>
+        </p:nvSpPr>
+        <p:spPr>
+          <a:xfrm>
+            <a:off x="914400" y="635000"/>
+            <a:ext cx="7315200" cy="1607344"/>
+          </a:xfrm>
+          <a:prstGeom prst="rect">
+            <a:avLst/>
+          </a:prstGeom>
+          <a:noFill/>
+        </p:spPr>
+        <p:txBody>
+          <a:bodyPr vert="horz" wrap="square" rtlCol="0" anchor="ctr" anchorCtr="0">
+            <a:noAutofit/>
+          </a:bodyPr>
+          <a:lstStyle/>
+          <a:p>
+            <a:r>
+              <a:rPr lang="en-US" altLang="zh-CN" sz="2600" dirty="0" smtClean="0">
+                <a:solidFill>
+                  <a:srgbClr val="000000"/>
+                </a:solidFill>
+                <a:latin typeface="Microsoft Yahei"/>
+                <a:ea typeface="Microsoft Yahei"/>
+                <a:sym typeface="Microsoft Yahei"/>
+              </a:rPr>
+              <a:t>AABB</a:t>
+            </a:r>
+            <a:r>
+              <a:rPr lang="zh-CN" altLang="en-US" sz="2600" dirty="0" smtClean="0">
+                <a:solidFill>
+                  <a:srgbClr val="000000"/>
+                </a:solidFill>
+                <a:latin typeface="Microsoft Yahei"/>
+                <a:ea typeface="Microsoft Yahei"/>
+                <a:sym typeface="Microsoft Yahei"/>
+              </a:rPr>
+              <a:t>包围盒相交测试判断标准为？</a:t>
+            </a:r>
+            <a:endParaRPr lang="zh-CN" altLang="en-US" sz="2600" dirty="0">
+              <a:solidFill>
+                <a:srgbClr val="000000"/>
+              </a:solidFill>
+              <a:latin typeface="Microsoft Yahei"/>
+              <a:ea typeface="Microsoft Yahei"/>
+              <a:sym typeface="Microsoft Yahei"/>
+            </a:endParaRPr>
+          </a:p>
+        </p:txBody>
+      </p:sp>
+      <p:sp>
+        <p:nvSpPr>
+          <p:cNvPr id="6" name="TextBox 5"/>
+          <p:cNvSpPr txBox="1"/>
+          <p:nvPr>
+            <p:custDataLst>
+              <p:tags r:id="rId3"/>
+            </p:custDataLst>
+          </p:nvPr>
+        </p:nvSpPr>
+        <p:spPr>
+          <a:xfrm>
+            <a:off x="1828800" y="2089547"/>
+            <a:ext cx="6400800" cy="482203"/>
+          </a:xfrm>
+          <a:prstGeom prst="rect">
+            <a:avLst/>
+          </a:prstGeom>
+          <a:noFill/>
+        </p:spPr>
+        <p:txBody>
+          <a:bodyPr vert="horz" rtlCol="0" anchor="ctr" anchorCtr="0">
+            <a:noAutofit/>
+          </a:bodyPr>
+          <a:lstStyle/>
+          <a:p>
+            <a:r>
+              <a:rPr lang="zh-CN" altLang="en-US" sz="2600" dirty="0" smtClean="0">
+                <a:solidFill>
+                  <a:srgbClr val="000000"/>
+                </a:solidFill>
+                <a:latin typeface="Microsoft Yahei"/>
+                <a:ea typeface="Microsoft Yahei"/>
+                <a:sym typeface="Microsoft Yahei"/>
+              </a:rPr>
+              <a:t>三个坐标轴都相交</a:t>
+            </a:r>
+            <a:endParaRPr lang="zh-CN" altLang="en-US" sz="2600" dirty="0">
+              <a:solidFill>
+                <a:srgbClr val="000000"/>
+              </a:solidFill>
+              <a:latin typeface="Microsoft Yahei"/>
+              <a:ea typeface="Microsoft Yahei"/>
+              <a:sym typeface="Microsoft Yahei"/>
+            </a:endParaRPr>
+          </a:p>
+        </p:txBody>
+      </p:sp>
+      <p:sp>
+        <p:nvSpPr>
+          <p:cNvPr id="7" name="TextBox 6"/>
+          <p:cNvSpPr txBox="1"/>
+          <p:nvPr>
+            <p:custDataLst>
+              <p:tags r:id="rId4"/>
+            </p:custDataLst>
+          </p:nvPr>
+        </p:nvSpPr>
+        <p:spPr>
+          <a:xfrm>
+            <a:off x="1828800" y="2732484"/>
+            <a:ext cx="6400800" cy="482203"/>
+          </a:xfrm>
+          <a:prstGeom prst="rect">
+            <a:avLst/>
+          </a:prstGeom>
+          <a:noFill/>
+        </p:spPr>
+        <p:txBody>
+          <a:bodyPr vert="horz" rtlCol="0" anchor="ctr" anchorCtr="0">
+            <a:noAutofit/>
+          </a:bodyPr>
+          <a:lstStyle/>
+          <a:p>
+            <a:r>
+              <a:rPr lang="zh-CN" altLang="en-US" sz="2600" dirty="0" smtClean="0">
+                <a:solidFill>
+                  <a:srgbClr val="000000"/>
+                </a:solidFill>
+                <a:latin typeface="Microsoft Yahei"/>
+                <a:ea typeface="Microsoft Yahei"/>
+                <a:sym typeface="Microsoft Yahei"/>
+              </a:rPr>
+              <a:t>至少两个坐标轴相交</a:t>
+            </a:r>
+            <a:endParaRPr lang="zh-CN" altLang="en-US" sz="2600" dirty="0">
+              <a:solidFill>
+                <a:srgbClr val="000000"/>
+              </a:solidFill>
+              <a:latin typeface="Microsoft Yahei"/>
+              <a:ea typeface="Microsoft Yahei"/>
+              <a:sym typeface="Microsoft Yahei"/>
+            </a:endParaRPr>
+          </a:p>
+        </p:txBody>
+      </p:sp>
+      <p:sp>
+        <p:nvSpPr>
+          <p:cNvPr id="8" name="TextBox 7"/>
+          <p:cNvSpPr txBox="1"/>
+          <p:nvPr>
+            <p:custDataLst>
+              <p:tags r:id="rId5"/>
+            </p:custDataLst>
+          </p:nvPr>
+        </p:nvSpPr>
+        <p:spPr>
+          <a:xfrm>
+            <a:off x="1828800" y="3375422"/>
+            <a:ext cx="6400800" cy="482203"/>
+          </a:xfrm>
+          <a:prstGeom prst="rect">
+            <a:avLst/>
+          </a:prstGeom>
+          <a:noFill/>
+        </p:spPr>
+        <p:txBody>
+          <a:bodyPr vert="horz" rtlCol="0" anchor="ctr" anchorCtr="0">
+            <a:noAutofit/>
+          </a:bodyPr>
+          <a:lstStyle/>
+          <a:p>
+            <a:r>
+              <a:rPr lang="zh-CN" altLang="en-US" sz="2600" dirty="0" smtClean="0">
+                <a:solidFill>
+                  <a:srgbClr val="000000"/>
+                </a:solidFill>
+                <a:latin typeface="Microsoft Yahei"/>
+                <a:ea typeface="Microsoft Yahei"/>
+                <a:sym typeface="Microsoft Yahei"/>
+              </a:rPr>
+              <a:t>只要一个坐标轴相交</a:t>
+            </a:r>
+            <a:endParaRPr lang="zh-CN" altLang="en-US" sz="2600" dirty="0">
+              <a:solidFill>
+                <a:srgbClr val="000000"/>
+              </a:solidFill>
+              <a:latin typeface="Microsoft Yahei"/>
+              <a:ea typeface="Microsoft Yahei"/>
+              <a:sym typeface="Microsoft Yahei"/>
+            </a:endParaRPr>
+          </a:p>
+        </p:txBody>
+      </p:sp>
+      <p:sp>
+        <p:nvSpPr>
+          <p:cNvPr id="10" name="椭圆 9"/>
+          <p:cNvSpPr>
+            <a:spLocks noChangeAspect="1"/>
+          </p:cNvSpPr>
+          <p:nvPr>
+            <p:custDataLst>
+              <p:tags r:id="rId6"/>
+            </p:custDataLst>
+          </p:nvPr>
+        </p:nvSpPr>
+        <p:spPr>
+          <a:xfrm>
+            <a:off x="1178719" y="2137767"/>
+            <a:ext cx="385762" cy="385763"/>
+          </a:xfrm>
+          <a:prstGeom prst="ellipse">
+            <a:avLst/>
+          </a:prstGeom>
+          <a:solidFill>
+            <a:srgbClr val="00FF00"/>
+          </a:solidFill>
+          <a:ln w="25400" cmpd="sng">
+            <a:solidFill>
+              <a:srgbClr val="000000"/>
+            </a:solidFill>
+            <a:prstDash val="solid"/>
+          </a:ln>
+        </p:spPr>
+        <p:style>
+          <a:lnRef idx="2">
+            <a:schemeClr val="accent1">
+              <a:shade val="50000"/>
+            </a:schemeClr>
+          </a:lnRef>
+          <a:fillRef idx="1">
+            <a:schemeClr val="accent1"/>
+          </a:fillRef>
+          <a:effectRef idx="0">
+            <a:schemeClr val="accent1"/>
+          </a:effectRef>
+          <a:fontRef idx="minor">
+            <a:schemeClr val="lt1"/>
+          </a:fontRef>
+        </p:style>
+        <p:txBody>
+          <a:bodyPr rtlCol="0" anchor="ctr" anchorCtr="1"/>
+          <a:lstStyle/>
+          <a:p>
+            <a:pPr algn="ctr"/>
+            <a:r>
+              <a:rPr lang="en-US" altLang="zh-CN" sz="1600" smtClean="0">
+                <a:solidFill>
+                  <a:srgbClr val="FFFFFF"/>
+                </a:solidFill>
+                <a:latin typeface="Microsoft Yahei"/>
+                <a:ea typeface="Microsoft Yahei"/>
+                <a:sym typeface="Microsoft Yahei"/>
+              </a:rPr>
+              <a:t>A</a:t>
+            </a:r>
+            <a:endParaRPr lang="zh-CN" altLang="en-US" sz="1600">
+              <a:solidFill>
+                <a:srgbClr val="FFFFFF"/>
+              </a:solidFill>
+              <a:latin typeface="Microsoft Yahei"/>
+              <a:ea typeface="Microsoft Yahei"/>
+              <a:sym typeface="Microsoft Yahei"/>
+            </a:endParaRPr>
+          </a:p>
+        </p:txBody>
+      </p:sp>
+      <p:sp>
+        <p:nvSpPr>
+          <p:cNvPr id="11" name="椭圆 10"/>
+          <p:cNvSpPr>
+            <a:spLocks noChangeAspect="1"/>
+          </p:cNvSpPr>
+          <p:nvPr>
+            <p:custDataLst>
+              <p:tags r:id="rId7"/>
+            </p:custDataLst>
+          </p:nvPr>
+        </p:nvSpPr>
+        <p:spPr>
+          <a:xfrm>
+            <a:off x="1178719" y="2780705"/>
+            <a:ext cx="385762" cy="385762"/>
+          </a:xfrm>
+          <a:prstGeom prst="ellipse">
+            <a:avLst/>
+          </a:prstGeom>
+          <a:solidFill>
+            <a:srgbClr val="808080"/>
+          </a:solidFill>
+          <a:ln w="12700" cmpd="sng">
+            <a:solidFill>
+              <a:srgbClr val="000000"/>
+            </a:solidFill>
+            <a:prstDash val="solid"/>
+          </a:ln>
+        </p:spPr>
+        <p:style>
+          <a:lnRef idx="2">
+            <a:schemeClr val="accent1">
+              <a:shade val="50000"/>
+            </a:schemeClr>
+          </a:lnRef>
+          <a:fillRef idx="1">
+            <a:schemeClr val="accent1"/>
+          </a:fillRef>
+          <a:effectRef idx="0">
+            <a:schemeClr val="accent1"/>
+          </a:effectRef>
+          <a:fontRef idx="minor">
+            <a:schemeClr val="lt1"/>
+          </a:fontRef>
+        </p:style>
+        <p:txBody>
+          <a:bodyPr rtlCol="0" anchor="ctr" anchorCtr="1"/>
+          <a:lstStyle/>
+          <a:p>
+            <a:pPr algn="ctr"/>
+            <a:r>
+              <a:rPr lang="en-US" altLang="zh-CN" sz="1600" smtClean="0">
+                <a:solidFill>
+                  <a:srgbClr val="FFFFFF"/>
+                </a:solidFill>
+                <a:latin typeface="Microsoft Yahei"/>
+                <a:ea typeface="Microsoft Yahei"/>
+                <a:sym typeface="Microsoft Yahei"/>
+              </a:rPr>
+              <a:t>B</a:t>
+            </a:r>
+            <a:endParaRPr lang="zh-CN" altLang="en-US" sz="1600">
+              <a:solidFill>
+                <a:srgbClr val="FFFFFF"/>
+              </a:solidFill>
+              <a:latin typeface="Microsoft Yahei"/>
+              <a:ea typeface="Microsoft Yahei"/>
+              <a:sym typeface="Microsoft Yahei"/>
+            </a:endParaRPr>
+          </a:p>
+        </p:txBody>
+      </p:sp>
+      <p:sp>
+        <p:nvSpPr>
+          <p:cNvPr id="12" name="椭圆 11"/>
+          <p:cNvSpPr>
+            <a:spLocks noChangeAspect="1"/>
+          </p:cNvSpPr>
+          <p:nvPr>
+            <p:custDataLst>
+              <p:tags r:id="rId8"/>
+            </p:custDataLst>
+          </p:nvPr>
+        </p:nvSpPr>
+        <p:spPr>
+          <a:xfrm>
+            <a:off x="1178719" y="3423642"/>
+            <a:ext cx="385762" cy="385763"/>
+          </a:xfrm>
+          <a:prstGeom prst="ellipse">
+            <a:avLst/>
+          </a:prstGeom>
+          <a:solidFill>
+            <a:srgbClr val="808080"/>
+          </a:solidFill>
+          <a:ln w="12700" cmpd="sng">
+            <a:solidFill>
+              <a:srgbClr val="000000"/>
+            </a:solidFill>
+            <a:prstDash val="solid"/>
+          </a:ln>
+        </p:spPr>
+        <p:style>
+          <a:lnRef idx="2">
+            <a:schemeClr val="accent1">
+              <a:shade val="50000"/>
+            </a:schemeClr>
+          </a:lnRef>
+          <a:fillRef idx="1">
+            <a:schemeClr val="accent1"/>
+          </a:fillRef>
+          <a:effectRef idx="0">
+            <a:schemeClr val="accent1"/>
+          </a:effectRef>
+          <a:fontRef idx="minor">
+            <a:schemeClr val="lt1"/>
+          </a:fontRef>
+        </p:style>
+        <p:txBody>
+          <a:bodyPr rtlCol="0" anchor="ctr" anchorCtr="1"/>
+          <a:lstStyle/>
+          <a:p>
+            <a:pPr algn="ctr"/>
+            <a:r>
+              <a:rPr lang="en-US" altLang="zh-CN" sz="1600" smtClean="0">
+                <a:solidFill>
+                  <a:srgbClr val="FFFFFF"/>
+                </a:solidFill>
+                <a:latin typeface="Microsoft Yahei"/>
+                <a:ea typeface="Microsoft Yahei"/>
+                <a:sym typeface="Microsoft Yahei"/>
+              </a:rPr>
+              <a:t>C</a:t>
+            </a:r>
+            <a:endParaRPr lang="zh-CN" altLang="en-US" sz="1600">
+              <a:solidFill>
+                <a:srgbClr val="FFFFFF"/>
+              </a:solidFill>
+              <a:latin typeface="Microsoft Yahei"/>
+              <a:ea typeface="Microsoft Yahei"/>
+              <a:sym typeface="Microsoft Yahei"/>
+            </a:endParaRPr>
+          </a:p>
+        </p:txBody>
+      </p:sp>
+      <p:sp>
+        <p:nvSpPr>
+          <p:cNvPr id="14" name="圆角矩形 13"/>
+          <p:cNvSpPr/>
+          <p:nvPr>
+            <p:custDataLst>
+              <p:tags r:id="rId9"/>
+            </p:custDataLst>
+          </p:nvPr>
+        </p:nvSpPr>
+        <p:spPr>
+          <a:xfrm>
+            <a:off x="6686550" y="4661297"/>
+            <a:ext cx="1157288" cy="308610"/>
+          </a:xfrm>
+          <a:prstGeom prst="roundRect">
+            <a:avLst/>
+          </a:prstGeom>
+          <a:solidFill>
+            <a:srgbClr val="808080"/>
+          </a:solidFill>
+          <a:ln w="38100" cmpd="sng">
+            <a:solidFill>
+              <a:srgbClr val="000000"/>
+            </a:solidFill>
+            <a:prstDash val="solid"/>
+          </a:ln>
+        </p:spPr>
+        <p:style>
+          <a:lnRef idx="2">
+            <a:schemeClr val="accent1">
+              <a:shade val="50000"/>
+            </a:schemeClr>
+          </a:lnRef>
+          <a:fillRef idx="1">
+            <a:schemeClr val="accent1"/>
+          </a:fillRef>
+          <a:effectRef idx="0">
+            <a:schemeClr val="accent1"/>
+          </a:effectRef>
+          <a:fontRef idx="minor">
+            <a:schemeClr val="lt1"/>
+          </a:fontRef>
+        </p:style>
+        <p:txBody>
+          <a:bodyPr rtlCol="0" anchor="ctr" anchorCtr="1"/>
+          <a:lstStyle/>
+          <a:p>
+            <a:pPr algn="ctr"/>
+            <a:r>
+              <a:rPr lang="zh-CN" altLang="en-US" sz="1600" smtClean="0">
+                <a:solidFill>
+                  <a:srgbClr val="FFFFFF"/>
+                </a:solidFill>
+                <a:latin typeface="Microsoft Yahei"/>
+                <a:ea typeface="Microsoft Yahei"/>
+                <a:sym typeface="Microsoft Yahei"/>
+              </a:rPr>
+              <a:t>提交</a:t>
+            </a:r>
+            <a:endParaRPr lang="zh-CN" altLang="en-US" sz="1600">
+              <a:solidFill>
+                <a:srgbClr val="FFFFFF"/>
+              </a:solidFill>
+              <a:latin typeface="Microsoft Yahei"/>
+              <a:ea typeface="Microsoft Yahei"/>
+              <a:sym typeface="Microsoft Yahei"/>
+            </a:endParaRPr>
+          </a:p>
+        </p:txBody>
+      </p:sp>
+      <p:grpSp>
+        <p:nvGrpSpPr>
+          <p:cNvPr id="19" name="组合 18"/>
+          <p:cNvGrpSpPr/>
+          <p:nvPr>
+            <p:custDataLst>
+              <p:tags r:id="rId10"/>
+            </p:custDataLst>
+          </p:nvPr>
+        </p:nvGrpSpPr>
+        <p:grpSpPr>
+          <a:xfrm>
+            <a:off x="0" y="0"/>
+            <a:ext cx="9144000" cy="635000"/>
+            <a:chOff x="0" y="0"/>
+            <a:chExt cx="9144000" cy="635000"/>
+          </a:xfrm>
+        </p:grpSpPr>
+        <p:sp>
+          <p:nvSpPr>
+            <p:cNvPr id="15" name="TitleBackground"/>
+            <p:cNvSpPr/>
+            <p:nvPr>
+              <p:custDataLst>
+                <p:tags r:id="rId12"/>
+              </p:custDataLst>
+            </p:nvPr>
+          </p:nvSpPr>
+          <p:spPr>
+            <a:xfrm>
+              <a:off x="0" y="0"/>
+              <a:ext cx="9144000" cy="635000"/>
+            </a:xfrm>
+            <a:prstGeom prst="rect">
+              <a:avLst/>
+            </a:prstGeom>
+            <a:solidFill>
+              <a:srgbClr val="F6F7F8"/>
+            </a:solidFill>
+            <a:ln w="25400" cap="flat" cmpd="sng" algn="ctr">
+              <a:noFill/>
+              <a:prstDash val="solid"/>
+            </a:ln>
+            <a:effectLst/>
+            <a:extLst>
+              <a:ext uri="{91240B29-F687-4F45-9708-019B960494DF}">
+                <a14:hiddenLine xmlns:a14="http://schemas.microsoft.com/office/drawing/2010/main" w="25400" cap="flat" cmpd="sng" algn="ctr">
+                  <a:solidFill>
+                    <a:schemeClr val="accent1">
+                      <a:shade val="50000"/>
+                    </a:schemeClr>
+                  </a:solidFill>
+                  <a:prstDash val="solid"/>
+                </a14:hiddenLine>
+              </a:ext>
+            </a:extLst>
+          </p:spPr>
+          <p:style>
+            <a:lnRef idx="2">
+              <a:schemeClr val="accent1">
+                <a:shade val="50000"/>
+              </a:schemeClr>
+            </a:lnRef>
+            <a:fillRef idx="1">
+              <a:schemeClr val="accent1"/>
+            </a:fillRef>
+            <a:effectRef idx="0">
+              <a:schemeClr val="accent1"/>
+            </a:effectRef>
+            <a:fontRef idx="minor">
+              <a:schemeClr val="lt1"/>
+            </a:fontRef>
+          </p:style>
+          <p:txBody>
+            <a:bodyPr rtlCol="0" anchor="ctr"/>
+            <a:lstStyle/>
+            <a:p>
+              <a:pPr algn="ctr"/>
+              <a:endParaRPr lang="zh-CN" altLang="en-US"/>
+            </a:p>
+          </p:txBody>
+        </p:sp>
+        <p:sp>
+          <p:nvSpPr>
+            <p:cNvPr id="16" name="ColorBlock"/>
+            <p:cNvSpPr/>
+            <p:nvPr>
+              <p:custDataLst>
+                <p:tags r:id="rId13"/>
+              </p:custDataLst>
+            </p:nvPr>
+          </p:nvSpPr>
+          <p:spPr>
+            <a:xfrm>
+              <a:off x="0" y="0"/>
+              <a:ext cx="190500" cy="635000"/>
+            </a:xfrm>
+            <a:prstGeom prst="rect">
+              <a:avLst/>
+            </a:prstGeom>
+            <a:solidFill>
+              <a:srgbClr val="639EF4"/>
+            </a:solidFill>
+            <a:ln w="25400" cap="flat" cmpd="sng" algn="ctr">
+              <a:noFill/>
+              <a:prstDash val="solid"/>
+            </a:ln>
+            <a:effectLst/>
+            <a:extLst>
+              <a:ext uri="{91240B29-F687-4F45-9708-019B960494DF}">
+                <a14:hiddenLine xmlns:a14="http://schemas.microsoft.com/office/drawing/2010/main" w="25400" cap="flat" cmpd="sng" algn="ctr">
+                  <a:solidFill>
+                    <a:schemeClr val="accent1">
+                      <a:shade val="50000"/>
+                    </a:schemeClr>
+                  </a:solidFill>
+                  <a:prstDash val="solid"/>
+                </a14:hiddenLine>
+              </a:ext>
+            </a:extLst>
+          </p:spPr>
+          <p:style>
+            <a:lnRef idx="2">
+              <a:schemeClr val="accent1">
+                <a:shade val="50000"/>
+              </a:schemeClr>
+            </a:lnRef>
+            <a:fillRef idx="1">
+              <a:schemeClr val="accent1"/>
+            </a:fillRef>
+            <a:effectRef idx="0">
+              <a:schemeClr val="accent1"/>
+            </a:effectRef>
+            <a:fontRef idx="minor">
+              <a:schemeClr val="lt1"/>
+            </a:fontRef>
+          </p:style>
+          <p:txBody>
+            <a:bodyPr rtlCol="0" anchor="ctr"/>
+            <a:lstStyle/>
+            <a:p>
+              <a:pPr algn="ctr"/>
+              <a:endParaRPr lang="zh-CN" altLang="en-US"/>
+            </a:p>
+          </p:txBody>
+        </p:sp>
+        <p:sp>
+          <p:nvSpPr>
+            <p:cNvPr id="17" name="TypeText"/>
+            <p:cNvSpPr txBox="1"/>
+            <p:nvPr>
+              <p:custDataLst>
+                <p:tags r:id="rId14"/>
+              </p:custDataLst>
+            </p:nvPr>
+          </p:nvSpPr>
+          <p:spPr>
+            <a:xfrm>
+              <a:off x="254000" y="0"/>
+              <a:ext cx="1905000" cy="635000"/>
+            </a:xfrm>
+            <a:prstGeom prst="rect">
+              <a:avLst/>
+            </a:prstGeom>
+            <a:noFill/>
+          </p:spPr>
+          <p:txBody>
+            <a:bodyPr vert="horz" wrap="none" rtlCol="0" anchor="ctr" anchorCtr="0">
+              <a:noAutofit/>
+            </a:bodyPr>
+            <a:lstStyle/>
+            <a:p>
+              <a:r>
+                <a:rPr lang="zh-CN" altLang="en-US" sz="2600" smtClean="0">
+                  <a:solidFill>
+                    <a:srgbClr val="000000"/>
+                  </a:solidFill>
+                  <a:latin typeface="Microsoft Yahei"/>
+                  <a:ea typeface="Microsoft Yahei"/>
+                  <a:sym typeface="Microsoft Yahei"/>
+                </a:rPr>
+                <a:t>单选题</a:t>
+              </a:r>
+              <a:endParaRPr lang="zh-CN" altLang="en-US" sz="2600">
+                <a:solidFill>
+                  <a:srgbClr val="000000"/>
+                </a:solidFill>
+                <a:latin typeface="Microsoft Yahei"/>
+                <a:ea typeface="Microsoft Yahei"/>
+                <a:sym typeface="Microsoft Yahei"/>
+              </a:endParaRPr>
+            </a:p>
+          </p:txBody>
+        </p:sp>
+        <p:sp>
+          <p:nvSpPr>
+            <p:cNvPr id="18" name="TipText"/>
+            <p:cNvSpPr txBox="1"/>
+            <p:nvPr>
+              <p:custDataLst>
+                <p:tags r:id="rId15"/>
+              </p:custDataLst>
+            </p:nvPr>
+          </p:nvSpPr>
+          <p:spPr>
+            <a:xfrm>
+              <a:off x="1525905" y="109220"/>
+              <a:ext cx="2286000" cy="508000"/>
+            </a:xfrm>
+            <a:prstGeom prst="rect">
+              <a:avLst/>
+            </a:prstGeom>
+            <a:noFill/>
+          </p:spPr>
+          <p:txBody>
+            <a:bodyPr vert="horz" wrap="none" rtlCol="0" anchor="ctr" anchorCtr="0">
+              <a:noAutofit/>
+            </a:bodyPr>
+            <a:lstStyle/>
+            <a:p>
+              <a:r>
+                <a:rPr lang="en-US" altLang="zh-CN" sz="2000" smtClean="0">
+                  <a:solidFill>
+                    <a:srgbClr val="808080"/>
+                  </a:solidFill>
+                  <a:latin typeface="Microsoft Yahei"/>
+                  <a:ea typeface="Microsoft Yahei"/>
+                  <a:sym typeface="Microsoft Yahei"/>
+                </a:rPr>
+                <a:t>1</a:t>
+              </a:r>
+              <a:r>
+                <a:rPr lang="zh-CN" altLang="en-US" sz="2000" smtClean="0">
+                  <a:solidFill>
+                    <a:srgbClr val="808080"/>
+                  </a:solidFill>
+                  <a:latin typeface="Microsoft Yahei"/>
+                  <a:ea typeface="Microsoft Yahei"/>
+                  <a:sym typeface="Microsoft Yahei"/>
+                </a:rPr>
+                <a:t>分</a:t>
+              </a:r>
+              <a:endParaRPr lang="zh-CN" altLang="en-US" sz="2000">
+                <a:solidFill>
+                  <a:srgbClr val="808080"/>
+                </a:solidFill>
+                <a:latin typeface="Microsoft Yahei"/>
+                <a:ea typeface="Microsoft Yahei"/>
+                <a:sym typeface="Microsoft Yahei"/>
+              </a:endParaRPr>
+            </a:p>
+          </p:txBody>
+        </p:sp>
+      </p:grpSp>
+      <p:pic>
+        <p:nvPicPr>
+          <p:cNvPr id="4" name="图片 3"/>
+          <p:cNvPicPr>
+            <a:picLocks/>
+          </p:cNvPicPr>
+          <p:nvPr>
+            <p:custDataLst>
+              <p:tags r:id="rId11"/>
+            </p:custDataLst>
+          </p:nvPr>
+        </p:nvPicPr>
+        <p:blipFill>
+          <a:blip r:embed="rId17">
+            <a:extLst>
+              <a:ext uri="{28A0092B-C50C-407E-A947-70E740481C1C}">
+                <a14:useLocalDpi xmlns:a14="http://schemas.microsoft.com/office/drawing/2010/main" val="0"/>
+              </a:ext>
+            </a:extLst>
+          </a:blip>
+          <a:stretch>
+            <a:fillRect/>
+          </a:stretch>
+        </p:blipFill>
+        <p:spPr>
+          <a:xfrm>
+            <a:off x="7594600" y="63500"/>
+            <a:ext cx="1422400" cy="508000"/>
+          </a:xfrm>
+          <a:prstGeom prst="rect">
+            <a:avLst/>
+          </a:prstGeom>
+        </p:spPr>
+      </p:pic>
+    </p:spTree>
+    <p:custDataLst>
+      <p:tags r:id="rId1"/>
+    </p:custDataLst>
+    <p:extLst>
+      <p:ext uri="{BB962C8B-B14F-4D97-AF65-F5344CB8AC3E}">
+        <p14:creationId xmlns:p14="http://schemas.microsoft.com/office/powerpoint/2010/main" val="2308739711"/>
+      </p:ext>
+    </p:extLst>
+  </p:cSld>
+  <p:clrMapOvr>
+    <a:masterClrMapping/>
+  </p:clrMapOvr>
+  <p:timing>
+    <p:tnLst>
+      <p:par>
+        <p:cTn id="1" dur="indefinite" restart="never" nodeType="tmRoot"/>
+      </p:par>
+    </p:tnLst>
+  </p:timing>
+</p:sld>
+</file>
+
+<file path=ppt/slides/slide32.xml><?xml version="1.0" encoding="utf-8"?>
 <p:sld xmlns:a="http://schemas.openxmlformats.org/drawingml/2006/main" xmlns:r="http://schemas.openxmlformats.org/officeDocument/2006/relationships" xmlns:p="http://schemas.openxmlformats.org/presentationml/2006/main">
   <p:cSld>
     <p:spTree>
@@ -8803,10 +10989,17 @@
   <p:clrMapOvr>
     <a:masterClrMapping/>
   </p:clrMapOvr>
+  <p:timing>
+    <p:tnLst>
+      <p:par>
+        <p:cTn id="1" dur="indefinite" restart="never" nodeType="tmRoot"/>
+      </p:par>
+    </p:tnLst>
+  </p:timing>
 </p:sld>
 </file>
 
-<file path=ppt/slides/slide29.xml><?xml version="1.0" encoding="utf-8"?>
+<file path=ppt/slides/slide33.xml><?xml version="1.0" encoding="utf-8"?>
 <p:sld xmlns:a="http://schemas.openxmlformats.org/drawingml/2006/main" xmlns:r="http://schemas.openxmlformats.org/officeDocument/2006/relationships" xmlns:p="http://schemas.openxmlformats.org/presentationml/2006/main">
   <p:cSld>
     <p:spTree>
@@ -8935,130 +11128,17 @@
   <p:clrMapOvr>
     <a:masterClrMapping/>
   </p:clrMapOvr>
+  <p:timing>
+    <p:tnLst>
+      <p:par>
+        <p:cTn id="1" dur="indefinite" restart="never" nodeType="tmRoot"/>
+      </p:par>
+    </p:tnLst>
+  </p:timing>
 </p:sld>
 </file>
 
-<file path=ppt/slides/slide3.xml><?xml version="1.0" encoding="utf-8"?>
-<p:sld xmlns:a="http://schemas.openxmlformats.org/drawingml/2006/main" xmlns:r="http://schemas.openxmlformats.org/officeDocument/2006/relationships" xmlns:p="http://schemas.openxmlformats.org/presentationml/2006/main">
-  <p:cSld>
-    <p:spTree>
-      <p:nvGrpSpPr>
-        <p:cNvPr id="1" name=""/>
-        <p:cNvGrpSpPr/>
-        <p:nvPr/>
-      </p:nvGrpSpPr>
-      <p:grpSpPr>
-        <a:xfrm>
-          <a:off x="0" y="0"/>
-          <a:ext cx="0" cy="0"/>
-          <a:chOff x="0" y="0"/>
-          <a:chExt cx="0" cy="0"/>
-        </a:xfrm>
-      </p:grpSpPr>
-      <p:sp>
-        <p:nvSpPr>
-          <p:cNvPr id="2" name="标题 1"/>
-          <p:cNvSpPr>
-            <a:spLocks noGrp="1"/>
-          </p:cNvSpPr>
-          <p:nvPr>
-            <p:ph type="title"/>
-          </p:nvPr>
-        </p:nvSpPr>
-        <p:spPr/>
-        <p:txBody>
-          <a:bodyPr>
-            <a:normAutofit/>
-          </a:bodyPr>
-          <a:lstStyle/>
-          <a:p>
-            <a:r>
-              <a:rPr lang="zh-CN" altLang="zh-CN" b="1" dirty="0"/>
-              <a:t>碰撞</a:t>
-            </a:r>
-            <a:r>
-              <a:rPr lang="zh-CN" altLang="zh-CN" b="1" dirty="0" smtClean="0"/>
-              <a:t>检测</a:t>
-            </a:r>
-            <a:endParaRPr lang="zh-CN" altLang="en-US" dirty="0"/>
-          </a:p>
-        </p:txBody>
-      </p:sp>
-      <p:sp>
-        <p:nvSpPr>
-          <p:cNvPr id="3" name="内容占位符 2"/>
-          <p:cNvSpPr>
-            <a:spLocks noGrp="1"/>
-          </p:cNvSpPr>
-          <p:nvPr>
-            <p:ph idx="1"/>
-          </p:nvPr>
-        </p:nvSpPr>
-        <p:spPr/>
-        <p:txBody>
-          <a:bodyPr>
-            <a:normAutofit fontScale="62500" lnSpcReduction="20000"/>
-          </a:bodyPr>
-          <a:lstStyle/>
-          <a:p>
-            <a:r>
-              <a:rPr lang="zh-CN" altLang="zh-CN" dirty="0" smtClean="0"/>
-              <a:t>在</a:t>
-            </a:r>
-            <a:r>
-              <a:rPr lang="zh-CN" altLang="zh-CN" dirty="0"/>
-              <a:t>现实环境中，茶杯放在桌子上不会跌落到地面，车碰到物体上会把物体撞开，机械手能把一个物体从一个位置移动到另一个位置，在游戏中实现这些效果的前提是碰撞检测。</a:t>
-            </a:r>
-          </a:p>
-          <a:p>
-            <a:r>
-              <a:rPr lang="zh-CN" altLang="zh-CN" dirty="0"/>
-              <a:t>碰撞检测是许多计算机应用的基本技术，包括计算机游戏、物理仿真、机器人技术等。在计算机游戏中，碰撞检测将保证真实世界的正确虚拟化（例如，禁止角色穿越墙壁）。除了用于检测游戏物体是否发生碰撞以及发生碰撞后如何响应之外，碰撞检测还可以提供了视线查询功能，比如判断敌人是否发现玩家，并决定是否发动相应的攻击。</a:t>
-            </a:r>
-          </a:p>
-          <a:p>
-            <a:r>
-              <a:rPr lang="zh-CN" altLang="zh-CN" dirty="0"/>
-              <a:t>那么，如何在</a:t>
-            </a:r>
-            <a:r>
-              <a:rPr lang="en-US" altLang="zh-CN" dirty="0"/>
-              <a:t>3D</a:t>
-            </a:r>
-            <a:r>
-              <a:rPr lang="zh-CN" altLang="zh-CN" dirty="0"/>
-              <a:t>虚拟世界中进行碰撞检测呢？假设游戏场景由多个动态物体构成，要解决这个问题并不简单，因为使用数学运算检查两个三角形之间是否存在碰撞的运算非常消耗</a:t>
-            </a:r>
-            <a:r>
-              <a:rPr lang="en-US" altLang="zh-CN" dirty="0"/>
-              <a:t>CPU</a:t>
-            </a:r>
-            <a:r>
-              <a:rPr lang="zh-CN" altLang="zh-CN" dirty="0"/>
-              <a:t>时间。而游戏场景中包含的三角形数量惊人，只有高效的碰撞检测算法才能保证游戏的运行效率</a:t>
-            </a:r>
-            <a:r>
-              <a:rPr lang="zh-CN" altLang="zh-CN" dirty="0" smtClean="0"/>
-              <a:t>。</a:t>
-            </a:r>
-            <a:endParaRPr lang="zh-CN" altLang="zh-CN" dirty="0"/>
-          </a:p>
-        </p:txBody>
-      </p:sp>
-    </p:spTree>
-    <p:extLst>
-      <p:ext uri="{BB962C8B-B14F-4D97-AF65-F5344CB8AC3E}">
-        <p14:creationId xmlns:p14="http://schemas.microsoft.com/office/powerpoint/2010/main" val="2966076718"/>
-      </p:ext>
-    </p:extLst>
-  </p:cSld>
-  <p:clrMapOvr>
-    <a:masterClrMapping/>
-  </p:clrMapOvr>
-</p:sld>
-</file>
-
-<file path=ppt/slides/slide30.xml><?xml version="1.0" encoding="utf-8"?>
+<file path=ppt/slides/slide34.xml><?xml version="1.0" encoding="utf-8"?>
 <p:sld xmlns:a="http://schemas.openxmlformats.org/drawingml/2006/main" xmlns:r="http://schemas.openxmlformats.org/officeDocument/2006/relationships" xmlns:p="http://schemas.openxmlformats.org/presentationml/2006/main">
   <p:cSld>
     <p:spTree>
@@ -9244,10 +11324,17 @@
   <p:clrMapOvr>
     <a:masterClrMapping/>
   </p:clrMapOvr>
+  <p:timing>
+    <p:tnLst>
+      <p:par>
+        <p:cTn id="1" dur="indefinite" restart="never" nodeType="tmRoot"/>
+      </p:par>
+    </p:tnLst>
+  </p:timing>
 </p:sld>
 </file>
 
-<file path=ppt/slides/slide31.xml><?xml version="1.0" encoding="utf-8"?>
+<file path=ppt/slides/slide35.xml><?xml version="1.0" encoding="utf-8"?>
 <p:sld xmlns:a="http://schemas.openxmlformats.org/drawingml/2006/main" xmlns:r="http://schemas.openxmlformats.org/officeDocument/2006/relationships" xmlns:p="http://schemas.openxmlformats.org/presentationml/2006/main">
   <p:cSld>
     <p:spTree>
@@ -9376,10 +11463,17 @@
   <p:clrMapOvr>
     <a:masterClrMapping/>
   </p:clrMapOvr>
+  <p:timing>
+    <p:tnLst>
+      <p:par>
+        <p:cTn id="1" dur="indefinite" restart="never" nodeType="tmRoot"/>
+      </p:par>
+    </p:tnLst>
+  </p:timing>
 </p:sld>
 </file>
 
-<file path=ppt/slides/slide32.xml><?xml version="1.0" encoding="utf-8"?>
+<file path=ppt/slides/slide36.xml><?xml version="1.0" encoding="utf-8"?>
 <p:sld xmlns:a="http://schemas.openxmlformats.org/drawingml/2006/main" xmlns:r="http://schemas.openxmlformats.org/officeDocument/2006/relationships" xmlns:p="http://schemas.openxmlformats.org/presentationml/2006/main">
   <p:cSld>
     <p:spTree>
@@ -9843,10 +11937,17 @@
   <p:clrMapOvr>
     <a:masterClrMapping/>
   </p:clrMapOvr>
+  <p:timing>
+    <p:tnLst>
+      <p:par>
+        <p:cTn id="1" dur="indefinite" restart="never" nodeType="tmRoot"/>
+      </p:par>
+    </p:tnLst>
+  </p:timing>
 </p:sld>
 </file>
 
-<file path=ppt/slides/slide33.xml><?xml version="1.0" encoding="utf-8"?>
+<file path=ppt/slides/slide37.xml><?xml version="1.0" encoding="utf-8"?>
 <p:sld xmlns:a="http://schemas.openxmlformats.org/drawingml/2006/main" xmlns:r="http://schemas.openxmlformats.org/officeDocument/2006/relationships" xmlns:p="http://schemas.openxmlformats.org/presentationml/2006/main">
   <p:cSld>
     <p:spTree>
@@ -9975,10 +12076,17 @@
   <p:clrMapOvr>
     <a:masterClrMapping/>
   </p:clrMapOvr>
+  <p:timing>
+    <p:tnLst>
+      <p:par>
+        <p:cTn id="1" dur="indefinite" restart="never" nodeType="tmRoot"/>
+      </p:par>
+    </p:tnLst>
+  </p:timing>
 </p:sld>
 </file>
 
-<file path=ppt/slides/slide34.xml><?xml version="1.0" encoding="utf-8"?>
+<file path=ppt/slides/slide38.xml><?xml version="1.0" encoding="utf-8"?>
 <p:sld xmlns:a="http://schemas.openxmlformats.org/drawingml/2006/main" xmlns:r="http://schemas.openxmlformats.org/officeDocument/2006/relationships" xmlns:p="http://schemas.openxmlformats.org/presentationml/2006/main">
   <p:cSld>
     <p:spTree>
@@ -10170,10 +12278,17 @@
   <p:clrMapOvr>
     <a:masterClrMapping/>
   </p:clrMapOvr>
+  <p:timing>
+    <p:tnLst>
+      <p:par>
+        <p:cTn id="1" dur="indefinite" restart="never" nodeType="tmRoot"/>
+      </p:par>
+    </p:tnLst>
+  </p:timing>
 </p:sld>
 </file>
 
-<file path=ppt/slides/slide35.xml><?xml version="1.0" encoding="utf-8"?>
+<file path=ppt/slides/slide39.xml><?xml version="1.0" encoding="utf-8"?>
 <p:sld xmlns:a="http://schemas.openxmlformats.org/drawingml/2006/main" xmlns:r="http://schemas.openxmlformats.org/officeDocument/2006/relationships" xmlns:p="http://schemas.openxmlformats.org/presentationml/2006/main">
   <p:cSld>
     <p:spTree>
@@ -10431,10 +12546,200 @@
   <p:clrMapOvr>
     <a:masterClrMapping/>
   </p:clrMapOvr>
+  <p:timing>
+    <p:tnLst>
+      <p:par>
+        <p:cTn id="1" dur="indefinite" restart="never" nodeType="tmRoot"/>
+      </p:par>
+    </p:tnLst>
+  </p:timing>
 </p:sld>
 </file>
 
-<file path=ppt/slides/slide36.xml><?xml version="1.0" encoding="utf-8"?>
+<file path=ppt/slides/slide4.xml><?xml version="1.0" encoding="utf-8"?>
+<p:sld xmlns:a="http://schemas.openxmlformats.org/drawingml/2006/main" xmlns:r="http://schemas.openxmlformats.org/officeDocument/2006/relationships" xmlns:p="http://schemas.openxmlformats.org/presentationml/2006/main">
+  <p:cSld>
+    <p:spTree>
+      <p:nvGrpSpPr>
+        <p:cNvPr id="1" name=""/>
+        <p:cNvGrpSpPr/>
+        <p:nvPr/>
+      </p:nvGrpSpPr>
+      <p:grpSpPr>
+        <a:xfrm>
+          <a:off x="0" y="0"/>
+          <a:ext cx="0" cy="0"/>
+          <a:chOff x="0" y="0"/>
+          <a:chExt cx="0" cy="0"/>
+        </a:xfrm>
+      </p:grpSpPr>
+      <p:sp>
+        <p:nvSpPr>
+          <p:cNvPr id="2" name="标题 1"/>
+          <p:cNvSpPr>
+            <a:spLocks noGrp="1"/>
+          </p:cNvSpPr>
+          <p:nvPr>
+            <p:ph type="title"/>
+          </p:nvPr>
+        </p:nvSpPr>
+        <p:spPr/>
+        <p:txBody>
+          <a:bodyPr>
+            <a:normAutofit/>
+          </a:bodyPr>
+          <a:lstStyle/>
+          <a:p>
+            <a:r>
+              <a:rPr lang="zh-CN" altLang="zh-CN" b="1" dirty="0"/>
+              <a:t>碰撞检测的</a:t>
+            </a:r>
+            <a:r>
+              <a:rPr lang="zh-CN" altLang="zh-CN" b="1" dirty="0" smtClean="0"/>
+              <a:t>基本原理</a:t>
+            </a:r>
+            <a:endParaRPr lang="zh-CN" altLang="en-US" dirty="0"/>
+          </a:p>
+        </p:txBody>
+      </p:sp>
+      <p:sp>
+        <p:nvSpPr>
+          <p:cNvPr id="3" name="内容占位符 2"/>
+          <p:cNvSpPr>
+            <a:spLocks noGrp="1"/>
+          </p:cNvSpPr>
+          <p:nvPr>
+            <p:ph idx="1"/>
+          </p:nvPr>
+        </p:nvSpPr>
+        <p:spPr/>
+        <p:txBody>
+          <a:bodyPr>
+            <a:normAutofit fontScale="70000" lnSpcReduction="20000"/>
+          </a:bodyPr>
+          <a:lstStyle/>
+          <a:p>
+            <a:r>
+              <a:rPr lang="zh-CN" altLang="zh-CN" dirty="0" smtClean="0"/>
+              <a:t>从</a:t>
+            </a:r>
+            <a:r>
+              <a:rPr lang="zh-CN" altLang="zh-CN" dirty="0"/>
+              <a:t>几何上讲，碰撞检测是两个多面体的求交集检测，按照物体所处空间的维度，碰撞检测又可以分为二维平面碰撞检测和三维空间碰撞</a:t>
+            </a:r>
+            <a:r>
+              <a:rPr lang="zh-CN" altLang="zh-CN" dirty="0" smtClean="0"/>
+              <a:t>检测</a:t>
+            </a:r>
+            <a:endParaRPr lang="en-US" altLang="zh-CN" dirty="0" smtClean="0"/>
+          </a:p>
+          <a:p>
+            <a:r>
+              <a:rPr lang="zh-CN" altLang="zh-CN" dirty="0" smtClean="0"/>
+              <a:t>平面</a:t>
+            </a:r>
+            <a:r>
+              <a:rPr lang="zh-CN" altLang="zh-CN" dirty="0"/>
+              <a:t>碰撞检测相对简单一些，已经有较为成熟的检测算法，而三维空间的碰撞检测则要复杂许多，主要问题是解决碰撞检测的实时性和精确性的</a:t>
+            </a:r>
+            <a:r>
+              <a:rPr lang="zh-CN" altLang="zh-CN" dirty="0" smtClean="0"/>
+              <a:t>矛盾</a:t>
+            </a:r>
+            <a:endParaRPr lang="en-US" altLang="zh-CN" dirty="0" smtClean="0"/>
+          </a:p>
+          <a:p>
+            <a:r>
+              <a:rPr lang="zh-CN" altLang="zh-CN" dirty="0" smtClean="0"/>
+              <a:t>我们</a:t>
+            </a:r>
+            <a:r>
+              <a:rPr lang="zh-CN" altLang="zh-CN" dirty="0"/>
+              <a:t>可以将碰撞检测分为离散碰撞检测和连续碰撞检测</a:t>
+            </a:r>
+            <a:r>
+              <a:rPr lang="zh-CN" altLang="zh-CN" dirty="0" smtClean="0"/>
+              <a:t>两种</a:t>
+            </a:r>
+            <a:endParaRPr lang="en-US" altLang="zh-CN" dirty="0" smtClean="0"/>
+          </a:p>
+          <a:p>
+            <a:pPr lvl="1"/>
+            <a:r>
+              <a:rPr lang="zh-CN" altLang="zh-CN" dirty="0" smtClean="0"/>
+              <a:t>离散</a:t>
+            </a:r>
+            <a:r>
+              <a:rPr lang="zh-CN" altLang="zh-CN" dirty="0"/>
+              <a:t>碰撞检测是指定某一时刻</a:t>
+            </a:r>
+            <a:r>
+              <a:rPr lang="en-US" altLang="zh-CN" dirty="0"/>
+              <a:t>T</a:t>
+            </a:r>
+            <a:r>
+              <a:rPr lang="zh-CN" altLang="zh-CN" dirty="0"/>
+              <a:t>的两个静态碰撞体，看它们之间是否交迭，如果没有交迭则返回它们最近点的距离，如果交迭则返回交迭深度，交迭方向等；连续碰撞检测则是分别指定在</a:t>
+            </a:r>
+            <a:r>
+              <a:rPr lang="en-US" altLang="zh-CN" dirty="0"/>
+              <a:t>T1</a:t>
+            </a:r>
+            <a:r>
+              <a:rPr lang="zh-CN" altLang="zh-CN" dirty="0"/>
+              <a:t>、</a:t>
+            </a:r>
+            <a:r>
+              <a:rPr lang="en-US" altLang="zh-CN" dirty="0"/>
+              <a:t>T2</a:t>
+            </a:r>
+            <a:r>
+              <a:rPr lang="zh-CN" altLang="zh-CN" dirty="0"/>
+              <a:t>两个时刻两个碰撞体的位置，看它们在由</a:t>
+            </a:r>
+            <a:r>
+              <a:rPr lang="en-US" altLang="zh-CN" dirty="0"/>
+              <a:t>T1</a:t>
+            </a:r>
+            <a:r>
+              <a:rPr lang="zh-CN" altLang="zh-CN" dirty="0"/>
+              <a:t>运动到</a:t>
+            </a:r>
+            <a:r>
+              <a:rPr lang="en-US" altLang="zh-CN" dirty="0"/>
+              <a:t>T2</a:t>
+            </a:r>
+            <a:r>
+              <a:rPr lang="zh-CN" altLang="zh-CN" dirty="0"/>
+              <a:t>时刻的过程中是否发生碰撞，如果碰撞则返回第一碰撞点的位置和法线。</a:t>
+            </a:r>
+          </a:p>
+          <a:p>
+            <a:endParaRPr lang="zh-CN" altLang="en-US" dirty="0"/>
+          </a:p>
+        </p:txBody>
+      </p:sp>
+    </p:spTree>
+    <p:extLst>
+      <p:ext uri="{BB962C8B-B14F-4D97-AF65-F5344CB8AC3E}">
+        <p14:creationId xmlns:p14="http://schemas.microsoft.com/office/powerpoint/2010/main" val="3400792215"/>
+      </p:ext>
+    </p:extLst>
+  </p:cSld>
+  <p:clrMapOvr>
+    <a:masterClrMapping/>
+  </p:clrMapOvr>
+  <p:timing>
+    <p:tnLst>
+      <p:par>
+        <p:cTn id="1" dur="indefinite" restart="never" nodeType="tmRoot"/>
+      </p:par>
+    </p:tnLst>
+  </p:timing>
+</p:sld>
+</file>
+
+<file path=ppt/slides/slide40.xml><?xml version="1.0" encoding="utf-8"?>
 <p:sld xmlns:a="http://schemas.openxmlformats.org/drawingml/2006/main" xmlns:r="http://schemas.openxmlformats.org/officeDocument/2006/relationships" xmlns:p="http://schemas.openxmlformats.org/presentationml/2006/main">
   <p:cSld>
     <p:spTree>
@@ -10581,10 +12886,17 @@
   <p:clrMapOvr>
     <a:masterClrMapping/>
   </p:clrMapOvr>
+  <p:timing>
+    <p:tnLst>
+      <p:par>
+        <p:cTn id="1" dur="indefinite" restart="never" nodeType="tmRoot"/>
+      </p:par>
+    </p:tnLst>
+  </p:timing>
 </p:sld>
 </file>
 
-<file path=ppt/slides/slide37.xml><?xml version="1.0" encoding="utf-8"?>
+<file path=ppt/slides/slide41.xml><?xml version="1.0" encoding="utf-8"?>
 <p:sld xmlns:a="http://schemas.openxmlformats.org/drawingml/2006/main" xmlns:r="http://schemas.openxmlformats.org/officeDocument/2006/relationships" xmlns:p="http://schemas.openxmlformats.org/presentationml/2006/main">
   <p:cSld>
     <p:spTree>
@@ -10727,10 +13039,17 @@
   <p:clrMapOvr>
     <a:masterClrMapping/>
   </p:clrMapOvr>
+  <p:timing>
+    <p:tnLst>
+      <p:par>
+        <p:cTn id="1" dur="indefinite" restart="never" nodeType="tmRoot"/>
+      </p:par>
+    </p:tnLst>
+  </p:timing>
 </p:sld>
 </file>
 
-<file path=ppt/slides/slide38.xml><?xml version="1.0" encoding="utf-8"?>
+<file path=ppt/slides/slide42.xml><?xml version="1.0" encoding="utf-8"?>
 <p:sld xmlns:a="http://schemas.openxmlformats.org/drawingml/2006/main" xmlns:r="http://schemas.openxmlformats.org/officeDocument/2006/relationships" xmlns:p="http://schemas.openxmlformats.org/presentationml/2006/main">
   <p:cSld>
     <p:spTree>
@@ -12262,10 +14581,17 @@
   <p:clrMapOvr>
     <a:masterClrMapping/>
   </p:clrMapOvr>
+  <p:timing>
+    <p:tnLst>
+      <p:par>
+        <p:cTn id="1" dur="indefinite" restart="never" nodeType="tmRoot"/>
+      </p:par>
+    </p:tnLst>
+  </p:timing>
 </p:sld>
 </file>
 
-<file path=ppt/slides/slide39.xml><?xml version="1.0" encoding="utf-8"?>
+<file path=ppt/slides/slide43.xml><?xml version="1.0" encoding="utf-8"?>
 <p:sld xmlns:a="http://schemas.openxmlformats.org/drawingml/2006/main" xmlns:r="http://schemas.openxmlformats.org/officeDocument/2006/relationships" xmlns:p="http://schemas.openxmlformats.org/presentationml/2006/main">
   <p:cSld>
     <p:spTree>
@@ -12392,10 +14718,17 @@
   <p:clrMapOvr>
     <a:masterClrMapping/>
   </p:clrMapOvr>
+  <p:timing>
+    <p:tnLst>
+      <p:par>
+        <p:cTn id="1" dur="indefinite" restart="never" nodeType="tmRoot"/>
+      </p:par>
+    </p:tnLst>
+  </p:timing>
 </p:sld>
 </file>
 
-<file path=ppt/slides/slide4.xml><?xml version="1.0" encoding="utf-8"?>
+<file path=ppt/slides/slide44.xml><?xml version="1.0" encoding="utf-8"?>
 <p:sld xmlns:a="http://schemas.openxmlformats.org/drawingml/2006/main" xmlns:r="http://schemas.openxmlformats.org/officeDocument/2006/relationships" xmlns:p="http://schemas.openxmlformats.org/presentationml/2006/main">
   <p:cSld>
     <p:spTree>
@@ -12430,182 +14763,6 @@
           <a:lstStyle/>
           <a:p>
             <a:r>
-              <a:rPr lang="zh-CN" altLang="zh-CN" b="1" dirty="0"/>
-              <a:t>碰撞检测的</a:t>
-            </a:r>
-            <a:r>
-              <a:rPr lang="zh-CN" altLang="zh-CN" b="1" dirty="0" smtClean="0"/>
-              <a:t>基本原理</a:t>
-            </a:r>
-            <a:endParaRPr lang="zh-CN" altLang="en-US" dirty="0"/>
-          </a:p>
-        </p:txBody>
-      </p:sp>
-      <p:sp>
-        <p:nvSpPr>
-          <p:cNvPr id="3" name="内容占位符 2"/>
-          <p:cNvSpPr>
-            <a:spLocks noGrp="1"/>
-          </p:cNvSpPr>
-          <p:nvPr>
-            <p:ph idx="1"/>
-          </p:nvPr>
-        </p:nvSpPr>
-        <p:spPr/>
-        <p:txBody>
-          <a:bodyPr>
-            <a:normAutofit fontScale="70000" lnSpcReduction="20000"/>
-          </a:bodyPr>
-          <a:lstStyle/>
-          <a:p>
-            <a:r>
-              <a:rPr lang="zh-CN" altLang="zh-CN" dirty="0" smtClean="0"/>
-              <a:t>从</a:t>
-            </a:r>
-            <a:r>
-              <a:rPr lang="zh-CN" altLang="zh-CN" dirty="0"/>
-              <a:t>几何上讲，碰撞检测是两个多面体的求交集检测，按照物体所处空间的维度，碰撞检测又可以分为二维平面碰撞检测和三维空间碰撞</a:t>
-            </a:r>
-            <a:r>
-              <a:rPr lang="zh-CN" altLang="zh-CN" dirty="0" smtClean="0"/>
-              <a:t>检测</a:t>
-            </a:r>
-            <a:endParaRPr lang="en-US" altLang="zh-CN" dirty="0" smtClean="0"/>
-          </a:p>
-          <a:p>
-            <a:r>
-              <a:rPr lang="zh-CN" altLang="zh-CN" dirty="0" smtClean="0"/>
-              <a:t>平面</a:t>
-            </a:r>
-            <a:r>
-              <a:rPr lang="zh-CN" altLang="zh-CN" dirty="0"/>
-              <a:t>碰撞检测相对简单一些，已经有较为成熟的检测算法，而三维空间的碰撞检测则要复杂许多，主要问题是解决碰撞检测的实时性和精确性的</a:t>
-            </a:r>
-            <a:r>
-              <a:rPr lang="zh-CN" altLang="zh-CN" dirty="0" smtClean="0"/>
-              <a:t>矛盾</a:t>
-            </a:r>
-            <a:endParaRPr lang="en-US" altLang="zh-CN" dirty="0" smtClean="0"/>
-          </a:p>
-          <a:p>
-            <a:r>
-              <a:rPr lang="zh-CN" altLang="zh-CN" dirty="0" smtClean="0"/>
-              <a:t>我们</a:t>
-            </a:r>
-            <a:r>
-              <a:rPr lang="zh-CN" altLang="zh-CN" dirty="0"/>
-              <a:t>可以将碰撞检测分为离散碰撞检测和连续碰撞检测</a:t>
-            </a:r>
-            <a:r>
-              <a:rPr lang="zh-CN" altLang="zh-CN" dirty="0" smtClean="0"/>
-              <a:t>两种</a:t>
-            </a:r>
-            <a:endParaRPr lang="en-US" altLang="zh-CN" dirty="0" smtClean="0"/>
-          </a:p>
-          <a:p>
-            <a:pPr lvl="1"/>
-            <a:r>
-              <a:rPr lang="zh-CN" altLang="zh-CN" dirty="0" smtClean="0"/>
-              <a:t>离散</a:t>
-            </a:r>
-            <a:r>
-              <a:rPr lang="zh-CN" altLang="zh-CN" dirty="0"/>
-              <a:t>碰撞检测是指定某一时刻</a:t>
-            </a:r>
-            <a:r>
-              <a:rPr lang="en-US" altLang="zh-CN" dirty="0"/>
-              <a:t>T</a:t>
-            </a:r>
-            <a:r>
-              <a:rPr lang="zh-CN" altLang="zh-CN" dirty="0"/>
-              <a:t>的两个静态碰撞体，看它们之间是否交迭，如果没有交迭则返回它们最近点的距离，如果交迭则返回交迭深度，交迭方向等；连续碰撞检测则是分别指定在</a:t>
-            </a:r>
-            <a:r>
-              <a:rPr lang="en-US" altLang="zh-CN" dirty="0"/>
-              <a:t>T1</a:t>
-            </a:r>
-            <a:r>
-              <a:rPr lang="zh-CN" altLang="zh-CN" dirty="0"/>
-              <a:t>、</a:t>
-            </a:r>
-            <a:r>
-              <a:rPr lang="en-US" altLang="zh-CN" dirty="0"/>
-              <a:t>T2</a:t>
-            </a:r>
-            <a:r>
-              <a:rPr lang="zh-CN" altLang="zh-CN" dirty="0"/>
-              <a:t>两个时刻两个碰撞体的位置，看它们在由</a:t>
-            </a:r>
-            <a:r>
-              <a:rPr lang="en-US" altLang="zh-CN" dirty="0"/>
-              <a:t>T1</a:t>
-            </a:r>
-            <a:r>
-              <a:rPr lang="zh-CN" altLang="zh-CN" dirty="0"/>
-              <a:t>运动到</a:t>
-            </a:r>
-            <a:r>
-              <a:rPr lang="en-US" altLang="zh-CN" dirty="0"/>
-              <a:t>T2</a:t>
-            </a:r>
-            <a:r>
-              <a:rPr lang="zh-CN" altLang="zh-CN" dirty="0"/>
-              <a:t>时刻的过程中是否发生碰撞，如果碰撞则返回第一碰撞点的位置和法线。</a:t>
-            </a:r>
-          </a:p>
-          <a:p>
-            <a:endParaRPr lang="zh-CN" altLang="en-US" dirty="0"/>
-          </a:p>
-        </p:txBody>
-      </p:sp>
-    </p:spTree>
-    <p:extLst>
-      <p:ext uri="{BB962C8B-B14F-4D97-AF65-F5344CB8AC3E}">
-        <p14:creationId xmlns:p14="http://schemas.microsoft.com/office/powerpoint/2010/main" val="3400792215"/>
-      </p:ext>
-    </p:extLst>
-  </p:cSld>
-  <p:clrMapOvr>
-    <a:masterClrMapping/>
-  </p:clrMapOvr>
-</p:sld>
-</file>
-
-<file path=ppt/slides/slide40.xml><?xml version="1.0" encoding="utf-8"?>
-<p:sld xmlns:a="http://schemas.openxmlformats.org/drawingml/2006/main" xmlns:r="http://schemas.openxmlformats.org/officeDocument/2006/relationships" xmlns:p="http://schemas.openxmlformats.org/presentationml/2006/main">
-  <p:cSld>
-    <p:spTree>
-      <p:nvGrpSpPr>
-        <p:cNvPr id="1" name=""/>
-        <p:cNvGrpSpPr/>
-        <p:nvPr/>
-      </p:nvGrpSpPr>
-      <p:grpSpPr>
-        <a:xfrm>
-          <a:off x="0" y="0"/>
-          <a:ext cx="0" cy="0"/>
-          <a:chOff x="0" y="0"/>
-          <a:chExt cx="0" cy="0"/>
-        </a:xfrm>
-      </p:grpSpPr>
-      <p:sp>
-        <p:nvSpPr>
-          <p:cNvPr id="2" name="标题 1"/>
-          <p:cNvSpPr>
-            <a:spLocks noGrp="1"/>
-          </p:cNvSpPr>
-          <p:nvPr>
-            <p:ph type="title"/>
-          </p:nvPr>
-        </p:nvSpPr>
-        <p:spPr/>
-        <p:txBody>
-          <a:bodyPr>
-            <a:normAutofit/>
-          </a:bodyPr>
-          <a:lstStyle/>
-          <a:p>
-            <a:r>
               <a:rPr lang="en-US" altLang="zh-CN" b="1" dirty="0"/>
               <a:t>k-DOP</a:t>
             </a:r>
@@ -12796,10 +14953,17 @@
   <p:clrMapOvr>
     <a:masterClrMapping/>
   </p:clrMapOvr>
+  <p:timing>
+    <p:tnLst>
+      <p:par>
+        <p:cTn id="1" dur="indefinite" restart="never" nodeType="tmRoot"/>
+      </p:par>
+    </p:tnLst>
+  </p:timing>
 </p:sld>
 </file>
 
-<file path=ppt/slides/slide41.xml><?xml version="1.0" encoding="utf-8"?>
+<file path=ppt/slides/slide45.xml><?xml version="1.0" encoding="utf-8"?>
 <p:sld xmlns:a="http://schemas.openxmlformats.org/drawingml/2006/main" xmlns:r="http://schemas.openxmlformats.org/officeDocument/2006/relationships" xmlns:p="http://schemas.openxmlformats.org/presentationml/2006/main">
   <p:cSld>
     <p:spTree>
@@ -13058,10 +15222,17 @@
   <p:clrMapOvr>
     <a:masterClrMapping/>
   </p:clrMapOvr>
+  <p:timing>
+    <p:tnLst>
+      <p:par>
+        <p:cTn id="1" dur="indefinite" restart="never" nodeType="tmRoot"/>
+      </p:par>
+    </p:tnLst>
+  </p:timing>
 </p:sld>
 </file>
 
-<file path=ppt/slides/slide42.xml><?xml version="1.0" encoding="utf-8"?>
+<file path=ppt/slides/slide46.xml><?xml version="1.0" encoding="utf-8"?>
 <p:sld xmlns:a="http://schemas.openxmlformats.org/drawingml/2006/main" xmlns:r="http://schemas.openxmlformats.org/officeDocument/2006/relationships" xmlns:p="http://schemas.openxmlformats.org/presentationml/2006/main">
   <p:cSld>
     <p:spTree>
@@ -13548,10 +15719,17 @@
   <p:clrMapOvr>
     <a:masterClrMapping/>
   </p:clrMapOvr>
+  <p:timing>
+    <p:tnLst>
+      <p:par>
+        <p:cTn id="1" dur="indefinite" restart="never" nodeType="tmRoot"/>
+      </p:par>
+    </p:tnLst>
+  </p:timing>
 </p:sld>
 </file>
 
-<file path=ppt/slides/slide43.xml><?xml version="1.0" encoding="utf-8"?>
+<file path=ppt/slides/slide47.xml><?xml version="1.0" encoding="utf-8"?>
 <p:sld xmlns:a="http://schemas.openxmlformats.org/drawingml/2006/main" xmlns:r="http://schemas.openxmlformats.org/officeDocument/2006/relationships" xmlns:p="http://schemas.openxmlformats.org/presentationml/2006/main">
   <p:cSld>
     <p:spTree>
@@ -13719,10 +15897,17 @@
   <p:clrMapOvr>
     <a:masterClrMapping/>
   </p:clrMapOvr>
+  <p:timing>
+    <p:tnLst>
+      <p:par>
+        <p:cTn id="1" dur="indefinite" restart="never" nodeType="tmRoot"/>
+      </p:par>
+    </p:tnLst>
+  </p:timing>
 </p:sld>
 </file>
 
-<file path=ppt/slides/slide44.xml><?xml version="1.0" encoding="utf-8"?>
+<file path=ppt/slides/slide48.xml><?xml version="1.0" encoding="utf-8"?>
 <p:sld xmlns:a="http://schemas.openxmlformats.org/drawingml/2006/main" xmlns:r="http://schemas.openxmlformats.org/officeDocument/2006/relationships" xmlns:p="http://schemas.openxmlformats.org/presentationml/2006/main">
   <p:cSld>
     <p:spTree>
@@ -13851,10 +16036,17 @@
   <p:clrMapOvr>
     <a:masterClrMapping/>
   </p:clrMapOvr>
+  <p:timing>
+    <p:tnLst>
+      <p:par>
+        <p:cTn id="1" dur="indefinite" restart="never" nodeType="tmRoot"/>
+      </p:par>
+    </p:tnLst>
+  </p:timing>
 </p:sld>
 </file>
 
-<file path=ppt/slides/slide45.xml><?xml version="1.0" encoding="utf-8"?>
+<file path=ppt/slides/slide49.xml><?xml version="1.0" encoding="utf-8"?>
 <p:sld xmlns:a="http://schemas.openxmlformats.org/drawingml/2006/main" xmlns:r="http://schemas.openxmlformats.org/officeDocument/2006/relationships" xmlns:p="http://schemas.openxmlformats.org/presentationml/2006/main">
   <p:cSld>
     <p:spTree>
@@ -14150,10 +16342,959 @@
   <p:clrMapOvr>
     <a:masterClrMapping/>
   </p:clrMapOvr>
+  <p:timing>
+    <p:tnLst>
+      <p:par>
+        <p:cTn id="1" dur="indefinite" restart="never" nodeType="tmRoot"/>
+      </p:par>
+    </p:tnLst>
+  </p:timing>
 </p:sld>
 </file>
 
-<file path=ppt/slides/slide46.xml><?xml version="1.0" encoding="utf-8"?>
+<file path=ppt/slides/slide5.xml><?xml version="1.0" encoding="utf-8"?>
+<p:sld xmlns:a="http://schemas.openxmlformats.org/drawingml/2006/main" xmlns:r="http://schemas.openxmlformats.org/officeDocument/2006/relationships" xmlns:p="http://schemas.openxmlformats.org/presentationml/2006/main">
+  <p:cSld>
+    <p:spTree>
+      <p:nvGrpSpPr>
+        <p:cNvPr id="1" name=""/>
+        <p:cNvGrpSpPr/>
+        <p:nvPr/>
+      </p:nvGrpSpPr>
+      <p:grpSpPr>
+        <a:xfrm>
+          <a:off x="0" y="0"/>
+          <a:ext cx="0" cy="0"/>
+          <a:chOff x="0" y="0"/>
+          <a:chExt cx="0" cy="0"/>
+        </a:xfrm>
+      </p:grpSpPr>
+      <p:sp>
+        <p:nvSpPr>
+          <p:cNvPr id="5" name="TextBox 4"/>
+          <p:cNvSpPr txBox="1"/>
+          <p:nvPr>
+            <p:custDataLst>
+              <p:tags r:id="rId2"/>
+            </p:custDataLst>
+          </p:nvPr>
+        </p:nvSpPr>
+        <p:spPr>
+          <a:xfrm>
+            <a:off x="914400" y="635000"/>
+            <a:ext cx="7315200" cy="1607344"/>
+          </a:xfrm>
+          <a:prstGeom prst="rect">
+            <a:avLst/>
+          </a:prstGeom>
+          <a:noFill/>
+        </p:spPr>
+        <p:txBody>
+          <a:bodyPr vert="horz" wrap="square" rtlCol="0" anchor="ctr" anchorCtr="0">
+            <a:noAutofit/>
+          </a:bodyPr>
+          <a:lstStyle/>
+          <a:p>
+            <a:r>
+              <a:rPr lang="zh-CN" altLang="en-US" sz="2600" dirty="0" smtClean="0">
+                <a:solidFill>
+                  <a:srgbClr val="000000"/>
+                </a:solidFill>
+                <a:latin typeface="Microsoft Yahei"/>
+                <a:ea typeface="Microsoft Yahei"/>
+                <a:sym typeface="Microsoft Yahei"/>
+              </a:rPr>
+              <a:t>游戏中的碰撞检测可以分为？</a:t>
+            </a:r>
+            <a:endParaRPr lang="zh-CN" altLang="en-US" sz="2600" dirty="0">
+              <a:solidFill>
+                <a:srgbClr val="000000"/>
+              </a:solidFill>
+              <a:latin typeface="Microsoft Yahei"/>
+              <a:ea typeface="Microsoft Yahei"/>
+              <a:sym typeface="Microsoft Yahei"/>
+            </a:endParaRPr>
+          </a:p>
+        </p:txBody>
+      </p:sp>
+      <p:sp>
+        <p:nvSpPr>
+          <p:cNvPr id="6" name="TextBox 5"/>
+          <p:cNvSpPr txBox="1"/>
+          <p:nvPr>
+            <p:custDataLst>
+              <p:tags r:id="rId3"/>
+            </p:custDataLst>
+          </p:nvPr>
+        </p:nvSpPr>
+        <p:spPr>
+          <a:xfrm>
+            <a:off x="1828800" y="2089547"/>
+            <a:ext cx="6400800" cy="482203"/>
+          </a:xfrm>
+          <a:prstGeom prst="rect">
+            <a:avLst/>
+          </a:prstGeom>
+          <a:noFill/>
+        </p:spPr>
+        <p:txBody>
+          <a:bodyPr vert="horz" rtlCol="0" anchor="ctr" anchorCtr="0">
+            <a:noAutofit/>
+          </a:bodyPr>
+          <a:lstStyle/>
+          <a:p>
+            <a:r>
+              <a:rPr lang="zh-CN" altLang="en-US" sz="2600" dirty="0" smtClean="0">
+                <a:solidFill>
+                  <a:srgbClr val="000000"/>
+                </a:solidFill>
+                <a:latin typeface="Microsoft Yahei"/>
+                <a:ea typeface="Microsoft Yahei"/>
+                <a:sym typeface="Microsoft Yahei"/>
+              </a:rPr>
+              <a:t>三维空间碰撞检测</a:t>
+            </a:r>
+            <a:endParaRPr lang="zh-CN" altLang="en-US" sz="2600" dirty="0">
+              <a:solidFill>
+                <a:srgbClr val="000000"/>
+              </a:solidFill>
+              <a:latin typeface="Microsoft Yahei"/>
+              <a:ea typeface="Microsoft Yahei"/>
+              <a:sym typeface="Microsoft Yahei"/>
+            </a:endParaRPr>
+          </a:p>
+        </p:txBody>
+      </p:sp>
+      <p:sp>
+        <p:nvSpPr>
+          <p:cNvPr id="7" name="TextBox 6"/>
+          <p:cNvSpPr txBox="1"/>
+          <p:nvPr>
+            <p:custDataLst>
+              <p:tags r:id="rId4"/>
+            </p:custDataLst>
+          </p:nvPr>
+        </p:nvSpPr>
+        <p:spPr>
+          <a:xfrm>
+            <a:off x="1828800" y="2732484"/>
+            <a:ext cx="6400800" cy="482203"/>
+          </a:xfrm>
+          <a:prstGeom prst="rect">
+            <a:avLst/>
+          </a:prstGeom>
+          <a:noFill/>
+        </p:spPr>
+        <p:txBody>
+          <a:bodyPr vert="horz" rtlCol="0" anchor="ctr" anchorCtr="0">
+            <a:noAutofit/>
+          </a:bodyPr>
+          <a:lstStyle/>
+          <a:p>
+            <a:r>
+              <a:rPr lang="zh-CN" altLang="en-US" sz="2600" dirty="0">
+                <a:solidFill>
+                  <a:srgbClr val="000000"/>
+                </a:solidFill>
+                <a:latin typeface="Microsoft Yahei"/>
+                <a:ea typeface="Microsoft Yahei"/>
+                <a:sym typeface="Microsoft Yahei"/>
+              </a:rPr>
+              <a:t>二维</a:t>
+            </a:r>
+            <a:r>
+              <a:rPr lang="zh-CN" altLang="en-US" sz="2600" dirty="0" smtClean="0">
+                <a:solidFill>
+                  <a:srgbClr val="000000"/>
+                </a:solidFill>
+                <a:latin typeface="Microsoft Yahei"/>
+                <a:ea typeface="Microsoft Yahei"/>
+                <a:sym typeface="Microsoft Yahei"/>
+              </a:rPr>
+              <a:t>平面碰撞检测</a:t>
+            </a:r>
+            <a:endParaRPr lang="zh-CN" altLang="en-US" sz="2600" dirty="0">
+              <a:solidFill>
+                <a:srgbClr val="000000"/>
+              </a:solidFill>
+              <a:latin typeface="Microsoft Yahei"/>
+              <a:ea typeface="Microsoft Yahei"/>
+              <a:sym typeface="Microsoft Yahei"/>
+            </a:endParaRPr>
+          </a:p>
+        </p:txBody>
+      </p:sp>
+      <p:sp>
+        <p:nvSpPr>
+          <p:cNvPr id="8" name="TextBox 7"/>
+          <p:cNvSpPr txBox="1"/>
+          <p:nvPr>
+            <p:custDataLst>
+              <p:tags r:id="rId5"/>
+            </p:custDataLst>
+          </p:nvPr>
+        </p:nvSpPr>
+        <p:spPr>
+          <a:xfrm>
+            <a:off x="1828800" y="3375422"/>
+            <a:ext cx="6400800" cy="482203"/>
+          </a:xfrm>
+          <a:prstGeom prst="rect">
+            <a:avLst/>
+          </a:prstGeom>
+          <a:noFill/>
+        </p:spPr>
+        <p:txBody>
+          <a:bodyPr vert="horz" rtlCol="0" anchor="ctr" anchorCtr="0">
+            <a:noAutofit/>
+          </a:bodyPr>
+          <a:lstStyle/>
+          <a:p>
+            <a:r>
+              <a:rPr lang="zh-CN" altLang="en-US" sz="2600" dirty="0" smtClean="0">
+                <a:solidFill>
+                  <a:srgbClr val="000000"/>
+                </a:solidFill>
+                <a:latin typeface="Microsoft Yahei"/>
+                <a:ea typeface="Microsoft Yahei"/>
+                <a:sym typeface="Microsoft Yahei"/>
+              </a:rPr>
+              <a:t>物理碰撞检测</a:t>
+            </a:r>
+            <a:endParaRPr lang="zh-CN" altLang="en-US" sz="2600" dirty="0">
+              <a:solidFill>
+                <a:srgbClr val="000000"/>
+              </a:solidFill>
+              <a:latin typeface="Microsoft Yahei"/>
+              <a:ea typeface="Microsoft Yahei"/>
+              <a:sym typeface="Microsoft Yahei"/>
+            </a:endParaRPr>
+          </a:p>
+        </p:txBody>
+      </p:sp>
+      <p:sp>
+        <p:nvSpPr>
+          <p:cNvPr id="9" name="TextBox 8"/>
+          <p:cNvSpPr txBox="1"/>
+          <p:nvPr>
+            <p:custDataLst>
+              <p:tags r:id="rId6"/>
+            </p:custDataLst>
+          </p:nvPr>
+        </p:nvSpPr>
+        <p:spPr>
+          <a:xfrm>
+            <a:off x="1828800" y="4018359"/>
+            <a:ext cx="6400800" cy="482203"/>
+          </a:xfrm>
+          <a:prstGeom prst="rect">
+            <a:avLst/>
+          </a:prstGeom>
+          <a:noFill/>
+        </p:spPr>
+        <p:txBody>
+          <a:bodyPr vert="horz" rtlCol="0" anchor="ctr" anchorCtr="0">
+            <a:noAutofit/>
+          </a:bodyPr>
+          <a:lstStyle/>
+          <a:p>
+            <a:r>
+              <a:rPr lang="zh-CN" altLang="en-US" sz="2600" dirty="0" smtClean="0">
+                <a:solidFill>
+                  <a:srgbClr val="000000"/>
+                </a:solidFill>
+                <a:latin typeface="Microsoft Yahei"/>
+                <a:ea typeface="Microsoft Yahei"/>
+                <a:sym typeface="Microsoft Yahei"/>
+              </a:rPr>
+              <a:t>几何碰撞检测</a:t>
+            </a:r>
+            <a:endParaRPr lang="zh-CN" altLang="en-US" sz="2600" dirty="0">
+              <a:solidFill>
+                <a:srgbClr val="000000"/>
+              </a:solidFill>
+              <a:latin typeface="Microsoft Yahei"/>
+              <a:ea typeface="Microsoft Yahei"/>
+              <a:sym typeface="Microsoft Yahei"/>
+            </a:endParaRPr>
+          </a:p>
+        </p:txBody>
+      </p:sp>
+      <p:sp>
+        <p:nvSpPr>
+          <p:cNvPr id="10" name="矩形 9"/>
+          <p:cNvSpPr>
+            <a:spLocks noChangeAspect="1"/>
+          </p:cNvSpPr>
+          <p:nvPr>
+            <p:custDataLst>
+              <p:tags r:id="rId7"/>
+            </p:custDataLst>
+          </p:nvPr>
+        </p:nvSpPr>
+        <p:spPr>
+          <a:xfrm>
+            <a:off x="1178719" y="2137767"/>
+            <a:ext cx="385762" cy="385763"/>
+          </a:xfrm>
+          <a:prstGeom prst="rect">
+            <a:avLst/>
+          </a:prstGeom>
+          <a:solidFill>
+            <a:srgbClr val="00FF00"/>
+          </a:solidFill>
+          <a:ln w="25400" cmpd="sng">
+            <a:solidFill>
+              <a:srgbClr val="000000"/>
+            </a:solidFill>
+            <a:prstDash val="solid"/>
+          </a:ln>
+        </p:spPr>
+        <p:style>
+          <a:lnRef idx="2">
+            <a:schemeClr val="accent1">
+              <a:shade val="50000"/>
+            </a:schemeClr>
+          </a:lnRef>
+          <a:fillRef idx="1">
+            <a:schemeClr val="accent1"/>
+          </a:fillRef>
+          <a:effectRef idx="0">
+            <a:schemeClr val="accent1"/>
+          </a:effectRef>
+          <a:fontRef idx="minor">
+            <a:schemeClr val="lt1"/>
+          </a:fontRef>
+        </p:style>
+        <p:txBody>
+          <a:bodyPr rtlCol="0" anchor="ctr" anchorCtr="1"/>
+          <a:lstStyle/>
+          <a:p>
+            <a:pPr algn="ctr"/>
+            <a:r>
+              <a:rPr lang="en-US" altLang="zh-CN" sz="1600" smtClean="0">
+                <a:solidFill>
+                  <a:srgbClr val="FFFFFF"/>
+                </a:solidFill>
+                <a:latin typeface="Microsoft Yahei"/>
+                <a:ea typeface="Microsoft Yahei"/>
+                <a:sym typeface="Microsoft Yahei"/>
+              </a:rPr>
+              <a:t>A</a:t>
+            </a:r>
+            <a:endParaRPr lang="zh-CN" altLang="en-US" sz="1600">
+              <a:solidFill>
+                <a:srgbClr val="FFFFFF"/>
+              </a:solidFill>
+              <a:latin typeface="Microsoft Yahei"/>
+              <a:ea typeface="Microsoft Yahei"/>
+              <a:sym typeface="Microsoft Yahei"/>
+            </a:endParaRPr>
+          </a:p>
+        </p:txBody>
+      </p:sp>
+      <p:sp>
+        <p:nvSpPr>
+          <p:cNvPr id="11" name="矩形 10"/>
+          <p:cNvSpPr>
+            <a:spLocks noChangeAspect="1"/>
+          </p:cNvSpPr>
+          <p:nvPr>
+            <p:custDataLst>
+              <p:tags r:id="rId8"/>
+            </p:custDataLst>
+          </p:nvPr>
+        </p:nvSpPr>
+        <p:spPr>
+          <a:xfrm>
+            <a:off x="1178719" y="2780705"/>
+            <a:ext cx="385762" cy="385762"/>
+          </a:xfrm>
+          <a:prstGeom prst="rect">
+            <a:avLst/>
+          </a:prstGeom>
+          <a:solidFill>
+            <a:srgbClr val="00FF00"/>
+          </a:solidFill>
+          <a:ln w="25400" cmpd="sng">
+            <a:solidFill>
+              <a:srgbClr val="000000"/>
+            </a:solidFill>
+            <a:prstDash val="solid"/>
+          </a:ln>
+        </p:spPr>
+        <p:style>
+          <a:lnRef idx="2">
+            <a:schemeClr val="accent1">
+              <a:shade val="50000"/>
+            </a:schemeClr>
+          </a:lnRef>
+          <a:fillRef idx="1">
+            <a:schemeClr val="accent1"/>
+          </a:fillRef>
+          <a:effectRef idx="0">
+            <a:schemeClr val="accent1"/>
+          </a:effectRef>
+          <a:fontRef idx="minor">
+            <a:schemeClr val="lt1"/>
+          </a:fontRef>
+        </p:style>
+        <p:txBody>
+          <a:bodyPr rtlCol="0" anchor="ctr" anchorCtr="1"/>
+          <a:lstStyle/>
+          <a:p>
+            <a:pPr algn="ctr"/>
+            <a:r>
+              <a:rPr lang="en-US" altLang="zh-CN" sz="1600" smtClean="0">
+                <a:solidFill>
+                  <a:srgbClr val="FFFFFF"/>
+                </a:solidFill>
+                <a:latin typeface="Microsoft Yahei"/>
+                <a:ea typeface="Microsoft Yahei"/>
+                <a:sym typeface="Microsoft Yahei"/>
+              </a:rPr>
+              <a:t>B</a:t>
+            </a:r>
+            <a:endParaRPr lang="zh-CN" altLang="en-US" sz="1600">
+              <a:solidFill>
+                <a:srgbClr val="FFFFFF"/>
+              </a:solidFill>
+              <a:latin typeface="Microsoft Yahei"/>
+              <a:ea typeface="Microsoft Yahei"/>
+              <a:sym typeface="Microsoft Yahei"/>
+            </a:endParaRPr>
+          </a:p>
+        </p:txBody>
+      </p:sp>
+      <p:sp>
+        <p:nvSpPr>
+          <p:cNvPr id="12" name="矩形 11"/>
+          <p:cNvSpPr>
+            <a:spLocks noChangeAspect="1"/>
+          </p:cNvSpPr>
+          <p:nvPr>
+            <p:custDataLst>
+              <p:tags r:id="rId9"/>
+            </p:custDataLst>
+          </p:nvPr>
+        </p:nvSpPr>
+        <p:spPr>
+          <a:xfrm>
+            <a:off x="1178719" y="3423642"/>
+            <a:ext cx="385762" cy="385763"/>
+          </a:xfrm>
+          <a:prstGeom prst="rect">
+            <a:avLst/>
+          </a:prstGeom>
+          <a:solidFill>
+            <a:srgbClr val="808080"/>
+          </a:solidFill>
+          <a:ln w="12700" cmpd="sng">
+            <a:solidFill>
+              <a:srgbClr val="000000"/>
+            </a:solidFill>
+            <a:prstDash val="solid"/>
+          </a:ln>
+        </p:spPr>
+        <p:style>
+          <a:lnRef idx="2">
+            <a:schemeClr val="accent1">
+              <a:shade val="50000"/>
+            </a:schemeClr>
+          </a:lnRef>
+          <a:fillRef idx="1">
+            <a:schemeClr val="accent1"/>
+          </a:fillRef>
+          <a:effectRef idx="0">
+            <a:schemeClr val="accent1"/>
+          </a:effectRef>
+          <a:fontRef idx="minor">
+            <a:schemeClr val="lt1"/>
+          </a:fontRef>
+        </p:style>
+        <p:txBody>
+          <a:bodyPr rtlCol="0" anchor="ctr" anchorCtr="1"/>
+          <a:lstStyle/>
+          <a:p>
+            <a:pPr algn="ctr"/>
+            <a:r>
+              <a:rPr lang="en-US" altLang="zh-CN" sz="1600" smtClean="0">
+                <a:solidFill>
+                  <a:srgbClr val="FFFFFF"/>
+                </a:solidFill>
+                <a:latin typeface="Microsoft Yahei"/>
+                <a:ea typeface="Microsoft Yahei"/>
+                <a:sym typeface="Microsoft Yahei"/>
+              </a:rPr>
+              <a:t>C</a:t>
+            </a:r>
+            <a:endParaRPr lang="zh-CN" altLang="en-US" sz="1600">
+              <a:solidFill>
+                <a:srgbClr val="FFFFFF"/>
+              </a:solidFill>
+              <a:latin typeface="Microsoft Yahei"/>
+              <a:ea typeface="Microsoft Yahei"/>
+              <a:sym typeface="Microsoft Yahei"/>
+            </a:endParaRPr>
+          </a:p>
+        </p:txBody>
+      </p:sp>
+      <p:sp>
+        <p:nvSpPr>
+          <p:cNvPr id="13" name="矩形 12"/>
+          <p:cNvSpPr>
+            <a:spLocks noChangeAspect="1"/>
+          </p:cNvSpPr>
+          <p:nvPr>
+            <p:custDataLst>
+              <p:tags r:id="rId10"/>
+            </p:custDataLst>
+          </p:nvPr>
+        </p:nvSpPr>
+        <p:spPr>
+          <a:xfrm>
+            <a:off x="1178719" y="4066580"/>
+            <a:ext cx="385762" cy="385762"/>
+          </a:xfrm>
+          <a:prstGeom prst="rect">
+            <a:avLst/>
+          </a:prstGeom>
+          <a:solidFill>
+            <a:srgbClr val="808080"/>
+          </a:solidFill>
+          <a:ln w="12700" cmpd="sng">
+            <a:solidFill>
+              <a:srgbClr val="000000"/>
+            </a:solidFill>
+            <a:prstDash val="solid"/>
+          </a:ln>
+        </p:spPr>
+        <p:style>
+          <a:lnRef idx="2">
+            <a:schemeClr val="accent1">
+              <a:shade val="50000"/>
+            </a:schemeClr>
+          </a:lnRef>
+          <a:fillRef idx="1">
+            <a:schemeClr val="accent1"/>
+          </a:fillRef>
+          <a:effectRef idx="0">
+            <a:schemeClr val="accent1"/>
+          </a:effectRef>
+          <a:fontRef idx="minor">
+            <a:schemeClr val="lt1"/>
+          </a:fontRef>
+        </p:style>
+        <p:txBody>
+          <a:bodyPr rtlCol="0" anchor="ctr" anchorCtr="1"/>
+          <a:lstStyle/>
+          <a:p>
+            <a:pPr algn="ctr"/>
+            <a:r>
+              <a:rPr lang="en-US" altLang="zh-CN" sz="1600" smtClean="0">
+                <a:solidFill>
+                  <a:srgbClr val="FFFFFF"/>
+                </a:solidFill>
+                <a:latin typeface="Microsoft Yahei"/>
+                <a:ea typeface="Microsoft Yahei"/>
+                <a:sym typeface="Microsoft Yahei"/>
+              </a:rPr>
+              <a:t>D</a:t>
+            </a:r>
+            <a:endParaRPr lang="zh-CN" altLang="en-US" sz="1600">
+              <a:solidFill>
+                <a:srgbClr val="FFFFFF"/>
+              </a:solidFill>
+              <a:latin typeface="Microsoft Yahei"/>
+              <a:ea typeface="Microsoft Yahei"/>
+              <a:sym typeface="Microsoft Yahei"/>
+            </a:endParaRPr>
+          </a:p>
+        </p:txBody>
+      </p:sp>
+      <p:sp>
+        <p:nvSpPr>
+          <p:cNvPr id="14" name="圆角矩形 13"/>
+          <p:cNvSpPr/>
+          <p:nvPr>
+            <p:custDataLst>
+              <p:tags r:id="rId11"/>
+            </p:custDataLst>
+          </p:nvPr>
+        </p:nvSpPr>
+        <p:spPr>
+          <a:xfrm>
+            <a:off x="6686550" y="4661297"/>
+            <a:ext cx="1157288" cy="308610"/>
+          </a:xfrm>
+          <a:prstGeom prst="roundRect">
+            <a:avLst/>
+          </a:prstGeom>
+          <a:solidFill>
+            <a:srgbClr val="808080"/>
+          </a:solidFill>
+          <a:ln w="38100" cmpd="sng">
+            <a:solidFill>
+              <a:srgbClr val="000000"/>
+            </a:solidFill>
+            <a:prstDash val="solid"/>
+          </a:ln>
+        </p:spPr>
+        <p:style>
+          <a:lnRef idx="2">
+            <a:schemeClr val="accent1">
+              <a:shade val="50000"/>
+            </a:schemeClr>
+          </a:lnRef>
+          <a:fillRef idx="1">
+            <a:schemeClr val="accent1"/>
+          </a:fillRef>
+          <a:effectRef idx="0">
+            <a:schemeClr val="accent1"/>
+          </a:effectRef>
+          <a:fontRef idx="minor">
+            <a:schemeClr val="lt1"/>
+          </a:fontRef>
+        </p:style>
+        <p:txBody>
+          <a:bodyPr rtlCol="0" anchor="ctr" anchorCtr="1"/>
+          <a:lstStyle/>
+          <a:p>
+            <a:pPr algn="ctr"/>
+            <a:r>
+              <a:rPr lang="zh-CN" altLang="en-US" sz="1600" smtClean="0">
+                <a:solidFill>
+                  <a:srgbClr val="FFFFFF"/>
+                </a:solidFill>
+                <a:latin typeface="Microsoft Yahei"/>
+                <a:ea typeface="Microsoft Yahei"/>
+                <a:sym typeface="Microsoft Yahei"/>
+              </a:rPr>
+              <a:t>提交</a:t>
+            </a:r>
+            <a:endParaRPr lang="zh-CN" altLang="en-US" sz="1600">
+              <a:solidFill>
+                <a:srgbClr val="FFFFFF"/>
+              </a:solidFill>
+              <a:latin typeface="Microsoft Yahei"/>
+              <a:ea typeface="Microsoft Yahei"/>
+              <a:sym typeface="Microsoft Yahei"/>
+            </a:endParaRPr>
+          </a:p>
+        </p:txBody>
+      </p:sp>
+      <p:grpSp>
+        <p:nvGrpSpPr>
+          <p:cNvPr id="19" name="组合 18"/>
+          <p:cNvGrpSpPr/>
+          <p:nvPr>
+            <p:custDataLst>
+              <p:tags r:id="rId12"/>
+            </p:custDataLst>
+          </p:nvPr>
+        </p:nvGrpSpPr>
+        <p:grpSpPr>
+          <a:xfrm>
+            <a:off x="0" y="0"/>
+            <a:ext cx="9144000" cy="635000"/>
+            <a:chOff x="0" y="0"/>
+            <a:chExt cx="9144000" cy="635000"/>
+          </a:xfrm>
+        </p:grpSpPr>
+        <p:sp>
+          <p:nvSpPr>
+            <p:cNvPr id="15" name="TitleBackground"/>
+            <p:cNvSpPr/>
+            <p:nvPr>
+              <p:custDataLst>
+                <p:tags r:id="rId14"/>
+              </p:custDataLst>
+            </p:nvPr>
+          </p:nvSpPr>
+          <p:spPr>
+            <a:xfrm>
+              <a:off x="0" y="0"/>
+              <a:ext cx="9144000" cy="635000"/>
+            </a:xfrm>
+            <a:prstGeom prst="rect">
+              <a:avLst/>
+            </a:prstGeom>
+            <a:solidFill>
+              <a:srgbClr val="F6F7F8"/>
+            </a:solidFill>
+            <a:ln w="25400" cap="flat" cmpd="sng" algn="ctr">
+              <a:noFill/>
+              <a:prstDash val="solid"/>
+            </a:ln>
+            <a:effectLst/>
+            <a:extLst>
+              <a:ext uri="{91240B29-F687-4F45-9708-019B960494DF}">
+                <a14:hiddenLine xmlns:a14="http://schemas.microsoft.com/office/drawing/2010/main" w="25400" cap="flat" cmpd="sng" algn="ctr">
+                  <a:solidFill>
+                    <a:schemeClr val="accent1">
+                      <a:shade val="50000"/>
+                    </a:schemeClr>
+                  </a:solidFill>
+                  <a:prstDash val="solid"/>
+                </a14:hiddenLine>
+              </a:ext>
+            </a:extLst>
+          </p:spPr>
+          <p:style>
+            <a:lnRef idx="2">
+              <a:schemeClr val="accent1">
+                <a:shade val="50000"/>
+              </a:schemeClr>
+            </a:lnRef>
+            <a:fillRef idx="1">
+              <a:schemeClr val="accent1"/>
+            </a:fillRef>
+            <a:effectRef idx="0">
+              <a:schemeClr val="accent1"/>
+            </a:effectRef>
+            <a:fontRef idx="minor">
+              <a:schemeClr val="lt1"/>
+            </a:fontRef>
+          </p:style>
+          <p:txBody>
+            <a:bodyPr rtlCol="0" anchor="ctr"/>
+            <a:lstStyle/>
+            <a:p>
+              <a:pPr algn="ctr"/>
+              <a:endParaRPr lang="zh-CN" altLang="en-US"/>
+            </a:p>
+          </p:txBody>
+        </p:sp>
+        <p:sp>
+          <p:nvSpPr>
+            <p:cNvPr id="16" name="ColorBlock"/>
+            <p:cNvSpPr/>
+            <p:nvPr>
+              <p:custDataLst>
+                <p:tags r:id="rId15"/>
+              </p:custDataLst>
+            </p:nvPr>
+          </p:nvSpPr>
+          <p:spPr>
+            <a:xfrm>
+              <a:off x="0" y="0"/>
+              <a:ext cx="190500" cy="635000"/>
+            </a:xfrm>
+            <a:prstGeom prst="rect">
+              <a:avLst/>
+            </a:prstGeom>
+            <a:solidFill>
+              <a:srgbClr val="639EF4"/>
+            </a:solidFill>
+            <a:ln w="25400" cap="flat" cmpd="sng" algn="ctr">
+              <a:noFill/>
+              <a:prstDash val="solid"/>
+            </a:ln>
+            <a:effectLst/>
+            <a:extLst>
+              <a:ext uri="{91240B29-F687-4F45-9708-019B960494DF}">
+                <a14:hiddenLine xmlns:a14="http://schemas.microsoft.com/office/drawing/2010/main" w="25400" cap="flat" cmpd="sng" algn="ctr">
+                  <a:solidFill>
+                    <a:schemeClr val="accent1">
+                      <a:shade val="50000"/>
+                    </a:schemeClr>
+                  </a:solidFill>
+                  <a:prstDash val="solid"/>
+                </a14:hiddenLine>
+              </a:ext>
+            </a:extLst>
+          </p:spPr>
+          <p:style>
+            <a:lnRef idx="2">
+              <a:schemeClr val="accent1">
+                <a:shade val="50000"/>
+              </a:schemeClr>
+            </a:lnRef>
+            <a:fillRef idx="1">
+              <a:schemeClr val="accent1"/>
+            </a:fillRef>
+            <a:effectRef idx="0">
+              <a:schemeClr val="accent1"/>
+            </a:effectRef>
+            <a:fontRef idx="minor">
+              <a:schemeClr val="lt1"/>
+            </a:fontRef>
+          </p:style>
+          <p:txBody>
+            <a:bodyPr rtlCol="0" anchor="ctr"/>
+            <a:lstStyle/>
+            <a:p>
+              <a:pPr algn="ctr"/>
+              <a:endParaRPr lang="zh-CN" altLang="en-US"/>
+            </a:p>
+          </p:txBody>
+        </p:sp>
+        <p:sp>
+          <p:nvSpPr>
+            <p:cNvPr id="17" name="TypeText"/>
+            <p:cNvSpPr txBox="1"/>
+            <p:nvPr>
+              <p:custDataLst>
+                <p:tags r:id="rId16"/>
+              </p:custDataLst>
+            </p:nvPr>
+          </p:nvSpPr>
+          <p:spPr>
+            <a:xfrm>
+              <a:off x="254000" y="0"/>
+              <a:ext cx="1905000" cy="635000"/>
+            </a:xfrm>
+            <a:prstGeom prst="rect">
+              <a:avLst/>
+            </a:prstGeom>
+            <a:noFill/>
+          </p:spPr>
+          <p:txBody>
+            <a:bodyPr vert="horz" wrap="none" rtlCol="0" anchor="ctr" anchorCtr="0">
+              <a:noAutofit/>
+            </a:bodyPr>
+            <a:lstStyle/>
+            <a:p>
+              <a:r>
+                <a:rPr lang="zh-CN" altLang="en-US" sz="2600" smtClean="0">
+                  <a:solidFill>
+                    <a:srgbClr val="000000"/>
+                  </a:solidFill>
+                  <a:latin typeface="Microsoft Yahei"/>
+                  <a:ea typeface="Microsoft Yahei"/>
+                  <a:sym typeface="Microsoft Yahei"/>
+                </a:rPr>
+                <a:t>多选题</a:t>
+              </a:r>
+              <a:endParaRPr lang="zh-CN" altLang="en-US" sz="2600">
+                <a:solidFill>
+                  <a:srgbClr val="000000"/>
+                </a:solidFill>
+                <a:latin typeface="Microsoft Yahei"/>
+                <a:ea typeface="Microsoft Yahei"/>
+                <a:sym typeface="Microsoft Yahei"/>
+              </a:endParaRPr>
+            </a:p>
+          </p:txBody>
+        </p:sp>
+        <p:sp>
+          <p:nvSpPr>
+            <p:cNvPr id="18" name="TipText"/>
+            <p:cNvSpPr txBox="1"/>
+            <p:nvPr>
+              <p:custDataLst>
+                <p:tags r:id="rId17"/>
+              </p:custDataLst>
+            </p:nvPr>
+          </p:nvSpPr>
+          <p:spPr>
+            <a:xfrm>
+              <a:off x="1525905" y="109220"/>
+              <a:ext cx="2286000" cy="508000"/>
+            </a:xfrm>
+            <a:prstGeom prst="rect">
+              <a:avLst/>
+            </a:prstGeom>
+            <a:noFill/>
+          </p:spPr>
+          <p:txBody>
+            <a:bodyPr vert="horz" wrap="none" rtlCol="0" anchor="ctr" anchorCtr="0">
+              <a:noAutofit/>
+            </a:bodyPr>
+            <a:lstStyle/>
+            <a:p>
+              <a:r>
+                <a:rPr lang="en-US" altLang="zh-CN" sz="2000" smtClean="0">
+                  <a:solidFill>
+                    <a:srgbClr val="808080"/>
+                  </a:solidFill>
+                  <a:latin typeface="Microsoft Yahei"/>
+                  <a:ea typeface="Microsoft Yahei"/>
+                  <a:sym typeface="Microsoft Yahei"/>
+                </a:rPr>
+                <a:t>1</a:t>
+              </a:r>
+              <a:r>
+                <a:rPr lang="zh-CN" altLang="en-US" sz="2000" smtClean="0">
+                  <a:solidFill>
+                    <a:srgbClr val="808080"/>
+                  </a:solidFill>
+                  <a:latin typeface="Microsoft Yahei"/>
+                  <a:ea typeface="Microsoft Yahei"/>
+                  <a:sym typeface="Microsoft Yahei"/>
+                </a:rPr>
+                <a:t>分</a:t>
+              </a:r>
+              <a:endParaRPr lang="zh-CN" altLang="en-US" sz="2000">
+                <a:solidFill>
+                  <a:srgbClr val="808080"/>
+                </a:solidFill>
+                <a:latin typeface="Microsoft Yahei"/>
+                <a:ea typeface="Microsoft Yahei"/>
+                <a:sym typeface="Microsoft Yahei"/>
+              </a:endParaRPr>
+            </a:p>
+          </p:txBody>
+        </p:sp>
+      </p:grpSp>
+      <p:pic>
+        <p:nvPicPr>
+          <p:cNvPr id="4" name="图片 3"/>
+          <p:cNvPicPr>
+            <a:picLocks/>
+          </p:cNvPicPr>
+          <p:nvPr>
+            <p:custDataLst>
+              <p:tags r:id="rId13"/>
+            </p:custDataLst>
+          </p:nvPr>
+        </p:nvPicPr>
+        <p:blipFill>
+          <a:blip r:embed="rId19">
+            <a:extLst>
+              <a:ext uri="{28A0092B-C50C-407E-A947-70E740481C1C}">
+                <a14:useLocalDpi xmlns:a14="http://schemas.microsoft.com/office/drawing/2010/main" val="0"/>
+              </a:ext>
+            </a:extLst>
+          </a:blip>
+          <a:stretch>
+            <a:fillRect/>
+          </a:stretch>
+        </p:blipFill>
+        <p:spPr>
+          <a:xfrm>
+            <a:off x="7594600" y="63500"/>
+            <a:ext cx="1422400" cy="508000"/>
+          </a:xfrm>
+          <a:prstGeom prst="rect">
+            <a:avLst/>
+          </a:prstGeom>
+        </p:spPr>
+      </p:pic>
+    </p:spTree>
+    <p:custDataLst>
+      <p:tags r:id="rId1"/>
+    </p:custDataLst>
+    <p:extLst>
+      <p:ext uri="{BB962C8B-B14F-4D97-AF65-F5344CB8AC3E}">
+        <p14:creationId xmlns:p14="http://schemas.microsoft.com/office/powerpoint/2010/main" val="1199001501"/>
+      </p:ext>
+    </p:extLst>
+  </p:cSld>
+  <p:clrMapOvr>
+    <a:masterClrMapping/>
+  </p:clrMapOvr>
+  <p:timing>
+    <p:tnLst>
+      <p:par>
+        <p:cTn id="1" dur="indefinite" restart="never" nodeType="tmRoot"/>
+      </p:par>
+    </p:tnLst>
+  </p:timing>
+</p:sld>
+</file>
+
+<file path=ppt/slides/slide50.xml><?xml version="1.0" encoding="utf-8"?>
 <p:sld xmlns:a="http://schemas.openxmlformats.org/drawingml/2006/main" xmlns:r="http://schemas.openxmlformats.org/officeDocument/2006/relationships" xmlns:p="http://schemas.openxmlformats.org/presentationml/2006/main">
   <p:cSld>
     <p:spTree>
@@ -14282,10 +17423,17 @@
   <p:clrMapOvr>
     <a:masterClrMapping/>
   </p:clrMapOvr>
+  <p:timing>
+    <p:tnLst>
+      <p:par>
+        <p:cTn id="1" dur="indefinite" restart="never" nodeType="tmRoot"/>
+      </p:par>
+    </p:tnLst>
+  </p:timing>
 </p:sld>
 </file>
 
-<file path=ppt/slides/slide47.xml><?xml version="1.0" encoding="utf-8"?>
+<file path=ppt/slides/slide51.xml><?xml version="1.0" encoding="utf-8"?>
 <p:sld xmlns:a="http://schemas.openxmlformats.org/drawingml/2006/main" xmlns:r="http://schemas.openxmlformats.org/officeDocument/2006/relationships" xmlns:p="http://schemas.openxmlformats.org/presentationml/2006/main">
   <p:cSld>
     <p:spTree>
@@ -14416,10 +17564,948 @@
   <p:clrMapOvr>
     <a:masterClrMapping/>
   </p:clrMapOvr>
+  <p:timing>
+    <p:tnLst>
+      <p:par>
+        <p:cTn id="1" dur="indefinite" restart="never" nodeType="tmRoot"/>
+      </p:par>
+    </p:tnLst>
+  </p:timing>
 </p:sld>
 </file>
 
-<file path=ppt/slides/slide48.xml><?xml version="1.0" encoding="utf-8"?>
+<file path=ppt/slides/slide52.xml><?xml version="1.0" encoding="utf-8"?>
+<p:sld xmlns:a="http://schemas.openxmlformats.org/drawingml/2006/main" xmlns:r="http://schemas.openxmlformats.org/officeDocument/2006/relationships" xmlns:p="http://schemas.openxmlformats.org/presentationml/2006/main">
+  <p:cSld>
+    <p:spTree>
+      <p:nvGrpSpPr>
+        <p:cNvPr id="1" name=""/>
+        <p:cNvGrpSpPr/>
+        <p:nvPr/>
+      </p:nvGrpSpPr>
+      <p:grpSpPr>
+        <a:xfrm>
+          <a:off x="0" y="0"/>
+          <a:ext cx="0" cy="0"/>
+          <a:chOff x="0" y="0"/>
+          <a:chExt cx="0" cy="0"/>
+        </a:xfrm>
+      </p:grpSpPr>
+      <p:sp>
+        <p:nvSpPr>
+          <p:cNvPr id="5" name="TextBox 4"/>
+          <p:cNvSpPr txBox="1"/>
+          <p:nvPr>
+            <p:custDataLst>
+              <p:tags r:id="rId2"/>
+            </p:custDataLst>
+          </p:nvPr>
+        </p:nvSpPr>
+        <p:spPr>
+          <a:xfrm>
+            <a:off x="914400" y="635000"/>
+            <a:ext cx="7315200" cy="1607344"/>
+          </a:xfrm>
+          <a:prstGeom prst="rect">
+            <a:avLst/>
+          </a:prstGeom>
+          <a:noFill/>
+        </p:spPr>
+        <p:txBody>
+          <a:bodyPr vert="horz" wrap="square" rtlCol="0" anchor="ctr" anchorCtr="0">
+            <a:noAutofit/>
+          </a:bodyPr>
+          <a:lstStyle/>
+          <a:p>
+            <a:r>
+              <a:rPr lang="zh-CN" altLang="en-US" sz="2600" dirty="0" smtClean="0">
+                <a:solidFill>
+                  <a:srgbClr val="000000"/>
+                </a:solidFill>
+                <a:latin typeface="Microsoft Yahei"/>
+                <a:ea typeface="Microsoft Yahei"/>
+                <a:sym typeface="Microsoft Yahei"/>
+              </a:rPr>
+              <a:t>一般来说，哪种包围体最紧密？</a:t>
+            </a:r>
+            <a:endParaRPr lang="zh-CN" altLang="en-US" sz="2600" dirty="0">
+              <a:solidFill>
+                <a:srgbClr val="000000"/>
+              </a:solidFill>
+              <a:latin typeface="Microsoft Yahei"/>
+              <a:ea typeface="Microsoft Yahei"/>
+              <a:sym typeface="Microsoft Yahei"/>
+            </a:endParaRPr>
+          </a:p>
+        </p:txBody>
+      </p:sp>
+      <p:sp>
+        <p:nvSpPr>
+          <p:cNvPr id="6" name="TextBox 5"/>
+          <p:cNvSpPr txBox="1"/>
+          <p:nvPr>
+            <p:custDataLst>
+              <p:tags r:id="rId3"/>
+            </p:custDataLst>
+          </p:nvPr>
+        </p:nvSpPr>
+        <p:spPr>
+          <a:xfrm>
+            <a:off x="1828800" y="2089547"/>
+            <a:ext cx="6400800" cy="482203"/>
+          </a:xfrm>
+          <a:prstGeom prst="rect">
+            <a:avLst/>
+          </a:prstGeom>
+          <a:noFill/>
+        </p:spPr>
+        <p:txBody>
+          <a:bodyPr vert="horz" rtlCol="0" anchor="ctr" anchorCtr="0">
+            <a:noAutofit/>
+          </a:bodyPr>
+          <a:lstStyle/>
+          <a:p>
+            <a:r>
+              <a:rPr lang="en-US" altLang="zh-CN" sz="2600" dirty="0" smtClean="0">
+                <a:solidFill>
+                  <a:srgbClr val="000000"/>
+                </a:solidFill>
+                <a:latin typeface="Microsoft Yahei"/>
+                <a:ea typeface="Microsoft Yahei"/>
+                <a:sym typeface="Microsoft Yahei"/>
+              </a:rPr>
+              <a:t>AABB</a:t>
+            </a:r>
+            <a:endParaRPr lang="zh-CN" altLang="en-US" sz="2600" dirty="0">
+              <a:solidFill>
+                <a:srgbClr val="000000"/>
+              </a:solidFill>
+              <a:latin typeface="Microsoft Yahei"/>
+              <a:ea typeface="Microsoft Yahei"/>
+              <a:sym typeface="Microsoft Yahei"/>
+            </a:endParaRPr>
+          </a:p>
+        </p:txBody>
+      </p:sp>
+      <p:sp>
+        <p:nvSpPr>
+          <p:cNvPr id="7" name="TextBox 6"/>
+          <p:cNvSpPr txBox="1"/>
+          <p:nvPr>
+            <p:custDataLst>
+              <p:tags r:id="rId4"/>
+            </p:custDataLst>
+          </p:nvPr>
+        </p:nvSpPr>
+        <p:spPr>
+          <a:xfrm>
+            <a:off x="1828800" y="2732484"/>
+            <a:ext cx="6400800" cy="482203"/>
+          </a:xfrm>
+          <a:prstGeom prst="rect">
+            <a:avLst/>
+          </a:prstGeom>
+          <a:noFill/>
+        </p:spPr>
+        <p:txBody>
+          <a:bodyPr vert="horz" rtlCol="0" anchor="ctr" anchorCtr="0">
+            <a:noAutofit/>
+          </a:bodyPr>
+          <a:lstStyle/>
+          <a:p>
+            <a:r>
+              <a:rPr lang="zh-CN" altLang="en-US" sz="2600" dirty="0" smtClean="0">
+                <a:solidFill>
+                  <a:srgbClr val="000000"/>
+                </a:solidFill>
+                <a:latin typeface="Microsoft Yahei"/>
+                <a:ea typeface="Microsoft Yahei"/>
+                <a:sym typeface="Microsoft Yahei"/>
+              </a:rPr>
+              <a:t>包围球</a:t>
+            </a:r>
+            <a:endParaRPr lang="zh-CN" altLang="en-US" sz="2600" dirty="0">
+              <a:solidFill>
+                <a:srgbClr val="000000"/>
+              </a:solidFill>
+              <a:latin typeface="Microsoft Yahei"/>
+              <a:ea typeface="Microsoft Yahei"/>
+              <a:sym typeface="Microsoft Yahei"/>
+            </a:endParaRPr>
+          </a:p>
+        </p:txBody>
+      </p:sp>
+      <p:sp>
+        <p:nvSpPr>
+          <p:cNvPr id="8" name="TextBox 7"/>
+          <p:cNvSpPr txBox="1"/>
+          <p:nvPr>
+            <p:custDataLst>
+              <p:tags r:id="rId5"/>
+            </p:custDataLst>
+          </p:nvPr>
+        </p:nvSpPr>
+        <p:spPr>
+          <a:xfrm>
+            <a:off x="1828800" y="3375422"/>
+            <a:ext cx="6400800" cy="482203"/>
+          </a:xfrm>
+          <a:prstGeom prst="rect">
+            <a:avLst/>
+          </a:prstGeom>
+          <a:noFill/>
+        </p:spPr>
+        <p:txBody>
+          <a:bodyPr vert="horz" rtlCol="0" anchor="ctr" anchorCtr="0">
+            <a:noAutofit/>
+          </a:bodyPr>
+          <a:lstStyle/>
+          <a:p>
+            <a:r>
+              <a:rPr lang="en-US" altLang="zh-CN" sz="2600" dirty="0" smtClean="0">
+                <a:solidFill>
+                  <a:srgbClr val="000000"/>
+                </a:solidFill>
+                <a:latin typeface="Microsoft Yahei"/>
+                <a:ea typeface="Microsoft Yahei"/>
+                <a:sym typeface="Microsoft Yahei"/>
+              </a:rPr>
+              <a:t>OBB</a:t>
+            </a:r>
+            <a:endParaRPr lang="zh-CN" altLang="en-US" sz="2600" dirty="0">
+              <a:solidFill>
+                <a:srgbClr val="000000"/>
+              </a:solidFill>
+              <a:latin typeface="Microsoft Yahei"/>
+              <a:ea typeface="Microsoft Yahei"/>
+              <a:sym typeface="Microsoft Yahei"/>
+            </a:endParaRPr>
+          </a:p>
+        </p:txBody>
+      </p:sp>
+      <p:sp>
+        <p:nvSpPr>
+          <p:cNvPr id="9" name="TextBox 8"/>
+          <p:cNvSpPr txBox="1"/>
+          <p:nvPr>
+            <p:custDataLst>
+              <p:tags r:id="rId6"/>
+            </p:custDataLst>
+          </p:nvPr>
+        </p:nvSpPr>
+        <p:spPr>
+          <a:xfrm>
+            <a:off x="1828800" y="4018359"/>
+            <a:ext cx="6400800" cy="482203"/>
+          </a:xfrm>
+          <a:prstGeom prst="rect">
+            <a:avLst/>
+          </a:prstGeom>
+          <a:noFill/>
+        </p:spPr>
+        <p:txBody>
+          <a:bodyPr vert="horz" rtlCol="0" anchor="ctr" anchorCtr="0">
+            <a:noAutofit/>
+          </a:bodyPr>
+          <a:lstStyle/>
+          <a:p>
+            <a:r>
+              <a:rPr lang="en-US" altLang="zh-CN" sz="2600" dirty="0" smtClean="0">
+                <a:solidFill>
+                  <a:srgbClr val="000000"/>
+                </a:solidFill>
+                <a:latin typeface="Microsoft Yahei"/>
+                <a:ea typeface="Microsoft Yahei"/>
+                <a:sym typeface="Microsoft Yahei"/>
+              </a:rPr>
+              <a:t>K-DOP</a:t>
+            </a:r>
+            <a:endParaRPr lang="zh-CN" altLang="en-US" sz="2600" dirty="0">
+              <a:solidFill>
+                <a:srgbClr val="000000"/>
+              </a:solidFill>
+              <a:latin typeface="Microsoft Yahei"/>
+              <a:ea typeface="Microsoft Yahei"/>
+              <a:sym typeface="Microsoft Yahei"/>
+            </a:endParaRPr>
+          </a:p>
+        </p:txBody>
+      </p:sp>
+      <p:sp>
+        <p:nvSpPr>
+          <p:cNvPr id="10" name="椭圆 9"/>
+          <p:cNvSpPr>
+            <a:spLocks noChangeAspect="1"/>
+          </p:cNvSpPr>
+          <p:nvPr>
+            <p:custDataLst>
+              <p:tags r:id="rId7"/>
+            </p:custDataLst>
+          </p:nvPr>
+        </p:nvSpPr>
+        <p:spPr>
+          <a:xfrm>
+            <a:off x="1178719" y="2137767"/>
+            <a:ext cx="385762" cy="385763"/>
+          </a:xfrm>
+          <a:prstGeom prst="ellipse">
+            <a:avLst/>
+          </a:prstGeom>
+          <a:solidFill>
+            <a:srgbClr val="808080"/>
+          </a:solidFill>
+          <a:ln w="12700" cmpd="sng">
+            <a:solidFill>
+              <a:srgbClr val="000000"/>
+            </a:solidFill>
+            <a:prstDash val="solid"/>
+          </a:ln>
+        </p:spPr>
+        <p:style>
+          <a:lnRef idx="2">
+            <a:schemeClr val="accent1">
+              <a:shade val="50000"/>
+            </a:schemeClr>
+          </a:lnRef>
+          <a:fillRef idx="1">
+            <a:schemeClr val="accent1"/>
+          </a:fillRef>
+          <a:effectRef idx="0">
+            <a:schemeClr val="accent1"/>
+          </a:effectRef>
+          <a:fontRef idx="minor">
+            <a:schemeClr val="lt1"/>
+          </a:fontRef>
+        </p:style>
+        <p:txBody>
+          <a:bodyPr rtlCol="0" anchor="ctr" anchorCtr="1"/>
+          <a:lstStyle/>
+          <a:p>
+            <a:pPr algn="ctr"/>
+            <a:r>
+              <a:rPr lang="en-US" altLang="zh-CN" sz="1600" smtClean="0">
+                <a:solidFill>
+                  <a:srgbClr val="FFFFFF"/>
+                </a:solidFill>
+                <a:latin typeface="Microsoft Yahei"/>
+                <a:ea typeface="Microsoft Yahei"/>
+                <a:sym typeface="Microsoft Yahei"/>
+              </a:rPr>
+              <a:t>A</a:t>
+            </a:r>
+            <a:endParaRPr lang="zh-CN" altLang="en-US" sz="1600">
+              <a:solidFill>
+                <a:srgbClr val="FFFFFF"/>
+              </a:solidFill>
+              <a:latin typeface="Microsoft Yahei"/>
+              <a:ea typeface="Microsoft Yahei"/>
+              <a:sym typeface="Microsoft Yahei"/>
+            </a:endParaRPr>
+          </a:p>
+        </p:txBody>
+      </p:sp>
+      <p:sp>
+        <p:nvSpPr>
+          <p:cNvPr id="11" name="椭圆 10"/>
+          <p:cNvSpPr>
+            <a:spLocks noChangeAspect="1"/>
+          </p:cNvSpPr>
+          <p:nvPr>
+            <p:custDataLst>
+              <p:tags r:id="rId8"/>
+            </p:custDataLst>
+          </p:nvPr>
+        </p:nvSpPr>
+        <p:spPr>
+          <a:xfrm>
+            <a:off x="1178719" y="2780705"/>
+            <a:ext cx="385762" cy="385762"/>
+          </a:xfrm>
+          <a:prstGeom prst="ellipse">
+            <a:avLst/>
+          </a:prstGeom>
+          <a:solidFill>
+            <a:srgbClr val="808080"/>
+          </a:solidFill>
+          <a:ln w="12700" cmpd="sng">
+            <a:solidFill>
+              <a:srgbClr val="000000"/>
+            </a:solidFill>
+            <a:prstDash val="solid"/>
+          </a:ln>
+        </p:spPr>
+        <p:style>
+          <a:lnRef idx="2">
+            <a:schemeClr val="accent1">
+              <a:shade val="50000"/>
+            </a:schemeClr>
+          </a:lnRef>
+          <a:fillRef idx="1">
+            <a:schemeClr val="accent1"/>
+          </a:fillRef>
+          <a:effectRef idx="0">
+            <a:schemeClr val="accent1"/>
+          </a:effectRef>
+          <a:fontRef idx="minor">
+            <a:schemeClr val="lt1"/>
+          </a:fontRef>
+        </p:style>
+        <p:txBody>
+          <a:bodyPr rtlCol="0" anchor="ctr" anchorCtr="1"/>
+          <a:lstStyle/>
+          <a:p>
+            <a:pPr algn="ctr"/>
+            <a:r>
+              <a:rPr lang="en-US" altLang="zh-CN" sz="1600" smtClean="0">
+                <a:solidFill>
+                  <a:srgbClr val="FFFFFF"/>
+                </a:solidFill>
+                <a:latin typeface="Microsoft Yahei"/>
+                <a:ea typeface="Microsoft Yahei"/>
+                <a:sym typeface="Microsoft Yahei"/>
+              </a:rPr>
+              <a:t>B</a:t>
+            </a:r>
+            <a:endParaRPr lang="zh-CN" altLang="en-US" sz="1600">
+              <a:solidFill>
+                <a:srgbClr val="FFFFFF"/>
+              </a:solidFill>
+              <a:latin typeface="Microsoft Yahei"/>
+              <a:ea typeface="Microsoft Yahei"/>
+              <a:sym typeface="Microsoft Yahei"/>
+            </a:endParaRPr>
+          </a:p>
+        </p:txBody>
+      </p:sp>
+      <p:sp>
+        <p:nvSpPr>
+          <p:cNvPr id="12" name="椭圆 11"/>
+          <p:cNvSpPr>
+            <a:spLocks noChangeAspect="1"/>
+          </p:cNvSpPr>
+          <p:nvPr>
+            <p:custDataLst>
+              <p:tags r:id="rId9"/>
+            </p:custDataLst>
+          </p:nvPr>
+        </p:nvSpPr>
+        <p:spPr>
+          <a:xfrm>
+            <a:off x="1178719" y="3423642"/>
+            <a:ext cx="385762" cy="385763"/>
+          </a:xfrm>
+          <a:prstGeom prst="ellipse">
+            <a:avLst/>
+          </a:prstGeom>
+          <a:solidFill>
+            <a:srgbClr val="808080"/>
+          </a:solidFill>
+          <a:ln w="12700" cmpd="sng">
+            <a:solidFill>
+              <a:srgbClr val="000000"/>
+            </a:solidFill>
+            <a:prstDash val="solid"/>
+          </a:ln>
+        </p:spPr>
+        <p:style>
+          <a:lnRef idx="2">
+            <a:schemeClr val="accent1">
+              <a:shade val="50000"/>
+            </a:schemeClr>
+          </a:lnRef>
+          <a:fillRef idx="1">
+            <a:schemeClr val="accent1"/>
+          </a:fillRef>
+          <a:effectRef idx="0">
+            <a:schemeClr val="accent1"/>
+          </a:effectRef>
+          <a:fontRef idx="minor">
+            <a:schemeClr val="lt1"/>
+          </a:fontRef>
+        </p:style>
+        <p:txBody>
+          <a:bodyPr rtlCol="0" anchor="ctr" anchorCtr="1"/>
+          <a:lstStyle/>
+          <a:p>
+            <a:pPr algn="ctr"/>
+            <a:r>
+              <a:rPr lang="en-US" altLang="zh-CN" sz="1600" smtClean="0">
+                <a:solidFill>
+                  <a:srgbClr val="FFFFFF"/>
+                </a:solidFill>
+                <a:latin typeface="Microsoft Yahei"/>
+                <a:ea typeface="Microsoft Yahei"/>
+                <a:sym typeface="Microsoft Yahei"/>
+              </a:rPr>
+              <a:t>C</a:t>
+            </a:r>
+            <a:endParaRPr lang="zh-CN" altLang="en-US" sz="1600">
+              <a:solidFill>
+                <a:srgbClr val="FFFFFF"/>
+              </a:solidFill>
+              <a:latin typeface="Microsoft Yahei"/>
+              <a:ea typeface="Microsoft Yahei"/>
+              <a:sym typeface="Microsoft Yahei"/>
+            </a:endParaRPr>
+          </a:p>
+        </p:txBody>
+      </p:sp>
+      <p:sp>
+        <p:nvSpPr>
+          <p:cNvPr id="13" name="椭圆 12"/>
+          <p:cNvSpPr>
+            <a:spLocks noChangeAspect="1"/>
+          </p:cNvSpPr>
+          <p:nvPr>
+            <p:custDataLst>
+              <p:tags r:id="rId10"/>
+            </p:custDataLst>
+          </p:nvPr>
+        </p:nvSpPr>
+        <p:spPr>
+          <a:xfrm>
+            <a:off x="1178719" y="4066580"/>
+            <a:ext cx="385762" cy="385762"/>
+          </a:xfrm>
+          <a:prstGeom prst="ellipse">
+            <a:avLst/>
+          </a:prstGeom>
+          <a:solidFill>
+            <a:srgbClr val="00FF00"/>
+          </a:solidFill>
+          <a:ln w="25400" cmpd="sng">
+            <a:solidFill>
+              <a:srgbClr val="000000"/>
+            </a:solidFill>
+            <a:prstDash val="solid"/>
+          </a:ln>
+        </p:spPr>
+        <p:style>
+          <a:lnRef idx="2">
+            <a:schemeClr val="accent1">
+              <a:shade val="50000"/>
+            </a:schemeClr>
+          </a:lnRef>
+          <a:fillRef idx="1">
+            <a:schemeClr val="accent1"/>
+          </a:fillRef>
+          <a:effectRef idx="0">
+            <a:schemeClr val="accent1"/>
+          </a:effectRef>
+          <a:fontRef idx="minor">
+            <a:schemeClr val="lt1"/>
+          </a:fontRef>
+        </p:style>
+        <p:txBody>
+          <a:bodyPr rtlCol="0" anchor="ctr" anchorCtr="1"/>
+          <a:lstStyle/>
+          <a:p>
+            <a:pPr algn="ctr"/>
+            <a:r>
+              <a:rPr lang="en-US" altLang="zh-CN" sz="1600" smtClean="0">
+                <a:solidFill>
+                  <a:srgbClr val="FFFFFF"/>
+                </a:solidFill>
+                <a:latin typeface="Microsoft Yahei"/>
+                <a:ea typeface="Microsoft Yahei"/>
+                <a:sym typeface="Microsoft Yahei"/>
+              </a:rPr>
+              <a:t>D</a:t>
+            </a:r>
+            <a:endParaRPr lang="zh-CN" altLang="en-US" sz="1600">
+              <a:solidFill>
+                <a:srgbClr val="FFFFFF"/>
+              </a:solidFill>
+              <a:latin typeface="Microsoft Yahei"/>
+              <a:ea typeface="Microsoft Yahei"/>
+              <a:sym typeface="Microsoft Yahei"/>
+            </a:endParaRPr>
+          </a:p>
+        </p:txBody>
+      </p:sp>
+      <p:sp>
+        <p:nvSpPr>
+          <p:cNvPr id="14" name="圆角矩形 13"/>
+          <p:cNvSpPr/>
+          <p:nvPr>
+            <p:custDataLst>
+              <p:tags r:id="rId11"/>
+            </p:custDataLst>
+          </p:nvPr>
+        </p:nvSpPr>
+        <p:spPr>
+          <a:xfrm>
+            <a:off x="6686550" y="4661297"/>
+            <a:ext cx="1157288" cy="308610"/>
+          </a:xfrm>
+          <a:prstGeom prst="roundRect">
+            <a:avLst/>
+          </a:prstGeom>
+          <a:solidFill>
+            <a:srgbClr val="808080"/>
+          </a:solidFill>
+          <a:ln w="38100" cmpd="sng">
+            <a:solidFill>
+              <a:srgbClr val="000000"/>
+            </a:solidFill>
+            <a:prstDash val="solid"/>
+          </a:ln>
+        </p:spPr>
+        <p:style>
+          <a:lnRef idx="2">
+            <a:schemeClr val="accent1">
+              <a:shade val="50000"/>
+            </a:schemeClr>
+          </a:lnRef>
+          <a:fillRef idx="1">
+            <a:schemeClr val="accent1"/>
+          </a:fillRef>
+          <a:effectRef idx="0">
+            <a:schemeClr val="accent1"/>
+          </a:effectRef>
+          <a:fontRef idx="minor">
+            <a:schemeClr val="lt1"/>
+          </a:fontRef>
+        </p:style>
+        <p:txBody>
+          <a:bodyPr rtlCol="0" anchor="ctr" anchorCtr="1"/>
+          <a:lstStyle/>
+          <a:p>
+            <a:pPr algn="ctr"/>
+            <a:r>
+              <a:rPr lang="zh-CN" altLang="en-US" sz="1600" smtClean="0">
+                <a:solidFill>
+                  <a:srgbClr val="FFFFFF"/>
+                </a:solidFill>
+                <a:latin typeface="Microsoft Yahei"/>
+                <a:ea typeface="Microsoft Yahei"/>
+                <a:sym typeface="Microsoft Yahei"/>
+              </a:rPr>
+              <a:t>提交</a:t>
+            </a:r>
+            <a:endParaRPr lang="zh-CN" altLang="en-US" sz="1600">
+              <a:solidFill>
+                <a:srgbClr val="FFFFFF"/>
+              </a:solidFill>
+              <a:latin typeface="Microsoft Yahei"/>
+              <a:ea typeface="Microsoft Yahei"/>
+              <a:sym typeface="Microsoft Yahei"/>
+            </a:endParaRPr>
+          </a:p>
+        </p:txBody>
+      </p:sp>
+      <p:grpSp>
+        <p:nvGrpSpPr>
+          <p:cNvPr id="19" name="组合 18"/>
+          <p:cNvGrpSpPr/>
+          <p:nvPr>
+            <p:custDataLst>
+              <p:tags r:id="rId12"/>
+            </p:custDataLst>
+          </p:nvPr>
+        </p:nvGrpSpPr>
+        <p:grpSpPr>
+          <a:xfrm>
+            <a:off x="0" y="0"/>
+            <a:ext cx="9144000" cy="635000"/>
+            <a:chOff x="0" y="0"/>
+            <a:chExt cx="9144000" cy="635000"/>
+          </a:xfrm>
+        </p:grpSpPr>
+        <p:sp>
+          <p:nvSpPr>
+            <p:cNvPr id="15" name="TitleBackground"/>
+            <p:cNvSpPr/>
+            <p:nvPr>
+              <p:custDataLst>
+                <p:tags r:id="rId14"/>
+              </p:custDataLst>
+            </p:nvPr>
+          </p:nvSpPr>
+          <p:spPr>
+            <a:xfrm>
+              <a:off x="0" y="0"/>
+              <a:ext cx="9144000" cy="635000"/>
+            </a:xfrm>
+            <a:prstGeom prst="rect">
+              <a:avLst/>
+            </a:prstGeom>
+            <a:solidFill>
+              <a:srgbClr val="F6F7F8"/>
+            </a:solidFill>
+            <a:ln w="25400" cap="flat" cmpd="sng" algn="ctr">
+              <a:noFill/>
+              <a:prstDash val="solid"/>
+            </a:ln>
+            <a:effectLst/>
+            <a:extLst>
+              <a:ext uri="{91240B29-F687-4F45-9708-019B960494DF}">
+                <a14:hiddenLine xmlns:a14="http://schemas.microsoft.com/office/drawing/2010/main" w="25400" cap="flat" cmpd="sng" algn="ctr">
+                  <a:solidFill>
+                    <a:schemeClr val="accent1">
+                      <a:shade val="50000"/>
+                    </a:schemeClr>
+                  </a:solidFill>
+                  <a:prstDash val="solid"/>
+                </a14:hiddenLine>
+              </a:ext>
+            </a:extLst>
+          </p:spPr>
+          <p:style>
+            <a:lnRef idx="2">
+              <a:schemeClr val="accent1">
+                <a:shade val="50000"/>
+              </a:schemeClr>
+            </a:lnRef>
+            <a:fillRef idx="1">
+              <a:schemeClr val="accent1"/>
+            </a:fillRef>
+            <a:effectRef idx="0">
+              <a:schemeClr val="accent1"/>
+            </a:effectRef>
+            <a:fontRef idx="minor">
+              <a:schemeClr val="lt1"/>
+            </a:fontRef>
+          </p:style>
+          <p:txBody>
+            <a:bodyPr rtlCol="0" anchor="ctr"/>
+            <a:lstStyle/>
+            <a:p>
+              <a:pPr algn="ctr"/>
+              <a:endParaRPr lang="zh-CN" altLang="en-US"/>
+            </a:p>
+          </p:txBody>
+        </p:sp>
+        <p:sp>
+          <p:nvSpPr>
+            <p:cNvPr id="16" name="ColorBlock"/>
+            <p:cNvSpPr/>
+            <p:nvPr>
+              <p:custDataLst>
+                <p:tags r:id="rId15"/>
+              </p:custDataLst>
+            </p:nvPr>
+          </p:nvSpPr>
+          <p:spPr>
+            <a:xfrm>
+              <a:off x="0" y="0"/>
+              <a:ext cx="190500" cy="635000"/>
+            </a:xfrm>
+            <a:prstGeom prst="rect">
+              <a:avLst/>
+            </a:prstGeom>
+            <a:solidFill>
+              <a:srgbClr val="639EF4"/>
+            </a:solidFill>
+            <a:ln w="25400" cap="flat" cmpd="sng" algn="ctr">
+              <a:noFill/>
+              <a:prstDash val="solid"/>
+            </a:ln>
+            <a:effectLst/>
+            <a:extLst>
+              <a:ext uri="{91240B29-F687-4F45-9708-019B960494DF}">
+                <a14:hiddenLine xmlns:a14="http://schemas.microsoft.com/office/drawing/2010/main" w="25400" cap="flat" cmpd="sng" algn="ctr">
+                  <a:solidFill>
+                    <a:schemeClr val="accent1">
+                      <a:shade val="50000"/>
+                    </a:schemeClr>
+                  </a:solidFill>
+                  <a:prstDash val="solid"/>
+                </a14:hiddenLine>
+              </a:ext>
+            </a:extLst>
+          </p:spPr>
+          <p:style>
+            <a:lnRef idx="2">
+              <a:schemeClr val="accent1">
+                <a:shade val="50000"/>
+              </a:schemeClr>
+            </a:lnRef>
+            <a:fillRef idx="1">
+              <a:schemeClr val="accent1"/>
+            </a:fillRef>
+            <a:effectRef idx="0">
+              <a:schemeClr val="accent1"/>
+            </a:effectRef>
+            <a:fontRef idx="minor">
+              <a:schemeClr val="lt1"/>
+            </a:fontRef>
+          </p:style>
+          <p:txBody>
+            <a:bodyPr rtlCol="0" anchor="ctr"/>
+            <a:lstStyle/>
+            <a:p>
+              <a:pPr algn="ctr"/>
+              <a:endParaRPr lang="zh-CN" altLang="en-US"/>
+            </a:p>
+          </p:txBody>
+        </p:sp>
+        <p:sp>
+          <p:nvSpPr>
+            <p:cNvPr id="17" name="TypeText"/>
+            <p:cNvSpPr txBox="1"/>
+            <p:nvPr>
+              <p:custDataLst>
+                <p:tags r:id="rId16"/>
+              </p:custDataLst>
+            </p:nvPr>
+          </p:nvSpPr>
+          <p:spPr>
+            <a:xfrm>
+              <a:off x="254000" y="0"/>
+              <a:ext cx="1905000" cy="635000"/>
+            </a:xfrm>
+            <a:prstGeom prst="rect">
+              <a:avLst/>
+            </a:prstGeom>
+            <a:noFill/>
+          </p:spPr>
+          <p:txBody>
+            <a:bodyPr vert="horz" wrap="none" rtlCol="0" anchor="ctr" anchorCtr="0">
+              <a:noAutofit/>
+            </a:bodyPr>
+            <a:lstStyle/>
+            <a:p>
+              <a:r>
+                <a:rPr lang="zh-CN" altLang="en-US" sz="2600" smtClean="0">
+                  <a:solidFill>
+                    <a:srgbClr val="000000"/>
+                  </a:solidFill>
+                  <a:latin typeface="Microsoft Yahei"/>
+                  <a:ea typeface="Microsoft Yahei"/>
+                  <a:sym typeface="Microsoft Yahei"/>
+                </a:rPr>
+                <a:t>单选题</a:t>
+              </a:r>
+              <a:endParaRPr lang="zh-CN" altLang="en-US" sz="2600">
+                <a:solidFill>
+                  <a:srgbClr val="000000"/>
+                </a:solidFill>
+                <a:latin typeface="Microsoft Yahei"/>
+                <a:ea typeface="Microsoft Yahei"/>
+                <a:sym typeface="Microsoft Yahei"/>
+              </a:endParaRPr>
+            </a:p>
+          </p:txBody>
+        </p:sp>
+        <p:sp>
+          <p:nvSpPr>
+            <p:cNvPr id="18" name="TipText"/>
+            <p:cNvSpPr txBox="1"/>
+            <p:nvPr>
+              <p:custDataLst>
+                <p:tags r:id="rId17"/>
+              </p:custDataLst>
+            </p:nvPr>
+          </p:nvSpPr>
+          <p:spPr>
+            <a:xfrm>
+              <a:off x="1525905" y="109220"/>
+              <a:ext cx="2286000" cy="508000"/>
+            </a:xfrm>
+            <a:prstGeom prst="rect">
+              <a:avLst/>
+            </a:prstGeom>
+            <a:noFill/>
+          </p:spPr>
+          <p:txBody>
+            <a:bodyPr vert="horz" wrap="none" rtlCol="0" anchor="ctr" anchorCtr="0">
+              <a:noAutofit/>
+            </a:bodyPr>
+            <a:lstStyle/>
+            <a:p>
+              <a:r>
+                <a:rPr lang="en-US" altLang="zh-CN" sz="2000" smtClean="0">
+                  <a:solidFill>
+                    <a:srgbClr val="808080"/>
+                  </a:solidFill>
+                  <a:latin typeface="Microsoft Yahei"/>
+                  <a:ea typeface="Microsoft Yahei"/>
+                  <a:sym typeface="Microsoft Yahei"/>
+                </a:rPr>
+                <a:t>1</a:t>
+              </a:r>
+              <a:r>
+                <a:rPr lang="zh-CN" altLang="en-US" sz="2000" smtClean="0">
+                  <a:solidFill>
+                    <a:srgbClr val="808080"/>
+                  </a:solidFill>
+                  <a:latin typeface="Microsoft Yahei"/>
+                  <a:ea typeface="Microsoft Yahei"/>
+                  <a:sym typeface="Microsoft Yahei"/>
+                </a:rPr>
+                <a:t>分</a:t>
+              </a:r>
+              <a:endParaRPr lang="zh-CN" altLang="en-US" sz="2000">
+                <a:solidFill>
+                  <a:srgbClr val="808080"/>
+                </a:solidFill>
+                <a:latin typeface="Microsoft Yahei"/>
+                <a:ea typeface="Microsoft Yahei"/>
+                <a:sym typeface="Microsoft Yahei"/>
+              </a:endParaRPr>
+            </a:p>
+          </p:txBody>
+        </p:sp>
+      </p:grpSp>
+      <p:pic>
+        <p:nvPicPr>
+          <p:cNvPr id="4" name="图片 3"/>
+          <p:cNvPicPr>
+            <a:picLocks/>
+          </p:cNvPicPr>
+          <p:nvPr>
+            <p:custDataLst>
+              <p:tags r:id="rId13"/>
+            </p:custDataLst>
+          </p:nvPr>
+        </p:nvPicPr>
+        <p:blipFill>
+          <a:blip r:embed="rId19">
+            <a:extLst>
+              <a:ext uri="{28A0092B-C50C-407E-A947-70E740481C1C}">
+                <a14:useLocalDpi xmlns:a14="http://schemas.microsoft.com/office/drawing/2010/main" val="0"/>
+              </a:ext>
+            </a:extLst>
+          </a:blip>
+          <a:stretch>
+            <a:fillRect/>
+          </a:stretch>
+        </p:blipFill>
+        <p:spPr>
+          <a:xfrm>
+            <a:off x="7594600" y="63500"/>
+            <a:ext cx="1422400" cy="508000"/>
+          </a:xfrm>
+          <a:prstGeom prst="rect">
+            <a:avLst/>
+          </a:prstGeom>
+        </p:spPr>
+      </p:pic>
+    </p:spTree>
+    <p:custDataLst>
+      <p:tags r:id="rId1"/>
+    </p:custDataLst>
+    <p:extLst>
+      <p:ext uri="{BB962C8B-B14F-4D97-AF65-F5344CB8AC3E}">
+        <p14:creationId xmlns:p14="http://schemas.microsoft.com/office/powerpoint/2010/main" val="3737297894"/>
+      </p:ext>
+    </p:extLst>
+  </p:cSld>
+  <p:clrMapOvr>
+    <a:masterClrMapping/>
+  </p:clrMapOvr>
+  <p:timing>
+    <p:tnLst>
+      <p:par>
+        <p:cTn id="1" dur="indefinite" restart="never" nodeType="tmRoot"/>
+      </p:par>
+    </p:tnLst>
+  </p:timing>
+</p:sld>
+</file>
+
+<file path=ppt/slides/slide53.xml><?xml version="1.0" encoding="utf-8"?>
 <p:sld xmlns:a="http://schemas.openxmlformats.org/drawingml/2006/main" xmlns:r="http://schemas.openxmlformats.org/officeDocument/2006/relationships" xmlns:p="http://schemas.openxmlformats.org/presentationml/2006/main">
   <p:cSld>
     <p:spTree>
@@ -14535,10 +18621,17 @@
   <p:clrMapOvr>
     <a:masterClrMapping/>
   </p:clrMapOvr>
+  <p:timing>
+    <p:tnLst>
+      <p:par>
+        <p:cTn id="1" dur="indefinite" restart="never" nodeType="tmRoot"/>
+      </p:par>
+    </p:tnLst>
+  </p:timing>
 </p:sld>
 </file>
 
-<file path=ppt/slides/slide49.xml><?xml version="1.0" encoding="utf-8"?>
+<file path=ppt/slides/slide54.xml><?xml version="1.0" encoding="utf-8"?>
 <p:sld xmlns:a="http://schemas.openxmlformats.org/drawingml/2006/main" xmlns:r="http://schemas.openxmlformats.org/officeDocument/2006/relationships" xmlns:p="http://schemas.openxmlformats.org/presentationml/2006/main">
   <p:cSld>
     <p:spTree>
@@ -14917,146 +19010,17 @@
   <p:clrMapOvr>
     <a:masterClrMapping/>
   </p:clrMapOvr>
+  <p:timing>
+    <p:tnLst>
+      <p:par>
+        <p:cTn id="1" dur="indefinite" restart="never" nodeType="tmRoot"/>
+      </p:par>
+    </p:tnLst>
+  </p:timing>
 </p:sld>
 </file>
 
-<file path=ppt/slides/slide5.xml><?xml version="1.0" encoding="utf-8"?>
-<p:sld xmlns:a="http://schemas.openxmlformats.org/drawingml/2006/main" xmlns:r="http://schemas.openxmlformats.org/officeDocument/2006/relationships" xmlns:p="http://schemas.openxmlformats.org/presentationml/2006/main">
-  <p:cSld>
-    <p:spTree>
-      <p:nvGrpSpPr>
-        <p:cNvPr id="1" name=""/>
-        <p:cNvGrpSpPr/>
-        <p:nvPr/>
-      </p:nvGrpSpPr>
-      <p:grpSpPr>
-        <a:xfrm>
-          <a:off x="0" y="0"/>
-          <a:ext cx="0" cy="0"/>
-          <a:chOff x="0" y="0"/>
-          <a:chExt cx="0" cy="0"/>
-        </a:xfrm>
-      </p:grpSpPr>
-      <p:sp>
-        <p:nvSpPr>
-          <p:cNvPr id="2" name="标题 1"/>
-          <p:cNvSpPr>
-            <a:spLocks noGrp="1"/>
-          </p:cNvSpPr>
-          <p:nvPr>
-            <p:ph type="title"/>
-          </p:nvPr>
-        </p:nvSpPr>
-        <p:spPr/>
-        <p:txBody>
-          <a:bodyPr/>
-          <a:lstStyle/>
-          <a:p>
-            <a:endParaRPr lang="zh-CN" altLang="en-US"/>
-          </a:p>
-        </p:txBody>
-      </p:sp>
-      <p:sp>
-        <p:nvSpPr>
-          <p:cNvPr id="3" name="内容占位符 2"/>
-          <p:cNvSpPr>
-            <a:spLocks noGrp="1"/>
-          </p:cNvSpPr>
-          <p:nvPr>
-            <p:ph idx="1"/>
-          </p:nvPr>
-        </p:nvSpPr>
-        <p:spPr/>
-        <p:txBody>
-          <a:bodyPr>
-            <a:normAutofit fontScale="55000" lnSpcReduction="20000"/>
-          </a:bodyPr>
-          <a:lstStyle/>
-          <a:p>
-            <a:r>
-              <a:rPr lang="zh-CN" altLang="zh-CN" dirty="0"/>
-              <a:t>当一个几何形体占据另一个几何形体所在的空间时，就说明这两个几何图形发生了</a:t>
-            </a:r>
-            <a:r>
-              <a:rPr lang="zh-CN" altLang="zh-CN" dirty="0" smtClean="0"/>
-              <a:t>碰撞</a:t>
-            </a:r>
-            <a:endParaRPr lang="en-US" altLang="zh-CN" dirty="0" smtClean="0"/>
-          </a:p>
-          <a:p>
-            <a:r>
-              <a:rPr lang="zh-CN" altLang="zh-CN" dirty="0" smtClean="0"/>
-              <a:t>这</a:t>
-            </a:r>
-            <a:r>
-              <a:rPr lang="zh-CN" altLang="zh-CN" dirty="0"/>
-              <a:t>需要检测其中一个模型的每个多边形是否会与另外一个模型中的多边形发生空间位置</a:t>
-            </a:r>
-            <a:r>
-              <a:rPr lang="zh-CN" altLang="zh-CN" dirty="0" smtClean="0"/>
-              <a:t>冲突</a:t>
-            </a:r>
-            <a:endParaRPr lang="en-US" altLang="zh-CN" dirty="0" smtClean="0"/>
-          </a:p>
-          <a:p>
-            <a:r>
-              <a:rPr lang="zh-CN" altLang="zh-CN" dirty="0" smtClean="0"/>
-              <a:t>这</a:t>
-            </a:r>
-            <a:r>
-              <a:rPr lang="zh-CN" altLang="zh-CN" dirty="0"/>
-              <a:t>是一个代价昂贵的暴力方法，并不适合应用于游戏</a:t>
-            </a:r>
-            <a:r>
-              <a:rPr lang="zh-CN" altLang="zh-CN" dirty="0" smtClean="0"/>
-              <a:t>当中</a:t>
-            </a:r>
-            <a:endParaRPr lang="en-US" altLang="zh-CN" dirty="0" smtClean="0"/>
-          </a:p>
-          <a:p>
-            <a:r>
-              <a:rPr lang="zh-CN" altLang="zh-CN" dirty="0" smtClean="0"/>
-              <a:t>解决</a:t>
-            </a:r>
-            <a:r>
-              <a:rPr lang="zh-CN" altLang="zh-CN" dirty="0"/>
-              <a:t>该问题的一个办法是参与碰撞检测的是简化过的模型而非原始</a:t>
-            </a:r>
-            <a:r>
-              <a:rPr lang="zh-CN" altLang="zh-CN" dirty="0" smtClean="0"/>
-              <a:t>模型</a:t>
-            </a:r>
-            <a:endParaRPr lang="en-US" altLang="zh-CN" dirty="0" smtClean="0"/>
-          </a:p>
-          <a:p>
-            <a:r>
-              <a:rPr lang="zh-CN" altLang="zh-CN" dirty="0" smtClean="0"/>
-              <a:t>因为</a:t>
-            </a:r>
-            <a:r>
-              <a:rPr lang="zh-CN" altLang="zh-CN" dirty="0"/>
-              <a:t>三角形的关系测试非常慢，即便只有几千个三角形也足以影响游戏的的性能。所以最好的解决办法是避免进行昂贵的三角形测试，对于精度要求不高的碰撞检测，我们可以进一步把那些跟球差不多样子的模型简化为球参与碰撞检测，或者把那些跟盒子差不多样子的简化成盒子，再稍微复杂一些，可以用一个凸包来逼近复杂的模型，这种近似逼近的方法可以大幅度地降低检测的计算复杂度和算法复杂度。</a:t>
-            </a:r>
-          </a:p>
-          <a:p>
-            <a:endParaRPr lang="zh-CN" altLang="en-US" dirty="0"/>
-          </a:p>
-        </p:txBody>
-      </p:sp>
-    </p:spTree>
-    <p:extLst>
-      <p:ext uri="{BB962C8B-B14F-4D97-AF65-F5344CB8AC3E}">
-        <p14:creationId xmlns:p14="http://schemas.microsoft.com/office/powerpoint/2010/main" val="3177356072"/>
-      </p:ext>
-    </p:extLst>
-  </p:cSld>
-  <p:clrMapOvr>
-    <a:masterClrMapping/>
-  </p:clrMapOvr>
-</p:sld>
-</file>
-
-<file path=ppt/slides/slide50.xml><?xml version="1.0" encoding="utf-8"?>
+<file path=ppt/slides/slide55.xml><?xml version="1.0" encoding="utf-8"?>
 <p:sld xmlns:a="http://schemas.openxmlformats.org/drawingml/2006/main" xmlns:r="http://schemas.openxmlformats.org/officeDocument/2006/relationships" xmlns:p="http://schemas.openxmlformats.org/presentationml/2006/main">
   <p:cSld>
     <p:spTree>
@@ -15999,10 +19963,17 @@
   <p:clrMapOvr>
     <a:masterClrMapping/>
   </p:clrMapOvr>
+  <p:timing>
+    <p:tnLst>
+      <p:par>
+        <p:cTn id="1" dur="indefinite" restart="never" nodeType="tmRoot"/>
+      </p:par>
+    </p:tnLst>
+  </p:timing>
 </p:sld>
 </file>
 
-<file path=ppt/slides/slide51.xml><?xml version="1.0" encoding="utf-8"?>
+<file path=ppt/slides/slide56.xml><?xml version="1.0" encoding="utf-8"?>
 <p:sld xmlns:a="http://schemas.openxmlformats.org/drawingml/2006/main" xmlns:r="http://schemas.openxmlformats.org/officeDocument/2006/relationships" xmlns:p="http://schemas.openxmlformats.org/presentationml/2006/main">
   <p:cSld>
     <p:spTree>
@@ -16131,10 +20102,17 @@
   <p:clrMapOvr>
     <a:masterClrMapping/>
   </p:clrMapOvr>
+  <p:timing>
+    <p:tnLst>
+      <p:par>
+        <p:cTn id="1" dur="indefinite" restart="never" nodeType="tmRoot"/>
+      </p:par>
+    </p:tnLst>
+  </p:timing>
 </p:sld>
 </file>
 
-<file path=ppt/slides/slide52.xml><?xml version="1.0" encoding="utf-8"?>
+<file path=ppt/slides/slide57.xml><?xml version="1.0" encoding="utf-8"?>
 <p:sld xmlns:a="http://schemas.openxmlformats.org/drawingml/2006/main" xmlns:r="http://schemas.openxmlformats.org/officeDocument/2006/relationships" xmlns:p="http://schemas.openxmlformats.org/presentationml/2006/main">
   <p:cSld>
     <p:spTree>
@@ -16275,10 +20253,17 @@
   <p:clrMapOvr>
     <a:masterClrMapping/>
   </p:clrMapOvr>
+  <p:timing>
+    <p:tnLst>
+      <p:par>
+        <p:cTn id="1" dur="indefinite" restart="never" nodeType="tmRoot"/>
+      </p:par>
+    </p:tnLst>
+  </p:timing>
 </p:sld>
 </file>
 
-<file path=ppt/slides/slide53.xml><?xml version="1.0" encoding="utf-8"?>
+<file path=ppt/slides/slide58.xml><?xml version="1.0" encoding="utf-8"?>
 <p:sld xmlns:a="http://schemas.openxmlformats.org/drawingml/2006/main" xmlns:r="http://schemas.openxmlformats.org/officeDocument/2006/relationships" xmlns:p="http://schemas.openxmlformats.org/presentationml/2006/main">
   <p:cSld>
     <p:spTree>
@@ -16407,10 +20392,17 @@
   <p:clrMapOvr>
     <a:masterClrMapping/>
   </p:clrMapOvr>
+  <p:timing>
+    <p:tnLst>
+      <p:par>
+        <p:cTn id="1" dur="indefinite" restart="never" nodeType="tmRoot"/>
+      </p:par>
+    </p:tnLst>
+  </p:timing>
 </p:sld>
 </file>
 
-<file path=ppt/slides/slide54.xml><?xml version="1.0" encoding="utf-8"?>
+<file path=ppt/slides/slide59.xml><?xml version="1.0" encoding="utf-8"?>
 <p:sld xmlns:a="http://schemas.openxmlformats.org/drawingml/2006/main" xmlns:r="http://schemas.openxmlformats.org/officeDocument/2006/relationships" xmlns:p="http://schemas.openxmlformats.org/presentationml/2006/main">
   <p:cSld>
     <p:spTree>
@@ -16593,10 +20585,168 @@
   <p:clrMapOvr>
     <a:masterClrMapping/>
   </p:clrMapOvr>
+  <p:timing>
+    <p:tnLst>
+      <p:par>
+        <p:cTn id="1" dur="indefinite" restart="never" nodeType="tmRoot"/>
+      </p:par>
+    </p:tnLst>
+  </p:timing>
 </p:sld>
 </file>
 
-<file path=ppt/slides/slide55.xml><?xml version="1.0" encoding="utf-8"?>
+<file path=ppt/slides/slide6.xml><?xml version="1.0" encoding="utf-8"?>
+<p:sld xmlns:a="http://schemas.openxmlformats.org/drawingml/2006/main" xmlns:r="http://schemas.openxmlformats.org/officeDocument/2006/relationships" xmlns:p="http://schemas.openxmlformats.org/presentationml/2006/main">
+  <p:cSld>
+    <p:spTree>
+      <p:nvGrpSpPr>
+        <p:cNvPr id="1" name=""/>
+        <p:cNvGrpSpPr/>
+        <p:nvPr/>
+      </p:nvGrpSpPr>
+      <p:grpSpPr>
+        <a:xfrm>
+          <a:off x="0" y="0"/>
+          <a:ext cx="0" cy="0"/>
+          <a:chOff x="0" y="0"/>
+          <a:chExt cx="0" cy="0"/>
+        </a:xfrm>
+      </p:grpSpPr>
+      <p:sp>
+        <p:nvSpPr>
+          <p:cNvPr id="2" name="标题 1"/>
+          <p:cNvSpPr>
+            <a:spLocks noGrp="1"/>
+          </p:cNvSpPr>
+          <p:nvPr>
+            <p:ph type="title"/>
+          </p:nvPr>
+        </p:nvSpPr>
+        <p:spPr/>
+        <p:txBody>
+          <a:bodyPr/>
+          <a:lstStyle/>
+          <a:p>
+            <a:endParaRPr lang="zh-CN" altLang="en-US"/>
+          </a:p>
+        </p:txBody>
+      </p:sp>
+      <p:sp>
+        <p:nvSpPr>
+          <p:cNvPr id="3" name="内容占位符 2"/>
+          <p:cNvSpPr>
+            <a:spLocks noGrp="1"/>
+          </p:cNvSpPr>
+          <p:nvPr>
+            <p:ph idx="1"/>
+          </p:nvPr>
+        </p:nvSpPr>
+        <p:spPr/>
+        <p:txBody>
+          <a:bodyPr>
+            <a:normAutofit fontScale="55000" lnSpcReduction="20000"/>
+          </a:bodyPr>
+          <a:lstStyle/>
+          <a:p>
+            <a:r>
+              <a:rPr lang="zh-CN" altLang="zh-CN" dirty="0"/>
+              <a:t>当一个几何形体占据另一个几何形体所在的空间时，就说明这两个几何图形发生了</a:t>
+            </a:r>
+            <a:r>
+              <a:rPr lang="zh-CN" altLang="zh-CN" dirty="0" smtClean="0"/>
+              <a:t>碰撞</a:t>
+            </a:r>
+            <a:endParaRPr lang="en-US" altLang="zh-CN" dirty="0" smtClean="0"/>
+          </a:p>
+          <a:p>
+            <a:r>
+              <a:rPr lang="zh-CN" altLang="zh-CN" dirty="0" smtClean="0"/>
+              <a:t>这</a:t>
+            </a:r>
+            <a:r>
+              <a:rPr lang="zh-CN" altLang="zh-CN" dirty="0"/>
+              <a:t>需要检测其中一个模型的每个多边形是否会与另外一个模型中的多边形发生空间位置</a:t>
+            </a:r>
+            <a:r>
+              <a:rPr lang="zh-CN" altLang="zh-CN" dirty="0" smtClean="0"/>
+              <a:t>冲突</a:t>
+            </a:r>
+            <a:endParaRPr lang="en-US" altLang="zh-CN" dirty="0" smtClean="0"/>
+          </a:p>
+          <a:p>
+            <a:r>
+              <a:rPr lang="zh-CN" altLang="zh-CN" dirty="0" smtClean="0"/>
+              <a:t>这</a:t>
+            </a:r>
+            <a:r>
+              <a:rPr lang="zh-CN" altLang="zh-CN" dirty="0"/>
+              <a:t>是一个代价昂贵的暴力方法，并不适合应用于游戏</a:t>
+            </a:r>
+            <a:r>
+              <a:rPr lang="zh-CN" altLang="zh-CN" dirty="0" smtClean="0"/>
+              <a:t>当中</a:t>
+            </a:r>
+            <a:endParaRPr lang="en-US" altLang="zh-CN" dirty="0" smtClean="0"/>
+          </a:p>
+          <a:p>
+            <a:r>
+              <a:rPr lang="zh-CN" altLang="zh-CN" dirty="0" smtClean="0"/>
+              <a:t>解决</a:t>
+            </a:r>
+            <a:r>
+              <a:rPr lang="zh-CN" altLang="zh-CN" dirty="0"/>
+              <a:t>该问题的一个办法是参与碰撞检测的是简化过的模型而非原始</a:t>
+            </a:r>
+            <a:r>
+              <a:rPr lang="zh-CN" altLang="zh-CN" dirty="0" smtClean="0"/>
+              <a:t>模型</a:t>
+            </a:r>
+            <a:endParaRPr lang="en-US" altLang="zh-CN" dirty="0" smtClean="0"/>
+          </a:p>
+          <a:p>
+            <a:r>
+              <a:rPr lang="zh-CN" altLang="zh-CN" dirty="0" smtClean="0"/>
+              <a:t>因为</a:t>
+            </a:r>
+            <a:r>
+              <a:rPr lang="zh-CN" altLang="zh-CN" dirty="0"/>
+              <a:t>三角形的关系测试非常慢，即便只有几千个三角形也足以影响</a:t>
+            </a:r>
+            <a:r>
+              <a:rPr lang="zh-CN" altLang="zh-CN" dirty="0" smtClean="0"/>
+              <a:t>游戏的</a:t>
+            </a:r>
+            <a:r>
+              <a:rPr lang="zh-CN" altLang="zh-CN" dirty="0"/>
+              <a:t>性能。所以最好的解决办法是避免进行昂贵的三角形测试，对于精度要求不高的碰撞检测，我们可以进一步把那些跟球差不多样子的模型简化为球参与碰撞检测，或者把那些跟盒子差不多样子的简化成盒子，再稍微复杂一些，可以用一个凸包来逼近复杂的模型，这种近似逼近的方法可以大幅度地降低检测的计算复杂度和算法复杂度。</a:t>
+            </a:r>
+          </a:p>
+          <a:p>
+            <a:endParaRPr lang="zh-CN" altLang="en-US" dirty="0"/>
+          </a:p>
+        </p:txBody>
+      </p:sp>
+    </p:spTree>
+    <p:extLst>
+      <p:ext uri="{BB962C8B-B14F-4D97-AF65-F5344CB8AC3E}">
+        <p14:creationId xmlns:p14="http://schemas.microsoft.com/office/powerpoint/2010/main" val="3177356072"/>
+      </p:ext>
+    </p:extLst>
+  </p:cSld>
+  <p:clrMapOvr>
+    <a:masterClrMapping/>
+  </p:clrMapOvr>
+  <p:timing>
+    <p:tnLst>
+      <p:par>
+        <p:cTn id="1" dur="indefinite" restart="never" nodeType="tmRoot"/>
+      </p:par>
+    </p:tnLst>
+  </p:timing>
+</p:sld>
+</file>
+
+<file path=ppt/slides/slide60.xml><?xml version="1.0" encoding="utf-8"?>
 <p:sld xmlns:a="http://schemas.openxmlformats.org/drawingml/2006/main" xmlns:r="http://schemas.openxmlformats.org/officeDocument/2006/relationships" xmlns:p="http://schemas.openxmlformats.org/presentationml/2006/main">
   <p:cSld>
     <p:spTree>
@@ -17116,10 +21266,17 @@
   <p:clrMapOvr>
     <a:masterClrMapping/>
   </p:clrMapOvr>
+  <p:timing>
+    <p:tnLst>
+      <p:par>
+        <p:cTn id="1" dur="indefinite" restart="never" nodeType="tmRoot"/>
+      </p:par>
+    </p:tnLst>
+  </p:timing>
 </p:sld>
 </file>
 
-<file path=ppt/slides/slide56.xml><?xml version="1.0" encoding="utf-8"?>
+<file path=ppt/slides/slide61.xml><?xml version="1.0" encoding="utf-8"?>
 <p:sld xmlns:a="http://schemas.openxmlformats.org/drawingml/2006/main" xmlns:r="http://schemas.openxmlformats.org/officeDocument/2006/relationships" xmlns:p="http://schemas.openxmlformats.org/presentationml/2006/main">
   <p:cSld>
     <p:spTree>
@@ -17252,10 +21409,17 @@
   <p:clrMapOvr>
     <a:masterClrMapping/>
   </p:clrMapOvr>
+  <p:timing>
+    <p:tnLst>
+      <p:par>
+        <p:cTn id="1" dur="indefinite" restart="never" nodeType="tmRoot"/>
+      </p:par>
+    </p:tnLst>
+  </p:timing>
 </p:sld>
 </file>
 
-<file path=ppt/slides/slide57.xml><?xml version="1.0" encoding="utf-8"?>
+<file path=ppt/slides/slide62.xml><?xml version="1.0" encoding="utf-8"?>
 <p:sld xmlns:a="http://schemas.openxmlformats.org/drawingml/2006/main" xmlns:r="http://schemas.openxmlformats.org/officeDocument/2006/relationships" xmlns:p="http://schemas.openxmlformats.org/presentationml/2006/main">
   <p:cSld>
     <p:spTree>
@@ -17683,10 +21847,17 @@
   <p:clrMapOvr>
     <a:masterClrMapping/>
   </p:clrMapOvr>
+  <p:timing>
+    <p:tnLst>
+      <p:par>
+        <p:cTn id="1" dur="indefinite" restart="never" nodeType="tmRoot"/>
+      </p:par>
+    </p:tnLst>
+  </p:timing>
 </p:sld>
 </file>
 
-<file path=ppt/slides/slide58.xml><?xml version="1.0" encoding="utf-8"?>
+<file path=ppt/slides/slide63.xml><?xml version="1.0" encoding="utf-8"?>
 <p:sld xmlns:a="http://schemas.openxmlformats.org/drawingml/2006/main" xmlns:r="http://schemas.openxmlformats.org/officeDocument/2006/relationships" xmlns:p="http://schemas.openxmlformats.org/presentationml/2006/main">
   <p:cSld>
     <p:spTree>
@@ -17915,10 +22086,17 @@
   <p:clrMapOvr>
     <a:masterClrMapping/>
   </p:clrMapOvr>
+  <p:timing>
+    <p:tnLst>
+      <p:par>
+        <p:cTn id="1" dur="indefinite" restart="never" nodeType="tmRoot"/>
+      </p:par>
+    </p:tnLst>
+  </p:timing>
 </p:sld>
 </file>
 
-<file path=ppt/slides/slide59.xml><?xml version="1.0" encoding="utf-8"?>
+<file path=ppt/slides/slide64.xml><?xml version="1.0" encoding="utf-8"?>
 <p:sld xmlns:a="http://schemas.openxmlformats.org/drawingml/2006/main" xmlns:r="http://schemas.openxmlformats.org/officeDocument/2006/relationships" xmlns:p="http://schemas.openxmlformats.org/presentationml/2006/main">
   <p:cSld>
     <p:spTree>
@@ -18124,171 +22302,17 @@
   <p:clrMapOvr>
     <a:masterClrMapping/>
   </p:clrMapOvr>
+  <p:timing>
+    <p:tnLst>
+      <p:par>
+        <p:cTn id="1" dur="indefinite" restart="never" nodeType="tmRoot"/>
+      </p:par>
+    </p:tnLst>
+  </p:timing>
 </p:sld>
 </file>
 
-<file path=ppt/slides/slide6.xml><?xml version="1.0" encoding="utf-8"?>
-<p:sld xmlns:a="http://schemas.openxmlformats.org/drawingml/2006/main" xmlns:r="http://schemas.openxmlformats.org/officeDocument/2006/relationships" xmlns:p="http://schemas.openxmlformats.org/presentationml/2006/main">
-  <p:cSld>
-    <p:spTree>
-      <p:nvGrpSpPr>
-        <p:cNvPr id="1" name=""/>
-        <p:cNvGrpSpPr/>
-        <p:nvPr/>
-      </p:nvGrpSpPr>
-      <p:grpSpPr>
-        <a:xfrm>
-          <a:off x="0" y="0"/>
-          <a:ext cx="0" cy="0"/>
-          <a:chOff x="0" y="0"/>
-          <a:chExt cx="0" cy="0"/>
-        </a:xfrm>
-      </p:grpSpPr>
-      <p:sp>
-        <p:nvSpPr>
-          <p:cNvPr id="2" name="标题 1"/>
-          <p:cNvSpPr>
-            <a:spLocks noGrp="1"/>
-          </p:cNvSpPr>
-          <p:nvPr>
-            <p:ph type="title"/>
-          </p:nvPr>
-        </p:nvSpPr>
-        <p:spPr/>
-        <p:txBody>
-          <a:bodyPr/>
-          <a:lstStyle/>
-          <a:p>
-            <a:endParaRPr lang="zh-CN" altLang="en-US"/>
-          </a:p>
-        </p:txBody>
-      </p:sp>
-      <p:sp>
-        <p:nvSpPr>
-          <p:cNvPr id="3" name="内容占位符 2"/>
-          <p:cNvSpPr>
-            <a:spLocks noGrp="1"/>
-          </p:cNvSpPr>
-          <p:nvPr>
-            <p:ph idx="1"/>
-          </p:nvPr>
-        </p:nvSpPr>
-        <p:spPr/>
-        <p:txBody>
-          <a:bodyPr>
-            <a:normAutofit fontScale="70000" lnSpcReduction="20000"/>
-          </a:bodyPr>
-          <a:lstStyle/>
-          <a:p>
-            <a:r>
-              <a:rPr lang="zh-CN" altLang="zh-CN" dirty="0"/>
-              <a:t>除了这种直接简化模型的思路外，当前的</a:t>
-            </a:r>
-            <a:r>
-              <a:rPr lang="en-US" altLang="zh-CN" dirty="0"/>
-              <a:t>3D</a:t>
-            </a:r>
-            <a:r>
-              <a:rPr lang="zh-CN" altLang="zh-CN" dirty="0"/>
-              <a:t>游戏还广泛采用基于层次包围体的碰撞检测</a:t>
-            </a:r>
-            <a:r>
-              <a:rPr lang="zh-CN" altLang="zh-CN" dirty="0" smtClean="0"/>
-              <a:t>算法</a:t>
-            </a:r>
-            <a:endParaRPr lang="en-US" altLang="zh-CN" dirty="0" smtClean="0"/>
-          </a:p>
-          <a:p>
-            <a:r>
-              <a:rPr lang="zh-CN" altLang="zh-CN" dirty="0" smtClean="0"/>
-              <a:t>包围</a:t>
-            </a:r>
-            <a:r>
-              <a:rPr lang="zh-CN" altLang="zh-CN" dirty="0"/>
-              <a:t>体（</a:t>
-            </a:r>
-            <a:r>
-              <a:rPr lang="en-US" altLang="zh-CN" dirty="0"/>
-              <a:t>BV: Bounding Volume</a:t>
-            </a:r>
-            <a:r>
-              <a:rPr lang="zh-CN" altLang="zh-CN" dirty="0"/>
-              <a:t>）是在</a:t>
-            </a:r>
-            <a:r>
-              <a:rPr lang="en-US" altLang="zh-CN" dirty="0"/>
-              <a:t>1976</a:t>
-            </a:r>
-            <a:r>
-              <a:rPr lang="zh-CN" altLang="zh-CN" dirty="0"/>
-              <a:t>年由</a:t>
-            </a:r>
-            <a:r>
-              <a:rPr lang="en-US" altLang="zh-CN" dirty="0"/>
-              <a:t>Clark</a:t>
-            </a:r>
-            <a:r>
-              <a:rPr lang="zh-CN" altLang="zh-CN" dirty="0"/>
-              <a:t>提出的，基本思想是用一个简单的几何形体（即包围体）将场景中复杂的几何物体围住，通过构造树状层次结构可以越来越逼近真实的</a:t>
-            </a:r>
-            <a:r>
-              <a:rPr lang="zh-CN" altLang="zh-CN" dirty="0" smtClean="0"/>
-              <a:t>物体</a:t>
-            </a:r>
-            <a:endParaRPr lang="en-US" altLang="zh-CN" dirty="0" smtClean="0"/>
-          </a:p>
-          <a:p>
-            <a:r>
-              <a:rPr lang="zh-CN" altLang="zh-CN" dirty="0" smtClean="0"/>
-              <a:t>利用</a:t>
-            </a:r>
-            <a:r>
-              <a:rPr lang="zh-CN" altLang="zh-CN" dirty="0"/>
-              <a:t>包围体可以执行快速的剔除测试，因为只有当包围体产生碰撞时，才有必要进一步计算复杂形状几何体的相交</a:t>
-            </a:r>
-            <a:r>
-              <a:rPr lang="zh-CN" altLang="zh-CN" dirty="0" smtClean="0"/>
-              <a:t>测试</a:t>
-            </a:r>
-            <a:endParaRPr lang="en-US" altLang="zh-CN" dirty="0" smtClean="0"/>
-          </a:p>
-          <a:p>
-            <a:r>
-              <a:rPr lang="zh-CN" altLang="zh-CN" dirty="0" smtClean="0"/>
-              <a:t>当然</a:t>
-            </a:r>
-            <a:r>
-              <a:rPr lang="zh-CN" altLang="zh-CN" dirty="0"/>
-              <a:t>，在构造层次包围体，可以采用混杂的包围体作为节点，如把球和</a:t>
-            </a:r>
-            <a:r>
-              <a:rPr lang="en-US" altLang="zh-CN" dirty="0"/>
-              <a:t>OBB</a:t>
-            </a:r>
-            <a:r>
-              <a:rPr lang="zh-CN" altLang="zh-CN" dirty="0"/>
-              <a:t>结合起来使用对于某些场景将产生意外的收获。</a:t>
-            </a:r>
-          </a:p>
-          <a:p>
-            <a:endParaRPr lang="zh-CN" altLang="en-US" dirty="0"/>
-          </a:p>
-        </p:txBody>
-      </p:sp>
-    </p:spTree>
-    <p:extLst>
-      <p:ext uri="{BB962C8B-B14F-4D97-AF65-F5344CB8AC3E}">
-        <p14:creationId xmlns:p14="http://schemas.microsoft.com/office/powerpoint/2010/main" val="1836462838"/>
-      </p:ext>
-    </p:extLst>
-  </p:cSld>
-  <p:clrMapOvr>
-    <a:masterClrMapping/>
-  </p:clrMapOvr>
-</p:sld>
-</file>
-
-<file path=ppt/slides/slide60.xml><?xml version="1.0" encoding="utf-8"?>
+<file path=ppt/slides/slide65.xml><?xml version="1.0" encoding="utf-8"?>
 <p:sld xmlns:a="http://schemas.openxmlformats.org/drawingml/2006/main" xmlns:r="http://schemas.openxmlformats.org/officeDocument/2006/relationships" xmlns:p="http://schemas.openxmlformats.org/presentationml/2006/main">
   <p:cSld>
     <p:spTree>
@@ -19390,10 +23414,17 @@
   <p:clrMapOvr>
     <a:masterClrMapping/>
   </p:clrMapOvr>
+  <p:timing>
+    <p:tnLst>
+      <p:par>
+        <p:cTn id="1" dur="indefinite" restart="never" nodeType="tmRoot"/>
+      </p:par>
+    </p:tnLst>
+  </p:timing>
 </p:sld>
 </file>
 
-<file path=ppt/slides/slide61.xml><?xml version="1.0" encoding="utf-8"?>
+<file path=ppt/slides/slide66.xml><?xml version="1.0" encoding="utf-8"?>
 <p:sld xmlns:a="http://schemas.openxmlformats.org/drawingml/2006/main" xmlns:r="http://schemas.openxmlformats.org/officeDocument/2006/relationships" xmlns:p="http://schemas.openxmlformats.org/presentationml/2006/main">
   <p:cSld>
     <p:spTree>
@@ -19522,82 +23553,17 @@
   <p:clrMapOvr>
     <a:masterClrMapping/>
   </p:clrMapOvr>
+  <p:timing>
+    <p:tnLst>
+      <p:par>
+        <p:cTn id="1" dur="indefinite" restart="never" nodeType="tmRoot"/>
+      </p:par>
+    </p:tnLst>
+  </p:timing>
 </p:sld>
 </file>
 
-<file path=ppt/slides/slide62.xml><?xml version="1.0" encoding="utf-8"?>
-<p:sld xmlns:a="http://schemas.openxmlformats.org/drawingml/2006/main" xmlns:r="http://schemas.openxmlformats.org/officeDocument/2006/relationships" xmlns:p="http://schemas.openxmlformats.org/presentationml/2006/main">
-  <p:cSld>
-    <p:spTree>
-      <p:nvGrpSpPr>
-        <p:cNvPr id="1" name=""/>
-        <p:cNvGrpSpPr/>
-        <p:nvPr/>
-      </p:nvGrpSpPr>
-      <p:grpSpPr>
-        <a:xfrm>
-          <a:off x="0" y="0"/>
-          <a:ext cx="0" cy="0"/>
-          <a:chOff x="0" y="0"/>
-          <a:chExt cx="0" cy="0"/>
-        </a:xfrm>
-      </p:grpSpPr>
-      <p:sp>
-        <p:nvSpPr>
-          <p:cNvPr id="4" name="标题 3"/>
-          <p:cNvSpPr>
-            <a:spLocks noGrp="1"/>
-          </p:cNvSpPr>
-          <p:nvPr>
-            <p:ph type="ctrTitle"/>
-          </p:nvPr>
-        </p:nvSpPr>
-        <p:spPr/>
-        <p:txBody>
-          <a:bodyPr/>
-          <a:lstStyle/>
-          <a:p>
-            <a:r>
-              <a:rPr lang="en-US" altLang="zh-CN" dirty="0" smtClean="0"/>
-              <a:t>The End</a:t>
-            </a:r>
-            <a:endParaRPr lang="zh-CN" altLang="en-US" dirty="0"/>
-          </a:p>
-        </p:txBody>
-      </p:sp>
-      <p:sp>
-        <p:nvSpPr>
-          <p:cNvPr id="5" name="副标题 4"/>
-          <p:cNvSpPr>
-            <a:spLocks noGrp="1"/>
-          </p:cNvSpPr>
-          <p:nvPr>
-            <p:ph type="subTitle" idx="1"/>
-          </p:nvPr>
-        </p:nvSpPr>
-        <p:spPr/>
-        <p:txBody>
-          <a:bodyPr/>
-          <a:lstStyle/>
-          <a:p>
-            <a:endParaRPr lang="zh-CN" altLang="en-US"/>
-          </a:p>
-        </p:txBody>
-      </p:sp>
-    </p:spTree>
-    <p:extLst>
-      <p:ext uri="{BB962C8B-B14F-4D97-AF65-F5344CB8AC3E}">
-        <p14:creationId xmlns:p14="http://schemas.microsoft.com/office/powerpoint/2010/main" val="2682706468"/>
-      </p:ext>
-    </p:extLst>
-  </p:cSld>
-  <p:clrMapOvr>
-    <a:masterClrMapping/>
-  </p:clrMapOvr>
-</p:sld>
-</file>
-
-<file path=ppt/slides/slide63.xml><?xml version="1.0" encoding="utf-8"?>
+<file path=ppt/slides/slide67.xml><?xml version="1.0" encoding="utf-8"?>
 <p:sld xmlns:a="http://schemas.openxmlformats.org/drawingml/2006/main" xmlns:r="http://schemas.openxmlformats.org/officeDocument/2006/relationships" xmlns:p="http://schemas.openxmlformats.org/presentationml/2006/main">
   <p:cSld>
     <p:spTree>
@@ -19740,10 +23706,743 @@
   <p:clrMapOvr>
     <a:masterClrMapping/>
   </p:clrMapOvr>
+  <p:timing>
+    <p:tnLst>
+      <p:par>
+        <p:cTn id="1" dur="indefinite" restart="never" nodeType="tmRoot"/>
+      </p:par>
+    </p:tnLst>
+  </p:timing>
+</p:sld>
+</file>
+
+<file path=ppt/slides/slide68.xml><?xml version="1.0" encoding="utf-8"?>
+<p:sld xmlns:a="http://schemas.openxmlformats.org/drawingml/2006/main" xmlns:r="http://schemas.openxmlformats.org/officeDocument/2006/relationships" xmlns:p="http://schemas.openxmlformats.org/presentationml/2006/main">
+  <p:cSld>
+    <p:spTree>
+      <p:nvGrpSpPr>
+        <p:cNvPr id="1" name=""/>
+        <p:cNvGrpSpPr/>
+        <p:nvPr/>
+      </p:nvGrpSpPr>
+      <p:grpSpPr>
+        <a:xfrm>
+          <a:off x="0" y="0"/>
+          <a:ext cx="0" cy="0"/>
+          <a:chOff x="0" y="0"/>
+          <a:chExt cx="0" cy="0"/>
+        </a:xfrm>
+      </p:grpSpPr>
+      <p:sp>
+        <p:nvSpPr>
+          <p:cNvPr id="5" name="TextBox 4"/>
+          <p:cNvSpPr txBox="1"/>
+          <p:nvPr>
+            <p:custDataLst>
+              <p:tags r:id="rId2"/>
+            </p:custDataLst>
+          </p:nvPr>
+        </p:nvSpPr>
+        <p:spPr>
+          <a:xfrm>
+            <a:off x="914400" y="635000"/>
+            <a:ext cx="7315200" cy="1607344"/>
+          </a:xfrm>
+          <a:prstGeom prst="rect">
+            <a:avLst/>
+          </a:prstGeom>
+          <a:noFill/>
+        </p:spPr>
+        <p:txBody>
+          <a:bodyPr vert="horz" wrap="square" rtlCol="0" anchor="ctr" anchorCtr="0">
+            <a:noAutofit/>
+          </a:bodyPr>
+          <a:lstStyle/>
+          <a:p>
+            <a:r>
+              <a:rPr lang="zh-CN" altLang="en-US" sz="2600" smtClean="0">
+                <a:solidFill>
+                  <a:srgbClr val="000000"/>
+                </a:solidFill>
+                <a:latin typeface="Microsoft Yahei"/>
+                <a:ea typeface="Microsoft Yahei"/>
+                <a:sym typeface="Microsoft Yahei"/>
+              </a:rPr>
+              <a:t>请详细写出自己在练习时候遇到的具体问题</a:t>
+            </a:r>
+            <a:endParaRPr lang="zh-CN" altLang="en-US" sz="2600" dirty="0">
+              <a:solidFill>
+                <a:srgbClr val="000000"/>
+              </a:solidFill>
+              <a:latin typeface="Microsoft Yahei"/>
+              <a:ea typeface="Microsoft Yahei"/>
+              <a:sym typeface="Microsoft Yahei"/>
+            </a:endParaRPr>
+          </a:p>
+        </p:txBody>
+      </p:sp>
+      <p:sp>
+        <p:nvSpPr>
+          <p:cNvPr id="6" name="圆角矩形 5"/>
+          <p:cNvSpPr/>
+          <p:nvPr>
+            <p:custDataLst>
+              <p:tags r:id="rId3"/>
+            </p:custDataLst>
+          </p:nvPr>
+        </p:nvSpPr>
+        <p:spPr>
+          <a:xfrm>
+            <a:off x="6686550" y="4661297"/>
+            <a:ext cx="1157288" cy="308610"/>
+          </a:xfrm>
+          <a:prstGeom prst="roundRect">
+            <a:avLst/>
+          </a:prstGeom>
+          <a:solidFill>
+            <a:srgbClr val="808080"/>
+          </a:solidFill>
+          <a:ln w="38100" cmpd="sng">
+            <a:solidFill>
+              <a:srgbClr val="000000"/>
+            </a:solidFill>
+            <a:prstDash val="solid"/>
+          </a:ln>
+        </p:spPr>
+        <p:style>
+          <a:lnRef idx="2">
+            <a:schemeClr val="accent1">
+              <a:shade val="50000"/>
+            </a:schemeClr>
+          </a:lnRef>
+          <a:fillRef idx="1">
+            <a:schemeClr val="accent1"/>
+          </a:fillRef>
+          <a:effectRef idx="0">
+            <a:schemeClr val="accent1"/>
+          </a:effectRef>
+          <a:fontRef idx="minor">
+            <a:schemeClr val="lt1"/>
+          </a:fontRef>
+        </p:style>
+        <p:txBody>
+          <a:bodyPr rtlCol="0" anchor="ctr" anchorCtr="1"/>
+          <a:lstStyle/>
+          <a:p>
+            <a:pPr algn="ctr"/>
+            <a:r>
+              <a:rPr lang="zh-CN" altLang="en-US" sz="1600" smtClean="0">
+                <a:solidFill>
+                  <a:srgbClr val="FFFFFF"/>
+                </a:solidFill>
+                <a:latin typeface="Microsoft Yahei"/>
+                <a:ea typeface="Microsoft Yahei"/>
+                <a:sym typeface="Microsoft Yahei"/>
+              </a:rPr>
+              <a:t>作答</a:t>
+            </a:r>
+            <a:endParaRPr lang="zh-CN" altLang="en-US" sz="1600">
+              <a:solidFill>
+                <a:srgbClr val="FFFFFF"/>
+              </a:solidFill>
+              <a:latin typeface="Microsoft Yahei"/>
+              <a:ea typeface="Microsoft Yahei"/>
+              <a:sym typeface="Microsoft Yahei"/>
+            </a:endParaRPr>
+          </a:p>
+        </p:txBody>
+      </p:sp>
+      <p:sp>
+        <p:nvSpPr>
+          <p:cNvPr id="12" name="矩形 11"/>
+          <p:cNvSpPr/>
+          <p:nvPr>
+            <p:custDataLst>
+              <p:tags r:id="rId4"/>
+            </p:custDataLst>
+          </p:nvPr>
+        </p:nvSpPr>
+        <p:spPr>
+          <a:xfrm>
+            <a:off x="0" y="4295537"/>
+            <a:ext cx="9144000" cy="365760"/>
+          </a:xfrm>
+          <a:prstGeom prst="rect">
+            <a:avLst/>
+          </a:prstGeom>
+          <a:solidFill>
+            <a:srgbClr val="FBFAEF"/>
+          </a:solidFill>
+          <a:ln w="25400" cap="flat" cmpd="sng" algn="ctr">
+            <a:noFill/>
+            <a:prstDash val="solid"/>
+          </a:ln>
+          <a:effectLst/>
+          <a:extLst>
+            <a:ext uri="{91240B29-F687-4F45-9708-019B960494DF}">
+              <a14:hiddenLine xmlns:a14="http://schemas.microsoft.com/office/drawing/2010/main" w="25400" cap="flat" cmpd="sng" algn="ctr">
+                <a:solidFill>
+                  <a:schemeClr val="accent1">
+                    <a:shade val="50000"/>
+                  </a:schemeClr>
+                </a:solidFill>
+                <a:prstDash val="solid"/>
+              </a14:hiddenLine>
+            </a:ext>
+          </a:extLst>
+        </p:spPr>
+        <p:style>
+          <a:lnRef idx="2">
+            <a:schemeClr val="accent1">
+              <a:shade val="50000"/>
+            </a:schemeClr>
+          </a:lnRef>
+          <a:fillRef idx="1">
+            <a:schemeClr val="accent1"/>
+          </a:fillRef>
+          <a:effectRef idx="0">
+            <a:schemeClr val="accent1"/>
+          </a:effectRef>
+          <a:fontRef idx="minor">
+            <a:schemeClr val="lt1"/>
+          </a:fontRef>
+        </p:style>
+        <p:txBody>
+          <a:bodyPr wrap="none" rtlCol="0" anchor="ctr" anchorCtr="1"/>
+          <a:lstStyle/>
+          <a:p>
+            <a:r>
+              <a:rPr lang="zh-CN" altLang="en-US" sz="1200" smtClean="0">
+                <a:solidFill>
+                  <a:srgbClr val="F84F41"/>
+                </a:solidFill>
+                <a:latin typeface="Microsoft Yahei"/>
+                <a:ea typeface="Microsoft Yahei"/>
+                <a:sym typeface="Microsoft Yahei"/>
+              </a:rPr>
+              <a:t>正常使用主观题需</a:t>
+            </a:r>
+            <a:r>
+              <a:rPr lang="en-US" altLang="zh-CN" sz="1200" smtClean="0">
+                <a:solidFill>
+                  <a:srgbClr val="F84F41"/>
+                </a:solidFill>
+                <a:latin typeface="Microsoft Yahei"/>
+                <a:ea typeface="Microsoft Yahei"/>
+                <a:sym typeface="Microsoft Yahei"/>
+              </a:rPr>
+              <a:t>2.0</a:t>
+            </a:r>
+            <a:r>
+              <a:rPr lang="zh-CN" altLang="en-US" sz="1200" smtClean="0">
+                <a:solidFill>
+                  <a:srgbClr val="F84F41"/>
+                </a:solidFill>
+                <a:latin typeface="Microsoft Yahei"/>
+                <a:ea typeface="Microsoft Yahei"/>
+                <a:sym typeface="Microsoft Yahei"/>
+              </a:rPr>
+              <a:t>以上版本雨课堂</a:t>
+            </a:r>
+            <a:endParaRPr lang="zh-CN" altLang="en-US" sz="1200">
+              <a:solidFill>
+                <a:srgbClr val="F84F41"/>
+              </a:solidFill>
+              <a:latin typeface="Microsoft Yahei"/>
+              <a:ea typeface="Microsoft Yahei"/>
+              <a:sym typeface="Microsoft Yahei"/>
+            </a:endParaRPr>
+          </a:p>
+        </p:txBody>
+      </p:sp>
+      <p:grpSp>
+        <p:nvGrpSpPr>
+          <p:cNvPr id="11" name="组合 10"/>
+          <p:cNvGrpSpPr/>
+          <p:nvPr>
+            <p:custDataLst>
+              <p:tags r:id="rId5"/>
+            </p:custDataLst>
+          </p:nvPr>
+        </p:nvGrpSpPr>
+        <p:grpSpPr>
+          <a:xfrm>
+            <a:off x="0" y="0"/>
+            <a:ext cx="9144000" cy="635000"/>
+            <a:chOff x="0" y="0"/>
+            <a:chExt cx="9144000" cy="635000"/>
+          </a:xfrm>
+        </p:grpSpPr>
+        <p:sp>
+          <p:nvSpPr>
+            <p:cNvPr id="7" name="TitleBackground"/>
+            <p:cNvSpPr/>
+            <p:nvPr>
+              <p:custDataLst>
+                <p:tags r:id="rId7"/>
+              </p:custDataLst>
+            </p:nvPr>
+          </p:nvSpPr>
+          <p:spPr>
+            <a:xfrm>
+              <a:off x="0" y="0"/>
+              <a:ext cx="9144000" cy="635000"/>
+            </a:xfrm>
+            <a:prstGeom prst="rect">
+              <a:avLst/>
+            </a:prstGeom>
+            <a:solidFill>
+              <a:srgbClr val="F6F7F8"/>
+            </a:solidFill>
+            <a:ln w="25400" cap="flat" cmpd="sng" algn="ctr">
+              <a:noFill/>
+              <a:prstDash val="solid"/>
+            </a:ln>
+            <a:effectLst/>
+            <a:extLst>
+              <a:ext uri="{91240B29-F687-4F45-9708-019B960494DF}">
+                <a14:hiddenLine xmlns:a14="http://schemas.microsoft.com/office/drawing/2010/main" w="25400" cap="flat" cmpd="sng" algn="ctr">
+                  <a:solidFill>
+                    <a:schemeClr val="accent1">
+                      <a:shade val="50000"/>
+                    </a:schemeClr>
+                  </a:solidFill>
+                  <a:prstDash val="solid"/>
+                </a14:hiddenLine>
+              </a:ext>
+            </a:extLst>
+          </p:spPr>
+          <p:style>
+            <a:lnRef idx="2">
+              <a:schemeClr val="accent1">
+                <a:shade val="50000"/>
+              </a:schemeClr>
+            </a:lnRef>
+            <a:fillRef idx="1">
+              <a:schemeClr val="accent1"/>
+            </a:fillRef>
+            <a:effectRef idx="0">
+              <a:schemeClr val="accent1"/>
+            </a:effectRef>
+            <a:fontRef idx="minor">
+              <a:schemeClr val="lt1"/>
+            </a:fontRef>
+          </p:style>
+          <p:txBody>
+            <a:bodyPr rtlCol="0" anchor="ctr"/>
+            <a:lstStyle/>
+            <a:p>
+              <a:pPr algn="ctr"/>
+              <a:endParaRPr lang="zh-CN" altLang="en-US"/>
+            </a:p>
+          </p:txBody>
+        </p:sp>
+        <p:sp>
+          <p:nvSpPr>
+            <p:cNvPr id="8" name="ColorBlock"/>
+            <p:cNvSpPr/>
+            <p:nvPr>
+              <p:custDataLst>
+                <p:tags r:id="rId8"/>
+              </p:custDataLst>
+            </p:nvPr>
+          </p:nvSpPr>
+          <p:spPr>
+            <a:xfrm>
+              <a:off x="0" y="0"/>
+              <a:ext cx="190500" cy="635000"/>
+            </a:xfrm>
+            <a:prstGeom prst="rect">
+              <a:avLst/>
+            </a:prstGeom>
+            <a:solidFill>
+              <a:srgbClr val="639EF4"/>
+            </a:solidFill>
+            <a:ln w="25400" cap="flat" cmpd="sng" algn="ctr">
+              <a:noFill/>
+              <a:prstDash val="solid"/>
+            </a:ln>
+            <a:effectLst/>
+            <a:extLst>
+              <a:ext uri="{91240B29-F687-4F45-9708-019B960494DF}">
+                <a14:hiddenLine xmlns:a14="http://schemas.microsoft.com/office/drawing/2010/main" w="25400" cap="flat" cmpd="sng" algn="ctr">
+                  <a:solidFill>
+                    <a:schemeClr val="accent1">
+                      <a:shade val="50000"/>
+                    </a:schemeClr>
+                  </a:solidFill>
+                  <a:prstDash val="solid"/>
+                </a14:hiddenLine>
+              </a:ext>
+            </a:extLst>
+          </p:spPr>
+          <p:style>
+            <a:lnRef idx="2">
+              <a:schemeClr val="accent1">
+                <a:shade val="50000"/>
+              </a:schemeClr>
+            </a:lnRef>
+            <a:fillRef idx="1">
+              <a:schemeClr val="accent1"/>
+            </a:fillRef>
+            <a:effectRef idx="0">
+              <a:schemeClr val="accent1"/>
+            </a:effectRef>
+            <a:fontRef idx="minor">
+              <a:schemeClr val="lt1"/>
+            </a:fontRef>
+          </p:style>
+          <p:txBody>
+            <a:bodyPr rtlCol="0" anchor="ctr"/>
+            <a:lstStyle/>
+            <a:p>
+              <a:pPr algn="ctr"/>
+              <a:endParaRPr lang="zh-CN" altLang="en-US"/>
+            </a:p>
+          </p:txBody>
+        </p:sp>
+        <p:sp>
+          <p:nvSpPr>
+            <p:cNvPr id="9" name="TypeText"/>
+            <p:cNvSpPr txBox="1"/>
+            <p:nvPr>
+              <p:custDataLst>
+                <p:tags r:id="rId9"/>
+              </p:custDataLst>
+            </p:nvPr>
+          </p:nvSpPr>
+          <p:spPr>
+            <a:xfrm>
+              <a:off x="254000" y="0"/>
+              <a:ext cx="1905000" cy="635000"/>
+            </a:xfrm>
+            <a:prstGeom prst="rect">
+              <a:avLst/>
+            </a:prstGeom>
+            <a:noFill/>
+          </p:spPr>
+          <p:txBody>
+            <a:bodyPr vert="horz" wrap="none" rtlCol="0" anchor="ctr" anchorCtr="0">
+              <a:noAutofit/>
+            </a:bodyPr>
+            <a:lstStyle/>
+            <a:p>
+              <a:r>
+                <a:rPr lang="zh-CN" altLang="en-US" sz="2600" smtClean="0">
+                  <a:solidFill>
+                    <a:srgbClr val="000000"/>
+                  </a:solidFill>
+                  <a:latin typeface="Microsoft Yahei"/>
+                  <a:ea typeface="Microsoft Yahei"/>
+                  <a:sym typeface="Microsoft Yahei"/>
+                </a:rPr>
+                <a:t>主观题</a:t>
+              </a:r>
+              <a:endParaRPr lang="zh-CN" altLang="en-US" sz="2600">
+                <a:solidFill>
+                  <a:srgbClr val="000000"/>
+                </a:solidFill>
+                <a:latin typeface="Microsoft Yahei"/>
+                <a:ea typeface="Microsoft Yahei"/>
+                <a:sym typeface="Microsoft Yahei"/>
+              </a:endParaRPr>
+            </a:p>
+          </p:txBody>
+        </p:sp>
+        <p:sp>
+          <p:nvSpPr>
+            <p:cNvPr id="10" name="TipText"/>
+            <p:cNvSpPr txBox="1"/>
+            <p:nvPr>
+              <p:custDataLst>
+                <p:tags r:id="rId10"/>
+              </p:custDataLst>
+            </p:nvPr>
+          </p:nvSpPr>
+          <p:spPr>
+            <a:xfrm>
+              <a:off x="1525905" y="109220"/>
+              <a:ext cx="2286000" cy="508000"/>
+            </a:xfrm>
+            <a:prstGeom prst="rect">
+              <a:avLst/>
+            </a:prstGeom>
+            <a:noFill/>
+          </p:spPr>
+          <p:txBody>
+            <a:bodyPr vert="horz" wrap="none" rtlCol="0" anchor="ctr" anchorCtr="0">
+              <a:noAutofit/>
+            </a:bodyPr>
+            <a:lstStyle/>
+            <a:p>
+              <a:r>
+                <a:rPr lang="en-US" altLang="zh-CN" sz="2000" smtClean="0">
+                  <a:solidFill>
+                    <a:srgbClr val="808080"/>
+                  </a:solidFill>
+                  <a:latin typeface="Microsoft Yahei"/>
+                  <a:ea typeface="Microsoft Yahei"/>
+                  <a:sym typeface="Microsoft Yahei"/>
+                </a:rPr>
+                <a:t>1</a:t>
+              </a:r>
+              <a:r>
+                <a:rPr lang="zh-CN" altLang="en-US" sz="2000" smtClean="0">
+                  <a:solidFill>
+                    <a:srgbClr val="808080"/>
+                  </a:solidFill>
+                  <a:latin typeface="Microsoft Yahei"/>
+                  <a:ea typeface="Microsoft Yahei"/>
+                  <a:sym typeface="Microsoft Yahei"/>
+                </a:rPr>
+                <a:t>分</a:t>
+              </a:r>
+              <a:endParaRPr lang="zh-CN" altLang="en-US" sz="2000">
+                <a:solidFill>
+                  <a:srgbClr val="808080"/>
+                </a:solidFill>
+                <a:latin typeface="Microsoft Yahei"/>
+                <a:ea typeface="Microsoft Yahei"/>
+                <a:sym typeface="Microsoft Yahei"/>
+              </a:endParaRPr>
+            </a:p>
+          </p:txBody>
+        </p:sp>
+      </p:grpSp>
+      <p:pic>
+        <p:nvPicPr>
+          <p:cNvPr id="4" name="图片 3"/>
+          <p:cNvPicPr>
+            <a:picLocks/>
+          </p:cNvPicPr>
+          <p:nvPr>
+            <p:custDataLst>
+              <p:tags r:id="rId6"/>
+            </p:custDataLst>
+          </p:nvPr>
+        </p:nvPicPr>
+        <p:blipFill>
+          <a:blip r:embed="rId12">
+            <a:extLst>
+              <a:ext uri="{28A0092B-C50C-407E-A947-70E740481C1C}">
+                <a14:useLocalDpi xmlns:a14="http://schemas.microsoft.com/office/drawing/2010/main" val="0"/>
+              </a:ext>
+            </a:extLst>
+          </a:blip>
+          <a:stretch>
+            <a:fillRect/>
+          </a:stretch>
+        </p:blipFill>
+        <p:spPr>
+          <a:xfrm>
+            <a:off x="7594600" y="63500"/>
+            <a:ext cx="1422400" cy="508000"/>
+          </a:xfrm>
+          <a:prstGeom prst="rect">
+            <a:avLst/>
+          </a:prstGeom>
+        </p:spPr>
+      </p:pic>
+    </p:spTree>
+    <p:custDataLst>
+      <p:tags r:id="rId1"/>
+    </p:custDataLst>
+    <p:extLst>
+      <p:ext uri="{BB962C8B-B14F-4D97-AF65-F5344CB8AC3E}">
+        <p14:creationId xmlns:p14="http://schemas.microsoft.com/office/powerpoint/2010/main" val="3286971315"/>
+      </p:ext>
+    </p:extLst>
+  </p:cSld>
+  <p:clrMapOvr>
+    <a:masterClrMapping/>
+  </p:clrMapOvr>
+  <mc:AlternateContent xmlns:mc="http://schemas.openxmlformats.org/markup-compatibility/2006">
+    <mc:Choice xmlns:p14="http://schemas.microsoft.com/office/powerpoint/2010/main" Requires="p14">
+      <p:transition spd="slow" p14:dur="999"/>
+    </mc:Choice>
+    <mc:Fallback>
+      <p:transition spd="slow"/>
+    </mc:Fallback>
+  </mc:AlternateContent>
+  <p:timing>
+    <p:tnLst>
+      <p:par>
+        <p:cTn id="1" dur="indefinite" restart="never" nodeType="tmRoot"/>
+      </p:par>
+    </p:tnLst>
+  </p:timing>
 </p:sld>
 </file>
 
 <file path=ppt/slides/slide7.xml><?xml version="1.0" encoding="utf-8"?>
+<p:sld xmlns:a="http://schemas.openxmlformats.org/drawingml/2006/main" xmlns:r="http://schemas.openxmlformats.org/officeDocument/2006/relationships" xmlns:p="http://schemas.openxmlformats.org/presentationml/2006/main">
+  <p:cSld>
+    <p:spTree>
+      <p:nvGrpSpPr>
+        <p:cNvPr id="1" name=""/>
+        <p:cNvGrpSpPr/>
+        <p:nvPr/>
+      </p:nvGrpSpPr>
+      <p:grpSpPr>
+        <a:xfrm>
+          <a:off x="0" y="0"/>
+          <a:ext cx="0" cy="0"/>
+          <a:chOff x="0" y="0"/>
+          <a:chExt cx="0" cy="0"/>
+        </a:xfrm>
+      </p:grpSpPr>
+      <p:sp>
+        <p:nvSpPr>
+          <p:cNvPr id="2" name="标题 1"/>
+          <p:cNvSpPr>
+            <a:spLocks noGrp="1"/>
+          </p:cNvSpPr>
+          <p:nvPr>
+            <p:ph type="title"/>
+          </p:nvPr>
+        </p:nvSpPr>
+        <p:spPr/>
+        <p:txBody>
+          <a:bodyPr/>
+          <a:lstStyle/>
+          <a:p>
+            <a:endParaRPr lang="zh-CN" altLang="en-US"/>
+          </a:p>
+        </p:txBody>
+      </p:sp>
+      <p:sp>
+        <p:nvSpPr>
+          <p:cNvPr id="3" name="内容占位符 2"/>
+          <p:cNvSpPr>
+            <a:spLocks noGrp="1"/>
+          </p:cNvSpPr>
+          <p:nvPr>
+            <p:ph idx="1"/>
+          </p:nvPr>
+        </p:nvSpPr>
+        <p:spPr/>
+        <p:txBody>
+          <a:bodyPr>
+            <a:normAutofit fontScale="70000" lnSpcReduction="20000"/>
+          </a:bodyPr>
+          <a:lstStyle/>
+          <a:p>
+            <a:r>
+              <a:rPr lang="zh-CN" altLang="zh-CN" dirty="0"/>
+              <a:t>除了这种直接简化模型的思路外，当前的</a:t>
+            </a:r>
+            <a:r>
+              <a:rPr lang="en-US" altLang="zh-CN" dirty="0"/>
+              <a:t>3D</a:t>
+            </a:r>
+            <a:r>
+              <a:rPr lang="zh-CN" altLang="zh-CN" dirty="0"/>
+              <a:t>游戏还广泛采用基于层次包围体的碰撞检测</a:t>
+            </a:r>
+            <a:r>
+              <a:rPr lang="zh-CN" altLang="zh-CN" dirty="0" smtClean="0"/>
+              <a:t>算法</a:t>
+            </a:r>
+            <a:endParaRPr lang="en-US" altLang="zh-CN" dirty="0" smtClean="0"/>
+          </a:p>
+          <a:p>
+            <a:r>
+              <a:rPr lang="zh-CN" altLang="zh-CN" dirty="0" smtClean="0"/>
+              <a:t>包围</a:t>
+            </a:r>
+            <a:r>
+              <a:rPr lang="zh-CN" altLang="zh-CN" dirty="0"/>
+              <a:t>体（</a:t>
+            </a:r>
+            <a:r>
+              <a:rPr lang="en-US" altLang="zh-CN" dirty="0"/>
+              <a:t>BV: Bounding Volume</a:t>
+            </a:r>
+            <a:r>
+              <a:rPr lang="zh-CN" altLang="zh-CN" dirty="0"/>
+              <a:t>）是在</a:t>
+            </a:r>
+            <a:r>
+              <a:rPr lang="en-US" altLang="zh-CN" dirty="0"/>
+              <a:t>1976</a:t>
+            </a:r>
+            <a:r>
+              <a:rPr lang="zh-CN" altLang="zh-CN" dirty="0"/>
+              <a:t>年由</a:t>
+            </a:r>
+            <a:r>
+              <a:rPr lang="en-US" altLang="zh-CN" dirty="0"/>
+              <a:t>Clark</a:t>
+            </a:r>
+            <a:r>
+              <a:rPr lang="zh-CN" altLang="zh-CN" dirty="0"/>
+              <a:t>提出的，基本思想是用一个简单的几何形体（即包围体）将场景中复杂的几何物体围住，通过构造树状层次结构可以越来越逼近真实的</a:t>
+            </a:r>
+            <a:r>
+              <a:rPr lang="zh-CN" altLang="zh-CN" dirty="0" smtClean="0"/>
+              <a:t>物体</a:t>
+            </a:r>
+            <a:endParaRPr lang="en-US" altLang="zh-CN" dirty="0" smtClean="0"/>
+          </a:p>
+          <a:p>
+            <a:r>
+              <a:rPr lang="zh-CN" altLang="zh-CN" dirty="0" smtClean="0"/>
+              <a:t>利用</a:t>
+            </a:r>
+            <a:r>
+              <a:rPr lang="zh-CN" altLang="zh-CN" dirty="0"/>
+              <a:t>包围体可以执行快速的剔除测试，因为只有当包围体产生碰撞时，才有必要进一步计算复杂形状几何体的相交</a:t>
+            </a:r>
+            <a:r>
+              <a:rPr lang="zh-CN" altLang="zh-CN" dirty="0" smtClean="0"/>
+              <a:t>测试</a:t>
+            </a:r>
+            <a:endParaRPr lang="en-US" altLang="zh-CN" dirty="0" smtClean="0"/>
+          </a:p>
+          <a:p>
+            <a:r>
+              <a:rPr lang="zh-CN" altLang="zh-CN" dirty="0" smtClean="0"/>
+              <a:t>当然</a:t>
+            </a:r>
+            <a:r>
+              <a:rPr lang="zh-CN" altLang="zh-CN" dirty="0"/>
+              <a:t>，在构造层次包围体，可以采用混杂的包围体作为节点，如把球和</a:t>
+            </a:r>
+            <a:r>
+              <a:rPr lang="en-US" altLang="zh-CN" dirty="0"/>
+              <a:t>OBB</a:t>
+            </a:r>
+            <a:r>
+              <a:rPr lang="zh-CN" altLang="zh-CN" dirty="0"/>
+              <a:t>结合起来使用对于某些场景将产生意外的收获。</a:t>
+            </a:r>
+          </a:p>
+          <a:p>
+            <a:endParaRPr lang="zh-CN" altLang="en-US" dirty="0"/>
+          </a:p>
+        </p:txBody>
+      </p:sp>
+    </p:spTree>
+    <p:extLst>
+      <p:ext uri="{BB962C8B-B14F-4D97-AF65-F5344CB8AC3E}">
+        <p14:creationId xmlns:p14="http://schemas.microsoft.com/office/powerpoint/2010/main" val="1836462838"/>
+      </p:ext>
+    </p:extLst>
+  </p:cSld>
+  <p:clrMapOvr>
+    <a:masterClrMapping/>
+  </p:clrMapOvr>
+  <p:timing>
+    <p:tnLst>
+      <p:par>
+        <p:cTn id="1" dur="indefinite" restart="never" nodeType="tmRoot"/>
+      </p:par>
+    </p:tnLst>
+  </p:timing>
+</p:sld>
+</file>
+
+<file path=ppt/slides/slide8.xml><?xml version="1.0" encoding="utf-8"?>
 <p:sld xmlns:a="http://schemas.openxmlformats.org/drawingml/2006/main" xmlns:r="http://schemas.openxmlformats.org/officeDocument/2006/relationships" xmlns:p="http://schemas.openxmlformats.org/presentationml/2006/main">
   <p:cSld>
     <p:spTree>
@@ -19872,112 +24571,13 @@
   <p:clrMapOvr>
     <a:masterClrMapping/>
   </p:clrMapOvr>
-</p:sld>
-</file>
-
-<file path=ppt/slides/slide8.xml><?xml version="1.0" encoding="utf-8"?>
-<p:sld xmlns:a="http://schemas.openxmlformats.org/drawingml/2006/main" xmlns:r="http://schemas.openxmlformats.org/officeDocument/2006/relationships" xmlns:p="http://schemas.openxmlformats.org/presentationml/2006/main">
-  <p:cSld>
-    <p:spTree>
-      <p:nvGrpSpPr>
-        <p:cNvPr id="1" name=""/>
-        <p:cNvGrpSpPr/>
-        <p:nvPr/>
-      </p:nvGrpSpPr>
-      <p:grpSpPr>
-        <a:xfrm>
-          <a:off x="0" y="0"/>
-          <a:ext cx="0" cy="0"/>
-          <a:chOff x="0" y="0"/>
-          <a:chExt cx="0" cy="0"/>
-        </a:xfrm>
-      </p:grpSpPr>
-      <p:sp>
-        <p:nvSpPr>
-          <p:cNvPr id="2" name="标题 1"/>
-          <p:cNvSpPr>
-            <a:spLocks noGrp="1"/>
-          </p:cNvSpPr>
-          <p:nvPr>
-            <p:ph type="title"/>
-          </p:nvPr>
-        </p:nvSpPr>
-        <p:spPr/>
-        <p:txBody>
-          <a:bodyPr/>
-          <a:lstStyle/>
-          <a:p>
-            <a:endParaRPr lang="zh-CN" altLang="en-US"/>
-          </a:p>
-        </p:txBody>
-      </p:sp>
-      <p:sp>
-        <p:nvSpPr>
-          <p:cNvPr id="3" name="内容占位符 2"/>
-          <p:cNvSpPr>
-            <a:spLocks noGrp="1"/>
-          </p:cNvSpPr>
-          <p:nvPr>
-            <p:ph idx="1"/>
-          </p:nvPr>
-        </p:nvSpPr>
-        <p:spPr/>
-        <p:txBody>
-          <a:bodyPr>
-            <a:normAutofit fontScale="92500" lnSpcReduction="10000"/>
-          </a:bodyPr>
-          <a:lstStyle/>
-          <a:p>
-            <a:r>
-              <a:rPr lang="zh-CN" altLang="zh-CN" dirty="0"/>
-              <a:t>当然，当物体对象之间真正产生碰撞时，进一步的处理将导致计算量的显著</a:t>
-            </a:r>
-            <a:r>
-              <a:rPr lang="zh-CN" altLang="zh-CN" dirty="0" smtClean="0"/>
-              <a:t>增加</a:t>
-            </a:r>
-            <a:endParaRPr lang="en-US" altLang="zh-CN" dirty="0" smtClean="0"/>
-          </a:p>
-          <a:p>
-            <a:r>
-              <a:rPr lang="zh-CN" altLang="zh-CN" dirty="0" smtClean="0"/>
-              <a:t>然而</a:t>
-            </a:r>
-            <a:r>
-              <a:rPr lang="zh-CN" altLang="zh-CN" dirty="0"/>
-              <a:t>，在大多数情况下只存在少数物体彼此靠近并可能产生</a:t>
-            </a:r>
-            <a:r>
-              <a:rPr lang="zh-CN" altLang="zh-CN" dirty="0" smtClean="0"/>
-              <a:t>碰撞</a:t>
-            </a:r>
-            <a:endParaRPr lang="en-US" altLang="zh-CN" dirty="0" smtClean="0"/>
-          </a:p>
-          <a:p>
-            <a:r>
-              <a:rPr lang="zh-CN" altLang="zh-CN" dirty="0" smtClean="0"/>
-              <a:t>因此</a:t>
-            </a:r>
-            <a:r>
-              <a:rPr lang="zh-CN" altLang="zh-CN" dirty="0"/>
-              <a:t>，包围体通常可以获取有效的性能改善；同时，复杂场景的前期剔除，更验证了为包围体测试所付出的较小代价是值得的。</a:t>
-            </a:r>
-          </a:p>
-          <a:p>
-            <a:endParaRPr lang="zh-CN" altLang="en-US" dirty="0"/>
-          </a:p>
-        </p:txBody>
-      </p:sp>
-    </p:spTree>
-    <p:extLst>
-      <p:ext uri="{BB962C8B-B14F-4D97-AF65-F5344CB8AC3E}">
-        <p14:creationId xmlns:p14="http://schemas.microsoft.com/office/powerpoint/2010/main" val="1962237622"/>
-      </p:ext>
-    </p:extLst>
-  </p:cSld>
-  <p:clrMapOvr>
-    <a:masterClrMapping/>
-  </p:clrMapOvr>
+  <p:timing>
+    <p:tnLst>
+      <p:par>
+        <p:cTn id="1" dur="indefinite" restart="never" nodeType="tmRoot"/>
+      </p:par>
+    </p:tnLst>
+  </p:timing>
 </p:sld>
 </file>
 
@@ -20000,140 +24600,1518 @@
       </p:grpSpPr>
       <p:sp>
         <p:nvSpPr>
-          <p:cNvPr id="2" name="标题 1"/>
-          <p:cNvSpPr>
-            <a:spLocks noGrp="1"/>
-          </p:cNvSpPr>
+          <p:cNvPr id="5" name="TextBox 4"/>
+          <p:cNvSpPr txBox="1"/>
           <p:nvPr>
-            <p:ph type="title"/>
+            <p:custDataLst>
+              <p:tags r:id="rId2"/>
+            </p:custDataLst>
           </p:nvPr>
         </p:nvSpPr>
-        <p:spPr/>
+        <p:spPr>
+          <a:xfrm>
+            <a:off x="914400" y="635000"/>
+            <a:ext cx="7315200" cy="1607344"/>
+          </a:xfrm>
+          <a:prstGeom prst="rect">
+            <a:avLst/>
+          </a:prstGeom>
+          <a:noFill/>
+        </p:spPr>
         <p:txBody>
-          <a:bodyPr/>
+          <a:bodyPr vert="horz" wrap="square" rtlCol="0" anchor="ctr" anchorCtr="0">
+            <a:noAutofit/>
+          </a:bodyPr>
           <a:lstStyle/>
           <a:p>
-            <a:endParaRPr lang="zh-CN" altLang="en-US"/>
+            <a:r>
+              <a:rPr lang="zh-CN" altLang="en-US" sz="2600" dirty="0" smtClean="0">
+                <a:solidFill>
+                  <a:srgbClr val="000000"/>
+                </a:solidFill>
+                <a:latin typeface="Microsoft Yahei"/>
+                <a:ea typeface="Microsoft Yahei"/>
+                <a:sym typeface="Microsoft Yahei"/>
+              </a:rPr>
+              <a:t>下面的方法可以显著提升碰撞检测效率</a:t>
+            </a:r>
+            <a:endParaRPr lang="zh-CN" altLang="en-US" sz="2600" dirty="0">
+              <a:solidFill>
+                <a:srgbClr val="000000"/>
+              </a:solidFill>
+              <a:latin typeface="Microsoft Yahei"/>
+              <a:ea typeface="Microsoft Yahei"/>
+              <a:sym typeface="Microsoft Yahei"/>
+            </a:endParaRPr>
           </a:p>
         </p:txBody>
       </p:sp>
       <p:sp>
         <p:nvSpPr>
-          <p:cNvPr id="3" name="内容占位符 2"/>
+          <p:cNvPr id="6" name="TextBox 5"/>
+          <p:cNvSpPr txBox="1"/>
+          <p:nvPr>
+            <p:custDataLst>
+              <p:tags r:id="rId3"/>
+            </p:custDataLst>
+          </p:nvPr>
+        </p:nvSpPr>
+        <p:spPr>
+          <a:xfrm>
+            <a:off x="1828800" y="2089547"/>
+            <a:ext cx="6400800" cy="482203"/>
+          </a:xfrm>
+          <a:prstGeom prst="rect">
+            <a:avLst/>
+          </a:prstGeom>
+          <a:noFill/>
+        </p:spPr>
+        <p:txBody>
+          <a:bodyPr vert="horz" rtlCol="0" anchor="ctr" anchorCtr="0">
+            <a:noAutofit/>
+          </a:bodyPr>
+          <a:lstStyle/>
+          <a:p>
+            <a:r>
+              <a:rPr lang="zh-CN" altLang="en-US" sz="2600" dirty="0" smtClean="0">
+                <a:solidFill>
+                  <a:srgbClr val="000000"/>
+                </a:solidFill>
+                <a:latin typeface="Microsoft Yahei"/>
+                <a:ea typeface="Microsoft Yahei"/>
+                <a:sym typeface="Microsoft Yahei"/>
+              </a:rPr>
+              <a:t>使用物体网格来进行碰撞检测计算</a:t>
+            </a:r>
+            <a:endParaRPr lang="zh-CN" altLang="en-US" sz="2600" dirty="0">
+              <a:solidFill>
+                <a:srgbClr val="000000"/>
+              </a:solidFill>
+              <a:latin typeface="Microsoft Yahei"/>
+              <a:ea typeface="Microsoft Yahei"/>
+              <a:sym typeface="Microsoft Yahei"/>
+            </a:endParaRPr>
+          </a:p>
+        </p:txBody>
+      </p:sp>
+      <p:sp>
+        <p:nvSpPr>
+          <p:cNvPr id="7" name="TextBox 6"/>
+          <p:cNvSpPr txBox="1"/>
+          <p:nvPr>
+            <p:custDataLst>
+              <p:tags r:id="rId4"/>
+            </p:custDataLst>
+          </p:nvPr>
+        </p:nvSpPr>
+        <p:spPr>
+          <a:xfrm>
+            <a:off x="1828800" y="2732484"/>
+            <a:ext cx="6400800" cy="482203"/>
+          </a:xfrm>
+          <a:prstGeom prst="rect">
+            <a:avLst/>
+          </a:prstGeom>
+          <a:noFill/>
+        </p:spPr>
+        <p:txBody>
+          <a:bodyPr vert="horz" rtlCol="0" anchor="ctr" anchorCtr="0">
+            <a:noAutofit/>
+          </a:bodyPr>
+          <a:lstStyle/>
+          <a:p>
+            <a:r>
+              <a:rPr lang="zh-CN" altLang="en-US" sz="2600" dirty="0" smtClean="0">
+                <a:solidFill>
+                  <a:srgbClr val="000000"/>
+                </a:solidFill>
+                <a:latin typeface="Microsoft Yahei"/>
+                <a:ea typeface="Microsoft Yahei"/>
+                <a:sym typeface="Microsoft Yahei"/>
+              </a:rPr>
+              <a:t>使用包围体代替物体来进行碰撞检测计算</a:t>
+            </a:r>
+            <a:endParaRPr lang="zh-CN" altLang="en-US" sz="2600" dirty="0">
+              <a:solidFill>
+                <a:srgbClr val="000000"/>
+              </a:solidFill>
+              <a:latin typeface="Microsoft Yahei"/>
+              <a:ea typeface="Microsoft Yahei"/>
+              <a:sym typeface="Microsoft Yahei"/>
+            </a:endParaRPr>
+          </a:p>
+        </p:txBody>
+      </p:sp>
+      <p:sp>
+        <p:nvSpPr>
+          <p:cNvPr id="8" name="TextBox 7"/>
+          <p:cNvSpPr txBox="1"/>
+          <p:nvPr>
+            <p:custDataLst>
+              <p:tags r:id="rId5"/>
+            </p:custDataLst>
+          </p:nvPr>
+        </p:nvSpPr>
+        <p:spPr>
+          <a:xfrm>
+            <a:off x="1828800" y="3375422"/>
+            <a:ext cx="6775648" cy="482203"/>
+          </a:xfrm>
+          <a:prstGeom prst="rect">
+            <a:avLst/>
+          </a:prstGeom>
+          <a:noFill/>
+        </p:spPr>
+        <p:txBody>
+          <a:bodyPr vert="horz" rtlCol="0" anchor="ctr" anchorCtr="0">
+            <a:noAutofit/>
+          </a:bodyPr>
+          <a:lstStyle/>
+          <a:p>
+            <a:r>
+              <a:rPr lang="zh-CN" altLang="en-US" sz="2600" dirty="0" smtClean="0">
+                <a:solidFill>
+                  <a:srgbClr val="000000"/>
+                </a:solidFill>
+                <a:latin typeface="Microsoft Yahei"/>
+                <a:ea typeface="Microsoft Yahei"/>
+                <a:sym typeface="Microsoft Yahei"/>
+              </a:rPr>
+              <a:t>使用数学函数来代替物体进行碰撞检测计算</a:t>
+            </a:r>
+            <a:endParaRPr lang="zh-CN" altLang="en-US" sz="2600" dirty="0">
+              <a:solidFill>
+                <a:srgbClr val="000000"/>
+              </a:solidFill>
+              <a:latin typeface="Microsoft Yahei"/>
+              <a:ea typeface="Microsoft Yahei"/>
+              <a:sym typeface="Microsoft Yahei"/>
+            </a:endParaRPr>
+          </a:p>
+        </p:txBody>
+      </p:sp>
+      <p:sp>
+        <p:nvSpPr>
+          <p:cNvPr id="9" name="TextBox 8"/>
+          <p:cNvSpPr txBox="1"/>
+          <p:nvPr>
+            <p:custDataLst>
+              <p:tags r:id="rId6"/>
+            </p:custDataLst>
+          </p:nvPr>
+        </p:nvSpPr>
+        <p:spPr>
+          <a:xfrm>
+            <a:off x="1828800" y="4018359"/>
+            <a:ext cx="6400800" cy="482203"/>
+          </a:xfrm>
+          <a:prstGeom prst="rect">
+            <a:avLst/>
+          </a:prstGeom>
+          <a:noFill/>
+        </p:spPr>
+        <p:txBody>
+          <a:bodyPr vert="horz" rtlCol="0" anchor="ctr" anchorCtr="0">
+            <a:noAutofit/>
+          </a:bodyPr>
+          <a:lstStyle/>
+          <a:p>
+            <a:r>
+              <a:rPr lang="zh-CN" altLang="en-US" sz="2600" dirty="0" smtClean="0">
+                <a:solidFill>
+                  <a:srgbClr val="000000"/>
+                </a:solidFill>
+                <a:latin typeface="Microsoft Yahei"/>
+                <a:ea typeface="Microsoft Yahei"/>
+                <a:sym typeface="Microsoft Yahei"/>
+              </a:rPr>
+              <a:t>完全使用物理方式进行计算</a:t>
+            </a:r>
+            <a:endParaRPr lang="zh-CN" altLang="en-US" sz="2600" dirty="0">
+              <a:solidFill>
+                <a:srgbClr val="000000"/>
+              </a:solidFill>
+              <a:latin typeface="Microsoft Yahei"/>
+              <a:ea typeface="Microsoft Yahei"/>
+              <a:sym typeface="Microsoft Yahei"/>
+            </a:endParaRPr>
+          </a:p>
+        </p:txBody>
+      </p:sp>
+      <p:sp>
+        <p:nvSpPr>
+          <p:cNvPr id="10" name="椭圆 9"/>
           <p:cNvSpPr>
-            <a:spLocks noGrp="1"/>
+            <a:spLocks noChangeAspect="1"/>
           </p:cNvSpPr>
           <p:nvPr>
-            <p:ph idx="1"/>
+            <p:custDataLst>
+              <p:tags r:id="rId7"/>
+            </p:custDataLst>
           </p:nvPr>
         </p:nvSpPr>
-        <p:spPr/>
+        <p:spPr>
+          <a:xfrm>
+            <a:off x="1178719" y="2137767"/>
+            <a:ext cx="385762" cy="385763"/>
+          </a:xfrm>
+          <a:prstGeom prst="ellipse">
+            <a:avLst/>
+          </a:prstGeom>
+          <a:solidFill>
+            <a:srgbClr val="808080"/>
+          </a:solidFill>
+          <a:ln w="12700" cmpd="sng">
+            <a:solidFill>
+              <a:srgbClr val="000000"/>
+            </a:solidFill>
+            <a:prstDash val="solid"/>
+          </a:ln>
+        </p:spPr>
+        <p:style>
+          <a:lnRef idx="2">
+            <a:schemeClr val="accent1">
+              <a:shade val="50000"/>
+            </a:schemeClr>
+          </a:lnRef>
+          <a:fillRef idx="1">
+            <a:schemeClr val="accent1"/>
+          </a:fillRef>
+          <a:effectRef idx="0">
+            <a:schemeClr val="accent1"/>
+          </a:effectRef>
+          <a:fontRef idx="minor">
+            <a:schemeClr val="lt1"/>
+          </a:fontRef>
+        </p:style>
         <p:txBody>
-          <a:bodyPr>
-            <a:normAutofit fontScale="77500" lnSpcReduction="20000"/>
-          </a:bodyPr>
+          <a:bodyPr rtlCol="0" anchor="ctr" anchorCtr="1"/>
           <a:lstStyle/>
           <a:p>
-            <a:r>
-              <a:rPr lang="zh-CN" altLang="zh-CN" dirty="0"/>
-              <a:t>可以看到碰撞检测贯穿了场景的构建到仿真整个</a:t>
-            </a:r>
-            <a:r>
-              <a:rPr lang="zh-CN" altLang="zh-CN" dirty="0" smtClean="0"/>
-              <a:t>过程</a:t>
-            </a:r>
-            <a:endParaRPr lang="en-US" altLang="zh-CN" dirty="0" smtClean="0"/>
-          </a:p>
-          <a:p>
-            <a:r>
-              <a:rPr lang="zh-CN" altLang="zh-CN" dirty="0" smtClean="0"/>
-              <a:t>构建</a:t>
-            </a:r>
-            <a:r>
-              <a:rPr lang="zh-CN" altLang="zh-CN" dirty="0"/>
-              <a:t>场景时，物体采用高分辨率的模型来表示，以提升视觉效果；而在碰撞检测过程中，我们可以采用事先做好的简化模型或替代模型来参与</a:t>
-            </a:r>
-            <a:r>
-              <a:rPr lang="zh-CN" altLang="zh-CN" dirty="0" smtClean="0"/>
-              <a:t>计算</a:t>
-            </a:r>
-            <a:endParaRPr lang="en-US" altLang="zh-CN" dirty="0" smtClean="0"/>
-          </a:p>
-          <a:p>
-            <a:r>
-              <a:rPr lang="zh-CN" altLang="zh-CN" dirty="0" smtClean="0"/>
-              <a:t>碰撞</a:t>
-            </a:r>
-            <a:r>
-              <a:rPr lang="zh-CN" altLang="zh-CN" dirty="0"/>
-              <a:t>检测构成了物理引擎中的最重要组成单元，我们通过各个物理引擎提供的特性也能发现这点。作为一个完整的碰撞检测系统，它一般由三个阶段构成，</a:t>
-            </a:r>
-            <a:r>
-              <a:rPr lang="en-US" altLang="zh-CN" dirty="0"/>
-              <a:t>broad </a:t>
-            </a:r>
-            <a:r>
-              <a:rPr lang="en-US" altLang="zh-CN" dirty="0" err="1"/>
-              <a:t>phase</a:t>
-            </a:r>
-            <a:r>
-              <a:rPr lang="en-US" altLang="zh-CN" dirty="0" err="1">
-                <a:sym typeface="Wingdings"/>
+            <a:pPr algn="ctr"/>
+            <a:r>
+              <a:rPr lang="en-US" altLang="zh-CN" sz="1600" smtClean="0">
+                <a:solidFill>
+                  <a:srgbClr val="FFFFFF"/>
+                </a:solidFill>
+                <a:latin typeface="Microsoft Yahei"/>
+                <a:ea typeface="Microsoft Yahei"/>
+                <a:sym typeface="Microsoft Yahei"/>
               </a:rPr>
-              <a:t></a:t>
-            </a:r>
-            <a:r>
-              <a:rPr lang="en-US" altLang="zh-CN" dirty="0" err="1"/>
-              <a:t>middle</a:t>
-            </a:r>
-            <a:r>
-              <a:rPr lang="en-US" altLang="zh-CN" dirty="0"/>
-              <a:t> </a:t>
-            </a:r>
-            <a:r>
-              <a:rPr lang="en-US" altLang="zh-CN" dirty="0" err="1"/>
-              <a:t>phase</a:t>
-            </a:r>
-            <a:r>
-              <a:rPr lang="en-US" altLang="zh-CN" dirty="0" err="1">
-                <a:sym typeface="Wingdings"/>
-              </a:rPr>
-              <a:t></a:t>
-            </a:r>
-            <a:r>
-              <a:rPr lang="en-US" altLang="zh-CN" dirty="0" err="1"/>
-              <a:t>narrow</a:t>
-            </a:r>
-            <a:r>
-              <a:rPr lang="en-US" altLang="zh-CN" dirty="0"/>
-              <a:t> phase</a:t>
-            </a:r>
-            <a:r>
-              <a:rPr lang="zh-CN" altLang="zh-CN" dirty="0"/>
-              <a:t>，其实就是定义了一系列粗细不同粒度的策略来加速整个碰撞检测的</a:t>
-            </a:r>
-            <a:r>
-              <a:rPr lang="zh-CN" altLang="zh-CN" dirty="0" smtClean="0"/>
-              <a:t>过程</a:t>
-            </a:r>
-            <a:endParaRPr lang="zh-CN" altLang="zh-CN" dirty="0"/>
-          </a:p>
-          <a:p>
-            <a:endParaRPr lang="zh-CN" altLang="en-US" dirty="0"/>
+              <a:t>A</a:t>
+            </a:r>
+            <a:endParaRPr lang="zh-CN" altLang="en-US" sz="1600">
+              <a:solidFill>
+                <a:srgbClr val="FFFFFF"/>
+              </a:solidFill>
+              <a:latin typeface="Microsoft Yahei"/>
+              <a:ea typeface="Microsoft Yahei"/>
+              <a:sym typeface="Microsoft Yahei"/>
+            </a:endParaRPr>
           </a:p>
         </p:txBody>
       </p:sp>
+      <p:sp>
+        <p:nvSpPr>
+          <p:cNvPr id="11" name="椭圆 10"/>
+          <p:cNvSpPr>
+            <a:spLocks noChangeAspect="1"/>
+          </p:cNvSpPr>
+          <p:nvPr>
+            <p:custDataLst>
+              <p:tags r:id="rId8"/>
+            </p:custDataLst>
+          </p:nvPr>
+        </p:nvSpPr>
+        <p:spPr>
+          <a:xfrm>
+            <a:off x="1178719" y="2780705"/>
+            <a:ext cx="385762" cy="385762"/>
+          </a:xfrm>
+          <a:prstGeom prst="ellipse">
+            <a:avLst/>
+          </a:prstGeom>
+          <a:solidFill>
+            <a:srgbClr val="00FF00"/>
+          </a:solidFill>
+          <a:ln w="25400" cmpd="sng">
+            <a:solidFill>
+              <a:srgbClr val="000000"/>
+            </a:solidFill>
+            <a:prstDash val="solid"/>
+          </a:ln>
+        </p:spPr>
+        <p:style>
+          <a:lnRef idx="2">
+            <a:schemeClr val="accent1">
+              <a:shade val="50000"/>
+            </a:schemeClr>
+          </a:lnRef>
+          <a:fillRef idx="1">
+            <a:schemeClr val="accent1"/>
+          </a:fillRef>
+          <a:effectRef idx="0">
+            <a:schemeClr val="accent1"/>
+          </a:effectRef>
+          <a:fontRef idx="minor">
+            <a:schemeClr val="lt1"/>
+          </a:fontRef>
+        </p:style>
+        <p:txBody>
+          <a:bodyPr rtlCol="0" anchor="ctr" anchorCtr="1"/>
+          <a:lstStyle/>
+          <a:p>
+            <a:pPr algn="ctr"/>
+            <a:r>
+              <a:rPr lang="en-US" altLang="zh-CN" sz="1600" smtClean="0">
+                <a:solidFill>
+                  <a:srgbClr val="FFFFFF"/>
+                </a:solidFill>
+                <a:latin typeface="Microsoft Yahei"/>
+                <a:ea typeface="Microsoft Yahei"/>
+                <a:sym typeface="Microsoft Yahei"/>
+              </a:rPr>
+              <a:t>B</a:t>
+            </a:r>
+            <a:endParaRPr lang="zh-CN" altLang="en-US" sz="1600">
+              <a:solidFill>
+                <a:srgbClr val="FFFFFF"/>
+              </a:solidFill>
+              <a:latin typeface="Microsoft Yahei"/>
+              <a:ea typeface="Microsoft Yahei"/>
+              <a:sym typeface="Microsoft Yahei"/>
+            </a:endParaRPr>
+          </a:p>
+        </p:txBody>
+      </p:sp>
+      <p:sp>
+        <p:nvSpPr>
+          <p:cNvPr id="12" name="椭圆 11"/>
+          <p:cNvSpPr>
+            <a:spLocks noChangeAspect="1"/>
+          </p:cNvSpPr>
+          <p:nvPr>
+            <p:custDataLst>
+              <p:tags r:id="rId9"/>
+            </p:custDataLst>
+          </p:nvPr>
+        </p:nvSpPr>
+        <p:spPr>
+          <a:xfrm>
+            <a:off x="1178719" y="3423642"/>
+            <a:ext cx="385762" cy="385763"/>
+          </a:xfrm>
+          <a:prstGeom prst="ellipse">
+            <a:avLst/>
+          </a:prstGeom>
+          <a:solidFill>
+            <a:srgbClr val="808080"/>
+          </a:solidFill>
+          <a:ln w="12700" cmpd="sng">
+            <a:solidFill>
+              <a:srgbClr val="000000"/>
+            </a:solidFill>
+            <a:prstDash val="solid"/>
+          </a:ln>
+        </p:spPr>
+        <p:style>
+          <a:lnRef idx="2">
+            <a:schemeClr val="accent1">
+              <a:shade val="50000"/>
+            </a:schemeClr>
+          </a:lnRef>
+          <a:fillRef idx="1">
+            <a:schemeClr val="accent1"/>
+          </a:fillRef>
+          <a:effectRef idx="0">
+            <a:schemeClr val="accent1"/>
+          </a:effectRef>
+          <a:fontRef idx="minor">
+            <a:schemeClr val="lt1"/>
+          </a:fontRef>
+        </p:style>
+        <p:txBody>
+          <a:bodyPr rtlCol="0" anchor="ctr" anchorCtr="1"/>
+          <a:lstStyle/>
+          <a:p>
+            <a:pPr algn="ctr"/>
+            <a:r>
+              <a:rPr lang="en-US" altLang="zh-CN" sz="1600" smtClean="0">
+                <a:solidFill>
+                  <a:srgbClr val="FFFFFF"/>
+                </a:solidFill>
+                <a:latin typeface="Microsoft Yahei"/>
+                <a:ea typeface="Microsoft Yahei"/>
+                <a:sym typeface="Microsoft Yahei"/>
+              </a:rPr>
+              <a:t>C</a:t>
+            </a:r>
+            <a:endParaRPr lang="zh-CN" altLang="en-US" sz="1600">
+              <a:solidFill>
+                <a:srgbClr val="FFFFFF"/>
+              </a:solidFill>
+              <a:latin typeface="Microsoft Yahei"/>
+              <a:ea typeface="Microsoft Yahei"/>
+              <a:sym typeface="Microsoft Yahei"/>
+            </a:endParaRPr>
+          </a:p>
+        </p:txBody>
+      </p:sp>
+      <p:sp>
+        <p:nvSpPr>
+          <p:cNvPr id="13" name="椭圆 12"/>
+          <p:cNvSpPr>
+            <a:spLocks noChangeAspect="1"/>
+          </p:cNvSpPr>
+          <p:nvPr>
+            <p:custDataLst>
+              <p:tags r:id="rId10"/>
+            </p:custDataLst>
+          </p:nvPr>
+        </p:nvSpPr>
+        <p:spPr>
+          <a:xfrm>
+            <a:off x="1178719" y="4066580"/>
+            <a:ext cx="385762" cy="385762"/>
+          </a:xfrm>
+          <a:prstGeom prst="ellipse">
+            <a:avLst/>
+          </a:prstGeom>
+          <a:solidFill>
+            <a:srgbClr val="808080"/>
+          </a:solidFill>
+          <a:ln w="12700" cmpd="sng">
+            <a:solidFill>
+              <a:srgbClr val="000000"/>
+            </a:solidFill>
+            <a:prstDash val="solid"/>
+          </a:ln>
+        </p:spPr>
+        <p:style>
+          <a:lnRef idx="2">
+            <a:schemeClr val="accent1">
+              <a:shade val="50000"/>
+            </a:schemeClr>
+          </a:lnRef>
+          <a:fillRef idx="1">
+            <a:schemeClr val="accent1"/>
+          </a:fillRef>
+          <a:effectRef idx="0">
+            <a:schemeClr val="accent1"/>
+          </a:effectRef>
+          <a:fontRef idx="minor">
+            <a:schemeClr val="lt1"/>
+          </a:fontRef>
+        </p:style>
+        <p:txBody>
+          <a:bodyPr rtlCol="0" anchor="ctr" anchorCtr="1"/>
+          <a:lstStyle/>
+          <a:p>
+            <a:pPr algn="ctr"/>
+            <a:r>
+              <a:rPr lang="en-US" altLang="zh-CN" sz="1600" smtClean="0">
+                <a:solidFill>
+                  <a:srgbClr val="FFFFFF"/>
+                </a:solidFill>
+                <a:latin typeface="Microsoft Yahei"/>
+                <a:ea typeface="Microsoft Yahei"/>
+                <a:sym typeface="Microsoft Yahei"/>
+              </a:rPr>
+              <a:t>D</a:t>
+            </a:r>
+            <a:endParaRPr lang="zh-CN" altLang="en-US" sz="1600">
+              <a:solidFill>
+                <a:srgbClr val="FFFFFF"/>
+              </a:solidFill>
+              <a:latin typeface="Microsoft Yahei"/>
+              <a:ea typeface="Microsoft Yahei"/>
+              <a:sym typeface="Microsoft Yahei"/>
+            </a:endParaRPr>
+          </a:p>
+        </p:txBody>
+      </p:sp>
+      <p:sp>
+        <p:nvSpPr>
+          <p:cNvPr id="14" name="圆角矩形 13"/>
+          <p:cNvSpPr/>
+          <p:nvPr>
+            <p:custDataLst>
+              <p:tags r:id="rId11"/>
+            </p:custDataLst>
+          </p:nvPr>
+        </p:nvSpPr>
+        <p:spPr>
+          <a:xfrm>
+            <a:off x="6686550" y="4661297"/>
+            <a:ext cx="1157288" cy="308610"/>
+          </a:xfrm>
+          <a:prstGeom prst="roundRect">
+            <a:avLst/>
+          </a:prstGeom>
+          <a:solidFill>
+            <a:srgbClr val="808080"/>
+          </a:solidFill>
+          <a:ln w="38100" cmpd="sng">
+            <a:solidFill>
+              <a:srgbClr val="000000"/>
+            </a:solidFill>
+            <a:prstDash val="solid"/>
+          </a:ln>
+        </p:spPr>
+        <p:style>
+          <a:lnRef idx="2">
+            <a:schemeClr val="accent1">
+              <a:shade val="50000"/>
+            </a:schemeClr>
+          </a:lnRef>
+          <a:fillRef idx="1">
+            <a:schemeClr val="accent1"/>
+          </a:fillRef>
+          <a:effectRef idx="0">
+            <a:schemeClr val="accent1"/>
+          </a:effectRef>
+          <a:fontRef idx="minor">
+            <a:schemeClr val="lt1"/>
+          </a:fontRef>
+        </p:style>
+        <p:txBody>
+          <a:bodyPr rtlCol="0" anchor="ctr" anchorCtr="1"/>
+          <a:lstStyle/>
+          <a:p>
+            <a:pPr algn="ctr"/>
+            <a:r>
+              <a:rPr lang="zh-CN" altLang="en-US" sz="1600" smtClean="0">
+                <a:solidFill>
+                  <a:srgbClr val="FFFFFF"/>
+                </a:solidFill>
+                <a:latin typeface="Microsoft Yahei"/>
+                <a:ea typeface="Microsoft Yahei"/>
+                <a:sym typeface="Microsoft Yahei"/>
+              </a:rPr>
+              <a:t>提交</a:t>
+            </a:r>
+            <a:endParaRPr lang="zh-CN" altLang="en-US" sz="1600">
+              <a:solidFill>
+                <a:srgbClr val="FFFFFF"/>
+              </a:solidFill>
+              <a:latin typeface="Microsoft Yahei"/>
+              <a:ea typeface="Microsoft Yahei"/>
+              <a:sym typeface="Microsoft Yahei"/>
+            </a:endParaRPr>
+          </a:p>
+        </p:txBody>
+      </p:sp>
+      <p:grpSp>
+        <p:nvGrpSpPr>
+          <p:cNvPr id="19" name="组合 18"/>
+          <p:cNvGrpSpPr/>
+          <p:nvPr>
+            <p:custDataLst>
+              <p:tags r:id="rId12"/>
+            </p:custDataLst>
+          </p:nvPr>
+        </p:nvGrpSpPr>
+        <p:grpSpPr>
+          <a:xfrm>
+            <a:off x="0" y="0"/>
+            <a:ext cx="9144000" cy="635000"/>
+            <a:chOff x="0" y="0"/>
+            <a:chExt cx="9144000" cy="635000"/>
+          </a:xfrm>
+        </p:grpSpPr>
+        <p:sp>
+          <p:nvSpPr>
+            <p:cNvPr id="15" name="TitleBackground"/>
+            <p:cNvSpPr/>
+            <p:nvPr>
+              <p:custDataLst>
+                <p:tags r:id="rId14"/>
+              </p:custDataLst>
+            </p:nvPr>
+          </p:nvSpPr>
+          <p:spPr>
+            <a:xfrm>
+              <a:off x="0" y="0"/>
+              <a:ext cx="9144000" cy="635000"/>
+            </a:xfrm>
+            <a:prstGeom prst="rect">
+              <a:avLst/>
+            </a:prstGeom>
+            <a:solidFill>
+              <a:srgbClr val="F6F7F8"/>
+            </a:solidFill>
+            <a:ln w="25400" cap="flat" cmpd="sng" algn="ctr">
+              <a:noFill/>
+              <a:prstDash val="solid"/>
+            </a:ln>
+            <a:effectLst/>
+            <a:extLst>
+              <a:ext uri="{91240B29-F687-4F45-9708-019B960494DF}">
+                <a14:hiddenLine xmlns:a14="http://schemas.microsoft.com/office/drawing/2010/main" w="25400" cap="flat" cmpd="sng" algn="ctr">
+                  <a:solidFill>
+                    <a:schemeClr val="accent1">
+                      <a:shade val="50000"/>
+                    </a:schemeClr>
+                  </a:solidFill>
+                  <a:prstDash val="solid"/>
+                </a14:hiddenLine>
+              </a:ext>
+            </a:extLst>
+          </p:spPr>
+          <p:style>
+            <a:lnRef idx="2">
+              <a:schemeClr val="accent1">
+                <a:shade val="50000"/>
+              </a:schemeClr>
+            </a:lnRef>
+            <a:fillRef idx="1">
+              <a:schemeClr val="accent1"/>
+            </a:fillRef>
+            <a:effectRef idx="0">
+              <a:schemeClr val="accent1"/>
+            </a:effectRef>
+            <a:fontRef idx="minor">
+              <a:schemeClr val="lt1"/>
+            </a:fontRef>
+          </p:style>
+          <p:txBody>
+            <a:bodyPr rtlCol="0" anchor="ctr"/>
+            <a:lstStyle/>
+            <a:p>
+              <a:pPr algn="ctr"/>
+              <a:endParaRPr lang="zh-CN" altLang="en-US"/>
+            </a:p>
+          </p:txBody>
+        </p:sp>
+        <p:sp>
+          <p:nvSpPr>
+            <p:cNvPr id="16" name="ColorBlock"/>
+            <p:cNvSpPr/>
+            <p:nvPr>
+              <p:custDataLst>
+                <p:tags r:id="rId15"/>
+              </p:custDataLst>
+            </p:nvPr>
+          </p:nvSpPr>
+          <p:spPr>
+            <a:xfrm>
+              <a:off x="0" y="0"/>
+              <a:ext cx="190500" cy="635000"/>
+            </a:xfrm>
+            <a:prstGeom prst="rect">
+              <a:avLst/>
+            </a:prstGeom>
+            <a:solidFill>
+              <a:srgbClr val="639EF4"/>
+            </a:solidFill>
+            <a:ln w="25400" cap="flat" cmpd="sng" algn="ctr">
+              <a:noFill/>
+              <a:prstDash val="solid"/>
+            </a:ln>
+            <a:effectLst/>
+            <a:extLst>
+              <a:ext uri="{91240B29-F687-4F45-9708-019B960494DF}">
+                <a14:hiddenLine xmlns:a14="http://schemas.microsoft.com/office/drawing/2010/main" w="25400" cap="flat" cmpd="sng" algn="ctr">
+                  <a:solidFill>
+                    <a:schemeClr val="accent1">
+                      <a:shade val="50000"/>
+                    </a:schemeClr>
+                  </a:solidFill>
+                  <a:prstDash val="solid"/>
+                </a14:hiddenLine>
+              </a:ext>
+            </a:extLst>
+          </p:spPr>
+          <p:style>
+            <a:lnRef idx="2">
+              <a:schemeClr val="accent1">
+                <a:shade val="50000"/>
+              </a:schemeClr>
+            </a:lnRef>
+            <a:fillRef idx="1">
+              <a:schemeClr val="accent1"/>
+            </a:fillRef>
+            <a:effectRef idx="0">
+              <a:schemeClr val="accent1"/>
+            </a:effectRef>
+            <a:fontRef idx="minor">
+              <a:schemeClr val="lt1"/>
+            </a:fontRef>
+          </p:style>
+          <p:txBody>
+            <a:bodyPr rtlCol="0" anchor="ctr"/>
+            <a:lstStyle/>
+            <a:p>
+              <a:pPr algn="ctr"/>
+              <a:endParaRPr lang="zh-CN" altLang="en-US"/>
+            </a:p>
+          </p:txBody>
+        </p:sp>
+        <p:sp>
+          <p:nvSpPr>
+            <p:cNvPr id="17" name="TypeText"/>
+            <p:cNvSpPr txBox="1"/>
+            <p:nvPr>
+              <p:custDataLst>
+                <p:tags r:id="rId16"/>
+              </p:custDataLst>
+            </p:nvPr>
+          </p:nvSpPr>
+          <p:spPr>
+            <a:xfrm>
+              <a:off x="254000" y="0"/>
+              <a:ext cx="1905000" cy="635000"/>
+            </a:xfrm>
+            <a:prstGeom prst="rect">
+              <a:avLst/>
+            </a:prstGeom>
+            <a:noFill/>
+          </p:spPr>
+          <p:txBody>
+            <a:bodyPr vert="horz" wrap="none" rtlCol="0" anchor="ctr" anchorCtr="0">
+              <a:noAutofit/>
+            </a:bodyPr>
+            <a:lstStyle/>
+            <a:p>
+              <a:r>
+                <a:rPr lang="zh-CN" altLang="en-US" sz="2600" smtClean="0">
+                  <a:solidFill>
+                    <a:srgbClr val="000000"/>
+                  </a:solidFill>
+                  <a:latin typeface="Microsoft Yahei"/>
+                  <a:ea typeface="Microsoft Yahei"/>
+                  <a:sym typeface="Microsoft Yahei"/>
+                </a:rPr>
+                <a:t>单选题</a:t>
+              </a:r>
+              <a:endParaRPr lang="zh-CN" altLang="en-US" sz="2600">
+                <a:solidFill>
+                  <a:srgbClr val="000000"/>
+                </a:solidFill>
+                <a:latin typeface="Microsoft Yahei"/>
+                <a:ea typeface="Microsoft Yahei"/>
+                <a:sym typeface="Microsoft Yahei"/>
+              </a:endParaRPr>
+            </a:p>
+          </p:txBody>
+        </p:sp>
+        <p:sp>
+          <p:nvSpPr>
+            <p:cNvPr id="18" name="TipText"/>
+            <p:cNvSpPr txBox="1"/>
+            <p:nvPr>
+              <p:custDataLst>
+                <p:tags r:id="rId17"/>
+              </p:custDataLst>
+            </p:nvPr>
+          </p:nvSpPr>
+          <p:spPr>
+            <a:xfrm>
+              <a:off x="1525905" y="109220"/>
+              <a:ext cx="2286000" cy="508000"/>
+            </a:xfrm>
+            <a:prstGeom prst="rect">
+              <a:avLst/>
+            </a:prstGeom>
+            <a:noFill/>
+          </p:spPr>
+          <p:txBody>
+            <a:bodyPr vert="horz" wrap="none" rtlCol="0" anchor="ctr" anchorCtr="0">
+              <a:noAutofit/>
+            </a:bodyPr>
+            <a:lstStyle/>
+            <a:p>
+              <a:r>
+                <a:rPr lang="en-US" altLang="zh-CN" sz="2000" smtClean="0">
+                  <a:solidFill>
+                    <a:srgbClr val="808080"/>
+                  </a:solidFill>
+                  <a:latin typeface="Microsoft Yahei"/>
+                  <a:ea typeface="Microsoft Yahei"/>
+                  <a:sym typeface="Microsoft Yahei"/>
+                </a:rPr>
+                <a:t>1</a:t>
+              </a:r>
+              <a:r>
+                <a:rPr lang="zh-CN" altLang="en-US" sz="2000" smtClean="0">
+                  <a:solidFill>
+                    <a:srgbClr val="808080"/>
+                  </a:solidFill>
+                  <a:latin typeface="Microsoft Yahei"/>
+                  <a:ea typeface="Microsoft Yahei"/>
+                  <a:sym typeface="Microsoft Yahei"/>
+                </a:rPr>
+                <a:t>分</a:t>
+              </a:r>
+              <a:endParaRPr lang="zh-CN" altLang="en-US" sz="2000">
+                <a:solidFill>
+                  <a:srgbClr val="808080"/>
+                </a:solidFill>
+                <a:latin typeface="Microsoft Yahei"/>
+                <a:ea typeface="Microsoft Yahei"/>
+                <a:sym typeface="Microsoft Yahei"/>
+              </a:endParaRPr>
+            </a:p>
+          </p:txBody>
+        </p:sp>
+      </p:grpSp>
+      <p:pic>
+        <p:nvPicPr>
+          <p:cNvPr id="4" name="图片 3"/>
+          <p:cNvPicPr>
+            <a:picLocks/>
+          </p:cNvPicPr>
+          <p:nvPr>
+            <p:custDataLst>
+              <p:tags r:id="rId13"/>
+            </p:custDataLst>
+          </p:nvPr>
+        </p:nvPicPr>
+        <p:blipFill>
+          <a:blip r:embed="rId19">
+            <a:extLst>
+              <a:ext uri="{28A0092B-C50C-407E-A947-70E740481C1C}">
+                <a14:useLocalDpi xmlns:a14="http://schemas.microsoft.com/office/drawing/2010/main" val="0"/>
+              </a:ext>
+            </a:extLst>
+          </a:blip>
+          <a:stretch>
+            <a:fillRect/>
+          </a:stretch>
+        </p:blipFill>
+        <p:spPr>
+          <a:xfrm>
+            <a:off x="7594600" y="63500"/>
+            <a:ext cx="1422400" cy="508000"/>
+          </a:xfrm>
+          <a:prstGeom prst="rect">
+            <a:avLst/>
+          </a:prstGeom>
+        </p:spPr>
+      </p:pic>
     </p:spTree>
+    <p:custDataLst>
+      <p:tags r:id="rId1"/>
+    </p:custDataLst>
     <p:extLst>
       <p:ext uri="{BB962C8B-B14F-4D97-AF65-F5344CB8AC3E}">
-        <p14:creationId xmlns:p14="http://schemas.microsoft.com/office/powerpoint/2010/main" val="17338140"/>
+        <p14:creationId xmlns:p14="http://schemas.microsoft.com/office/powerpoint/2010/main" val="1604889800"/>
       </p:ext>
     </p:extLst>
   </p:cSld>
   <p:clrMapOvr>
     <a:masterClrMapping/>
   </p:clrMapOvr>
+  <p:timing>
+    <p:tnLst>
+      <p:par>
+        <p:cTn id="1" dur="indefinite" restart="never" nodeType="tmRoot"/>
+      </p:par>
+    </p:tnLst>
+  </p:timing>
 </p:sld>
+</file>
+
+<file path=ppt/tags/tag1.xml><?xml version="1.0" encoding="utf-8"?>
+<p:tagLst xmlns:a="http://schemas.openxmlformats.org/drawingml/2006/main" xmlns:r="http://schemas.openxmlformats.org/officeDocument/2006/relationships" xmlns:p="http://schemas.openxmlformats.org/presentationml/2006/main">
+  <p:tag name="RAINPROBLEM" val="MultipleChoiceMA"/>
+  <p:tag name="PROBLEMSCORE" val="1.0"/>
+  <p:tag name="PROBLEMSCORE_HALF" val="0.0"/>
+</p:tagLst>
+</file>
+
+<file path=ppt/tags/tag10.xml><?xml version="1.0" encoding="utf-8"?>
+<p:tagLst xmlns:a="http://schemas.openxmlformats.org/drawingml/2006/main" xmlns:r="http://schemas.openxmlformats.org/officeDocument/2006/relationships" xmlns:p="http://schemas.openxmlformats.org/presentationml/2006/main">
+  <p:tag name="RAINPROBLEM" val="ProblemBullet"/>
+  <p:tag name="RAINPROBLEMTYPE" val="MultipleChoiceMA"/>
+  <p:tag name="RAINBULLET" val="Wrong"/>
+</p:tagLst>
+</file>
+
+<file path=ppt/tags/tag11.xml><?xml version="1.0" encoding="utf-8"?>
+<p:tagLst xmlns:a="http://schemas.openxmlformats.org/drawingml/2006/main" xmlns:r="http://schemas.openxmlformats.org/officeDocument/2006/relationships" xmlns:p="http://schemas.openxmlformats.org/presentationml/2006/main">
+  <p:tag name="RAINPROBLEM" val="ProblemSubmit"/>
+  <p:tag name="RAINPROBLEMTYPE" val="MultipleChoiceMA"/>
+</p:tagLst>
+</file>
+
+<file path=ppt/tags/tag12.xml><?xml version="1.0" encoding="utf-8"?>
+<p:tagLst xmlns:a="http://schemas.openxmlformats.org/drawingml/2006/main" xmlns:r="http://schemas.openxmlformats.org/officeDocument/2006/relationships" xmlns:p="http://schemas.openxmlformats.org/presentationml/2006/main">
+  <p:tag name="RAINPROBLEMTYPE" val="ProblemTypeMarker"/>
+</p:tagLst>
+</file>
+
+<file path=ppt/tags/tag13.xml><?xml version="1.0" encoding="utf-8"?>
+<p:tagLst xmlns:a="http://schemas.openxmlformats.org/drawingml/2006/main" xmlns:r="http://schemas.openxmlformats.org/officeDocument/2006/relationships" xmlns:p="http://schemas.openxmlformats.org/presentationml/2006/main">
+  <p:tag name="RAINPROBLEM" val="ProblemSetting"/>
+  <p:tag name="RAINPROBLEMTYPE" val="MultipleChoiceMA"/>
+</p:tagLst>
+</file>
+
+<file path=ppt/tags/tag14.xml><?xml version="1.0" encoding="utf-8"?>
+<p:tagLst xmlns:a="http://schemas.openxmlformats.org/drawingml/2006/main" xmlns:r="http://schemas.openxmlformats.org/officeDocument/2006/relationships" xmlns:p="http://schemas.openxmlformats.org/presentationml/2006/main">
+  <p:tag name="RAINPROBLEMTYPE" val="ProblemTypeMarker"/>
+</p:tagLst>
+</file>
+
+<file path=ppt/tags/tag15.xml><?xml version="1.0" encoding="utf-8"?>
+<p:tagLst xmlns:a="http://schemas.openxmlformats.org/drawingml/2006/main" xmlns:r="http://schemas.openxmlformats.org/officeDocument/2006/relationships" xmlns:p="http://schemas.openxmlformats.org/presentationml/2006/main">
+  <p:tag name="RAINPROBLEMTYPE" val="ProblemTypeMarker"/>
+</p:tagLst>
+</file>
+
+<file path=ppt/tags/tag16.xml><?xml version="1.0" encoding="utf-8"?>
+<p:tagLst xmlns:a="http://schemas.openxmlformats.org/drawingml/2006/main" xmlns:r="http://schemas.openxmlformats.org/officeDocument/2006/relationships" xmlns:p="http://schemas.openxmlformats.org/presentationml/2006/main">
+  <p:tag name="RAINPROBLEMTYPE" val="ProblemTypeMarker"/>
+</p:tagLst>
+</file>
+
+<file path=ppt/tags/tag17.xml><?xml version="1.0" encoding="utf-8"?>
+<p:tagLst xmlns:a="http://schemas.openxmlformats.org/drawingml/2006/main" xmlns:r="http://schemas.openxmlformats.org/officeDocument/2006/relationships" xmlns:p="http://schemas.openxmlformats.org/presentationml/2006/main">
+  <p:tag name="RAINPROBLEMTYPE" val="ProblemTypeMarker"/>
+</p:tagLst>
+</file>
+
+<file path=ppt/tags/tag18.xml><?xml version="1.0" encoding="utf-8"?>
+<p:tagLst xmlns:a="http://schemas.openxmlformats.org/drawingml/2006/main" xmlns:r="http://schemas.openxmlformats.org/officeDocument/2006/relationships" xmlns:p="http://schemas.openxmlformats.org/presentationml/2006/main">
+  <p:tag name="RAINPROBLEM" val="MultipleChoice"/>
+  <p:tag name="PROBLEMSCORE" val="1.0"/>
+</p:tagLst>
+</file>
+
+<file path=ppt/tags/tag19.xml><?xml version="1.0" encoding="utf-8"?>
+<p:tagLst xmlns:a="http://schemas.openxmlformats.org/drawingml/2006/main" xmlns:r="http://schemas.openxmlformats.org/officeDocument/2006/relationships" xmlns:p="http://schemas.openxmlformats.org/presentationml/2006/main">
+  <p:tag name="RAINPROBLEM" val="ProblemBody"/>
+</p:tagLst>
+</file>
+
+<file path=ppt/tags/tag2.xml><?xml version="1.0" encoding="utf-8"?>
+<p:tagLst xmlns:a="http://schemas.openxmlformats.org/drawingml/2006/main" xmlns:r="http://schemas.openxmlformats.org/officeDocument/2006/relationships" xmlns:p="http://schemas.openxmlformats.org/presentationml/2006/main">
+  <p:tag name="RAINPROBLEM" val="ProblemBody"/>
+</p:tagLst>
+</file>
+
+<file path=ppt/tags/tag20.xml><?xml version="1.0" encoding="utf-8"?>
+<p:tagLst xmlns:a="http://schemas.openxmlformats.org/drawingml/2006/main" xmlns:r="http://schemas.openxmlformats.org/officeDocument/2006/relationships" xmlns:p="http://schemas.openxmlformats.org/presentationml/2006/main">
+  <p:tag name="RAINPROBLEM" val="ProblemItem"/>
+</p:tagLst>
+</file>
+
+<file path=ppt/tags/tag21.xml><?xml version="1.0" encoding="utf-8"?>
+<p:tagLst xmlns:a="http://schemas.openxmlformats.org/drawingml/2006/main" xmlns:r="http://schemas.openxmlformats.org/officeDocument/2006/relationships" xmlns:p="http://schemas.openxmlformats.org/presentationml/2006/main">
+  <p:tag name="RAINPROBLEM" val="ProblemItem"/>
+</p:tagLst>
+</file>
+
+<file path=ppt/tags/tag22.xml><?xml version="1.0" encoding="utf-8"?>
+<p:tagLst xmlns:a="http://schemas.openxmlformats.org/drawingml/2006/main" xmlns:r="http://schemas.openxmlformats.org/officeDocument/2006/relationships" xmlns:p="http://schemas.openxmlformats.org/presentationml/2006/main">
+  <p:tag name="RAINPROBLEM" val="ProblemItem"/>
+</p:tagLst>
+</file>
+
+<file path=ppt/tags/tag23.xml><?xml version="1.0" encoding="utf-8"?>
+<p:tagLst xmlns:a="http://schemas.openxmlformats.org/drawingml/2006/main" xmlns:r="http://schemas.openxmlformats.org/officeDocument/2006/relationships" xmlns:p="http://schemas.openxmlformats.org/presentationml/2006/main">
+  <p:tag name="RAINPROBLEM" val="ProblemItem"/>
+</p:tagLst>
+</file>
+
+<file path=ppt/tags/tag24.xml><?xml version="1.0" encoding="utf-8"?>
+<p:tagLst xmlns:a="http://schemas.openxmlformats.org/drawingml/2006/main" xmlns:r="http://schemas.openxmlformats.org/officeDocument/2006/relationships" xmlns:p="http://schemas.openxmlformats.org/presentationml/2006/main">
+  <p:tag name="RAINPROBLEM" val="ProblemBullet"/>
+  <p:tag name="RAINPROBLEMTYPE" val="MultipleChoice"/>
+  <p:tag name="RAINBULLET" val="Wrong"/>
+</p:tagLst>
+</file>
+
+<file path=ppt/tags/tag25.xml><?xml version="1.0" encoding="utf-8"?>
+<p:tagLst xmlns:a="http://schemas.openxmlformats.org/drawingml/2006/main" xmlns:r="http://schemas.openxmlformats.org/officeDocument/2006/relationships" xmlns:p="http://schemas.openxmlformats.org/presentationml/2006/main">
+  <p:tag name="RAINPROBLEM" val="ProblemBullet"/>
+  <p:tag name="RAINPROBLEMTYPE" val="MultipleChoice"/>
+  <p:tag name="RAINBULLET" val="Correct"/>
+</p:tagLst>
+</file>
+
+<file path=ppt/tags/tag26.xml><?xml version="1.0" encoding="utf-8"?>
+<p:tagLst xmlns:a="http://schemas.openxmlformats.org/drawingml/2006/main" xmlns:r="http://schemas.openxmlformats.org/officeDocument/2006/relationships" xmlns:p="http://schemas.openxmlformats.org/presentationml/2006/main">
+  <p:tag name="RAINPROBLEM" val="ProblemBullet"/>
+  <p:tag name="RAINPROBLEMTYPE" val="MultipleChoice"/>
+  <p:tag name="RAINBULLET" val="Wrong"/>
+</p:tagLst>
+</file>
+
+<file path=ppt/tags/tag27.xml><?xml version="1.0" encoding="utf-8"?>
+<p:tagLst xmlns:a="http://schemas.openxmlformats.org/drawingml/2006/main" xmlns:r="http://schemas.openxmlformats.org/officeDocument/2006/relationships" xmlns:p="http://schemas.openxmlformats.org/presentationml/2006/main">
+  <p:tag name="RAINPROBLEM" val="ProblemBullet"/>
+  <p:tag name="RAINPROBLEMTYPE" val="MultipleChoice"/>
+  <p:tag name="RAINBULLET" val="Wrong"/>
+</p:tagLst>
+</file>
+
+<file path=ppt/tags/tag28.xml><?xml version="1.0" encoding="utf-8"?>
+<p:tagLst xmlns:a="http://schemas.openxmlformats.org/drawingml/2006/main" xmlns:r="http://schemas.openxmlformats.org/officeDocument/2006/relationships" xmlns:p="http://schemas.openxmlformats.org/presentationml/2006/main">
+  <p:tag name="RAINPROBLEM" val="ProblemSubmit"/>
+  <p:tag name="RAINPROBLEMTYPE" val="MultipleChoice"/>
+</p:tagLst>
+</file>
+
+<file path=ppt/tags/tag29.xml><?xml version="1.0" encoding="utf-8"?>
+<p:tagLst xmlns:a="http://schemas.openxmlformats.org/drawingml/2006/main" xmlns:r="http://schemas.openxmlformats.org/officeDocument/2006/relationships" xmlns:p="http://schemas.openxmlformats.org/presentationml/2006/main">
+  <p:tag name="RAINPROBLEMTYPE" val="ProblemTypeMarker"/>
+</p:tagLst>
+</file>
+
+<file path=ppt/tags/tag3.xml><?xml version="1.0" encoding="utf-8"?>
+<p:tagLst xmlns:a="http://schemas.openxmlformats.org/drawingml/2006/main" xmlns:r="http://schemas.openxmlformats.org/officeDocument/2006/relationships" xmlns:p="http://schemas.openxmlformats.org/presentationml/2006/main">
+  <p:tag name="RAINPROBLEM" val="ProblemItem"/>
+</p:tagLst>
+</file>
+
+<file path=ppt/tags/tag30.xml><?xml version="1.0" encoding="utf-8"?>
+<p:tagLst xmlns:a="http://schemas.openxmlformats.org/drawingml/2006/main" xmlns:r="http://schemas.openxmlformats.org/officeDocument/2006/relationships" xmlns:p="http://schemas.openxmlformats.org/presentationml/2006/main">
+  <p:tag name="RAINPROBLEM" val="ProblemSetting"/>
+  <p:tag name="RAINPROBLEMTYPE" val="MultipleChoice"/>
+</p:tagLst>
+</file>
+
+<file path=ppt/tags/tag31.xml><?xml version="1.0" encoding="utf-8"?>
+<p:tagLst xmlns:a="http://schemas.openxmlformats.org/drawingml/2006/main" xmlns:r="http://schemas.openxmlformats.org/officeDocument/2006/relationships" xmlns:p="http://schemas.openxmlformats.org/presentationml/2006/main">
+  <p:tag name="RAINPROBLEMTYPE" val="ProblemTypeMarker"/>
+</p:tagLst>
+</file>
+
+<file path=ppt/tags/tag32.xml><?xml version="1.0" encoding="utf-8"?>
+<p:tagLst xmlns:a="http://schemas.openxmlformats.org/drawingml/2006/main" xmlns:r="http://schemas.openxmlformats.org/officeDocument/2006/relationships" xmlns:p="http://schemas.openxmlformats.org/presentationml/2006/main">
+  <p:tag name="RAINPROBLEMTYPE" val="ProblemTypeMarker"/>
+</p:tagLst>
+</file>
+
+<file path=ppt/tags/tag33.xml><?xml version="1.0" encoding="utf-8"?>
+<p:tagLst xmlns:a="http://schemas.openxmlformats.org/drawingml/2006/main" xmlns:r="http://schemas.openxmlformats.org/officeDocument/2006/relationships" xmlns:p="http://schemas.openxmlformats.org/presentationml/2006/main">
+  <p:tag name="RAINPROBLEMTYPE" val="ProblemTypeMarker"/>
+</p:tagLst>
+</file>
+
+<file path=ppt/tags/tag34.xml><?xml version="1.0" encoding="utf-8"?>
+<p:tagLst xmlns:a="http://schemas.openxmlformats.org/drawingml/2006/main" xmlns:r="http://schemas.openxmlformats.org/officeDocument/2006/relationships" xmlns:p="http://schemas.openxmlformats.org/presentationml/2006/main">
+  <p:tag name="RAINPROBLEMTYPE" val="ProblemTypeMarker"/>
+</p:tagLst>
+</file>
+
+<file path=ppt/tags/tag35.xml><?xml version="1.0" encoding="utf-8"?>
+<p:tagLst xmlns:a="http://schemas.openxmlformats.org/drawingml/2006/main" xmlns:r="http://schemas.openxmlformats.org/officeDocument/2006/relationships" xmlns:p="http://schemas.openxmlformats.org/presentationml/2006/main">
+  <p:tag name="RAINPROBLEM" val="MultipleChoice"/>
+  <p:tag name="PROBLEMSCORE" val="1.0"/>
+</p:tagLst>
+</file>
+
+<file path=ppt/tags/tag36.xml><?xml version="1.0" encoding="utf-8"?>
+<p:tagLst xmlns:a="http://schemas.openxmlformats.org/drawingml/2006/main" xmlns:r="http://schemas.openxmlformats.org/officeDocument/2006/relationships" xmlns:p="http://schemas.openxmlformats.org/presentationml/2006/main">
+  <p:tag name="RAINPROBLEM" val="ProblemBody"/>
+</p:tagLst>
+</file>
+
+<file path=ppt/tags/tag37.xml><?xml version="1.0" encoding="utf-8"?>
+<p:tagLst xmlns:a="http://schemas.openxmlformats.org/drawingml/2006/main" xmlns:r="http://schemas.openxmlformats.org/officeDocument/2006/relationships" xmlns:p="http://schemas.openxmlformats.org/presentationml/2006/main">
+  <p:tag name="RAINPROBLEM" val="ProblemItem"/>
+</p:tagLst>
+</file>
+
+<file path=ppt/tags/tag38.xml><?xml version="1.0" encoding="utf-8"?>
+<p:tagLst xmlns:a="http://schemas.openxmlformats.org/drawingml/2006/main" xmlns:r="http://schemas.openxmlformats.org/officeDocument/2006/relationships" xmlns:p="http://schemas.openxmlformats.org/presentationml/2006/main">
+  <p:tag name="RAINPROBLEM" val="ProblemItem"/>
+</p:tagLst>
+</file>
+
+<file path=ppt/tags/tag39.xml><?xml version="1.0" encoding="utf-8"?>
+<p:tagLst xmlns:a="http://schemas.openxmlformats.org/drawingml/2006/main" xmlns:r="http://schemas.openxmlformats.org/officeDocument/2006/relationships" xmlns:p="http://schemas.openxmlformats.org/presentationml/2006/main">
+  <p:tag name="RAINPROBLEM" val="ProblemItem"/>
+</p:tagLst>
+</file>
+
+<file path=ppt/tags/tag4.xml><?xml version="1.0" encoding="utf-8"?>
+<p:tagLst xmlns:a="http://schemas.openxmlformats.org/drawingml/2006/main" xmlns:r="http://schemas.openxmlformats.org/officeDocument/2006/relationships" xmlns:p="http://schemas.openxmlformats.org/presentationml/2006/main">
+  <p:tag name="RAINPROBLEM" val="ProblemItem"/>
+</p:tagLst>
+</file>
+
+<file path=ppt/tags/tag40.xml><?xml version="1.0" encoding="utf-8"?>
+<p:tagLst xmlns:a="http://schemas.openxmlformats.org/drawingml/2006/main" xmlns:r="http://schemas.openxmlformats.org/officeDocument/2006/relationships" xmlns:p="http://schemas.openxmlformats.org/presentationml/2006/main">
+  <p:tag name="RAINPROBLEM" val="ProblemBullet"/>
+  <p:tag name="RAINPROBLEMTYPE" val="MultipleChoice"/>
+  <p:tag name="RAINBULLET" val="Correct"/>
+</p:tagLst>
+</file>
+
+<file path=ppt/tags/tag41.xml><?xml version="1.0" encoding="utf-8"?>
+<p:tagLst xmlns:a="http://schemas.openxmlformats.org/drawingml/2006/main" xmlns:r="http://schemas.openxmlformats.org/officeDocument/2006/relationships" xmlns:p="http://schemas.openxmlformats.org/presentationml/2006/main">
+  <p:tag name="RAINPROBLEM" val="ProblemBullet"/>
+  <p:tag name="RAINPROBLEMTYPE" val="MultipleChoice"/>
+  <p:tag name="RAINBULLET" val="Wrong"/>
+</p:tagLst>
+</file>
+
+<file path=ppt/tags/tag42.xml><?xml version="1.0" encoding="utf-8"?>
+<p:tagLst xmlns:a="http://schemas.openxmlformats.org/drawingml/2006/main" xmlns:r="http://schemas.openxmlformats.org/officeDocument/2006/relationships" xmlns:p="http://schemas.openxmlformats.org/presentationml/2006/main">
+  <p:tag name="RAINPROBLEM" val="ProblemBullet"/>
+  <p:tag name="RAINPROBLEMTYPE" val="MultipleChoice"/>
+  <p:tag name="RAINBULLET" val="Wrong"/>
+</p:tagLst>
+</file>
+
+<file path=ppt/tags/tag43.xml><?xml version="1.0" encoding="utf-8"?>
+<p:tagLst xmlns:a="http://schemas.openxmlformats.org/drawingml/2006/main" xmlns:r="http://schemas.openxmlformats.org/officeDocument/2006/relationships" xmlns:p="http://schemas.openxmlformats.org/presentationml/2006/main">
+  <p:tag name="RAINPROBLEM" val="ProblemSubmit"/>
+  <p:tag name="RAINPROBLEMTYPE" val="MultipleChoice"/>
+</p:tagLst>
+</file>
+
+<file path=ppt/tags/tag44.xml><?xml version="1.0" encoding="utf-8"?>
+<p:tagLst xmlns:a="http://schemas.openxmlformats.org/drawingml/2006/main" xmlns:r="http://schemas.openxmlformats.org/officeDocument/2006/relationships" xmlns:p="http://schemas.openxmlformats.org/presentationml/2006/main">
+  <p:tag name="RAINPROBLEMTYPE" val="ProblemTypeMarker"/>
+</p:tagLst>
+</file>
+
+<file path=ppt/tags/tag45.xml><?xml version="1.0" encoding="utf-8"?>
+<p:tagLst xmlns:a="http://schemas.openxmlformats.org/drawingml/2006/main" xmlns:r="http://schemas.openxmlformats.org/officeDocument/2006/relationships" xmlns:p="http://schemas.openxmlformats.org/presentationml/2006/main">
+  <p:tag name="RAINPROBLEM" val="ProblemSetting"/>
+  <p:tag name="RAINPROBLEMTYPE" val="MultipleChoice"/>
+</p:tagLst>
+</file>
+
+<file path=ppt/tags/tag46.xml><?xml version="1.0" encoding="utf-8"?>
+<p:tagLst xmlns:a="http://schemas.openxmlformats.org/drawingml/2006/main" xmlns:r="http://schemas.openxmlformats.org/officeDocument/2006/relationships" xmlns:p="http://schemas.openxmlformats.org/presentationml/2006/main">
+  <p:tag name="RAINPROBLEMTYPE" val="ProblemTypeMarker"/>
+</p:tagLst>
+</file>
+
+<file path=ppt/tags/tag47.xml><?xml version="1.0" encoding="utf-8"?>
+<p:tagLst xmlns:a="http://schemas.openxmlformats.org/drawingml/2006/main" xmlns:r="http://schemas.openxmlformats.org/officeDocument/2006/relationships" xmlns:p="http://schemas.openxmlformats.org/presentationml/2006/main">
+  <p:tag name="RAINPROBLEMTYPE" val="ProblemTypeMarker"/>
+</p:tagLst>
+</file>
+
+<file path=ppt/tags/tag48.xml><?xml version="1.0" encoding="utf-8"?>
+<p:tagLst xmlns:a="http://schemas.openxmlformats.org/drawingml/2006/main" xmlns:r="http://schemas.openxmlformats.org/officeDocument/2006/relationships" xmlns:p="http://schemas.openxmlformats.org/presentationml/2006/main">
+  <p:tag name="RAINPROBLEMTYPE" val="ProblemTypeMarker"/>
+</p:tagLst>
+</file>
+
+<file path=ppt/tags/tag49.xml><?xml version="1.0" encoding="utf-8"?>
+<p:tagLst xmlns:a="http://schemas.openxmlformats.org/drawingml/2006/main" xmlns:r="http://schemas.openxmlformats.org/officeDocument/2006/relationships" xmlns:p="http://schemas.openxmlformats.org/presentationml/2006/main">
+  <p:tag name="RAINPROBLEMTYPE" val="ProblemTypeMarker"/>
+</p:tagLst>
+</file>
+
+<file path=ppt/tags/tag5.xml><?xml version="1.0" encoding="utf-8"?>
+<p:tagLst xmlns:a="http://schemas.openxmlformats.org/drawingml/2006/main" xmlns:r="http://schemas.openxmlformats.org/officeDocument/2006/relationships" xmlns:p="http://schemas.openxmlformats.org/presentationml/2006/main">
+  <p:tag name="RAINPROBLEM" val="ProblemItem"/>
+</p:tagLst>
+</file>
+
+<file path=ppt/tags/tag50.xml><?xml version="1.0" encoding="utf-8"?>
+<p:tagLst xmlns:a="http://schemas.openxmlformats.org/drawingml/2006/main" xmlns:r="http://schemas.openxmlformats.org/officeDocument/2006/relationships" xmlns:p="http://schemas.openxmlformats.org/presentationml/2006/main">
+  <p:tag name="RAINPROBLEM" val="MultipleChoice"/>
+  <p:tag name="PROBLEMSCORE" val="1.0"/>
+</p:tagLst>
+</file>
+
+<file path=ppt/tags/tag51.xml><?xml version="1.0" encoding="utf-8"?>
+<p:tagLst xmlns:a="http://schemas.openxmlformats.org/drawingml/2006/main" xmlns:r="http://schemas.openxmlformats.org/officeDocument/2006/relationships" xmlns:p="http://schemas.openxmlformats.org/presentationml/2006/main">
+  <p:tag name="RAINPROBLEM" val="ProblemBody"/>
+</p:tagLst>
+</file>
+
+<file path=ppt/tags/tag52.xml><?xml version="1.0" encoding="utf-8"?>
+<p:tagLst xmlns:a="http://schemas.openxmlformats.org/drawingml/2006/main" xmlns:r="http://schemas.openxmlformats.org/officeDocument/2006/relationships" xmlns:p="http://schemas.openxmlformats.org/presentationml/2006/main">
+  <p:tag name="RAINPROBLEM" val="ProblemItem"/>
+</p:tagLst>
+</file>
+
+<file path=ppt/tags/tag53.xml><?xml version="1.0" encoding="utf-8"?>
+<p:tagLst xmlns:a="http://schemas.openxmlformats.org/drawingml/2006/main" xmlns:r="http://schemas.openxmlformats.org/officeDocument/2006/relationships" xmlns:p="http://schemas.openxmlformats.org/presentationml/2006/main">
+  <p:tag name="RAINPROBLEM" val="ProblemItem"/>
+</p:tagLst>
+</file>
+
+<file path=ppt/tags/tag54.xml><?xml version="1.0" encoding="utf-8"?>
+<p:tagLst xmlns:a="http://schemas.openxmlformats.org/drawingml/2006/main" xmlns:r="http://schemas.openxmlformats.org/officeDocument/2006/relationships" xmlns:p="http://schemas.openxmlformats.org/presentationml/2006/main">
+  <p:tag name="RAINPROBLEM" val="ProblemItem"/>
+</p:tagLst>
+</file>
+
+<file path=ppt/tags/tag55.xml><?xml version="1.0" encoding="utf-8"?>
+<p:tagLst xmlns:a="http://schemas.openxmlformats.org/drawingml/2006/main" xmlns:r="http://schemas.openxmlformats.org/officeDocument/2006/relationships" xmlns:p="http://schemas.openxmlformats.org/presentationml/2006/main">
+  <p:tag name="RAINPROBLEM" val="ProblemBullet"/>
+  <p:tag name="RAINPROBLEMTYPE" val="MultipleChoice"/>
+  <p:tag name="RAINBULLET" val="Correct"/>
+</p:tagLst>
+</file>
+
+<file path=ppt/tags/tag56.xml><?xml version="1.0" encoding="utf-8"?>
+<p:tagLst xmlns:a="http://schemas.openxmlformats.org/drawingml/2006/main" xmlns:r="http://schemas.openxmlformats.org/officeDocument/2006/relationships" xmlns:p="http://schemas.openxmlformats.org/presentationml/2006/main">
+  <p:tag name="RAINPROBLEM" val="ProblemBullet"/>
+  <p:tag name="RAINPROBLEMTYPE" val="MultipleChoice"/>
+  <p:tag name="RAINBULLET" val="Wrong"/>
+</p:tagLst>
+</file>
+
+<file path=ppt/tags/tag57.xml><?xml version="1.0" encoding="utf-8"?>
+<p:tagLst xmlns:a="http://schemas.openxmlformats.org/drawingml/2006/main" xmlns:r="http://schemas.openxmlformats.org/officeDocument/2006/relationships" xmlns:p="http://schemas.openxmlformats.org/presentationml/2006/main">
+  <p:tag name="RAINPROBLEM" val="ProblemBullet"/>
+  <p:tag name="RAINPROBLEMTYPE" val="MultipleChoice"/>
+  <p:tag name="RAINBULLET" val="Wrong"/>
+</p:tagLst>
+</file>
+
+<file path=ppt/tags/tag58.xml><?xml version="1.0" encoding="utf-8"?>
+<p:tagLst xmlns:a="http://schemas.openxmlformats.org/drawingml/2006/main" xmlns:r="http://schemas.openxmlformats.org/officeDocument/2006/relationships" xmlns:p="http://schemas.openxmlformats.org/presentationml/2006/main">
+  <p:tag name="RAINPROBLEM" val="ProblemSubmit"/>
+  <p:tag name="RAINPROBLEMTYPE" val="MultipleChoice"/>
+</p:tagLst>
+</file>
+
+<file path=ppt/tags/tag59.xml><?xml version="1.0" encoding="utf-8"?>
+<p:tagLst xmlns:a="http://schemas.openxmlformats.org/drawingml/2006/main" xmlns:r="http://schemas.openxmlformats.org/officeDocument/2006/relationships" xmlns:p="http://schemas.openxmlformats.org/presentationml/2006/main">
+  <p:tag name="RAINPROBLEMTYPE" val="ProblemTypeMarker"/>
+</p:tagLst>
+</file>
+
+<file path=ppt/tags/tag6.xml><?xml version="1.0" encoding="utf-8"?>
+<p:tagLst xmlns:a="http://schemas.openxmlformats.org/drawingml/2006/main" xmlns:r="http://schemas.openxmlformats.org/officeDocument/2006/relationships" xmlns:p="http://schemas.openxmlformats.org/presentationml/2006/main">
+  <p:tag name="RAINPROBLEM" val="ProblemItem"/>
+</p:tagLst>
+</file>
+
+<file path=ppt/tags/tag60.xml><?xml version="1.0" encoding="utf-8"?>
+<p:tagLst xmlns:a="http://schemas.openxmlformats.org/drawingml/2006/main" xmlns:r="http://schemas.openxmlformats.org/officeDocument/2006/relationships" xmlns:p="http://schemas.openxmlformats.org/presentationml/2006/main">
+  <p:tag name="RAINPROBLEM" val="ProblemSetting"/>
+  <p:tag name="RAINPROBLEMTYPE" val="MultipleChoice"/>
+</p:tagLst>
+</file>
+
+<file path=ppt/tags/tag61.xml><?xml version="1.0" encoding="utf-8"?>
+<p:tagLst xmlns:a="http://schemas.openxmlformats.org/drawingml/2006/main" xmlns:r="http://schemas.openxmlformats.org/officeDocument/2006/relationships" xmlns:p="http://schemas.openxmlformats.org/presentationml/2006/main">
+  <p:tag name="RAINPROBLEMTYPE" val="ProblemTypeMarker"/>
+</p:tagLst>
+</file>
+
+<file path=ppt/tags/tag62.xml><?xml version="1.0" encoding="utf-8"?>
+<p:tagLst xmlns:a="http://schemas.openxmlformats.org/drawingml/2006/main" xmlns:r="http://schemas.openxmlformats.org/officeDocument/2006/relationships" xmlns:p="http://schemas.openxmlformats.org/presentationml/2006/main">
+  <p:tag name="RAINPROBLEMTYPE" val="ProblemTypeMarker"/>
+</p:tagLst>
+</file>
+
+<file path=ppt/tags/tag63.xml><?xml version="1.0" encoding="utf-8"?>
+<p:tagLst xmlns:a="http://schemas.openxmlformats.org/drawingml/2006/main" xmlns:r="http://schemas.openxmlformats.org/officeDocument/2006/relationships" xmlns:p="http://schemas.openxmlformats.org/presentationml/2006/main">
+  <p:tag name="RAINPROBLEMTYPE" val="ProblemTypeMarker"/>
+</p:tagLst>
+</file>
+
+<file path=ppt/tags/tag64.xml><?xml version="1.0" encoding="utf-8"?>
+<p:tagLst xmlns:a="http://schemas.openxmlformats.org/drawingml/2006/main" xmlns:r="http://schemas.openxmlformats.org/officeDocument/2006/relationships" xmlns:p="http://schemas.openxmlformats.org/presentationml/2006/main">
+  <p:tag name="RAINPROBLEMTYPE" val="ProblemTypeMarker"/>
+</p:tagLst>
+</file>
+
+<file path=ppt/tags/tag65.xml><?xml version="1.0" encoding="utf-8"?>
+<p:tagLst xmlns:a="http://schemas.openxmlformats.org/drawingml/2006/main" xmlns:r="http://schemas.openxmlformats.org/officeDocument/2006/relationships" xmlns:p="http://schemas.openxmlformats.org/presentationml/2006/main">
+  <p:tag name="RAINPROBLEM" val="MultipleChoice"/>
+  <p:tag name="PROBLEMSCORE" val="1.0"/>
+</p:tagLst>
+</file>
+
+<file path=ppt/tags/tag66.xml><?xml version="1.0" encoding="utf-8"?>
+<p:tagLst xmlns:a="http://schemas.openxmlformats.org/drawingml/2006/main" xmlns:r="http://schemas.openxmlformats.org/officeDocument/2006/relationships" xmlns:p="http://schemas.openxmlformats.org/presentationml/2006/main">
+  <p:tag name="RAINPROBLEM" val="ProblemBody"/>
+</p:tagLst>
+</file>
+
+<file path=ppt/tags/tag67.xml><?xml version="1.0" encoding="utf-8"?>
+<p:tagLst xmlns:a="http://schemas.openxmlformats.org/drawingml/2006/main" xmlns:r="http://schemas.openxmlformats.org/officeDocument/2006/relationships" xmlns:p="http://schemas.openxmlformats.org/presentationml/2006/main">
+  <p:tag name="RAINPROBLEM" val="ProblemItem"/>
+</p:tagLst>
+</file>
+
+<file path=ppt/tags/tag68.xml><?xml version="1.0" encoding="utf-8"?>
+<p:tagLst xmlns:a="http://schemas.openxmlformats.org/drawingml/2006/main" xmlns:r="http://schemas.openxmlformats.org/officeDocument/2006/relationships" xmlns:p="http://schemas.openxmlformats.org/presentationml/2006/main">
+  <p:tag name="RAINPROBLEM" val="ProblemItem"/>
+</p:tagLst>
+</file>
+
+<file path=ppt/tags/tag69.xml><?xml version="1.0" encoding="utf-8"?>
+<p:tagLst xmlns:a="http://schemas.openxmlformats.org/drawingml/2006/main" xmlns:r="http://schemas.openxmlformats.org/officeDocument/2006/relationships" xmlns:p="http://schemas.openxmlformats.org/presentationml/2006/main">
+  <p:tag name="RAINPROBLEM" val="ProblemItem"/>
+</p:tagLst>
+</file>
+
+<file path=ppt/tags/tag7.xml><?xml version="1.0" encoding="utf-8"?>
+<p:tagLst xmlns:a="http://schemas.openxmlformats.org/drawingml/2006/main" xmlns:r="http://schemas.openxmlformats.org/officeDocument/2006/relationships" xmlns:p="http://schemas.openxmlformats.org/presentationml/2006/main">
+  <p:tag name="RAINPROBLEM" val="ProblemBullet"/>
+  <p:tag name="RAINPROBLEMTYPE" val="MultipleChoiceMA"/>
+  <p:tag name="RAINBULLET" val="Correct"/>
+</p:tagLst>
+</file>
+
+<file path=ppt/tags/tag70.xml><?xml version="1.0" encoding="utf-8"?>
+<p:tagLst xmlns:a="http://schemas.openxmlformats.org/drawingml/2006/main" xmlns:r="http://schemas.openxmlformats.org/officeDocument/2006/relationships" xmlns:p="http://schemas.openxmlformats.org/presentationml/2006/main">
+  <p:tag name="RAINPROBLEM" val="ProblemItem"/>
+</p:tagLst>
+</file>
+
+<file path=ppt/tags/tag71.xml><?xml version="1.0" encoding="utf-8"?>
+<p:tagLst xmlns:a="http://schemas.openxmlformats.org/drawingml/2006/main" xmlns:r="http://schemas.openxmlformats.org/officeDocument/2006/relationships" xmlns:p="http://schemas.openxmlformats.org/presentationml/2006/main">
+  <p:tag name="RAINPROBLEM" val="ProblemBullet"/>
+  <p:tag name="RAINPROBLEMTYPE" val="MultipleChoice"/>
+  <p:tag name="RAINBULLET" val="Wrong"/>
+</p:tagLst>
+</file>
+
+<file path=ppt/tags/tag72.xml><?xml version="1.0" encoding="utf-8"?>
+<p:tagLst xmlns:a="http://schemas.openxmlformats.org/drawingml/2006/main" xmlns:r="http://schemas.openxmlformats.org/officeDocument/2006/relationships" xmlns:p="http://schemas.openxmlformats.org/presentationml/2006/main">
+  <p:tag name="RAINPROBLEM" val="ProblemBullet"/>
+  <p:tag name="RAINPROBLEMTYPE" val="MultipleChoice"/>
+  <p:tag name="RAINBULLET" val="Wrong"/>
+</p:tagLst>
+</file>
+
+<file path=ppt/tags/tag73.xml><?xml version="1.0" encoding="utf-8"?>
+<p:tagLst xmlns:a="http://schemas.openxmlformats.org/drawingml/2006/main" xmlns:r="http://schemas.openxmlformats.org/officeDocument/2006/relationships" xmlns:p="http://schemas.openxmlformats.org/presentationml/2006/main">
+  <p:tag name="RAINPROBLEM" val="ProblemBullet"/>
+  <p:tag name="RAINPROBLEMTYPE" val="MultipleChoice"/>
+  <p:tag name="RAINBULLET" val="Wrong"/>
+</p:tagLst>
+</file>
+
+<file path=ppt/tags/tag74.xml><?xml version="1.0" encoding="utf-8"?>
+<p:tagLst xmlns:a="http://schemas.openxmlformats.org/drawingml/2006/main" xmlns:r="http://schemas.openxmlformats.org/officeDocument/2006/relationships" xmlns:p="http://schemas.openxmlformats.org/presentationml/2006/main">
+  <p:tag name="RAINPROBLEM" val="ProblemBullet"/>
+  <p:tag name="RAINPROBLEMTYPE" val="MultipleChoice"/>
+  <p:tag name="RAINBULLET" val="Correct"/>
+</p:tagLst>
+</file>
+
+<file path=ppt/tags/tag75.xml><?xml version="1.0" encoding="utf-8"?>
+<p:tagLst xmlns:a="http://schemas.openxmlformats.org/drawingml/2006/main" xmlns:r="http://schemas.openxmlformats.org/officeDocument/2006/relationships" xmlns:p="http://schemas.openxmlformats.org/presentationml/2006/main">
+  <p:tag name="RAINPROBLEM" val="ProblemSubmit"/>
+  <p:tag name="RAINPROBLEMTYPE" val="MultipleChoice"/>
+</p:tagLst>
+</file>
+
+<file path=ppt/tags/tag76.xml><?xml version="1.0" encoding="utf-8"?>
+<p:tagLst xmlns:a="http://schemas.openxmlformats.org/drawingml/2006/main" xmlns:r="http://schemas.openxmlformats.org/officeDocument/2006/relationships" xmlns:p="http://schemas.openxmlformats.org/presentationml/2006/main">
+  <p:tag name="RAINPROBLEMTYPE" val="ProblemTypeMarker"/>
+</p:tagLst>
+</file>
+
+<file path=ppt/tags/tag77.xml><?xml version="1.0" encoding="utf-8"?>
+<p:tagLst xmlns:a="http://schemas.openxmlformats.org/drawingml/2006/main" xmlns:r="http://schemas.openxmlformats.org/officeDocument/2006/relationships" xmlns:p="http://schemas.openxmlformats.org/presentationml/2006/main">
+  <p:tag name="RAINPROBLEM" val="ProblemSetting"/>
+  <p:tag name="RAINPROBLEMTYPE" val="MultipleChoice"/>
+</p:tagLst>
+</file>
+
+<file path=ppt/tags/tag78.xml><?xml version="1.0" encoding="utf-8"?>
+<p:tagLst xmlns:a="http://schemas.openxmlformats.org/drawingml/2006/main" xmlns:r="http://schemas.openxmlformats.org/officeDocument/2006/relationships" xmlns:p="http://schemas.openxmlformats.org/presentationml/2006/main">
+  <p:tag name="RAINPROBLEMTYPE" val="ProblemTypeMarker"/>
+</p:tagLst>
+</file>
+
+<file path=ppt/tags/tag79.xml><?xml version="1.0" encoding="utf-8"?>
+<p:tagLst xmlns:a="http://schemas.openxmlformats.org/drawingml/2006/main" xmlns:r="http://schemas.openxmlformats.org/officeDocument/2006/relationships" xmlns:p="http://schemas.openxmlformats.org/presentationml/2006/main">
+  <p:tag name="RAINPROBLEMTYPE" val="ProblemTypeMarker"/>
+</p:tagLst>
+</file>
+
+<file path=ppt/tags/tag8.xml><?xml version="1.0" encoding="utf-8"?>
+<p:tagLst xmlns:a="http://schemas.openxmlformats.org/drawingml/2006/main" xmlns:r="http://schemas.openxmlformats.org/officeDocument/2006/relationships" xmlns:p="http://schemas.openxmlformats.org/presentationml/2006/main">
+  <p:tag name="RAINPROBLEM" val="ProblemBullet"/>
+  <p:tag name="RAINPROBLEMTYPE" val="MultipleChoiceMA"/>
+  <p:tag name="RAINBULLET" val="Correct"/>
+</p:tagLst>
+</file>
+
+<file path=ppt/tags/tag80.xml><?xml version="1.0" encoding="utf-8"?>
+<p:tagLst xmlns:a="http://schemas.openxmlformats.org/drawingml/2006/main" xmlns:r="http://schemas.openxmlformats.org/officeDocument/2006/relationships" xmlns:p="http://schemas.openxmlformats.org/presentationml/2006/main">
+  <p:tag name="RAINPROBLEMTYPE" val="ProblemTypeMarker"/>
+</p:tagLst>
+</file>
+
+<file path=ppt/tags/tag81.xml><?xml version="1.0" encoding="utf-8"?>
+<p:tagLst xmlns:a="http://schemas.openxmlformats.org/drawingml/2006/main" xmlns:r="http://schemas.openxmlformats.org/officeDocument/2006/relationships" xmlns:p="http://schemas.openxmlformats.org/presentationml/2006/main">
+  <p:tag name="RAINPROBLEMTYPE" val="ProblemTypeMarker"/>
+</p:tagLst>
+</file>
+
+<file path=ppt/tags/tag82.xml><?xml version="1.0" encoding="utf-8"?>
+<p:tagLst xmlns:a="http://schemas.openxmlformats.org/drawingml/2006/main" xmlns:r="http://schemas.openxmlformats.org/officeDocument/2006/relationships" xmlns:p="http://schemas.openxmlformats.org/presentationml/2006/main">
+  <p:tag name="RAINPROBLEM" val="ShortAnswer"/>
+  <p:tag name="PROBLEMSCORE" val="1.0"/>
+  <p:tag name="PROBLEMVOICEALLOWED" val="False"/>
+</p:tagLst>
+</file>
+
+<file path=ppt/tags/tag83.xml><?xml version="1.0" encoding="utf-8"?>
+<p:tagLst xmlns:a="http://schemas.openxmlformats.org/drawingml/2006/main" xmlns:r="http://schemas.openxmlformats.org/officeDocument/2006/relationships" xmlns:p="http://schemas.openxmlformats.org/presentationml/2006/main">
+  <p:tag name="RAINPROBLEM" val="ProblemBody"/>
+</p:tagLst>
+</file>
+
+<file path=ppt/tags/tag84.xml><?xml version="1.0" encoding="utf-8"?>
+<p:tagLst xmlns:a="http://schemas.openxmlformats.org/drawingml/2006/main" xmlns:r="http://schemas.openxmlformats.org/officeDocument/2006/relationships" xmlns:p="http://schemas.openxmlformats.org/presentationml/2006/main">
+  <p:tag name="RAINPROBLEM" val="ProblemSubmit"/>
+  <p:tag name="RAINPROBLEMTYPE" val="ShortAnswer"/>
+</p:tagLst>
+</file>
+
+<file path=ppt/tags/tag85.xml><?xml version="1.0" encoding="utf-8"?>
+<p:tagLst xmlns:a="http://schemas.openxmlformats.org/drawingml/2006/main" xmlns:r="http://schemas.openxmlformats.org/officeDocument/2006/relationships" xmlns:p="http://schemas.openxmlformats.org/presentationml/2006/main">
+  <p:tag name="PRODUCTVERSIONTIP" val="PRODUCTVERSIONTIP"/>
+</p:tagLst>
+</file>
+
+<file path=ppt/tags/tag86.xml><?xml version="1.0" encoding="utf-8"?>
+<p:tagLst xmlns:a="http://schemas.openxmlformats.org/drawingml/2006/main" xmlns:r="http://schemas.openxmlformats.org/officeDocument/2006/relationships" xmlns:p="http://schemas.openxmlformats.org/presentationml/2006/main">
+  <p:tag name="RAINPROBLEMTYPE" val="ProblemTypeMarker"/>
+</p:tagLst>
+</file>
+
+<file path=ppt/tags/tag87.xml><?xml version="1.0" encoding="utf-8"?>
+<p:tagLst xmlns:a="http://schemas.openxmlformats.org/drawingml/2006/main" xmlns:r="http://schemas.openxmlformats.org/officeDocument/2006/relationships" xmlns:p="http://schemas.openxmlformats.org/presentationml/2006/main">
+  <p:tag name="RAINPROBLEM" val="ProblemSetting"/>
+  <p:tag name="RAINPROBLEMTYPE" val="ShortAnswer"/>
+</p:tagLst>
+</file>
+
+<file path=ppt/tags/tag88.xml><?xml version="1.0" encoding="utf-8"?>
+<p:tagLst xmlns:a="http://schemas.openxmlformats.org/drawingml/2006/main" xmlns:r="http://schemas.openxmlformats.org/officeDocument/2006/relationships" xmlns:p="http://schemas.openxmlformats.org/presentationml/2006/main">
+  <p:tag name="RAINPROBLEMTYPE" val="ProblemTypeMarker"/>
+</p:tagLst>
+</file>
+
+<file path=ppt/tags/tag89.xml><?xml version="1.0" encoding="utf-8"?>
+<p:tagLst xmlns:a="http://schemas.openxmlformats.org/drawingml/2006/main" xmlns:r="http://schemas.openxmlformats.org/officeDocument/2006/relationships" xmlns:p="http://schemas.openxmlformats.org/presentationml/2006/main">
+  <p:tag name="RAINPROBLEMTYPE" val="ProblemTypeMarker"/>
+</p:tagLst>
+</file>
+
+<file path=ppt/tags/tag9.xml><?xml version="1.0" encoding="utf-8"?>
+<p:tagLst xmlns:a="http://schemas.openxmlformats.org/drawingml/2006/main" xmlns:r="http://schemas.openxmlformats.org/officeDocument/2006/relationships" xmlns:p="http://schemas.openxmlformats.org/presentationml/2006/main">
+  <p:tag name="RAINPROBLEM" val="ProblemBullet"/>
+  <p:tag name="RAINPROBLEMTYPE" val="MultipleChoiceMA"/>
+  <p:tag name="RAINBULLET" val="Wrong"/>
+</p:tagLst>
+</file>
+
+<file path=ppt/tags/tag90.xml><?xml version="1.0" encoding="utf-8"?>
+<p:tagLst xmlns:a="http://schemas.openxmlformats.org/drawingml/2006/main" xmlns:r="http://schemas.openxmlformats.org/officeDocument/2006/relationships" xmlns:p="http://schemas.openxmlformats.org/presentationml/2006/main">
+  <p:tag name="RAINPROBLEMTYPE" val="ProblemTypeMarker"/>
+</p:tagLst>
+</file>
+
+<file path=ppt/tags/tag91.xml><?xml version="1.0" encoding="utf-8"?>
+<p:tagLst xmlns:a="http://schemas.openxmlformats.org/drawingml/2006/main" xmlns:r="http://schemas.openxmlformats.org/officeDocument/2006/relationships" xmlns:p="http://schemas.openxmlformats.org/presentationml/2006/main">
+  <p:tag name="RAINPROBLEMTYPE" val="ProblemTypeMarker"/>
+</p:tagLst>
 </file>
 
 <file path=ppt/theme/theme1.xml><?xml version="1.0" encoding="utf-8"?>
